--- a/reference_content/Slides/tensorboard_cnn_2.pptx
+++ b/reference_content/Slides/tensorboard_cnn_2.pptx
@@ -5,47 +5,52 @@
     <p:sldMasterId id="2147483660" r:id="rId1"/>
   </p:sldMasterIdLst>
   <p:notesMasterIdLst>
-    <p:notesMasterId r:id="rId40"/>
+    <p:notesMasterId r:id="rId45"/>
   </p:notesMasterIdLst>
   <p:sldIdLst>
     <p:sldId id="256" r:id="rId2"/>
     <p:sldId id="299" r:id="rId3"/>
-    <p:sldId id="268" r:id="rId4"/>
-    <p:sldId id="287" r:id="rId5"/>
-    <p:sldId id="288" r:id="rId6"/>
-    <p:sldId id="290" r:id="rId7"/>
-    <p:sldId id="260" r:id="rId8"/>
-    <p:sldId id="269" r:id="rId9"/>
-    <p:sldId id="291" r:id="rId10"/>
-    <p:sldId id="285" r:id="rId11"/>
-    <p:sldId id="286" r:id="rId12"/>
-    <p:sldId id="292" r:id="rId13"/>
-    <p:sldId id="293" r:id="rId14"/>
-    <p:sldId id="294" r:id="rId15"/>
-    <p:sldId id="257" r:id="rId16"/>
-    <p:sldId id="277" r:id="rId17"/>
-    <p:sldId id="295" r:id="rId18"/>
-    <p:sldId id="278" r:id="rId19"/>
-    <p:sldId id="279" r:id="rId20"/>
-    <p:sldId id="280" r:id="rId21"/>
-    <p:sldId id="281" r:id="rId22"/>
-    <p:sldId id="282" r:id="rId23"/>
-    <p:sldId id="296" r:id="rId24"/>
-    <p:sldId id="283" r:id="rId25"/>
-    <p:sldId id="284" r:id="rId26"/>
-    <p:sldId id="297" r:id="rId27"/>
-    <p:sldId id="264" r:id="rId28"/>
-    <p:sldId id="265" r:id="rId29"/>
-    <p:sldId id="266" r:id="rId30"/>
-    <p:sldId id="267" r:id="rId31"/>
-    <p:sldId id="273" r:id="rId32"/>
-    <p:sldId id="298" r:id="rId33"/>
-    <p:sldId id="274" r:id="rId34"/>
-    <p:sldId id="271" r:id="rId35"/>
-    <p:sldId id="275" r:id="rId36"/>
-    <p:sldId id="272" r:id="rId37"/>
-    <p:sldId id="276" r:id="rId38"/>
-    <p:sldId id="261" r:id="rId39"/>
+    <p:sldId id="300" r:id="rId4"/>
+    <p:sldId id="268" r:id="rId5"/>
+    <p:sldId id="301" r:id="rId6"/>
+    <p:sldId id="287" r:id="rId7"/>
+    <p:sldId id="288" r:id="rId8"/>
+    <p:sldId id="285" r:id="rId9"/>
+    <p:sldId id="286" r:id="rId10"/>
+    <p:sldId id="292" r:id="rId11"/>
+    <p:sldId id="293" r:id="rId12"/>
+    <p:sldId id="290" r:id="rId13"/>
+    <p:sldId id="260" r:id="rId14"/>
+    <p:sldId id="269" r:id="rId15"/>
+    <p:sldId id="291" r:id="rId16"/>
+    <p:sldId id="294" r:id="rId17"/>
+    <p:sldId id="257" r:id="rId18"/>
+    <p:sldId id="277" r:id="rId19"/>
+    <p:sldId id="302" r:id="rId20"/>
+    <p:sldId id="295" r:id="rId21"/>
+    <p:sldId id="278" r:id="rId22"/>
+    <p:sldId id="279" r:id="rId23"/>
+    <p:sldId id="280" r:id="rId24"/>
+    <p:sldId id="281" r:id="rId25"/>
+    <p:sldId id="282" r:id="rId26"/>
+    <p:sldId id="303" r:id="rId27"/>
+    <p:sldId id="296" r:id="rId28"/>
+    <p:sldId id="283" r:id="rId29"/>
+    <p:sldId id="284" r:id="rId30"/>
+    <p:sldId id="304" r:id="rId31"/>
+    <p:sldId id="297" r:id="rId32"/>
+    <p:sldId id="264" r:id="rId33"/>
+    <p:sldId id="265" r:id="rId34"/>
+    <p:sldId id="266" r:id="rId35"/>
+    <p:sldId id="267" r:id="rId36"/>
+    <p:sldId id="273" r:id="rId37"/>
+    <p:sldId id="298" r:id="rId38"/>
+    <p:sldId id="274" r:id="rId39"/>
+    <p:sldId id="271" r:id="rId40"/>
+    <p:sldId id="275" r:id="rId41"/>
+    <p:sldId id="272" r:id="rId42"/>
+    <p:sldId id="276" r:id="rId43"/>
+    <p:sldId id="261" r:id="rId44"/>
   </p:sldIdLst>
   <p:sldSz cx="12192000" cy="6858000"/>
   <p:notesSz cx="6858000" cy="9144000"/>
@@ -234,7 +239,7 @@
           <a:p>
             <a:fld id="{F8F0290E-670C-844F-84E6-1401D4F94B20}" type="datetimeFigureOut">
               <a:rPr lang="en-US" smtClean="0"/>
-              <a:t>4/5/24</a:t>
+              <a:t>3/26/25</a:t>
             </a:fld>
             <a:endParaRPr lang="en-US"/>
           </a:p>
@@ -566,7 +571,7 @@
           <a:p>
             <a:fld id="{7E22B3AC-0945-984B-BE04-49521141C527}" type="slidenum">
               <a:rPr lang="en-US" smtClean="0"/>
-              <a:t>27</a:t>
+              <a:t>32</a:t>
             </a:fld>
             <a:endParaRPr lang="en-US"/>
           </a:p>
@@ -724,7 +729,7 @@
           <a:p>
             <a:fld id="{2443A080-9A74-BD43-8E7F-CB02CBCFD6B4}" type="datetimeFigureOut">
               <a:rPr lang="en-US" smtClean="0"/>
-              <a:t>4/5/24</a:t>
+              <a:t>3/26/25</a:t>
             </a:fld>
             <a:endParaRPr lang="en-US"/>
           </a:p>
@@ -935,7 +940,7 @@
           <a:p>
             <a:fld id="{2443A080-9A74-BD43-8E7F-CB02CBCFD6B4}" type="datetimeFigureOut">
               <a:rPr lang="en-US" smtClean="0"/>
-              <a:t>4/5/24</a:t>
+              <a:t>3/26/25</a:t>
             </a:fld>
             <a:endParaRPr lang="en-US"/>
           </a:p>
@@ -1150,7 +1155,7 @@
           <a:p>
             <a:fld id="{2443A080-9A74-BD43-8E7F-CB02CBCFD6B4}" type="datetimeFigureOut">
               <a:rPr lang="en-US" smtClean="0"/>
-              <a:t>4/5/24</a:t>
+              <a:t>3/26/25</a:t>
             </a:fld>
             <a:endParaRPr lang="en-US"/>
           </a:p>
@@ -1351,7 +1356,7 @@
           <a:p>
             <a:fld id="{2443A080-9A74-BD43-8E7F-CB02CBCFD6B4}" type="datetimeFigureOut">
               <a:rPr lang="en-US" smtClean="0"/>
-              <a:t>4/5/24</a:t>
+              <a:t>3/26/25</a:t>
             </a:fld>
             <a:endParaRPr lang="en-US"/>
           </a:p>
@@ -1630,7 +1635,7 @@
           <a:p>
             <a:fld id="{2443A080-9A74-BD43-8E7F-CB02CBCFD6B4}" type="datetimeFigureOut">
               <a:rPr lang="en-US" smtClean="0"/>
-              <a:t>4/5/24</a:t>
+              <a:t>3/26/25</a:t>
             </a:fld>
             <a:endParaRPr lang="en-US"/>
           </a:p>
@@ -1898,7 +1903,7 @@
           <a:p>
             <a:fld id="{2443A080-9A74-BD43-8E7F-CB02CBCFD6B4}" type="datetimeFigureOut">
               <a:rPr lang="en-US" smtClean="0"/>
-              <a:t>4/5/24</a:t>
+              <a:t>3/26/25</a:t>
             </a:fld>
             <a:endParaRPr lang="en-US"/>
           </a:p>
@@ -2314,7 +2319,7 @@
           <a:p>
             <a:fld id="{2443A080-9A74-BD43-8E7F-CB02CBCFD6B4}" type="datetimeFigureOut">
               <a:rPr lang="en-US" smtClean="0"/>
-              <a:t>4/5/24</a:t>
+              <a:t>3/26/25</a:t>
             </a:fld>
             <a:endParaRPr lang="en-US"/>
           </a:p>
@@ -2463,7 +2468,7 @@
           <a:p>
             <a:fld id="{2443A080-9A74-BD43-8E7F-CB02CBCFD6B4}" type="datetimeFigureOut">
               <a:rPr lang="en-US" smtClean="0"/>
-              <a:t>4/5/24</a:t>
+              <a:t>3/26/25</a:t>
             </a:fld>
             <a:endParaRPr lang="en-US"/>
           </a:p>
@@ -2589,7 +2594,7 @@
           <a:p>
             <a:fld id="{2443A080-9A74-BD43-8E7F-CB02CBCFD6B4}" type="datetimeFigureOut">
               <a:rPr lang="en-US" smtClean="0"/>
-              <a:t>4/5/24</a:t>
+              <a:t>3/26/25</a:t>
             </a:fld>
             <a:endParaRPr lang="en-US"/>
           </a:p>
@@ -2840,7 +2845,7 @@
           <a:p>
             <a:fld id="{2443A080-9A74-BD43-8E7F-CB02CBCFD6B4}" type="datetimeFigureOut">
               <a:rPr lang="en-US" smtClean="0"/>
-              <a:t>4/5/24</a:t>
+              <a:t>3/26/25</a:t>
             </a:fld>
             <a:endParaRPr lang="en-US"/>
           </a:p>
@@ -3285,7 +3290,7 @@
           <a:p>
             <a:fld id="{2443A080-9A74-BD43-8E7F-CB02CBCFD6B4}" type="datetimeFigureOut">
               <a:rPr lang="en-US" smtClean="0"/>
-              <a:t>4/5/24</a:t>
+              <a:t>3/26/25</a:t>
             </a:fld>
             <a:endParaRPr lang="en-US"/>
           </a:p>
@@ -3612,7 +3617,7 @@
           <a:p>
             <a:fld id="{2443A080-9A74-BD43-8E7F-CB02CBCFD6B4}" type="datetimeFigureOut">
               <a:rPr lang="en-US" smtClean="0"/>
-              <a:t>4/5/24</a:t>
+              <a:t>3/26/25</a:t>
             </a:fld>
             <a:endParaRPr lang="en-US"/>
           </a:p>
@@ -4190,330 +4195,6 @@
           <p:cNvPr id="2" name="Title 1">
             <a:extLst>
               <a:ext uri="{FF2B5EF4-FFF2-40B4-BE49-F238E27FC236}">
-                <a16:creationId xmlns:a16="http://schemas.microsoft.com/office/drawing/2014/main" id="{DFC5DF31-B583-78F0-FD49-B357B7BAF689}"/>
-              </a:ext>
-            </a:extLst>
-          </p:cNvPr>
-          <p:cNvSpPr>
-            <a:spLocks noGrp="1"/>
-          </p:cNvSpPr>
-          <p:nvPr>
-            <p:ph type="title"/>
-          </p:nvPr>
-        </p:nvSpPr>
-        <p:spPr/>
-        <p:txBody>
-          <a:bodyPr/>
-          <a:lstStyle/>
-          <a:p>
-            <a:r>
-              <a:rPr lang="en-US" dirty="0"/>
-              <a:t>Datasets</a:t>
-            </a:r>
-          </a:p>
-        </p:txBody>
-      </p:sp>
-      <p:sp>
-        <p:nvSpPr>
-          <p:cNvPr id="3" name="Content Placeholder 2">
-            <a:extLst>
-              <a:ext uri="{FF2B5EF4-FFF2-40B4-BE49-F238E27FC236}">
-                <a16:creationId xmlns:a16="http://schemas.microsoft.com/office/drawing/2014/main" id="{5542204F-E1BB-0AD8-1274-62771C00F97C}"/>
-              </a:ext>
-            </a:extLst>
-          </p:cNvPr>
-          <p:cNvSpPr>
-            <a:spLocks noGrp="1"/>
-          </p:cNvSpPr>
-          <p:nvPr>
-            <p:ph idx="1"/>
-          </p:nvPr>
-        </p:nvSpPr>
-        <p:spPr>
-          <a:xfrm>
-            <a:off x="1451579" y="1853754"/>
-            <a:ext cx="9603275" cy="4199727"/>
-          </a:xfrm>
-        </p:spPr>
-        <p:txBody>
-          <a:bodyPr/>
-          <a:lstStyle/>
-          <a:p>
-            <a:r>
-              <a:rPr lang="en-US" dirty="0"/>
-              <a:t>Most useful neural networks are trained on large amounts of data. </a:t>
-            </a:r>
-          </a:p>
-          <a:p>
-            <a:pPr lvl="1"/>
-            <a:r>
-              <a:rPr lang="en-US" dirty="0"/>
-              <a:t>The larger the data, the more the capabilities of neural networks become useful. </a:t>
-            </a:r>
-          </a:p>
-          <a:p>
-            <a:r>
-              <a:rPr lang="en-US" dirty="0"/>
-              <a:t>These datasets are not as easy to manage as a </a:t>
-            </a:r>
-            <a:r>
-              <a:rPr lang="en-US" dirty="0" err="1"/>
-              <a:t>dataframe</a:t>
-            </a:r>
-            <a:r>
-              <a:rPr lang="en-US" dirty="0"/>
-              <a:t> with small amounts. </a:t>
-            </a:r>
-          </a:p>
-          <a:p>
-            <a:pPr lvl="1"/>
-            <a:r>
-              <a:rPr lang="en-US" dirty="0"/>
-              <a:t>Data will often exceed the memory of the computer or GPU. </a:t>
-            </a:r>
-          </a:p>
-          <a:p>
-            <a:pPr lvl="1"/>
-            <a:r>
-              <a:rPr lang="en-US" dirty="0"/>
-              <a:t>“Swapping” (using a HD as ‘extra’ memory, like Windows does) is impractical here. </a:t>
-            </a:r>
-          </a:p>
-          <a:p>
-            <a:pPr lvl="1"/>
-            <a:r>
-              <a:rPr lang="en-US" dirty="0"/>
-              <a:t>If we exceed the memory of the system, we are done. </a:t>
-            </a:r>
-          </a:p>
-          <a:p>
-            <a:r>
-              <a:rPr lang="en-US" dirty="0"/>
-              <a:t>We can create special purpose datasets that are smarter for neural networks. </a:t>
-            </a:r>
-          </a:p>
-          <a:p>
-            <a:pPr lvl="1"/>
-            <a:r>
-              <a:rPr lang="en-US" dirty="0"/>
-              <a:t>Able to manage data that is larger than the available memory. </a:t>
-            </a:r>
-          </a:p>
-          <a:p>
-            <a:pPr lvl="1"/>
-            <a:r>
-              <a:rPr lang="en-US" dirty="0"/>
-              <a:t>Able to manage some of the preparation work on their own to help efficiency. </a:t>
-            </a:r>
-          </a:p>
-        </p:txBody>
-      </p:sp>
-    </p:spTree>
-    <p:extLst>
-      <p:ext uri="{BB962C8B-B14F-4D97-AF65-F5344CB8AC3E}">
-        <p14:creationId xmlns:p14="http://schemas.microsoft.com/office/powerpoint/2010/main" val="2699707077"/>
-      </p:ext>
-    </p:extLst>
-  </p:cSld>
-  <p:clrMapOvr>
-    <a:masterClrMapping/>
-  </p:clrMapOvr>
-</p:sld>
-</file>
-
-<file path=ppt/slides/slide11.xml><?xml version="1.0" encoding="utf-8"?>
-<p:sld xmlns:a="http://schemas.openxmlformats.org/drawingml/2006/main" xmlns:r="http://schemas.openxmlformats.org/officeDocument/2006/relationships" xmlns:p="http://schemas.openxmlformats.org/presentationml/2006/main">
-  <p:cSld>
-    <p:spTree>
-      <p:nvGrpSpPr>
-        <p:cNvPr id="1" name=""/>
-        <p:cNvGrpSpPr/>
-        <p:nvPr/>
-      </p:nvGrpSpPr>
-      <p:grpSpPr>
-        <a:xfrm>
-          <a:off x="0" y="0"/>
-          <a:ext cx="0" cy="0"/>
-          <a:chOff x="0" y="0"/>
-          <a:chExt cx="0" cy="0"/>
-        </a:xfrm>
-      </p:grpSpPr>
-      <p:sp>
-        <p:nvSpPr>
-          <p:cNvPr id="2" name="Title 1">
-            <a:extLst>
-              <a:ext uri="{FF2B5EF4-FFF2-40B4-BE49-F238E27FC236}">
-                <a16:creationId xmlns:a16="http://schemas.microsoft.com/office/drawing/2014/main" id="{B26CD158-C026-5396-FA3B-710B19FFE473}"/>
-              </a:ext>
-            </a:extLst>
-          </p:cNvPr>
-          <p:cNvSpPr>
-            <a:spLocks noGrp="1"/>
-          </p:cNvSpPr>
-          <p:nvPr>
-            <p:ph type="title"/>
-          </p:nvPr>
-        </p:nvSpPr>
-        <p:spPr/>
-        <p:txBody>
-          <a:bodyPr/>
-          <a:lstStyle/>
-          <a:p>
-            <a:r>
-              <a:rPr lang="en-US" dirty="0" err="1"/>
-              <a:t>Tensorflow</a:t>
-            </a:r>
-            <a:r>
-              <a:rPr lang="en-US" dirty="0"/>
-              <a:t> Datasets</a:t>
-            </a:r>
-          </a:p>
-        </p:txBody>
-      </p:sp>
-      <p:sp>
-        <p:nvSpPr>
-          <p:cNvPr id="3" name="Content Placeholder 2">
-            <a:extLst>
-              <a:ext uri="{FF2B5EF4-FFF2-40B4-BE49-F238E27FC236}">
-                <a16:creationId xmlns:a16="http://schemas.microsoft.com/office/drawing/2014/main" id="{933995A6-8480-7422-75CE-04E9E31664EA}"/>
-              </a:ext>
-            </a:extLst>
-          </p:cNvPr>
-          <p:cNvSpPr>
-            <a:spLocks noGrp="1"/>
-          </p:cNvSpPr>
-          <p:nvPr>
-            <p:ph idx="1"/>
-          </p:nvPr>
-        </p:nvSpPr>
-        <p:spPr>
-          <a:xfrm>
-            <a:off x="1451579" y="1853754"/>
-            <a:ext cx="9603275" cy="4199727"/>
-          </a:xfrm>
-        </p:spPr>
-        <p:txBody>
-          <a:bodyPr/>
-          <a:lstStyle/>
-          <a:p>
-            <a:r>
-              <a:rPr lang="en-US" dirty="0" err="1"/>
-              <a:t>Tensorflow</a:t>
-            </a:r>
-            <a:r>
-              <a:rPr lang="en-US" dirty="0"/>
-              <a:t> datasets are a container that hold data for TF models. </a:t>
-            </a:r>
-          </a:p>
-          <a:p>
-            <a:pPr lvl="1"/>
-            <a:r>
-              <a:rPr lang="en-US" dirty="0"/>
-              <a:t>For our purposes, these will replace a </a:t>
-            </a:r>
-            <a:r>
-              <a:rPr lang="en-US" dirty="0" err="1"/>
-              <a:t>dataframe</a:t>
-            </a:r>
-            <a:r>
-              <a:rPr lang="en-US" dirty="0"/>
-              <a:t>. </a:t>
-            </a:r>
-          </a:p>
-          <a:p>
-            <a:r>
-              <a:rPr lang="en-US" dirty="0"/>
-              <a:t>The TF datasets are generally made by ‘aiming at’ data, not by ‘giving them’ data.</a:t>
-            </a:r>
-          </a:p>
-          <a:p>
-            <a:pPr lvl="1"/>
-            <a:r>
-              <a:rPr lang="en-US" dirty="0"/>
-              <a:t>For images, we will point it at the directory on disk. </a:t>
-            </a:r>
-          </a:p>
-          <a:p>
-            <a:pPr lvl="1"/>
-            <a:r>
-              <a:rPr lang="en-US" dirty="0"/>
-              <a:t>For other stuff, like text, video, databases, we’d use an equivalent. </a:t>
-            </a:r>
-          </a:p>
-          <a:p>
-            <a:r>
-              <a:rPr lang="en-US" dirty="0"/>
-              <a:t>The datasets are “smart” in some ways. </a:t>
-            </a:r>
-          </a:p>
-          <a:p>
-            <a:pPr lvl="1"/>
-            <a:r>
-              <a:rPr lang="en-US" dirty="0"/>
-              <a:t>They can manage some work to maximize resource utilization. </a:t>
-            </a:r>
-          </a:p>
-          <a:p>
-            <a:pPr lvl="1"/>
-            <a:r>
-              <a:rPr lang="en-US" dirty="0"/>
-              <a:t>Can build things like batch size into the data. </a:t>
-            </a:r>
-          </a:p>
-          <a:p>
-            <a:r>
-              <a:rPr lang="en-US" dirty="0"/>
-              <a:t>We generally need to get data ‘out’ of one to look at it – plot, calculate, </a:t>
-            </a:r>
-            <a:r>
-              <a:rPr lang="en-US" dirty="0" err="1"/>
-              <a:t>etc</a:t>
-            </a:r>
-            <a:r>
-              <a:rPr lang="en-US" dirty="0"/>
-              <a:t>…</a:t>
-            </a:r>
-          </a:p>
-          <a:p>
-            <a:endParaRPr lang="en-US" dirty="0"/>
-          </a:p>
-        </p:txBody>
-      </p:sp>
-    </p:spTree>
-    <p:extLst>
-      <p:ext uri="{BB962C8B-B14F-4D97-AF65-F5344CB8AC3E}">
-        <p14:creationId xmlns:p14="http://schemas.microsoft.com/office/powerpoint/2010/main" val="1483411637"/>
-      </p:ext>
-    </p:extLst>
-  </p:cSld>
-  <p:clrMapOvr>
-    <a:masterClrMapping/>
-  </p:clrMapOvr>
-</p:sld>
-</file>
-
-<file path=ppt/slides/slide12.xml><?xml version="1.0" encoding="utf-8"?>
-<p:sld xmlns:a="http://schemas.openxmlformats.org/drawingml/2006/main" xmlns:r="http://schemas.openxmlformats.org/officeDocument/2006/relationships" xmlns:p="http://schemas.openxmlformats.org/presentationml/2006/main">
-  <p:cSld>
-    <p:spTree>
-      <p:nvGrpSpPr>
-        <p:cNvPr id="1" name=""/>
-        <p:cNvGrpSpPr/>
-        <p:nvPr/>
-      </p:nvGrpSpPr>
-      <p:grpSpPr>
-        <a:xfrm>
-          <a:off x="0" y="0"/>
-          <a:ext cx="0" cy="0"/>
-          <a:chOff x="0" y="0"/>
-          <a:chExt cx="0" cy="0"/>
-        </a:xfrm>
-      </p:grpSpPr>
-      <p:sp>
-        <p:nvSpPr>
-          <p:cNvPr id="2" name="Title 1">
-            <a:extLst>
-              <a:ext uri="{FF2B5EF4-FFF2-40B4-BE49-F238E27FC236}">
                 <a16:creationId xmlns:a16="http://schemas.microsoft.com/office/drawing/2014/main" id="{3569C978-389E-CB71-D95F-2D0F974E92AB}"/>
               </a:ext>
             </a:extLst>
@@ -4612,9 +4293,332 @@
     </p:spTree>
     <p:extLst>
       <p:ext uri="{BB962C8B-B14F-4D97-AF65-F5344CB8AC3E}">
-        <p14:creationId xmlns:p14="http://schemas.microsoft.com/office/powerpoint/2010/main" val="2752792984"/>
+        <p14:creationId xmlns:p14="http://schemas.microsoft.com/office/powerpoint/2010/main" val="251492616"/>
       </p:ext>
     </p:extLst>
+  </p:cSld>
+  <p:clrMapOvr>
+    <a:masterClrMapping/>
+  </p:clrMapOvr>
+</p:sld>
+</file>
+
+<file path=ppt/slides/slide11.xml><?xml version="1.0" encoding="utf-8"?>
+<p:sld xmlns:a="http://schemas.openxmlformats.org/drawingml/2006/main" xmlns:r="http://schemas.openxmlformats.org/officeDocument/2006/relationships" xmlns:p="http://schemas.openxmlformats.org/presentationml/2006/main">
+  <p:cSld>
+    <p:spTree>
+      <p:nvGrpSpPr>
+        <p:cNvPr id="1" name=""/>
+        <p:cNvGrpSpPr/>
+        <p:nvPr/>
+      </p:nvGrpSpPr>
+      <p:grpSpPr>
+        <a:xfrm>
+          <a:off x="0" y="0"/>
+          <a:ext cx="0" cy="0"/>
+          <a:chOff x="0" y="0"/>
+          <a:chExt cx="0" cy="0"/>
+        </a:xfrm>
+      </p:grpSpPr>
+      <p:sp>
+        <p:nvSpPr>
+          <p:cNvPr id="2" name="Title 1">
+            <a:extLst>
+              <a:ext uri="{FF2B5EF4-FFF2-40B4-BE49-F238E27FC236}">
+                <a16:creationId xmlns:a16="http://schemas.microsoft.com/office/drawing/2014/main" id="{FA3B0B81-CDB9-960E-9897-0492898ACF79}"/>
+              </a:ext>
+            </a:extLst>
+          </p:cNvPr>
+          <p:cNvSpPr>
+            <a:spLocks noGrp="1"/>
+          </p:cNvSpPr>
+          <p:nvPr>
+            <p:ph type="title"/>
+          </p:nvPr>
+        </p:nvSpPr>
+        <p:spPr/>
+        <p:txBody>
+          <a:bodyPr/>
+          <a:lstStyle/>
+          <a:p>
+            <a:r>
+              <a:rPr lang="en-US" dirty="0"/>
+              <a:t>Datasets in </a:t>
+            </a:r>
+            <a:r>
+              <a:rPr lang="en-US" dirty="0" err="1"/>
+              <a:t>Tensorflow</a:t>
+            </a:r>
+            <a:endParaRPr lang="en-US" dirty="0"/>
+          </a:p>
+        </p:txBody>
+      </p:sp>
+      <p:sp>
+        <p:nvSpPr>
+          <p:cNvPr id="3" name="Content Placeholder 2">
+            <a:extLst>
+              <a:ext uri="{FF2B5EF4-FFF2-40B4-BE49-F238E27FC236}">
+                <a16:creationId xmlns:a16="http://schemas.microsoft.com/office/drawing/2014/main" id="{FBB0D6F7-2C8A-5B9D-CD6C-581B706B61A9}"/>
+              </a:ext>
+            </a:extLst>
+          </p:cNvPr>
+          <p:cNvSpPr>
+            <a:spLocks noGrp="1"/>
+          </p:cNvSpPr>
+          <p:nvPr>
+            <p:ph idx="1"/>
+          </p:nvPr>
+        </p:nvSpPr>
+        <p:spPr>
+          <a:xfrm>
+            <a:off x="1451579" y="2015732"/>
+            <a:ext cx="9603275" cy="4037749"/>
+          </a:xfrm>
+        </p:spPr>
+        <p:txBody>
+          <a:bodyPr/>
+          <a:lstStyle/>
+          <a:p>
+            <a:r>
+              <a:rPr lang="en-US" dirty="0"/>
+              <a:t>When dealing with larger data, or non-tabular data we normally use a dataset. </a:t>
+            </a:r>
+          </a:p>
+          <a:p>
+            <a:pPr lvl="1"/>
+            <a:r>
+              <a:rPr lang="en-US" dirty="0"/>
+              <a:t>For small data, it isn’t really critical or important. </a:t>
+            </a:r>
+          </a:p>
+          <a:p>
+            <a:pPr lvl="1"/>
+            <a:r>
+              <a:rPr lang="en-US" dirty="0"/>
+              <a:t>We can make a </a:t>
+            </a:r>
+            <a:r>
+              <a:rPr lang="en-US" dirty="0" err="1"/>
+              <a:t>tensorflow</a:t>
+            </a:r>
+            <a:r>
+              <a:rPr lang="en-US" dirty="0"/>
+              <a:t> dataset from array/</a:t>
+            </a:r>
+            <a:r>
+              <a:rPr lang="en-US" dirty="0" err="1"/>
+              <a:t>df</a:t>
+            </a:r>
+            <a:r>
+              <a:rPr lang="en-US" dirty="0"/>
+              <a:t> data, there just isn’t really a need. </a:t>
+            </a:r>
+          </a:p>
+          <a:p>
+            <a:r>
+              <a:rPr lang="en-US" dirty="0"/>
+              <a:t>The dataset can be constructed by:</a:t>
+            </a:r>
+          </a:p>
+          <a:p>
+            <a:pPr lvl="1"/>
+            <a:r>
+              <a:rPr lang="en-US" dirty="0"/>
+              <a:t>Aiming it at the source (usually a folder, for us). </a:t>
+            </a:r>
+          </a:p>
+          <a:p>
+            <a:pPr lvl="1"/>
+            <a:r>
+              <a:rPr lang="en-US" dirty="0"/>
+              <a:t>Setting the parameters that belong to the dataset (if needed, these are performance related). </a:t>
+            </a:r>
+          </a:p>
+          <a:p>
+            <a:r>
+              <a:rPr lang="en-US" dirty="0"/>
+              <a:t>We can configure the pipeline to be efficient – load and process at once. </a:t>
+            </a:r>
+          </a:p>
+          <a:p>
+            <a:r>
+              <a:rPr lang="en-US" dirty="0"/>
+              <a:t>These datasets and pipelines are more customized than the </a:t>
+            </a:r>
+            <a:r>
+              <a:rPr lang="en-US" dirty="0" err="1"/>
+              <a:t>sklearn</a:t>
+            </a:r>
+            <a:r>
+              <a:rPr lang="en-US" dirty="0"/>
+              <a:t>.</a:t>
+            </a:r>
+          </a:p>
+          <a:p>
+            <a:pPr lvl="1"/>
+            <a:r>
+              <a:rPr lang="en-US" dirty="0"/>
+              <a:t>In </a:t>
+            </a:r>
+            <a:r>
+              <a:rPr lang="en-US" dirty="0" err="1"/>
+              <a:t>sklearn</a:t>
+            </a:r>
+            <a:r>
+              <a:rPr lang="en-US" dirty="0"/>
+              <a:t> things are in memory, so most of these things aren’t considerations. </a:t>
+            </a:r>
+          </a:p>
+        </p:txBody>
+      </p:sp>
+    </p:spTree>
+    <p:extLst>
+      <p:ext uri="{BB962C8B-B14F-4D97-AF65-F5344CB8AC3E}">
+        <p14:creationId xmlns:p14="http://schemas.microsoft.com/office/powerpoint/2010/main" val="3547024737"/>
+      </p:ext>
+    </p:extLst>
+  </p:cSld>
+  <p:clrMapOvr>
+    <a:masterClrMapping/>
+  </p:clrMapOvr>
+</p:sld>
+</file>
+
+<file path=ppt/slides/slide12.xml><?xml version="1.0" encoding="utf-8"?>
+<p:sld xmlns:a="http://schemas.openxmlformats.org/drawingml/2006/main" xmlns:r="http://schemas.openxmlformats.org/officeDocument/2006/relationships" xmlns:p="http://schemas.openxmlformats.org/presentationml/2006/main">
+  <p:cSld>
+    <p:spTree>
+      <p:nvGrpSpPr>
+        <p:cNvPr id="1" name=""/>
+        <p:cNvGrpSpPr/>
+        <p:nvPr/>
+      </p:nvGrpSpPr>
+      <p:grpSpPr>
+        <a:xfrm>
+          <a:off x="0" y="0"/>
+          <a:ext cx="0" cy="0"/>
+          <a:chOff x="0" y="0"/>
+          <a:chExt cx="0" cy="0"/>
+        </a:xfrm>
+      </p:grpSpPr>
+      <p:sp>
+        <p:nvSpPr>
+          <p:cNvPr id="258" name="Title 1"/>
+          <p:cNvSpPr txBox="1">
+            <a:spLocks noGrp="1"/>
+          </p:cNvSpPr>
+          <p:nvPr>
+            <p:ph type="title"/>
+          </p:nvPr>
+        </p:nvSpPr>
+        <p:spPr>
+          <a:xfrm>
+            <a:off x="1451578" y="804519"/>
+            <a:ext cx="9603277" cy="1049236"/>
+          </a:xfrm>
+          <a:prstGeom prst="rect">
+            <a:avLst/>
+          </a:prstGeom>
+        </p:spPr>
+        <p:txBody>
+          <a:bodyPr/>
+          <a:lstStyle/>
+          <a:p>
+            <a:r>
+              <a:t>Data Augmentation</a:t>
+            </a:r>
+          </a:p>
+        </p:txBody>
+      </p:sp>
+      <p:sp>
+        <p:nvSpPr>
+          <p:cNvPr id="259" name="Content Placeholder 2"/>
+          <p:cNvSpPr txBox="1">
+            <a:spLocks noGrp="1"/>
+          </p:cNvSpPr>
+          <p:nvPr>
+            <p:ph type="body" idx="1"/>
+          </p:nvPr>
+        </p:nvSpPr>
+        <p:spPr>
+          <a:xfrm>
+            <a:off x="1451578" y="1853753"/>
+            <a:ext cx="9603277" cy="3612592"/>
+          </a:xfrm>
+          <a:prstGeom prst="rect">
+            <a:avLst/>
+          </a:prstGeom>
+        </p:spPr>
+        <p:txBody>
+          <a:bodyPr/>
+          <a:lstStyle/>
+          <a:p>
+            <a:r>
+              <a:t>Recall the #1 rule of better predictions – get more data. </a:t>
+            </a:r>
+          </a:p>
+          <a:p>
+            <a:r>
+              <a:t>Images make it easy to generate more data for training. </a:t>
+            </a:r>
+          </a:p>
+          <a:p>
+            <a:pPr marL="685800" lvl="1" indent="-228600">
+              <a:spcBef>
+                <a:spcPts val="500"/>
+              </a:spcBef>
+              <a:defRPr sz="1800"/>
+            </a:pPr>
+            <a:r>
+              <a:t>Flip images. </a:t>
+            </a:r>
+          </a:p>
+          <a:p>
+            <a:pPr marL="685800" lvl="1" indent="-228600">
+              <a:spcBef>
+                <a:spcPts val="500"/>
+              </a:spcBef>
+              <a:defRPr sz="1800"/>
+            </a:pPr>
+            <a:r>
+              <a:t>Shift a window to parts of an image. </a:t>
+            </a:r>
+          </a:p>
+          <a:p>
+            <a:r>
+              <a:t>Easy to do when constructing a dataset. </a:t>
+            </a:r>
+          </a:p>
+        </p:txBody>
+      </p:sp>
+      <p:pic>
+        <p:nvPicPr>
+          <p:cNvPr id="260" name="Picture 4" descr="Picture 4"/>
+          <p:cNvPicPr>
+            <a:picLocks noChangeAspect="1"/>
+          </p:cNvPicPr>
+          <p:nvPr/>
+        </p:nvPicPr>
+        <p:blipFill>
+          <a:blip r:embed="rId2"/>
+          <a:stretch>
+            <a:fillRect/>
+          </a:stretch>
+        </p:blipFill>
+        <p:spPr>
+          <a:xfrm>
+            <a:off x="3757960" y="4043310"/>
+            <a:ext cx="5436806" cy="2756631"/>
+          </a:xfrm>
+          <a:prstGeom prst="rect">
+            <a:avLst/>
+          </a:prstGeom>
+          <a:ln w="12700">
+            <a:miter lim="400000"/>
+          </a:ln>
+        </p:spPr>
+      </p:pic>
+    </p:spTree>
   </p:cSld>
   <p:clrMapOvr>
     <a:masterClrMapping/>
@@ -4644,7 +4648,7 @@
           <p:cNvPr id="2" name="Title 1">
             <a:extLst>
               <a:ext uri="{FF2B5EF4-FFF2-40B4-BE49-F238E27FC236}">
-                <a16:creationId xmlns:a16="http://schemas.microsoft.com/office/drawing/2014/main" id="{FA3B0B81-CDB9-960E-9897-0492898ACF79}"/>
+                <a16:creationId xmlns:a16="http://schemas.microsoft.com/office/drawing/2014/main" id="{7266397F-5254-F547-A1EC-4EAA2913DAB1}"/>
               </a:ext>
             </a:extLst>
           </p:cNvPr>
@@ -4662,13 +4666,8 @@
           <a:p>
             <a:r>
               <a:rPr lang="en-US" dirty="0"/>
-              <a:t>Datasets in </a:t>
-            </a:r>
-            <a:r>
-              <a:rPr lang="en-US" dirty="0" err="1"/>
-              <a:t>Tensorflow</a:t>
-            </a:r>
-            <a:endParaRPr lang="en-US" dirty="0"/>
+              <a:t>Data Augmentation</a:t>
+            </a:r>
           </a:p>
         </p:txBody>
       </p:sp>
@@ -4677,7 +4676,7 @@
           <p:cNvPr id="3" name="Content Placeholder 2">
             <a:extLst>
               <a:ext uri="{FF2B5EF4-FFF2-40B4-BE49-F238E27FC236}">
-                <a16:creationId xmlns:a16="http://schemas.microsoft.com/office/drawing/2014/main" id="{FBB0D6F7-2C8A-5B9D-CD6C-581B706B61A9}"/>
+                <a16:creationId xmlns:a16="http://schemas.microsoft.com/office/drawing/2014/main" id="{B2D8E7B3-32A5-384B-853B-3487B7A2AD7D}"/>
               </a:ext>
             </a:extLst>
           </p:cNvPr>
@@ -4700,69 +4699,53 @@
           <a:p>
             <a:r>
               <a:rPr lang="en-US" dirty="0"/>
-              <a:t>When dealing with larger data, or non-tabular data we normally use a dataset. </a:t>
-            </a:r>
-          </a:p>
-          <a:p>
-            <a:pPr lvl="1"/>
-            <a:r>
-              <a:rPr lang="en-US" dirty="0"/>
-              <a:t>For small data, it isn’t really critical or important. </a:t>
-            </a:r>
-          </a:p>
-          <a:p>
-            <a:r>
-              <a:rPr lang="en-US" dirty="0"/>
-              <a:t>The dataset can be constructed by:</a:t>
-            </a:r>
-          </a:p>
-          <a:p>
-            <a:pPr lvl="1"/>
-            <a:r>
-              <a:rPr lang="en-US" dirty="0"/>
-              <a:t>Aiming it at the source (usually a folder, for us). </a:t>
-            </a:r>
-          </a:p>
-          <a:p>
-            <a:pPr lvl="1"/>
-            <a:r>
-              <a:rPr lang="en-US" dirty="0"/>
-              <a:t>Setting the parameters that belong to the dataset (if needed, these are performance related). </a:t>
-            </a:r>
-          </a:p>
-          <a:p>
-            <a:r>
-              <a:rPr lang="en-US" dirty="0"/>
-              <a:t>We can configure the pipeline to be efficient – load and process at once. </a:t>
-            </a:r>
-          </a:p>
-          <a:p>
-            <a:r>
-              <a:rPr lang="en-US" dirty="0"/>
-              <a:t>These datasets and pipelines are more customized than the </a:t>
-            </a:r>
-            <a:r>
-              <a:rPr lang="en-US" dirty="0" err="1"/>
-              <a:t>sklearn</a:t>
-            </a:r>
-            <a:r>
-              <a:rPr lang="en-US" dirty="0"/>
-              <a:t>.</a:t>
-            </a:r>
-          </a:p>
-          <a:p>
-            <a:pPr lvl="1"/>
-            <a:r>
-              <a:rPr lang="en-US" dirty="0"/>
-              <a:t>In </a:t>
-            </a:r>
-            <a:r>
-              <a:rPr lang="en-US" dirty="0" err="1"/>
-              <a:t>sklearn</a:t>
-            </a:r>
-            <a:r>
-              <a:rPr lang="en-US" dirty="0"/>
-              <a:t> things are in memory, so most of these things aren’t considerations. </a:t>
+              <a:t>Data augmentation is the creation of synthetic training data. </a:t>
+            </a:r>
+          </a:p>
+          <a:p>
+            <a:r>
+              <a:rPr lang="en-US" dirty="0"/>
+              <a:t>This sounds insane, but works more often that you’d think. </a:t>
+            </a:r>
+          </a:p>
+          <a:p>
+            <a:r>
+              <a:rPr lang="en-US" dirty="0"/>
+              <a:t>Data augmentation is actually simpler and easier with images, in most cases. </a:t>
+            </a:r>
+          </a:p>
+          <a:p>
+            <a:pPr lvl="1"/>
+            <a:r>
+              <a:rPr lang="en-US" dirty="0"/>
+              <a:t>We generally want to do some variety of image recognition. </a:t>
+            </a:r>
+          </a:p>
+          <a:p>
+            <a:pPr lvl="1"/>
+            <a:r>
+              <a:rPr lang="en-US" dirty="0"/>
+              <a:t>The things we want to recognize can ‘move around’ in an image, and the data is still good. </a:t>
+            </a:r>
+          </a:p>
+          <a:p>
+            <a:r>
+              <a:rPr lang="en-US" dirty="0"/>
+              <a:t>When using data augmentation for image data, it allows us to increase data size, without actually collecting and maintaining large datasets. </a:t>
+            </a:r>
+          </a:p>
+          <a:p>
+            <a:pPr lvl="1"/>
+            <a:r>
+              <a:rPr lang="en-US" dirty="0"/>
+              <a:t>We can instead create generators – things that make data for the model, on demand. </a:t>
+            </a:r>
+          </a:p>
+          <a:p>
+            <a:pPr lvl="1"/>
+            <a:r>
+              <a:rPr lang="en-US" dirty="0"/>
+              <a:t>These generators can apply data augmentation on the fly to make variations of images. </a:t>
             </a:r>
           </a:p>
         </p:txBody>
@@ -4770,7 +4753,7 @@
     </p:spTree>
     <p:extLst>
       <p:ext uri="{BB962C8B-B14F-4D97-AF65-F5344CB8AC3E}">
-        <p14:creationId xmlns:p14="http://schemas.microsoft.com/office/powerpoint/2010/main" val="3345136371"/>
+        <p14:creationId xmlns:p14="http://schemas.microsoft.com/office/powerpoint/2010/main" val="129782984"/>
       </p:ext>
     </p:extLst>
   </p:cSld>
@@ -4802,7 +4785,7 @@
           <p:cNvPr id="2" name="Title 1">
             <a:extLst>
               <a:ext uri="{FF2B5EF4-FFF2-40B4-BE49-F238E27FC236}">
-                <a16:creationId xmlns:a16="http://schemas.microsoft.com/office/drawing/2014/main" id="{CD8B57C3-57BC-CD0A-094F-4C5725029777}"/>
+                <a16:creationId xmlns:a16="http://schemas.microsoft.com/office/drawing/2014/main" id="{ED2725CF-AC52-F71B-1385-BA0BA6FF3375}"/>
               </a:ext>
             </a:extLst>
           </p:cNvPr>
@@ -4818,10 +4801,7 @@
           <a:bodyPr/>
           <a:lstStyle/>
           <a:p>
-            <a:r>
-              <a:rPr lang="en-US" dirty="0"/>
-              <a:t>Monitoring</a:t>
-            </a:r>
+            <a:endParaRPr lang="en-US"/>
           </a:p>
         </p:txBody>
       </p:sp>
@@ -4830,7 +4810,7 @@
           <p:cNvPr id="3" name="Content Placeholder 2">
             <a:extLst>
               <a:ext uri="{FF2B5EF4-FFF2-40B4-BE49-F238E27FC236}">
-                <a16:creationId xmlns:a16="http://schemas.microsoft.com/office/drawing/2014/main" id="{BA5490EF-FE6B-EAF3-6306-D8635DC49B61}"/>
+                <a16:creationId xmlns:a16="http://schemas.microsoft.com/office/drawing/2014/main" id="{AEC4363D-4BA8-3B63-469E-375DF4E2EED0}"/>
               </a:ext>
             </a:extLst>
           </p:cNvPr>
@@ -4850,10 +4830,57 @@
           </a:p>
         </p:txBody>
       </p:sp>
+      <p:pic>
+        <p:nvPicPr>
+          <p:cNvPr id="4098" name="Picture 2" descr="Best data augmentation techniques [2024 update]">
+            <a:extLst>
+              <a:ext uri="{FF2B5EF4-FFF2-40B4-BE49-F238E27FC236}">
+                <a16:creationId xmlns:a16="http://schemas.microsoft.com/office/drawing/2014/main" id="{AF0B5C56-3E66-C440-D0EF-31A5E8A0E854}"/>
+              </a:ext>
+            </a:extLst>
+          </p:cNvPr>
+          <p:cNvPicPr>
+            <a:picLocks noChangeAspect="1" noChangeArrowheads="1"/>
+          </p:cNvPicPr>
+          <p:nvPr/>
+        </p:nvPicPr>
+        <p:blipFill>
+          <a:blip r:embed="rId2">
+            <a:extLst>
+              <a:ext uri="{28A0092B-C50C-407E-A947-70E740481C1C}">
+                <a14:useLocalDpi xmlns:a14="http://schemas.microsoft.com/office/drawing/2010/main" val="0"/>
+              </a:ext>
+            </a:extLst>
+          </a:blip>
+          <a:srcRect/>
+          <a:stretch>
+            <a:fillRect/>
+          </a:stretch>
+        </p:blipFill>
+        <p:spPr bwMode="auto">
+          <a:xfrm>
+            <a:off x="0" y="0"/>
+            <a:ext cx="12192000" cy="6858000"/>
+          </a:xfrm>
+          <a:prstGeom prst="rect">
+            <a:avLst/>
+          </a:prstGeom>
+          <a:noFill/>
+          <a:extLst>
+            <a:ext uri="{909E8E84-426E-40DD-AFC4-6F175D3DCCD1}">
+              <a14:hiddenFill xmlns:a14="http://schemas.microsoft.com/office/drawing/2010/main">
+                <a:solidFill>
+                  <a:srgbClr val="FFFFFF"/>
+                </a:solidFill>
+              </a14:hiddenFill>
+            </a:ext>
+          </a:extLst>
+        </p:spPr>
+      </p:pic>
     </p:spTree>
     <p:extLst>
       <p:ext uri="{BB962C8B-B14F-4D97-AF65-F5344CB8AC3E}">
-        <p14:creationId xmlns:p14="http://schemas.microsoft.com/office/powerpoint/2010/main" val="2993265742"/>
+        <p14:creationId xmlns:p14="http://schemas.microsoft.com/office/powerpoint/2010/main" val="3789128492"/>
       </p:ext>
     </p:extLst>
   </p:cSld>
@@ -4882,6 +4909,195 @@
       </p:grpSpPr>
       <p:sp>
         <p:nvSpPr>
+          <p:cNvPr id="262" name="Title 1"/>
+          <p:cNvSpPr txBox="1">
+            <a:spLocks noGrp="1"/>
+          </p:cNvSpPr>
+          <p:nvPr>
+            <p:ph type="title"/>
+          </p:nvPr>
+        </p:nvSpPr>
+        <p:spPr>
+          <a:xfrm>
+            <a:off x="1451578" y="804519"/>
+            <a:ext cx="9603277" cy="1049236"/>
+          </a:xfrm>
+          <a:prstGeom prst="rect">
+            <a:avLst/>
+          </a:prstGeom>
+        </p:spPr>
+        <p:txBody>
+          <a:bodyPr/>
+          <a:lstStyle/>
+          <a:p>
+            <a:endParaRPr/>
+          </a:p>
+        </p:txBody>
+      </p:sp>
+      <p:sp>
+        <p:nvSpPr>
+          <p:cNvPr id="263" name="Content Placeholder 2"/>
+          <p:cNvSpPr txBox="1">
+            <a:spLocks noGrp="1"/>
+          </p:cNvSpPr>
+          <p:nvPr>
+            <p:ph type="body" sz="half" idx="1"/>
+          </p:nvPr>
+        </p:nvSpPr>
+        <p:spPr>
+          <a:xfrm>
+            <a:off x="1451578" y="2015731"/>
+            <a:ext cx="9603277" cy="3450615"/>
+          </a:xfrm>
+          <a:prstGeom prst="rect">
+            <a:avLst/>
+          </a:prstGeom>
+        </p:spPr>
+        <p:txBody>
+          <a:bodyPr/>
+          <a:lstStyle/>
+          <a:p>
+            <a:endParaRPr/>
+          </a:p>
+        </p:txBody>
+      </p:sp>
+      <p:pic>
+        <p:nvPicPr>
+          <p:cNvPr id="264" name="Picture 2" descr="Picture 2"/>
+          <p:cNvPicPr>
+            <a:picLocks noChangeAspect="1"/>
+          </p:cNvPicPr>
+          <p:nvPr/>
+        </p:nvPicPr>
+        <p:blipFill>
+          <a:blip r:embed="rId2"/>
+          <a:stretch>
+            <a:fillRect/>
+          </a:stretch>
+        </p:blipFill>
+        <p:spPr>
+          <a:xfrm>
+            <a:off x="1917700" y="323850"/>
+            <a:ext cx="8356600" cy="6210300"/>
+          </a:xfrm>
+          <a:prstGeom prst="rect">
+            <a:avLst/>
+          </a:prstGeom>
+          <a:ln w="12700">
+            <a:miter lim="400000"/>
+          </a:ln>
+        </p:spPr>
+      </p:pic>
+    </p:spTree>
+  </p:cSld>
+  <p:clrMapOvr>
+    <a:masterClrMapping/>
+  </p:clrMapOvr>
+</p:sld>
+</file>
+
+<file path=ppt/slides/slide16.xml><?xml version="1.0" encoding="utf-8"?>
+<p:sld xmlns:a="http://schemas.openxmlformats.org/drawingml/2006/main" xmlns:r="http://schemas.openxmlformats.org/officeDocument/2006/relationships" xmlns:p="http://schemas.openxmlformats.org/presentationml/2006/main">
+  <p:cSld>
+    <p:spTree>
+      <p:nvGrpSpPr>
+        <p:cNvPr id="1" name=""/>
+        <p:cNvGrpSpPr/>
+        <p:nvPr/>
+      </p:nvGrpSpPr>
+      <p:grpSpPr>
+        <a:xfrm>
+          <a:off x="0" y="0"/>
+          <a:ext cx="0" cy="0"/>
+          <a:chOff x="0" y="0"/>
+          <a:chExt cx="0" cy="0"/>
+        </a:xfrm>
+      </p:grpSpPr>
+      <p:sp>
+        <p:nvSpPr>
+          <p:cNvPr id="2" name="Title 1">
+            <a:extLst>
+              <a:ext uri="{FF2B5EF4-FFF2-40B4-BE49-F238E27FC236}">
+                <a16:creationId xmlns:a16="http://schemas.microsoft.com/office/drawing/2014/main" id="{CD8B57C3-57BC-CD0A-094F-4C5725029777}"/>
+              </a:ext>
+            </a:extLst>
+          </p:cNvPr>
+          <p:cNvSpPr>
+            <a:spLocks noGrp="1"/>
+          </p:cNvSpPr>
+          <p:nvPr>
+            <p:ph type="title"/>
+          </p:nvPr>
+        </p:nvSpPr>
+        <p:spPr/>
+        <p:txBody>
+          <a:bodyPr/>
+          <a:lstStyle/>
+          <a:p>
+            <a:r>
+              <a:rPr lang="en-US" dirty="0"/>
+              <a:t>Monitoring and Managing Training</a:t>
+            </a:r>
+          </a:p>
+        </p:txBody>
+      </p:sp>
+      <p:sp>
+        <p:nvSpPr>
+          <p:cNvPr id="3" name="Content Placeholder 2">
+            <a:extLst>
+              <a:ext uri="{FF2B5EF4-FFF2-40B4-BE49-F238E27FC236}">
+                <a16:creationId xmlns:a16="http://schemas.microsoft.com/office/drawing/2014/main" id="{BA5490EF-FE6B-EAF3-6306-D8635DC49B61}"/>
+              </a:ext>
+            </a:extLst>
+          </p:cNvPr>
+          <p:cNvSpPr>
+            <a:spLocks noGrp="1"/>
+          </p:cNvSpPr>
+          <p:nvPr>
+            <p:ph idx="1"/>
+          </p:nvPr>
+        </p:nvSpPr>
+        <p:spPr/>
+        <p:txBody>
+          <a:bodyPr/>
+          <a:lstStyle/>
+          <a:p>
+            <a:endParaRPr lang="en-US"/>
+          </a:p>
+        </p:txBody>
+      </p:sp>
+    </p:spTree>
+    <p:extLst>
+      <p:ext uri="{BB962C8B-B14F-4D97-AF65-F5344CB8AC3E}">
+        <p14:creationId xmlns:p14="http://schemas.microsoft.com/office/powerpoint/2010/main" val="2993265742"/>
+      </p:ext>
+    </p:extLst>
+  </p:cSld>
+  <p:clrMapOvr>
+    <a:masterClrMapping/>
+  </p:clrMapOvr>
+</p:sld>
+</file>
+
+<file path=ppt/slides/slide17.xml><?xml version="1.0" encoding="utf-8"?>
+<p:sld xmlns:a="http://schemas.openxmlformats.org/drawingml/2006/main" xmlns:r="http://schemas.openxmlformats.org/officeDocument/2006/relationships" xmlns:p="http://schemas.openxmlformats.org/presentationml/2006/main">
+  <p:cSld>
+    <p:spTree>
+      <p:nvGrpSpPr>
+        <p:cNvPr id="1" name=""/>
+        <p:cNvGrpSpPr/>
+        <p:nvPr/>
+      </p:nvGrpSpPr>
+      <p:grpSpPr>
+        <a:xfrm>
+          <a:off x="0" y="0"/>
+          <a:ext cx="0" cy="0"/>
+          <a:chOff x="0" y="0"/>
+          <a:chExt cx="0" cy="0"/>
+        </a:xfrm>
+      </p:grpSpPr>
+      <p:sp>
+        <p:nvSpPr>
           <p:cNvPr id="2" name="Title 1">
             <a:extLst>
               <a:ext uri="{FF2B5EF4-FFF2-40B4-BE49-F238E27FC236}">
@@ -4937,8 +5153,8 @@
         </p:nvSpPr>
         <p:spPr>
           <a:xfrm>
-            <a:off x="442913" y="2015734"/>
-            <a:ext cx="5986462" cy="4037747"/>
+            <a:off x="0" y="2015734"/>
+            <a:ext cx="6943725" cy="4037747"/>
           </a:xfrm>
         </p:spPr>
         <p:txBody>
@@ -4996,6 +5212,27 @@
             <a:r>
               <a:rPr lang="en-US" dirty="0"/>
               <a:t> to get a “modern” dashboard to monitor training results. </a:t>
+            </a:r>
+          </a:p>
+          <a:p>
+            <a:r>
+              <a:rPr lang="en-US" dirty="0"/>
+              <a:t>In ‘real’ applications, we’d run </a:t>
+            </a:r>
+            <a:r>
+              <a:rPr lang="en-US" dirty="0" err="1"/>
+              <a:t>tensorboard</a:t>
+            </a:r>
+            <a:r>
+              <a:rPr lang="en-US" dirty="0"/>
+              <a:t> on the server, and connect to it via the web from anywhere. </a:t>
+            </a:r>
+          </a:p>
+          <a:p>
+            <a:pPr lvl="1"/>
+            <a:r>
+              <a:rPr lang="en-US" dirty="0"/>
+              <a:t>You can try locally, it will tell you port when starting. </a:t>
             </a:r>
           </a:p>
         </p:txBody>
@@ -5058,246 +5295,6 @@
 </p:sld>
 </file>
 
-<file path=ppt/slides/slide16.xml><?xml version="1.0" encoding="utf-8"?>
-<p:sld xmlns:a="http://schemas.openxmlformats.org/drawingml/2006/main" xmlns:r="http://schemas.openxmlformats.org/officeDocument/2006/relationships" xmlns:p="http://schemas.openxmlformats.org/presentationml/2006/main">
-  <p:cSld>
-    <p:spTree>
-      <p:nvGrpSpPr>
-        <p:cNvPr id="1" name=""/>
-        <p:cNvGrpSpPr/>
-        <p:nvPr/>
-      </p:nvGrpSpPr>
-      <p:grpSpPr>
-        <a:xfrm>
-          <a:off x="0" y="0"/>
-          <a:ext cx="0" cy="0"/>
-          <a:chOff x="0" y="0"/>
-          <a:chExt cx="0" cy="0"/>
-        </a:xfrm>
-      </p:grpSpPr>
-      <p:sp>
-        <p:nvSpPr>
-          <p:cNvPr id="2" name="Title 1">
-            <a:extLst>
-              <a:ext uri="{FF2B5EF4-FFF2-40B4-BE49-F238E27FC236}">
-                <a16:creationId xmlns:a16="http://schemas.microsoft.com/office/drawing/2014/main" id="{773997A9-EBE8-16CD-615F-6474212A3217}"/>
-              </a:ext>
-            </a:extLst>
-          </p:cNvPr>
-          <p:cNvSpPr>
-            <a:spLocks noGrp="1"/>
-          </p:cNvSpPr>
-          <p:nvPr>
-            <p:ph type="title"/>
-          </p:nvPr>
-        </p:nvSpPr>
-        <p:spPr/>
-        <p:txBody>
-          <a:bodyPr/>
-          <a:lstStyle/>
-          <a:p>
-            <a:r>
-              <a:rPr lang="en-US" dirty="0" err="1"/>
-              <a:t>Tensorboard</a:t>
-            </a:r>
-            <a:endParaRPr lang="en-US" dirty="0"/>
-          </a:p>
-        </p:txBody>
-      </p:sp>
-      <p:sp>
-        <p:nvSpPr>
-          <p:cNvPr id="3" name="Content Placeholder 2">
-            <a:extLst>
-              <a:ext uri="{FF2B5EF4-FFF2-40B4-BE49-F238E27FC236}">
-                <a16:creationId xmlns:a16="http://schemas.microsoft.com/office/drawing/2014/main" id="{46618571-5092-5208-F239-781041E284A1}"/>
-              </a:ext>
-            </a:extLst>
-          </p:cNvPr>
-          <p:cNvSpPr>
-            <a:spLocks noGrp="1"/>
-          </p:cNvSpPr>
-          <p:nvPr>
-            <p:ph idx="1"/>
-          </p:nvPr>
-        </p:nvSpPr>
-        <p:spPr>
-          <a:xfrm>
-            <a:off x="1451579" y="1853754"/>
-            <a:ext cx="9603275" cy="4199727"/>
-          </a:xfrm>
-        </p:spPr>
-        <p:txBody>
-          <a:bodyPr/>
-          <a:lstStyle/>
-          <a:p>
-            <a:r>
-              <a:rPr lang="en-US" dirty="0" err="1"/>
-              <a:t>Tensorboard</a:t>
-            </a:r>
-            <a:r>
-              <a:rPr lang="en-US" dirty="0"/>
-              <a:t> can show lots of stuff and is largely customizable. </a:t>
-            </a:r>
-          </a:p>
-          <a:p>
-            <a:pPr lvl="1"/>
-            <a:r>
-              <a:rPr lang="en-US" dirty="0"/>
-              <a:t>There are lots of examples of how to put things into it online. </a:t>
-            </a:r>
-          </a:p>
-          <a:p>
-            <a:r>
-              <a:rPr lang="en-US" dirty="0"/>
-              <a:t>We’ll use it for the basic monitoring mostly. </a:t>
-            </a:r>
-          </a:p>
-          <a:p>
-            <a:r>
-              <a:rPr lang="en-US" dirty="0"/>
-              <a:t>Key usage:</a:t>
-            </a:r>
-          </a:p>
-          <a:p>
-            <a:pPr lvl="1"/>
-            <a:r>
-              <a:rPr lang="en-US" dirty="0"/>
-              <a:t>Start training on the server you’re using. </a:t>
-            </a:r>
-          </a:p>
-          <a:p>
-            <a:pPr lvl="1"/>
-            <a:r>
-              <a:rPr lang="en-US" dirty="0"/>
-              <a:t>Launch </a:t>
-            </a:r>
-            <a:r>
-              <a:rPr lang="en-US" dirty="0" err="1"/>
-              <a:t>tensorboard</a:t>
-            </a:r>
-            <a:r>
-              <a:rPr lang="en-US" dirty="0"/>
-              <a:t> to monitor it. </a:t>
-            </a:r>
-          </a:p>
-          <a:p>
-            <a:pPr lvl="1"/>
-            <a:r>
-              <a:rPr lang="en-US" dirty="0"/>
-              <a:t>Connect to the web page remotely while the server works. </a:t>
-            </a:r>
-          </a:p>
-          <a:p>
-            <a:r>
-              <a:rPr lang="en-US" dirty="0"/>
-              <a:t>Works mainly by monitoring log files. </a:t>
-            </a:r>
-          </a:p>
-          <a:p>
-            <a:pPr lvl="1"/>
-            <a:r>
-              <a:rPr lang="en-US" dirty="0"/>
-              <a:t>We set a log file directory to monitor, and write logs there via callbacks. </a:t>
-            </a:r>
-          </a:p>
-        </p:txBody>
-      </p:sp>
-    </p:spTree>
-    <p:extLst>
-      <p:ext uri="{BB962C8B-B14F-4D97-AF65-F5344CB8AC3E}">
-        <p14:creationId xmlns:p14="http://schemas.microsoft.com/office/powerpoint/2010/main" val="1969605170"/>
-      </p:ext>
-    </p:extLst>
-  </p:cSld>
-  <p:clrMapOvr>
-    <a:masterClrMapping/>
-  </p:clrMapOvr>
-</p:sld>
-</file>
-
-<file path=ppt/slides/slide17.xml><?xml version="1.0" encoding="utf-8"?>
-<p:sld xmlns:a="http://schemas.openxmlformats.org/drawingml/2006/main" xmlns:r="http://schemas.openxmlformats.org/officeDocument/2006/relationships" xmlns:p="http://schemas.openxmlformats.org/presentationml/2006/main">
-  <p:cSld>
-    <p:spTree>
-      <p:nvGrpSpPr>
-        <p:cNvPr id="1" name=""/>
-        <p:cNvGrpSpPr/>
-        <p:nvPr/>
-      </p:nvGrpSpPr>
-      <p:grpSpPr>
-        <a:xfrm>
-          <a:off x="0" y="0"/>
-          <a:ext cx="0" cy="0"/>
-          <a:chOff x="0" y="0"/>
-          <a:chExt cx="0" cy="0"/>
-        </a:xfrm>
-      </p:grpSpPr>
-      <p:sp>
-        <p:nvSpPr>
-          <p:cNvPr id="2" name="Title 1">
-            <a:extLst>
-              <a:ext uri="{FF2B5EF4-FFF2-40B4-BE49-F238E27FC236}">
-                <a16:creationId xmlns:a16="http://schemas.microsoft.com/office/drawing/2014/main" id="{298F984B-AC12-181A-2124-AF489F9706BE}"/>
-              </a:ext>
-            </a:extLst>
-          </p:cNvPr>
-          <p:cNvSpPr>
-            <a:spLocks noGrp="1"/>
-          </p:cNvSpPr>
-          <p:nvPr>
-            <p:ph type="title"/>
-          </p:nvPr>
-        </p:nvSpPr>
-        <p:spPr/>
-        <p:txBody>
-          <a:bodyPr/>
-          <a:lstStyle/>
-          <a:p>
-            <a:r>
-              <a:rPr lang="en-US" dirty="0"/>
-              <a:t>Tuning</a:t>
-            </a:r>
-          </a:p>
-        </p:txBody>
-      </p:sp>
-      <p:sp>
-        <p:nvSpPr>
-          <p:cNvPr id="3" name="Content Placeholder 2">
-            <a:extLst>
-              <a:ext uri="{FF2B5EF4-FFF2-40B4-BE49-F238E27FC236}">
-                <a16:creationId xmlns:a16="http://schemas.microsoft.com/office/drawing/2014/main" id="{959433D1-0970-AF29-3A53-2E381E52A4B0}"/>
-              </a:ext>
-            </a:extLst>
-          </p:cNvPr>
-          <p:cNvSpPr>
-            <a:spLocks noGrp="1"/>
-          </p:cNvSpPr>
-          <p:nvPr>
-            <p:ph idx="1"/>
-          </p:nvPr>
-        </p:nvSpPr>
-        <p:spPr/>
-        <p:txBody>
-          <a:bodyPr/>
-          <a:lstStyle/>
-          <a:p>
-            <a:endParaRPr lang="en-US"/>
-          </a:p>
-        </p:txBody>
-      </p:sp>
-    </p:spTree>
-    <p:extLst>
-      <p:ext uri="{BB962C8B-B14F-4D97-AF65-F5344CB8AC3E}">
-        <p14:creationId xmlns:p14="http://schemas.microsoft.com/office/powerpoint/2010/main" val="1705716502"/>
-      </p:ext>
-    </p:extLst>
-  </p:cSld>
-  <p:clrMapOvr>
-    <a:masterClrMapping/>
-  </p:clrMapOvr>
-</p:sld>
-</file>
-
 <file path=ppt/slides/slide18.xml><?xml version="1.0" encoding="utf-8"?>
 <p:sld xmlns:a="http://schemas.openxmlformats.org/drawingml/2006/main" xmlns:r="http://schemas.openxmlformats.org/officeDocument/2006/relationships" xmlns:p="http://schemas.openxmlformats.org/presentationml/2006/main">
   <p:cSld>
@@ -5320,7 +5317,7 @@
           <p:cNvPr id="2" name="Title 1">
             <a:extLst>
               <a:ext uri="{FF2B5EF4-FFF2-40B4-BE49-F238E27FC236}">
-                <a16:creationId xmlns:a16="http://schemas.microsoft.com/office/drawing/2014/main" id="{DE7AF62F-13D4-5F70-6A6B-7EA82945DD0E}"/>
+                <a16:creationId xmlns:a16="http://schemas.microsoft.com/office/drawing/2014/main" id="{773997A9-EBE8-16CD-615F-6474212A3217}"/>
               </a:ext>
             </a:extLst>
           </p:cNvPr>
@@ -5338,12 +5335,9 @@
           <a:p>
             <a:r>
               <a:rPr lang="en-US" dirty="0" err="1"/>
-              <a:t>Keras</a:t>
-            </a:r>
-            <a:r>
-              <a:rPr lang="en-US" dirty="0"/>
-              <a:t> Tuner</a:t>
-            </a:r>
+              <a:t>Tensorboard</a:t>
+            </a:r>
+            <a:endParaRPr lang="en-US" dirty="0"/>
           </a:p>
         </p:txBody>
       </p:sp>
@@ -5352,7 +5346,7 @@
           <p:cNvPr id="3" name="Content Placeholder 2">
             <a:extLst>
               <a:ext uri="{FF2B5EF4-FFF2-40B4-BE49-F238E27FC236}">
-                <a16:creationId xmlns:a16="http://schemas.microsoft.com/office/drawing/2014/main" id="{DB863BFD-AC18-50A8-538C-8A2D68189B87}"/>
+                <a16:creationId xmlns:a16="http://schemas.microsoft.com/office/drawing/2014/main" id="{46618571-5092-5208-F239-781041E284A1}"/>
               </a:ext>
             </a:extLst>
           </p:cNvPr>
@@ -5365,8 +5359,8 @@
         </p:nvSpPr>
         <p:spPr>
           <a:xfrm>
-            <a:off x="1451579" y="2015732"/>
-            <a:ext cx="9603275" cy="4037749"/>
+            <a:off x="1451579" y="1853754"/>
+            <a:ext cx="9603275" cy="4199727"/>
           </a:xfrm>
         </p:spPr>
         <p:txBody>
@@ -5375,66 +5369,80 @@
           <a:p>
             <a:r>
               <a:rPr lang="en-US" dirty="0" err="1"/>
-              <a:t>Keras</a:t>
-            </a:r>
-            <a:r>
-              <a:rPr lang="en-US" dirty="0"/>
-              <a:t> Tuner is a framework for tuning optimal neural networks. </a:t>
-            </a:r>
-          </a:p>
-          <a:p>
+              <a:t>Tensorboard</a:t>
+            </a:r>
+            <a:r>
+              <a:rPr lang="en-US" dirty="0"/>
+              <a:t> can show lots of stuff and is largely customizable. </a:t>
+            </a:r>
+          </a:p>
+          <a:p>
+            <a:pPr lvl="1"/>
+            <a:r>
+              <a:rPr lang="en-US" dirty="0"/>
+              <a:t>There are lots of examples of how to put things into it online. </a:t>
+            </a:r>
+          </a:p>
+          <a:p>
+            <a:r>
+              <a:rPr lang="en-US" dirty="0"/>
+              <a:t>We’ll use it for the basic monitoring mostly. </a:t>
+            </a:r>
+          </a:p>
+          <a:p>
+            <a:r>
+              <a:rPr lang="en-US" dirty="0"/>
+              <a:t>Key usage:</a:t>
+            </a:r>
+          </a:p>
+          <a:p>
+            <a:pPr lvl="1"/>
+            <a:r>
+              <a:rPr lang="en-US" dirty="0"/>
+              <a:t>Start training on the server you’re using. </a:t>
+            </a:r>
+          </a:p>
+          <a:p>
+            <a:pPr lvl="1"/>
+            <a:r>
+              <a:rPr lang="en-US" dirty="0"/>
+              <a:t>Launch </a:t>
+            </a:r>
             <a:r>
               <a:rPr lang="en-US" dirty="0" err="1"/>
-              <a:t>Analagous-ish</a:t>
-            </a:r>
-            <a:r>
-              <a:rPr lang="en-US" dirty="0"/>
-              <a:t> to a grid search in </a:t>
-            </a:r>
-            <a:r>
-              <a:rPr lang="en-US" dirty="0" err="1"/>
-              <a:t>sklearn</a:t>
-            </a:r>
-            <a:r>
-              <a:rPr lang="en-US" dirty="0"/>
-              <a:t>. </a:t>
-            </a:r>
-          </a:p>
-          <a:p>
-            <a:r>
-              <a:rPr lang="en-US" dirty="0"/>
-              <a:t>We can setup a search for the optimal hyperparameters and structure of a model:</a:t>
-            </a:r>
-          </a:p>
-          <a:p>
-            <a:pPr lvl="1"/>
-            <a:r>
-              <a:rPr lang="en-US" dirty="0"/>
-              <a:t>Hyperparameters like the activation function or optimizer. </a:t>
-            </a:r>
-          </a:p>
-          <a:p>
-            <a:pPr lvl="1"/>
-            <a:r>
-              <a:rPr lang="en-US" dirty="0"/>
-              <a:t>Structure like number of neurons, number of layers, or optional layers (e.g. dropout). </a:t>
-            </a:r>
-          </a:p>
-          <a:p>
-            <a:r>
-              <a:rPr lang="en-US" dirty="0"/>
-              <a:t>The idea is the same as a grid search optimization. </a:t>
-            </a:r>
-          </a:p>
-          <a:p>
-            <a:endParaRPr lang="en-US" dirty="0"/>
+              <a:t>tensorboard</a:t>
+            </a:r>
+            <a:r>
+              <a:rPr lang="en-US" dirty="0"/>
+              <a:t> to monitor it. </a:t>
+            </a:r>
+          </a:p>
+          <a:p>
+            <a:pPr lvl="1"/>
+            <a:r>
+              <a:rPr lang="en-US" dirty="0"/>
+              <a:t>Connect to the web page remotely while the server works. </a:t>
+            </a:r>
+          </a:p>
+          <a:p>
+            <a:r>
+              <a:rPr lang="en-US" dirty="0"/>
+              <a:t>Works mainly by monitoring log files. </a:t>
+            </a:r>
+          </a:p>
+          <a:p>
+            <a:pPr lvl="1"/>
+            <a:r>
+              <a:rPr lang="en-US" dirty="0"/>
+              <a:t>We set a log file directory to monitor, and write logs there via callbacks. </a:t>
+            </a:r>
           </a:p>
         </p:txBody>
       </p:sp>
     </p:spTree>
     <p:extLst>
       <p:ext uri="{BB962C8B-B14F-4D97-AF65-F5344CB8AC3E}">
-        <p14:creationId xmlns:p14="http://schemas.microsoft.com/office/powerpoint/2010/main" val="3365969336"/>
+        <p14:creationId xmlns:p14="http://schemas.microsoft.com/office/powerpoint/2010/main" val="1969605170"/>
       </p:ext>
     </p:extLst>
   </p:cSld>
@@ -5466,7 +5474,7 @@
           <p:cNvPr id="2" name="Title 1">
             <a:extLst>
               <a:ext uri="{FF2B5EF4-FFF2-40B4-BE49-F238E27FC236}">
-                <a16:creationId xmlns:a16="http://schemas.microsoft.com/office/drawing/2014/main" id="{B04C622F-29A3-0C1A-7841-632D1EFA7F86}"/>
+                <a16:creationId xmlns:a16="http://schemas.microsoft.com/office/drawing/2014/main" id="{C2B3041B-70F8-3020-38D5-6EACDB24C7F6}"/>
               </a:ext>
             </a:extLst>
           </p:cNvPr>
@@ -5483,13 +5491,14 @@
           <a:lstStyle/>
           <a:p>
             <a:r>
+              <a:rPr lang="en-US" dirty="0"/>
+              <a:t>Using </a:t>
+            </a:r>
+            <a:r>
               <a:rPr lang="en-US" dirty="0" err="1"/>
-              <a:t>Keras</a:t>
-            </a:r>
-            <a:r>
-              <a:rPr lang="en-US" dirty="0"/>
-              <a:t> Tuner Tools</a:t>
-            </a:r>
+              <a:t>Tensorboard</a:t>
+            </a:r>
+            <a:endParaRPr lang="en-US" dirty="0"/>
           </a:p>
         </p:txBody>
       </p:sp>
@@ -5498,7 +5507,7 @@
           <p:cNvPr id="3" name="Content Placeholder 2">
             <a:extLst>
               <a:ext uri="{FF2B5EF4-FFF2-40B4-BE49-F238E27FC236}">
-                <a16:creationId xmlns:a16="http://schemas.microsoft.com/office/drawing/2014/main" id="{DB78DD2A-38F5-911A-9721-0984AFCEFBFC}"/>
+                <a16:creationId xmlns:a16="http://schemas.microsoft.com/office/drawing/2014/main" id="{D09E8C52-771D-8638-0D73-8253C050A362}"/>
               </a:ext>
             </a:extLst>
           </p:cNvPr>
@@ -5509,90 +5518,71 @@
             <p:ph idx="1"/>
           </p:nvPr>
         </p:nvSpPr>
-        <p:spPr>
-          <a:xfrm>
-            <a:off x="1451579" y="2015732"/>
-            <a:ext cx="9603275" cy="4140519"/>
-          </a:xfrm>
-        </p:spPr>
-        <p:txBody>
-          <a:bodyPr/>
-          <a:lstStyle/>
-          <a:p>
-            <a:r>
-              <a:rPr lang="en-US" dirty="0"/>
-              <a:t>The </a:t>
-            </a:r>
+        <p:spPr/>
+        <p:txBody>
+          <a:bodyPr/>
+          <a:lstStyle/>
+          <a:p>
             <a:r>
               <a:rPr lang="en-US" dirty="0" err="1"/>
-              <a:t>Keras</a:t>
-            </a:r>
-            <a:r>
-              <a:rPr lang="en-US" dirty="0"/>
-              <a:t> tuner process is a little more involved than a </a:t>
+              <a:t>Tensorboard</a:t>
+            </a:r>
+            <a:r>
+              <a:rPr lang="en-US" dirty="0"/>
+              <a:t> can do a lot of things and is very flexible. </a:t>
+            </a:r>
+          </a:p>
+          <a:p>
+            <a:r>
+              <a:rPr lang="en-US" dirty="0"/>
+              <a:t>Almost anything that you can write to a log can be sent to TB. </a:t>
+            </a:r>
+          </a:p>
+          <a:p>
+            <a:r>
+              <a:rPr lang="en-US" dirty="0"/>
+              <a:t>We can create custom callbacks that log whatever we care about. </a:t>
+            </a:r>
+          </a:p>
+          <a:p>
+            <a:r>
+              <a:rPr lang="en-US" dirty="0"/>
+              <a:t>Note: the </a:t>
             </a:r>
             <a:r>
               <a:rPr lang="en-US" dirty="0" err="1"/>
-              <a:t>gridsearch</a:t>
-            </a:r>
-            <a:r>
-              <a:rPr lang="en-US" dirty="0"/>
-              <a:t>. </a:t>
-            </a:r>
-          </a:p>
-          <a:p>
-            <a:r>
-              <a:rPr lang="en-US" dirty="0"/>
-              <a:t>Model builder function:</a:t>
-            </a:r>
-          </a:p>
-          <a:p>
-            <a:pPr lvl="1"/>
-            <a:r>
-              <a:rPr lang="en-US" dirty="0"/>
-              <a:t>We create a model building function that returns a compiled model. </a:t>
-            </a:r>
-          </a:p>
-          <a:p>
-            <a:pPr lvl="1"/>
-            <a:r>
-              <a:rPr lang="en-US" dirty="0"/>
-              <a:t>This function has options built into it to create different models. </a:t>
-            </a:r>
-          </a:p>
-          <a:p>
-            <a:r>
-              <a:rPr lang="en-US" dirty="0"/>
-              <a:t>HP objects:</a:t>
-            </a:r>
-          </a:p>
-          <a:p>
-            <a:pPr lvl="1"/>
-            <a:r>
-              <a:rPr lang="en-US" dirty="0"/>
-              <a:t>The tuner is based on a family of “hp” objects. </a:t>
-            </a:r>
-          </a:p>
-          <a:p>
-            <a:pPr lvl="1"/>
-            <a:r>
-              <a:rPr lang="en-US" dirty="0"/>
-              <a:t>These function like a grid-searched value – we specify the type of choice and the options. </a:t>
-            </a:r>
-          </a:p>
-          <a:p>
-            <a:pPr lvl="1"/>
-            <a:r>
-              <a:rPr lang="en-US" dirty="0"/>
-              <a:t>The object automatically changes options when we run a search. </a:t>
-            </a:r>
+              <a:t>tensorboard</a:t>
+            </a:r>
+            <a:r>
+              <a:rPr lang="en-US" dirty="0"/>
+              <a:t> stuff is a little simpler/cleaner when we have one model only. </a:t>
+            </a:r>
+          </a:p>
+          <a:p>
+            <a:pPr lvl="1"/>
+            <a:r>
+              <a:rPr lang="en-US" dirty="0"/>
+              <a:t>There’s a Boolean switch HPARAMS that controls which gets </a:t>
+            </a:r>
+            <a:r>
+              <a:rPr lang="en-US" dirty="0" err="1"/>
+              <a:t>tensorboarded</a:t>
+            </a:r>
+            <a:r>
+              <a:rPr lang="en-US" dirty="0"/>
+              <a:t> in the workbook </a:t>
+            </a:r>
+          </a:p>
+          <a:p>
+            <a:pPr lvl="1"/>
+            <a:endParaRPr lang="en-US" dirty="0"/>
           </a:p>
         </p:txBody>
       </p:sp>
     </p:spTree>
     <p:extLst>
       <p:ext uri="{BB962C8B-B14F-4D97-AF65-F5344CB8AC3E}">
-        <p14:creationId xmlns:p14="http://schemas.microsoft.com/office/powerpoint/2010/main" val="1402910193"/>
+        <p14:creationId xmlns:p14="http://schemas.microsoft.com/office/powerpoint/2010/main" val="1507163619"/>
       </p:ext>
     </p:extLst>
   </p:cSld>
@@ -5720,6 +5710,12 @@
               <a:t>Basics of transfer learning. </a:t>
             </a:r>
           </a:p>
+          <a:p>
+            <a:r>
+              <a:rPr lang="en-US" dirty="0"/>
+              <a:t>Likely more transfer learning, depending on time/pace. </a:t>
+            </a:r>
+          </a:p>
         </p:txBody>
       </p:sp>
     </p:spTree>
@@ -5736,6 +5732,393 @@
 </file>
 
 <file path=ppt/slides/slide20.xml><?xml version="1.0" encoding="utf-8"?>
+<p:sld xmlns:a="http://schemas.openxmlformats.org/drawingml/2006/main" xmlns:r="http://schemas.openxmlformats.org/officeDocument/2006/relationships" xmlns:p="http://schemas.openxmlformats.org/presentationml/2006/main">
+  <p:cSld>
+    <p:spTree>
+      <p:nvGrpSpPr>
+        <p:cNvPr id="1" name=""/>
+        <p:cNvGrpSpPr/>
+        <p:nvPr/>
+      </p:nvGrpSpPr>
+      <p:grpSpPr>
+        <a:xfrm>
+          <a:off x="0" y="0"/>
+          <a:ext cx="0" cy="0"/>
+          <a:chOff x="0" y="0"/>
+          <a:chExt cx="0" cy="0"/>
+        </a:xfrm>
+      </p:grpSpPr>
+      <p:sp>
+        <p:nvSpPr>
+          <p:cNvPr id="2" name="Title 1">
+            <a:extLst>
+              <a:ext uri="{FF2B5EF4-FFF2-40B4-BE49-F238E27FC236}">
+                <a16:creationId xmlns:a16="http://schemas.microsoft.com/office/drawing/2014/main" id="{298F984B-AC12-181A-2124-AF489F9706BE}"/>
+              </a:ext>
+            </a:extLst>
+          </p:cNvPr>
+          <p:cNvSpPr>
+            <a:spLocks noGrp="1"/>
+          </p:cNvSpPr>
+          <p:nvPr>
+            <p:ph type="title"/>
+          </p:nvPr>
+        </p:nvSpPr>
+        <p:spPr/>
+        <p:txBody>
+          <a:bodyPr/>
+          <a:lstStyle/>
+          <a:p>
+            <a:r>
+              <a:rPr lang="en-US" dirty="0"/>
+              <a:t>Tuning</a:t>
+            </a:r>
+          </a:p>
+        </p:txBody>
+      </p:sp>
+      <p:sp>
+        <p:nvSpPr>
+          <p:cNvPr id="3" name="Content Placeholder 2">
+            <a:extLst>
+              <a:ext uri="{FF2B5EF4-FFF2-40B4-BE49-F238E27FC236}">
+                <a16:creationId xmlns:a16="http://schemas.microsoft.com/office/drawing/2014/main" id="{959433D1-0970-AF29-3A53-2E381E52A4B0}"/>
+              </a:ext>
+            </a:extLst>
+          </p:cNvPr>
+          <p:cNvSpPr>
+            <a:spLocks noGrp="1"/>
+          </p:cNvSpPr>
+          <p:nvPr>
+            <p:ph idx="1"/>
+          </p:nvPr>
+        </p:nvSpPr>
+        <p:spPr/>
+        <p:txBody>
+          <a:bodyPr/>
+          <a:lstStyle/>
+          <a:p>
+            <a:endParaRPr lang="en-US"/>
+          </a:p>
+        </p:txBody>
+      </p:sp>
+    </p:spTree>
+    <p:extLst>
+      <p:ext uri="{BB962C8B-B14F-4D97-AF65-F5344CB8AC3E}">
+        <p14:creationId xmlns:p14="http://schemas.microsoft.com/office/powerpoint/2010/main" val="1705716502"/>
+      </p:ext>
+    </p:extLst>
+  </p:cSld>
+  <p:clrMapOvr>
+    <a:masterClrMapping/>
+  </p:clrMapOvr>
+</p:sld>
+</file>
+
+<file path=ppt/slides/slide21.xml><?xml version="1.0" encoding="utf-8"?>
+<p:sld xmlns:a="http://schemas.openxmlformats.org/drawingml/2006/main" xmlns:r="http://schemas.openxmlformats.org/officeDocument/2006/relationships" xmlns:p="http://schemas.openxmlformats.org/presentationml/2006/main">
+  <p:cSld>
+    <p:spTree>
+      <p:nvGrpSpPr>
+        <p:cNvPr id="1" name=""/>
+        <p:cNvGrpSpPr/>
+        <p:nvPr/>
+      </p:nvGrpSpPr>
+      <p:grpSpPr>
+        <a:xfrm>
+          <a:off x="0" y="0"/>
+          <a:ext cx="0" cy="0"/>
+          <a:chOff x="0" y="0"/>
+          <a:chExt cx="0" cy="0"/>
+        </a:xfrm>
+      </p:grpSpPr>
+      <p:sp>
+        <p:nvSpPr>
+          <p:cNvPr id="2" name="Title 1">
+            <a:extLst>
+              <a:ext uri="{FF2B5EF4-FFF2-40B4-BE49-F238E27FC236}">
+                <a16:creationId xmlns:a16="http://schemas.microsoft.com/office/drawing/2014/main" id="{DE7AF62F-13D4-5F70-6A6B-7EA82945DD0E}"/>
+              </a:ext>
+            </a:extLst>
+          </p:cNvPr>
+          <p:cNvSpPr>
+            <a:spLocks noGrp="1"/>
+          </p:cNvSpPr>
+          <p:nvPr>
+            <p:ph type="title"/>
+          </p:nvPr>
+        </p:nvSpPr>
+        <p:spPr/>
+        <p:txBody>
+          <a:bodyPr/>
+          <a:lstStyle/>
+          <a:p>
+            <a:r>
+              <a:rPr lang="en-US" dirty="0" err="1"/>
+              <a:t>Keras</a:t>
+            </a:r>
+            <a:r>
+              <a:rPr lang="en-US" dirty="0"/>
+              <a:t> Tuner</a:t>
+            </a:r>
+          </a:p>
+        </p:txBody>
+      </p:sp>
+      <p:sp>
+        <p:nvSpPr>
+          <p:cNvPr id="3" name="Content Placeholder 2">
+            <a:extLst>
+              <a:ext uri="{FF2B5EF4-FFF2-40B4-BE49-F238E27FC236}">
+                <a16:creationId xmlns:a16="http://schemas.microsoft.com/office/drawing/2014/main" id="{DB863BFD-AC18-50A8-538C-8A2D68189B87}"/>
+              </a:ext>
+            </a:extLst>
+          </p:cNvPr>
+          <p:cNvSpPr>
+            <a:spLocks noGrp="1"/>
+          </p:cNvSpPr>
+          <p:nvPr>
+            <p:ph idx="1"/>
+          </p:nvPr>
+        </p:nvSpPr>
+        <p:spPr>
+          <a:xfrm>
+            <a:off x="1451579" y="2015732"/>
+            <a:ext cx="9603275" cy="4037749"/>
+          </a:xfrm>
+        </p:spPr>
+        <p:txBody>
+          <a:bodyPr/>
+          <a:lstStyle/>
+          <a:p>
+            <a:r>
+              <a:rPr lang="en-US" dirty="0" err="1"/>
+              <a:t>Keras</a:t>
+            </a:r>
+            <a:r>
+              <a:rPr lang="en-US" dirty="0"/>
+              <a:t> Tuner is a framework for tuning optimal neural networks. </a:t>
+            </a:r>
+          </a:p>
+          <a:p>
+            <a:r>
+              <a:rPr lang="en-US" dirty="0" err="1"/>
+              <a:t>Analagous-ish</a:t>
+            </a:r>
+            <a:r>
+              <a:rPr lang="en-US" dirty="0"/>
+              <a:t> to a grid search in </a:t>
+            </a:r>
+            <a:r>
+              <a:rPr lang="en-US" dirty="0" err="1"/>
+              <a:t>sklearn</a:t>
+            </a:r>
+            <a:r>
+              <a:rPr lang="en-US" dirty="0"/>
+              <a:t>. </a:t>
+            </a:r>
+          </a:p>
+          <a:p>
+            <a:r>
+              <a:rPr lang="en-US" dirty="0"/>
+              <a:t>We can setup a search for the optimal hyperparameters and structure of a model:</a:t>
+            </a:r>
+          </a:p>
+          <a:p>
+            <a:pPr lvl="1"/>
+            <a:r>
+              <a:rPr lang="en-US" dirty="0"/>
+              <a:t>Hyperparameters like the activation function or optimizer. </a:t>
+            </a:r>
+          </a:p>
+          <a:p>
+            <a:pPr lvl="1"/>
+            <a:r>
+              <a:rPr lang="en-US" dirty="0"/>
+              <a:t>Structure like number of neurons, number of layers, or optional layers (e.g. dropout). </a:t>
+            </a:r>
+          </a:p>
+          <a:p>
+            <a:r>
+              <a:rPr lang="en-US" dirty="0"/>
+              <a:t>The idea is the same as a grid search optimization. </a:t>
+            </a:r>
+          </a:p>
+          <a:p>
+            <a:endParaRPr lang="en-US" dirty="0"/>
+          </a:p>
+        </p:txBody>
+      </p:sp>
+    </p:spTree>
+    <p:extLst>
+      <p:ext uri="{BB962C8B-B14F-4D97-AF65-F5344CB8AC3E}">
+        <p14:creationId xmlns:p14="http://schemas.microsoft.com/office/powerpoint/2010/main" val="3365969336"/>
+      </p:ext>
+    </p:extLst>
+  </p:cSld>
+  <p:clrMapOvr>
+    <a:masterClrMapping/>
+  </p:clrMapOvr>
+</p:sld>
+</file>
+
+<file path=ppt/slides/slide22.xml><?xml version="1.0" encoding="utf-8"?>
+<p:sld xmlns:a="http://schemas.openxmlformats.org/drawingml/2006/main" xmlns:r="http://schemas.openxmlformats.org/officeDocument/2006/relationships" xmlns:p="http://schemas.openxmlformats.org/presentationml/2006/main">
+  <p:cSld>
+    <p:spTree>
+      <p:nvGrpSpPr>
+        <p:cNvPr id="1" name=""/>
+        <p:cNvGrpSpPr/>
+        <p:nvPr/>
+      </p:nvGrpSpPr>
+      <p:grpSpPr>
+        <a:xfrm>
+          <a:off x="0" y="0"/>
+          <a:ext cx="0" cy="0"/>
+          <a:chOff x="0" y="0"/>
+          <a:chExt cx="0" cy="0"/>
+        </a:xfrm>
+      </p:grpSpPr>
+      <p:sp>
+        <p:nvSpPr>
+          <p:cNvPr id="2" name="Title 1">
+            <a:extLst>
+              <a:ext uri="{FF2B5EF4-FFF2-40B4-BE49-F238E27FC236}">
+                <a16:creationId xmlns:a16="http://schemas.microsoft.com/office/drawing/2014/main" id="{B04C622F-29A3-0C1A-7841-632D1EFA7F86}"/>
+              </a:ext>
+            </a:extLst>
+          </p:cNvPr>
+          <p:cNvSpPr>
+            <a:spLocks noGrp="1"/>
+          </p:cNvSpPr>
+          <p:nvPr>
+            <p:ph type="title"/>
+          </p:nvPr>
+        </p:nvSpPr>
+        <p:spPr/>
+        <p:txBody>
+          <a:bodyPr/>
+          <a:lstStyle/>
+          <a:p>
+            <a:r>
+              <a:rPr lang="en-US" dirty="0" err="1"/>
+              <a:t>Keras</a:t>
+            </a:r>
+            <a:r>
+              <a:rPr lang="en-US" dirty="0"/>
+              <a:t> Tuner Tools</a:t>
+            </a:r>
+          </a:p>
+        </p:txBody>
+      </p:sp>
+      <p:sp>
+        <p:nvSpPr>
+          <p:cNvPr id="3" name="Content Placeholder 2">
+            <a:extLst>
+              <a:ext uri="{FF2B5EF4-FFF2-40B4-BE49-F238E27FC236}">
+                <a16:creationId xmlns:a16="http://schemas.microsoft.com/office/drawing/2014/main" id="{DB78DD2A-38F5-911A-9721-0984AFCEFBFC}"/>
+              </a:ext>
+            </a:extLst>
+          </p:cNvPr>
+          <p:cNvSpPr>
+            <a:spLocks noGrp="1"/>
+          </p:cNvSpPr>
+          <p:nvPr>
+            <p:ph idx="1"/>
+          </p:nvPr>
+        </p:nvSpPr>
+        <p:spPr>
+          <a:xfrm>
+            <a:off x="1451579" y="2015732"/>
+            <a:ext cx="9603275" cy="4140519"/>
+          </a:xfrm>
+        </p:spPr>
+        <p:txBody>
+          <a:bodyPr/>
+          <a:lstStyle/>
+          <a:p>
+            <a:r>
+              <a:rPr lang="en-US" dirty="0"/>
+              <a:t>The </a:t>
+            </a:r>
+            <a:r>
+              <a:rPr lang="en-US" dirty="0" err="1"/>
+              <a:t>Keras</a:t>
+            </a:r>
+            <a:r>
+              <a:rPr lang="en-US" dirty="0"/>
+              <a:t> tuner process is a little more involved than a </a:t>
+            </a:r>
+            <a:r>
+              <a:rPr lang="en-US" dirty="0" err="1"/>
+              <a:t>gridsearch</a:t>
+            </a:r>
+            <a:r>
+              <a:rPr lang="en-US" dirty="0"/>
+              <a:t>. </a:t>
+            </a:r>
+          </a:p>
+          <a:p>
+            <a:r>
+              <a:rPr lang="en-US" dirty="0"/>
+              <a:t>Model builder function:</a:t>
+            </a:r>
+          </a:p>
+          <a:p>
+            <a:pPr lvl="1"/>
+            <a:r>
+              <a:rPr lang="en-US" dirty="0"/>
+              <a:t>We create a model building function that returns a compiled model. </a:t>
+            </a:r>
+          </a:p>
+          <a:p>
+            <a:pPr lvl="1"/>
+            <a:r>
+              <a:rPr lang="en-US" dirty="0"/>
+              <a:t>This function has options built into it to create different models. </a:t>
+            </a:r>
+          </a:p>
+          <a:p>
+            <a:r>
+              <a:rPr lang="en-US" dirty="0"/>
+              <a:t>HP objects:</a:t>
+            </a:r>
+          </a:p>
+          <a:p>
+            <a:pPr lvl="1"/>
+            <a:r>
+              <a:rPr lang="en-US" dirty="0"/>
+              <a:t>The tuner is based on a family of “hp” objects. </a:t>
+            </a:r>
+          </a:p>
+          <a:p>
+            <a:pPr lvl="1"/>
+            <a:r>
+              <a:rPr lang="en-US" dirty="0"/>
+              <a:t>These function like a grid-searched value – we specify the type of choice and the options. </a:t>
+            </a:r>
+          </a:p>
+          <a:p>
+            <a:pPr lvl="1"/>
+            <a:r>
+              <a:rPr lang="en-US" dirty="0"/>
+              <a:t>The object automatically changes options when we run a search. </a:t>
+            </a:r>
+          </a:p>
+        </p:txBody>
+      </p:sp>
+    </p:spTree>
+    <p:extLst>
+      <p:ext uri="{BB962C8B-B14F-4D97-AF65-F5344CB8AC3E}">
+        <p14:creationId xmlns:p14="http://schemas.microsoft.com/office/powerpoint/2010/main" val="1402910193"/>
+      </p:ext>
+    </p:extLst>
+  </p:cSld>
+  <p:clrMapOvr>
+    <a:masterClrMapping/>
+  </p:clrMapOvr>
+</p:sld>
+</file>
+
+<file path=ppt/slides/slide23.xml><?xml version="1.0" encoding="utf-8"?>
 <p:sld xmlns:a="http://schemas.openxmlformats.org/drawingml/2006/main" xmlns:r="http://schemas.openxmlformats.org/officeDocument/2006/relationships" xmlns:p="http://schemas.openxmlformats.org/presentationml/2006/main">
   <p:cSld>
     <p:spTree>
@@ -5920,7 +6303,7 @@
 </p:sld>
 </file>
 
-<file path=ppt/slides/slide21.xml><?xml version="1.0" encoding="utf-8"?>
+<file path=ppt/slides/slide24.xml><?xml version="1.0" encoding="utf-8"?>
 <p:sld xmlns:a="http://schemas.openxmlformats.org/drawingml/2006/main" xmlns:r="http://schemas.openxmlformats.org/officeDocument/2006/relationships" xmlns:p="http://schemas.openxmlformats.org/presentationml/2006/main">
   <p:cSld>
     <p:spTree>
@@ -6140,380 +6523,6 @@
 </p:sld>
 </file>
 
-<file path=ppt/slides/slide22.xml><?xml version="1.0" encoding="utf-8"?>
-<p:sld xmlns:a="http://schemas.openxmlformats.org/drawingml/2006/main" xmlns:r="http://schemas.openxmlformats.org/officeDocument/2006/relationships" xmlns:p="http://schemas.openxmlformats.org/presentationml/2006/main">
-  <p:cSld>
-    <p:spTree>
-      <p:nvGrpSpPr>
-        <p:cNvPr id="1" name=""/>
-        <p:cNvGrpSpPr/>
-        <p:nvPr/>
-      </p:nvGrpSpPr>
-      <p:grpSpPr>
-        <a:xfrm>
-          <a:off x="0" y="0"/>
-          <a:ext cx="0" cy="0"/>
-          <a:chOff x="0" y="0"/>
-          <a:chExt cx="0" cy="0"/>
-        </a:xfrm>
-      </p:grpSpPr>
-      <p:sp>
-        <p:nvSpPr>
-          <p:cNvPr id="2" name="Title 1">
-            <a:extLst>
-              <a:ext uri="{FF2B5EF4-FFF2-40B4-BE49-F238E27FC236}">
-                <a16:creationId xmlns:a16="http://schemas.microsoft.com/office/drawing/2014/main" id="{27958C41-CE2F-5DD4-2FA5-AED6BC3F8B7D}"/>
-              </a:ext>
-            </a:extLst>
-          </p:cNvPr>
-          <p:cNvSpPr>
-            <a:spLocks noGrp="1"/>
-          </p:cNvSpPr>
-          <p:nvPr>
-            <p:ph type="title"/>
-          </p:nvPr>
-        </p:nvSpPr>
-        <p:spPr/>
-        <p:txBody>
-          <a:bodyPr/>
-          <a:lstStyle/>
-          <a:p>
-            <a:r>
-              <a:rPr lang="en-US" dirty="0"/>
-              <a:t>Making a Winner</a:t>
-            </a:r>
-          </a:p>
-        </p:txBody>
-      </p:sp>
-      <p:sp>
-        <p:nvSpPr>
-          <p:cNvPr id="3" name="Content Placeholder 2">
-            <a:extLst>
-              <a:ext uri="{FF2B5EF4-FFF2-40B4-BE49-F238E27FC236}">
-                <a16:creationId xmlns:a16="http://schemas.microsoft.com/office/drawing/2014/main" id="{FD4E2DB0-4C6D-8F34-75B6-ECF8A2B7B158}"/>
-              </a:ext>
-            </a:extLst>
-          </p:cNvPr>
-          <p:cNvSpPr>
-            <a:spLocks noGrp="1"/>
-          </p:cNvSpPr>
-          <p:nvPr>
-            <p:ph idx="1"/>
-          </p:nvPr>
-        </p:nvSpPr>
-        <p:spPr>
-          <a:xfrm>
-            <a:off x="1451579" y="1936750"/>
-            <a:ext cx="9603275" cy="4044950"/>
-          </a:xfrm>
-        </p:spPr>
-        <p:txBody>
-          <a:bodyPr/>
-          <a:lstStyle/>
-          <a:p>
-            <a:r>
-              <a:rPr lang="en-US" dirty="0"/>
-              <a:t>After searching is done, we generally want to train a new model with:</a:t>
-            </a:r>
-          </a:p>
-          <a:p>
-            <a:pPr lvl="1"/>
-            <a:r>
-              <a:rPr lang="en-US" dirty="0"/>
-              <a:t>All the data. </a:t>
-            </a:r>
-          </a:p>
-          <a:p>
-            <a:pPr lvl="1"/>
-            <a:r>
-              <a:rPr lang="en-US" dirty="0"/>
-              <a:t>The optimal options that we just found. </a:t>
-            </a:r>
-          </a:p>
-          <a:p>
-            <a:r>
-              <a:rPr lang="en-US" dirty="0"/>
-              <a:t>The search process can take forever if the search space is too large. </a:t>
-            </a:r>
-          </a:p>
-          <a:p>
-            <a:pPr lvl="1"/>
-            <a:r>
-              <a:rPr lang="en-US" dirty="0"/>
-              <a:t>We want to narrow the options prior to starting. </a:t>
-            </a:r>
-          </a:p>
-          <a:p>
-            <a:pPr lvl="1"/>
-            <a:r>
-              <a:rPr lang="en-US" dirty="0"/>
-              <a:t>The Bayesian or Hyperband options will help a more efficient search. </a:t>
-            </a:r>
-          </a:p>
-          <a:p>
-            <a:pPr lvl="1"/>
-            <a:r>
-              <a:rPr lang="en-US" dirty="0"/>
-              <a:t>We can still incorporate early stopping in the search. </a:t>
-            </a:r>
-          </a:p>
-        </p:txBody>
-      </p:sp>
-    </p:spTree>
-    <p:extLst>
-      <p:ext uri="{BB962C8B-B14F-4D97-AF65-F5344CB8AC3E}">
-        <p14:creationId xmlns:p14="http://schemas.microsoft.com/office/powerpoint/2010/main" val="1801370384"/>
-      </p:ext>
-    </p:extLst>
-  </p:cSld>
-  <p:clrMapOvr>
-    <a:masterClrMapping/>
-  </p:clrMapOvr>
-</p:sld>
-</file>
-
-<file path=ppt/slides/slide23.xml><?xml version="1.0" encoding="utf-8"?>
-<p:sld xmlns:a="http://schemas.openxmlformats.org/drawingml/2006/main" xmlns:r="http://schemas.openxmlformats.org/officeDocument/2006/relationships" xmlns:p="http://schemas.openxmlformats.org/presentationml/2006/main">
-  <p:cSld>
-    <p:spTree>
-      <p:nvGrpSpPr>
-        <p:cNvPr id="1" name=""/>
-        <p:cNvGrpSpPr/>
-        <p:nvPr/>
-      </p:nvGrpSpPr>
-      <p:grpSpPr>
-        <a:xfrm>
-          <a:off x="0" y="0"/>
-          <a:ext cx="0" cy="0"/>
-          <a:chOff x="0" y="0"/>
-          <a:chExt cx="0" cy="0"/>
-        </a:xfrm>
-      </p:grpSpPr>
-      <p:sp>
-        <p:nvSpPr>
-          <p:cNvPr id="2" name="Title 1">
-            <a:extLst>
-              <a:ext uri="{FF2B5EF4-FFF2-40B4-BE49-F238E27FC236}">
-                <a16:creationId xmlns:a16="http://schemas.microsoft.com/office/drawing/2014/main" id="{8C80659E-035E-BC24-DDB8-2B8FC0D0A3F8}"/>
-              </a:ext>
-            </a:extLst>
-          </p:cNvPr>
-          <p:cNvSpPr>
-            <a:spLocks noGrp="1"/>
-          </p:cNvSpPr>
-          <p:nvPr>
-            <p:ph type="title"/>
-          </p:nvPr>
-        </p:nvSpPr>
-        <p:spPr/>
-        <p:txBody>
-          <a:bodyPr/>
-          <a:lstStyle/>
-          <a:p>
-            <a:r>
-              <a:rPr lang="en-US" dirty="0"/>
-              <a:t>Logging</a:t>
-            </a:r>
-          </a:p>
-        </p:txBody>
-      </p:sp>
-      <p:sp>
-        <p:nvSpPr>
-          <p:cNvPr id="3" name="Content Placeholder 2">
-            <a:extLst>
-              <a:ext uri="{FF2B5EF4-FFF2-40B4-BE49-F238E27FC236}">
-                <a16:creationId xmlns:a16="http://schemas.microsoft.com/office/drawing/2014/main" id="{9BB3E0F0-266F-2D5A-B5F6-21546F3B18E3}"/>
-              </a:ext>
-            </a:extLst>
-          </p:cNvPr>
-          <p:cNvSpPr>
-            <a:spLocks noGrp="1"/>
-          </p:cNvSpPr>
-          <p:nvPr>
-            <p:ph idx="1"/>
-          </p:nvPr>
-        </p:nvSpPr>
-        <p:spPr/>
-        <p:txBody>
-          <a:bodyPr/>
-          <a:lstStyle/>
-          <a:p>
-            <a:endParaRPr lang="en-US"/>
-          </a:p>
-        </p:txBody>
-      </p:sp>
-    </p:spTree>
-    <p:extLst>
-      <p:ext uri="{BB962C8B-B14F-4D97-AF65-F5344CB8AC3E}">
-        <p14:creationId xmlns:p14="http://schemas.microsoft.com/office/powerpoint/2010/main" val="3279721977"/>
-      </p:ext>
-    </p:extLst>
-  </p:cSld>
-  <p:clrMapOvr>
-    <a:masterClrMapping/>
-  </p:clrMapOvr>
-</p:sld>
-</file>
-
-<file path=ppt/slides/slide24.xml><?xml version="1.0" encoding="utf-8"?>
-<p:sld xmlns:a="http://schemas.openxmlformats.org/drawingml/2006/main" xmlns:r="http://schemas.openxmlformats.org/officeDocument/2006/relationships" xmlns:p="http://schemas.openxmlformats.org/presentationml/2006/main">
-  <p:cSld>
-    <p:spTree>
-      <p:nvGrpSpPr>
-        <p:cNvPr id="1" name=""/>
-        <p:cNvGrpSpPr/>
-        <p:nvPr/>
-      </p:nvGrpSpPr>
-      <p:grpSpPr>
-        <a:xfrm>
-          <a:off x="0" y="0"/>
-          <a:ext cx="0" cy="0"/>
-          <a:chOff x="0" y="0"/>
-          <a:chExt cx="0" cy="0"/>
-        </a:xfrm>
-      </p:grpSpPr>
-      <p:sp>
-        <p:nvSpPr>
-          <p:cNvPr id="2" name="Title 1">
-            <a:extLst>
-              <a:ext uri="{FF2B5EF4-FFF2-40B4-BE49-F238E27FC236}">
-                <a16:creationId xmlns:a16="http://schemas.microsoft.com/office/drawing/2014/main" id="{CA0E3C8D-19BE-7F5D-2D50-71CE671B5F60}"/>
-              </a:ext>
-            </a:extLst>
-          </p:cNvPr>
-          <p:cNvSpPr>
-            <a:spLocks noGrp="1"/>
-          </p:cNvSpPr>
-          <p:nvPr>
-            <p:ph type="title"/>
-          </p:nvPr>
-        </p:nvSpPr>
-        <p:spPr/>
-        <p:txBody>
-          <a:bodyPr/>
-          <a:lstStyle/>
-          <a:p>
-            <a:r>
-              <a:rPr lang="en-US" dirty="0"/>
-              <a:t>Checkpoints</a:t>
-            </a:r>
-          </a:p>
-        </p:txBody>
-      </p:sp>
-      <p:sp>
-        <p:nvSpPr>
-          <p:cNvPr id="3" name="Content Placeholder 2">
-            <a:extLst>
-              <a:ext uri="{FF2B5EF4-FFF2-40B4-BE49-F238E27FC236}">
-                <a16:creationId xmlns:a16="http://schemas.microsoft.com/office/drawing/2014/main" id="{3E9F943D-AF6B-A272-F9D7-C16162A7BCFC}"/>
-              </a:ext>
-            </a:extLst>
-          </p:cNvPr>
-          <p:cNvSpPr>
-            <a:spLocks noGrp="1"/>
-          </p:cNvSpPr>
-          <p:nvPr>
-            <p:ph idx="1"/>
-          </p:nvPr>
-        </p:nvSpPr>
-        <p:spPr>
-          <a:xfrm>
-            <a:off x="1451579" y="1853754"/>
-            <a:ext cx="9603275" cy="4273996"/>
-          </a:xfrm>
-        </p:spPr>
-        <p:txBody>
-          <a:bodyPr/>
-          <a:lstStyle/>
-          <a:p>
-            <a:r>
-              <a:rPr lang="en-US" dirty="0"/>
-              <a:t>Another thing we can do with long training processes is to set checkpoints. </a:t>
-            </a:r>
-          </a:p>
-          <a:p>
-            <a:r>
-              <a:rPr lang="en-US" dirty="0"/>
-              <a:t>Checkpoints record the weights at specified points. </a:t>
-            </a:r>
-          </a:p>
-          <a:p>
-            <a:pPr lvl="1"/>
-            <a:r>
-              <a:rPr lang="en-US" dirty="0"/>
-              <a:t>Usually as a callback each epoch. </a:t>
-            </a:r>
-          </a:p>
-          <a:p>
-            <a:pPr lvl="1"/>
-            <a:r>
-              <a:rPr lang="en-US" dirty="0"/>
-              <a:t>Write the weights only if the current performance is the best we’ve seen. </a:t>
-            </a:r>
-          </a:p>
-          <a:p>
-            <a:r>
-              <a:rPr lang="en-US" dirty="0"/>
-              <a:t>We can load the saved weights and pickup training there. </a:t>
-            </a:r>
-          </a:p>
-          <a:p>
-            <a:r>
-              <a:rPr lang="en-US" dirty="0"/>
-              <a:t>If the process is interrupted, we don’t loose everything. </a:t>
-            </a:r>
-          </a:p>
-          <a:p>
-            <a:pPr lvl="1"/>
-            <a:r>
-              <a:rPr lang="en-US" dirty="0"/>
-              <a:t>Note – on </a:t>
-            </a:r>
-            <a:r>
-              <a:rPr lang="en-US" dirty="0" err="1"/>
-              <a:t>colab</a:t>
-            </a:r>
-            <a:r>
-              <a:rPr lang="en-US" dirty="0"/>
-              <a:t> the environment is temporary, lasting data would be written elsewhere. </a:t>
-            </a:r>
-          </a:p>
-          <a:p>
-            <a:pPr lvl="1"/>
-            <a:r>
-              <a:rPr lang="en-US" dirty="0"/>
-              <a:t>It will be fine for trying it now, but what you write won’t be permanent for eternity. </a:t>
-            </a:r>
-          </a:p>
-          <a:p>
-            <a:pPr lvl="1"/>
-            <a:r>
-              <a:rPr lang="en-US" dirty="0"/>
-              <a:t>Google drive is an option, accessing it can be slightly annoying, we won’t do this. </a:t>
-            </a:r>
-          </a:p>
-          <a:p>
-            <a:pPr lvl="1"/>
-            <a:r>
-              <a:rPr lang="en-US" dirty="0"/>
-              <a:t>On your machine, they’d be as permanent as anything. </a:t>
-            </a:r>
-          </a:p>
-        </p:txBody>
-      </p:sp>
-    </p:spTree>
-    <p:extLst>
-      <p:ext uri="{BB962C8B-B14F-4D97-AF65-F5344CB8AC3E}">
-        <p14:creationId xmlns:p14="http://schemas.microsoft.com/office/powerpoint/2010/main" val="1737241105"/>
-      </p:ext>
-    </p:extLst>
-  </p:cSld>
-  <p:clrMapOvr>
-    <a:masterClrMapping/>
-  </p:clrMapOvr>
-</p:sld>
-</file>
-
 <file path=ppt/slides/slide25.xml><?xml version="1.0" encoding="utf-8"?>
 <p:sld xmlns:a="http://schemas.openxmlformats.org/drawingml/2006/main" xmlns:r="http://schemas.openxmlformats.org/officeDocument/2006/relationships" xmlns:p="http://schemas.openxmlformats.org/presentationml/2006/main">
   <p:cSld>
@@ -6536,7 +6545,7 @@
           <p:cNvPr id="2" name="Title 1">
             <a:extLst>
               <a:ext uri="{FF2B5EF4-FFF2-40B4-BE49-F238E27FC236}">
-                <a16:creationId xmlns:a16="http://schemas.microsoft.com/office/drawing/2014/main" id="{0F37EF35-D6BE-B159-4D8B-3DB5DD185AC9}"/>
+                <a16:creationId xmlns:a16="http://schemas.microsoft.com/office/drawing/2014/main" id="{27958C41-CE2F-5DD4-2FA5-AED6BC3F8B7D}"/>
               </a:ext>
             </a:extLst>
           </p:cNvPr>
@@ -6554,7 +6563,7 @@
           <a:p>
             <a:r>
               <a:rPr lang="en-US" dirty="0"/>
-              <a:t>Writing and Reading Checkpoints</a:t>
+              <a:t>Making a Winner</a:t>
             </a:r>
           </a:p>
         </p:txBody>
@@ -6564,7 +6573,7 @@
           <p:cNvPr id="3" name="Content Placeholder 2">
             <a:extLst>
               <a:ext uri="{FF2B5EF4-FFF2-40B4-BE49-F238E27FC236}">
-                <a16:creationId xmlns:a16="http://schemas.microsoft.com/office/drawing/2014/main" id="{71176F5B-5AD1-6756-3A79-B9A4D32C1AD2}"/>
+                <a16:creationId xmlns:a16="http://schemas.microsoft.com/office/drawing/2014/main" id="{FD4E2DB0-4C6D-8F34-75B6-ECF8A2B7B158}"/>
               </a:ext>
             </a:extLst>
           </p:cNvPr>
@@ -6577,8 +6586,8 @@
         </p:nvSpPr>
         <p:spPr>
           <a:xfrm>
-            <a:off x="1451579" y="1853754"/>
-            <a:ext cx="9603275" cy="4199727"/>
+            <a:off x="1451579" y="1936750"/>
+            <a:ext cx="9603275" cy="4044950"/>
           </a:xfrm>
         </p:spPr>
         <p:txBody>
@@ -6587,60 +6596,48 @@
           <a:p>
             <a:r>
               <a:rPr lang="en-US" dirty="0"/>
-              <a:t>We looked at saving models previously. </a:t>
-            </a:r>
-          </a:p>
-          <a:p>
-            <a:pPr lvl="1"/>
-            <a:r>
-              <a:rPr lang="en-US" dirty="0"/>
-              <a:t>Saving weights can be far (orders of magnitude) smaller than saving a model. </a:t>
-            </a:r>
-          </a:p>
-          <a:p>
-            <a:r>
-              <a:rPr lang="en-US" dirty="0"/>
-              <a:t>To restore a model from weights we have to:</a:t>
-            </a:r>
-          </a:p>
-          <a:p>
-            <a:pPr lvl="1"/>
-            <a:r>
-              <a:rPr lang="en-US" dirty="0"/>
-              <a:t>Create a model with the same structure – layers and # of neurons. </a:t>
-            </a:r>
-          </a:p>
-          <a:p>
-            <a:pPr lvl="1"/>
-            <a:r>
-              <a:rPr lang="en-US" dirty="0"/>
-              <a:t>Load the weights into that model. </a:t>
-            </a:r>
-          </a:p>
-          <a:p>
-            <a:r>
-              <a:rPr lang="en-US" dirty="0"/>
-              <a:t>Things like the optimizer settings are not kept. </a:t>
-            </a:r>
-          </a:p>
-          <a:p>
-            <a:r>
-              <a:rPr lang="en-US" dirty="0"/>
-              <a:t>We can use this to predict, or we can train more starting with current weights. </a:t>
-            </a:r>
-          </a:p>
-          <a:p>
-            <a:pPr lvl="1"/>
-            <a:r>
-              <a:rPr lang="en-US" dirty="0"/>
-              <a:t>The new training process already has better-than-starting weights. </a:t>
-            </a:r>
-          </a:p>
-          <a:p>
-            <a:pPr lvl="1"/>
-            <a:r>
-              <a:rPr lang="en-US" dirty="0"/>
-              <a:t>We should progress from roughly the last epoch (with some variation). </a:t>
+              <a:t>After searching is done, we generally want to train a new model with:</a:t>
+            </a:r>
+          </a:p>
+          <a:p>
+            <a:pPr lvl="1"/>
+            <a:r>
+              <a:rPr lang="en-US" dirty="0"/>
+              <a:t>All the data. </a:t>
+            </a:r>
+          </a:p>
+          <a:p>
+            <a:pPr lvl="1"/>
+            <a:r>
+              <a:rPr lang="en-US" dirty="0"/>
+              <a:t>The optimal options that we just found. </a:t>
+            </a:r>
+          </a:p>
+          <a:p>
+            <a:r>
+              <a:rPr lang="en-US" dirty="0"/>
+              <a:t>The search process can take forever if the search space is too large. </a:t>
+            </a:r>
+          </a:p>
+          <a:p>
+            <a:pPr lvl="1"/>
+            <a:r>
+              <a:rPr lang="en-US" dirty="0"/>
+              <a:t>We want to narrow the options prior to starting. </a:t>
+            </a:r>
+          </a:p>
+          <a:p>
+            <a:pPr lvl="1"/>
+            <a:r>
+              <a:rPr lang="en-US" dirty="0"/>
+              <a:t>The Bayesian or Hyperband options will help a more efficient search. </a:t>
+            </a:r>
+          </a:p>
+          <a:p>
+            <a:pPr lvl="1"/>
+            <a:r>
+              <a:rPr lang="en-US" dirty="0"/>
+              <a:t>We can still incorporate early stopping in the search. </a:t>
             </a:r>
           </a:p>
         </p:txBody>
@@ -6648,7 +6645,7 @@
     </p:spTree>
     <p:extLst>
       <p:ext uri="{BB962C8B-B14F-4D97-AF65-F5344CB8AC3E}">
-        <p14:creationId xmlns:p14="http://schemas.microsoft.com/office/powerpoint/2010/main" val="3887581585"/>
+        <p14:creationId xmlns:p14="http://schemas.microsoft.com/office/powerpoint/2010/main" val="1801370384"/>
       </p:ext>
     </p:extLst>
   </p:cSld>
@@ -6680,6 +6677,854 @@
           <p:cNvPr id="2" name="Title 1">
             <a:extLst>
               <a:ext uri="{FF2B5EF4-FFF2-40B4-BE49-F238E27FC236}">
+                <a16:creationId xmlns:a16="http://schemas.microsoft.com/office/drawing/2014/main" id="{36F6A5E0-E9E5-0C44-1B3E-4636960FF4A3}"/>
+              </a:ext>
+            </a:extLst>
+          </p:cNvPr>
+          <p:cNvSpPr>
+            <a:spLocks noGrp="1"/>
+          </p:cNvSpPr>
+          <p:nvPr>
+            <p:ph type="title"/>
+          </p:nvPr>
+        </p:nvSpPr>
+        <p:spPr/>
+        <p:txBody>
+          <a:bodyPr/>
+          <a:lstStyle/>
+          <a:p>
+            <a:r>
+              <a:rPr lang="en-US" dirty="0"/>
+              <a:t>Tuning in </a:t>
+            </a:r>
+            <a:r>
+              <a:rPr lang="en-US" dirty="0" err="1"/>
+              <a:t>Tensorboard</a:t>
+            </a:r>
+            <a:endParaRPr lang="en-US" dirty="0"/>
+          </a:p>
+        </p:txBody>
+      </p:sp>
+      <p:sp>
+        <p:nvSpPr>
+          <p:cNvPr id="3" name="Content Placeholder 2">
+            <a:extLst>
+              <a:ext uri="{FF2B5EF4-FFF2-40B4-BE49-F238E27FC236}">
+                <a16:creationId xmlns:a16="http://schemas.microsoft.com/office/drawing/2014/main" id="{6BB91C44-F54C-8F08-EBFC-731A5850658E}"/>
+              </a:ext>
+            </a:extLst>
+          </p:cNvPr>
+          <p:cNvSpPr>
+            <a:spLocks noGrp="1"/>
+          </p:cNvSpPr>
+          <p:nvPr>
+            <p:ph idx="1"/>
+          </p:nvPr>
+        </p:nvSpPr>
+        <p:spPr>
+          <a:xfrm>
+            <a:off x="7421525" y="2015732"/>
+            <a:ext cx="4678325" cy="4037749"/>
+          </a:xfrm>
+        </p:spPr>
+        <p:txBody>
+          <a:bodyPr/>
+          <a:lstStyle/>
+          <a:p>
+            <a:r>
+              <a:rPr lang="en-US" dirty="0"/>
+              <a:t>In </a:t>
+            </a:r>
+            <a:r>
+              <a:rPr lang="en-US" dirty="0" err="1"/>
+              <a:t>Tensorboard</a:t>
+            </a:r>
+            <a:r>
+              <a:rPr lang="en-US" dirty="0"/>
+              <a:t> we can use the HPARAMS section to check performance. </a:t>
+            </a:r>
+          </a:p>
+          <a:p>
+            <a:r>
+              <a:rPr lang="en-US" dirty="0"/>
+              <a:t>Visualizes the different executions through the HP choice in that model. </a:t>
+            </a:r>
+          </a:p>
+          <a:p>
+            <a:r>
+              <a:rPr lang="en-US" dirty="0"/>
+              <a:t>WE can see that ‘</a:t>
+            </a:r>
+            <a:r>
+              <a:rPr lang="en-US" dirty="0" err="1"/>
+              <a:t>adam</a:t>
+            </a:r>
+            <a:r>
+              <a:rPr lang="en-US" dirty="0"/>
+              <a:t>’ is best here. </a:t>
+            </a:r>
+          </a:p>
+          <a:p>
+            <a:pPr lvl="1"/>
+            <a:r>
+              <a:rPr lang="en-US" dirty="0"/>
+              <a:t>Lower dropouts look better. </a:t>
+            </a:r>
+          </a:p>
+          <a:p>
+            <a:pPr lvl="1"/>
+            <a:r>
+              <a:rPr lang="en-US" dirty="0"/>
+              <a:t>Units is not really clear. </a:t>
+            </a:r>
+          </a:p>
+          <a:p>
+            <a:endParaRPr lang="en-US" dirty="0"/>
+          </a:p>
+        </p:txBody>
+      </p:sp>
+      <p:pic>
+        <p:nvPicPr>
+          <p:cNvPr id="1026" name="Picture 2">
+            <a:extLst>
+              <a:ext uri="{FF2B5EF4-FFF2-40B4-BE49-F238E27FC236}">
+                <a16:creationId xmlns:a16="http://schemas.microsoft.com/office/drawing/2014/main" id="{E4C37342-7FDE-756D-CA8D-3F3490BBAB04}"/>
+              </a:ext>
+            </a:extLst>
+          </p:cNvPr>
+          <p:cNvPicPr>
+            <a:picLocks noChangeAspect="1" noChangeArrowheads="1"/>
+          </p:cNvPicPr>
+          <p:nvPr/>
+        </p:nvPicPr>
+        <p:blipFill rotWithShape="1">
+          <a:blip r:embed="rId2">
+            <a:extLst>
+              <a:ext uri="{28A0092B-C50C-407E-A947-70E740481C1C}">
+                <a14:useLocalDpi xmlns:a14="http://schemas.microsoft.com/office/drawing/2010/main" val="0"/>
+              </a:ext>
+            </a:extLst>
+          </a:blip>
+          <a:srcRect l="20058" t="16499" r="19070" b="15633"/>
+          <a:stretch/>
+        </p:blipFill>
+        <p:spPr bwMode="auto">
+          <a:xfrm>
+            <a:off x="0" y="1757928"/>
+            <a:ext cx="7421526" cy="4295553"/>
+          </a:xfrm>
+          <a:prstGeom prst="rect">
+            <a:avLst/>
+          </a:prstGeom>
+          <a:noFill/>
+          <a:extLst>
+            <a:ext uri="{909E8E84-426E-40DD-AFC4-6F175D3DCCD1}">
+              <a14:hiddenFill xmlns:a14="http://schemas.microsoft.com/office/drawing/2010/main">
+                <a:solidFill>
+                  <a:srgbClr val="FFFFFF"/>
+                </a:solidFill>
+              </a14:hiddenFill>
+            </a:ext>
+          </a:extLst>
+        </p:spPr>
+      </p:pic>
+    </p:spTree>
+    <p:extLst>
+      <p:ext uri="{BB962C8B-B14F-4D97-AF65-F5344CB8AC3E}">
+        <p14:creationId xmlns:p14="http://schemas.microsoft.com/office/powerpoint/2010/main" val="3922660810"/>
+      </p:ext>
+    </p:extLst>
+  </p:cSld>
+  <p:clrMapOvr>
+    <a:masterClrMapping/>
+  </p:clrMapOvr>
+</p:sld>
+</file>
+
+<file path=ppt/slides/slide27.xml><?xml version="1.0" encoding="utf-8"?>
+<p:sld xmlns:a="http://schemas.openxmlformats.org/drawingml/2006/main" xmlns:r="http://schemas.openxmlformats.org/officeDocument/2006/relationships" xmlns:p="http://schemas.openxmlformats.org/presentationml/2006/main">
+  <p:cSld>
+    <p:spTree>
+      <p:nvGrpSpPr>
+        <p:cNvPr id="1" name=""/>
+        <p:cNvGrpSpPr/>
+        <p:nvPr/>
+      </p:nvGrpSpPr>
+      <p:grpSpPr>
+        <a:xfrm>
+          <a:off x="0" y="0"/>
+          <a:ext cx="0" cy="0"/>
+          <a:chOff x="0" y="0"/>
+          <a:chExt cx="0" cy="0"/>
+        </a:xfrm>
+      </p:grpSpPr>
+      <p:sp>
+        <p:nvSpPr>
+          <p:cNvPr id="2" name="Title 1">
+            <a:extLst>
+              <a:ext uri="{FF2B5EF4-FFF2-40B4-BE49-F238E27FC236}">
+                <a16:creationId xmlns:a16="http://schemas.microsoft.com/office/drawing/2014/main" id="{8C80659E-035E-BC24-DDB8-2B8FC0D0A3F8}"/>
+              </a:ext>
+            </a:extLst>
+          </p:cNvPr>
+          <p:cNvSpPr>
+            <a:spLocks noGrp="1"/>
+          </p:cNvSpPr>
+          <p:nvPr>
+            <p:ph type="title"/>
+          </p:nvPr>
+        </p:nvSpPr>
+        <p:spPr/>
+        <p:txBody>
+          <a:bodyPr/>
+          <a:lstStyle/>
+          <a:p>
+            <a:r>
+              <a:rPr lang="en-US" dirty="0"/>
+              <a:t>Logging</a:t>
+            </a:r>
+          </a:p>
+        </p:txBody>
+      </p:sp>
+      <p:sp>
+        <p:nvSpPr>
+          <p:cNvPr id="3" name="Content Placeholder 2">
+            <a:extLst>
+              <a:ext uri="{FF2B5EF4-FFF2-40B4-BE49-F238E27FC236}">
+                <a16:creationId xmlns:a16="http://schemas.microsoft.com/office/drawing/2014/main" id="{9BB3E0F0-266F-2D5A-B5F6-21546F3B18E3}"/>
+              </a:ext>
+            </a:extLst>
+          </p:cNvPr>
+          <p:cNvSpPr>
+            <a:spLocks noGrp="1"/>
+          </p:cNvSpPr>
+          <p:nvPr>
+            <p:ph idx="1"/>
+          </p:nvPr>
+        </p:nvSpPr>
+        <p:spPr/>
+        <p:txBody>
+          <a:bodyPr/>
+          <a:lstStyle/>
+          <a:p>
+            <a:endParaRPr lang="en-US"/>
+          </a:p>
+        </p:txBody>
+      </p:sp>
+    </p:spTree>
+    <p:extLst>
+      <p:ext uri="{BB962C8B-B14F-4D97-AF65-F5344CB8AC3E}">
+        <p14:creationId xmlns:p14="http://schemas.microsoft.com/office/powerpoint/2010/main" val="3279721977"/>
+      </p:ext>
+    </p:extLst>
+  </p:cSld>
+  <p:clrMapOvr>
+    <a:masterClrMapping/>
+  </p:clrMapOvr>
+</p:sld>
+</file>
+
+<file path=ppt/slides/slide28.xml><?xml version="1.0" encoding="utf-8"?>
+<p:sld xmlns:a="http://schemas.openxmlformats.org/drawingml/2006/main" xmlns:r="http://schemas.openxmlformats.org/officeDocument/2006/relationships" xmlns:p="http://schemas.openxmlformats.org/presentationml/2006/main">
+  <p:cSld>
+    <p:spTree>
+      <p:nvGrpSpPr>
+        <p:cNvPr id="1" name=""/>
+        <p:cNvGrpSpPr/>
+        <p:nvPr/>
+      </p:nvGrpSpPr>
+      <p:grpSpPr>
+        <a:xfrm>
+          <a:off x="0" y="0"/>
+          <a:ext cx="0" cy="0"/>
+          <a:chOff x="0" y="0"/>
+          <a:chExt cx="0" cy="0"/>
+        </a:xfrm>
+      </p:grpSpPr>
+      <p:sp>
+        <p:nvSpPr>
+          <p:cNvPr id="2" name="Title 1">
+            <a:extLst>
+              <a:ext uri="{FF2B5EF4-FFF2-40B4-BE49-F238E27FC236}">
+                <a16:creationId xmlns:a16="http://schemas.microsoft.com/office/drawing/2014/main" id="{CA0E3C8D-19BE-7F5D-2D50-71CE671B5F60}"/>
+              </a:ext>
+            </a:extLst>
+          </p:cNvPr>
+          <p:cNvSpPr>
+            <a:spLocks noGrp="1"/>
+          </p:cNvSpPr>
+          <p:nvPr>
+            <p:ph type="title"/>
+          </p:nvPr>
+        </p:nvSpPr>
+        <p:spPr/>
+        <p:txBody>
+          <a:bodyPr/>
+          <a:lstStyle/>
+          <a:p>
+            <a:r>
+              <a:rPr lang="en-US" dirty="0"/>
+              <a:t>Checkpoints</a:t>
+            </a:r>
+          </a:p>
+        </p:txBody>
+      </p:sp>
+      <p:sp>
+        <p:nvSpPr>
+          <p:cNvPr id="3" name="Content Placeholder 2">
+            <a:extLst>
+              <a:ext uri="{FF2B5EF4-FFF2-40B4-BE49-F238E27FC236}">
+                <a16:creationId xmlns:a16="http://schemas.microsoft.com/office/drawing/2014/main" id="{3E9F943D-AF6B-A272-F9D7-C16162A7BCFC}"/>
+              </a:ext>
+            </a:extLst>
+          </p:cNvPr>
+          <p:cNvSpPr>
+            <a:spLocks noGrp="1"/>
+          </p:cNvSpPr>
+          <p:nvPr>
+            <p:ph idx="1"/>
+          </p:nvPr>
+        </p:nvSpPr>
+        <p:spPr>
+          <a:xfrm>
+            <a:off x="1451579" y="1853754"/>
+            <a:ext cx="9603275" cy="4273996"/>
+          </a:xfrm>
+        </p:spPr>
+        <p:txBody>
+          <a:bodyPr/>
+          <a:lstStyle/>
+          <a:p>
+            <a:r>
+              <a:rPr lang="en-US" dirty="0"/>
+              <a:t>Another thing we can do with long training processes is to set checkpoints. </a:t>
+            </a:r>
+          </a:p>
+          <a:p>
+            <a:r>
+              <a:rPr lang="en-US" dirty="0"/>
+              <a:t>Checkpoints record the weights at specified points. </a:t>
+            </a:r>
+          </a:p>
+          <a:p>
+            <a:pPr lvl="1"/>
+            <a:r>
+              <a:rPr lang="en-US" dirty="0"/>
+              <a:t>Usually as a callback each epoch. </a:t>
+            </a:r>
+          </a:p>
+          <a:p>
+            <a:pPr lvl="1"/>
+            <a:r>
+              <a:rPr lang="en-US" dirty="0"/>
+              <a:t>Write the weights only if the current performance is the best we’ve seen. </a:t>
+            </a:r>
+          </a:p>
+          <a:p>
+            <a:r>
+              <a:rPr lang="en-US" dirty="0"/>
+              <a:t>We can load the saved weights and pickup training there. </a:t>
+            </a:r>
+          </a:p>
+          <a:p>
+            <a:r>
+              <a:rPr lang="en-US" dirty="0"/>
+              <a:t>If the process is interrupted, we don’t loose everything. </a:t>
+            </a:r>
+          </a:p>
+          <a:p>
+            <a:pPr lvl="1"/>
+            <a:r>
+              <a:rPr lang="en-US" dirty="0"/>
+              <a:t>Note – on </a:t>
+            </a:r>
+            <a:r>
+              <a:rPr lang="en-US" dirty="0" err="1"/>
+              <a:t>colab</a:t>
+            </a:r>
+            <a:r>
+              <a:rPr lang="en-US" dirty="0"/>
+              <a:t> the environment is temporary, lasting data would be written elsewhere. </a:t>
+            </a:r>
+          </a:p>
+          <a:p>
+            <a:pPr lvl="1"/>
+            <a:r>
+              <a:rPr lang="en-US" dirty="0"/>
+              <a:t>It will be fine for trying it now, but what you write won’t be permanent for eternity. </a:t>
+            </a:r>
+          </a:p>
+          <a:p>
+            <a:pPr lvl="1"/>
+            <a:r>
+              <a:rPr lang="en-US" dirty="0"/>
+              <a:t>Google drive is an option, accessing it can be slightly annoying, we won’t do this. </a:t>
+            </a:r>
+          </a:p>
+          <a:p>
+            <a:pPr lvl="1"/>
+            <a:r>
+              <a:rPr lang="en-US" dirty="0"/>
+              <a:t>On your machine, they’d be as permanent as anything. </a:t>
+            </a:r>
+          </a:p>
+        </p:txBody>
+      </p:sp>
+    </p:spTree>
+    <p:extLst>
+      <p:ext uri="{BB962C8B-B14F-4D97-AF65-F5344CB8AC3E}">
+        <p14:creationId xmlns:p14="http://schemas.microsoft.com/office/powerpoint/2010/main" val="1737241105"/>
+      </p:ext>
+    </p:extLst>
+  </p:cSld>
+  <p:clrMapOvr>
+    <a:masterClrMapping/>
+  </p:clrMapOvr>
+</p:sld>
+</file>
+
+<file path=ppt/slides/slide29.xml><?xml version="1.0" encoding="utf-8"?>
+<p:sld xmlns:a="http://schemas.openxmlformats.org/drawingml/2006/main" xmlns:r="http://schemas.openxmlformats.org/officeDocument/2006/relationships" xmlns:p="http://schemas.openxmlformats.org/presentationml/2006/main">
+  <p:cSld>
+    <p:spTree>
+      <p:nvGrpSpPr>
+        <p:cNvPr id="1" name=""/>
+        <p:cNvGrpSpPr/>
+        <p:nvPr/>
+      </p:nvGrpSpPr>
+      <p:grpSpPr>
+        <a:xfrm>
+          <a:off x="0" y="0"/>
+          <a:ext cx="0" cy="0"/>
+          <a:chOff x="0" y="0"/>
+          <a:chExt cx="0" cy="0"/>
+        </a:xfrm>
+      </p:grpSpPr>
+      <p:sp>
+        <p:nvSpPr>
+          <p:cNvPr id="2" name="Title 1">
+            <a:extLst>
+              <a:ext uri="{FF2B5EF4-FFF2-40B4-BE49-F238E27FC236}">
+                <a16:creationId xmlns:a16="http://schemas.microsoft.com/office/drawing/2014/main" id="{0F37EF35-D6BE-B159-4D8B-3DB5DD185AC9}"/>
+              </a:ext>
+            </a:extLst>
+          </p:cNvPr>
+          <p:cNvSpPr>
+            <a:spLocks noGrp="1"/>
+          </p:cNvSpPr>
+          <p:nvPr>
+            <p:ph type="title"/>
+          </p:nvPr>
+        </p:nvSpPr>
+        <p:spPr/>
+        <p:txBody>
+          <a:bodyPr/>
+          <a:lstStyle/>
+          <a:p>
+            <a:r>
+              <a:rPr lang="en-US" dirty="0"/>
+              <a:t>Writing and Reading Checkpoints</a:t>
+            </a:r>
+          </a:p>
+        </p:txBody>
+      </p:sp>
+      <p:sp>
+        <p:nvSpPr>
+          <p:cNvPr id="3" name="Content Placeholder 2">
+            <a:extLst>
+              <a:ext uri="{FF2B5EF4-FFF2-40B4-BE49-F238E27FC236}">
+                <a16:creationId xmlns:a16="http://schemas.microsoft.com/office/drawing/2014/main" id="{71176F5B-5AD1-6756-3A79-B9A4D32C1AD2}"/>
+              </a:ext>
+            </a:extLst>
+          </p:cNvPr>
+          <p:cNvSpPr>
+            <a:spLocks noGrp="1"/>
+          </p:cNvSpPr>
+          <p:nvPr>
+            <p:ph idx="1"/>
+          </p:nvPr>
+        </p:nvSpPr>
+        <p:spPr>
+          <a:xfrm>
+            <a:off x="1451579" y="1853754"/>
+            <a:ext cx="9603275" cy="4199727"/>
+          </a:xfrm>
+        </p:spPr>
+        <p:txBody>
+          <a:bodyPr/>
+          <a:lstStyle/>
+          <a:p>
+            <a:r>
+              <a:rPr lang="en-US" dirty="0"/>
+              <a:t>We looked at saving models previously. </a:t>
+            </a:r>
+          </a:p>
+          <a:p>
+            <a:pPr lvl="1"/>
+            <a:r>
+              <a:rPr lang="en-US" dirty="0"/>
+              <a:t>Saving weights can be far (orders of magnitude) smaller than saving a model. </a:t>
+            </a:r>
+          </a:p>
+          <a:p>
+            <a:r>
+              <a:rPr lang="en-US" dirty="0"/>
+              <a:t>To restore a model from weights we have to:</a:t>
+            </a:r>
+          </a:p>
+          <a:p>
+            <a:pPr lvl="1"/>
+            <a:r>
+              <a:rPr lang="en-US" dirty="0"/>
+              <a:t>Create a model with the same structure – layers and # of neurons. </a:t>
+            </a:r>
+          </a:p>
+          <a:p>
+            <a:pPr lvl="1"/>
+            <a:r>
+              <a:rPr lang="en-US" dirty="0"/>
+              <a:t>Load the weights into that model. </a:t>
+            </a:r>
+          </a:p>
+          <a:p>
+            <a:r>
+              <a:rPr lang="en-US" dirty="0"/>
+              <a:t>Things like the optimizer settings are not kept. </a:t>
+            </a:r>
+          </a:p>
+          <a:p>
+            <a:r>
+              <a:rPr lang="en-US" dirty="0"/>
+              <a:t>We can use this to predict, or we can train more starting with current weights. </a:t>
+            </a:r>
+          </a:p>
+          <a:p>
+            <a:pPr lvl="1"/>
+            <a:r>
+              <a:rPr lang="en-US" dirty="0"/>
+              <a:t>The new training process already has better-than-starting weights. </a:t>
+            </a:r>
+          </a:p>
+          <a:p>
+            <a:pPr lvl="1"/>
+            <a:r>
+              <a:rPr lang="en-US" dirty="0"/>
+              <a:t>We should progress from roughly the last epoch (with some variation). </a:t>
+            </a:r>
+          </a:p>
+        </p:txBody>
+      </p:sp>
+    </p:spTree>
+    <p:extLst>
+      <p:ext uri="{BB962C8B-B14F-4D97-AF65-F5344CB8AC3E}">
+        <p14:creationId xmlns:p14="http://schemas.microsoft.com/office/powerpoint/2010/main" val="3887581585"/>
+      </p:ext>
+    </p:extLst>
+  </p:cSld>
+  <p:clrMapOvr>
+    <a:masterClrMapping/>
+  </p:clrMapOvr>
+</p:sld>
+</file>
+
+<file path=ppt/slides/slide3.xml><?xml version="1.0" encoding="utf-8"?>
+<p:sld xmlns:a="http://schemas.openxmlformats.org/drawingml/2006/main" xmlns:r="http://schemas.openxmlformats.org/officeDocument/2006/relationships" xmlns:p="http://schemas.openxmlformats.org/presentationml/2006/main">
+  <p:cSld>
+    <p:spTree>
+      <p:nvGrpSpPr>
+        <p:cNvPr id="1" name=""/>
+        <p:cNvGrpSpPr/>
+        <p:nvPr/>
+      </p:nvGrpSpPr>
+      <p:grpSpPr>
+        <a:xfrm>
+          <a:off x="0" y="0"/>
+          <a:ext cx="0" cy="0"/>
+          <a:chOff x="0" y="0"/>
+          <a:chExt cx="0" cy="0"/>
+        </a:xfrm>
+      </p:grpSpPr>
+      <p:sp>
+        <p:nvSpPr>
+          <p:cNvPr id="2" name="Title 1">
+            <a:extLst>
+              <a:ext uri="{FF2B5EF4-FFF2-40B4-BE49-F238E27FC236}">
+                <a16:creationId xmlns:a16="http://schemas.microsoft.com/office/drawing/2014/main" id="{627AC176-9029-7408-497A-74608852E951}"/>
+              </a:ext>
+            </a:extLst>
+          </p:cNvPr>
+          <p:cNvSpPr>
+            <a:spLocks noGrp="1"/>
+          </p:cNvSpPr>
+          <p:nvPr>
+            <p:ph type="title"/>
+          </p:nvPr>
+        </p:nvSpPr>
+        <p:spPr/>
+        <p:txBody>
+          <a:bodyPr/>
+          <a:lstStyle/>
+          <a:p>
+            <a:r>
+              <a:rPr lang="en-US" dirty="0"/>
+              <a:t>From Logits…</a:t>
+            </a:r>
+          </a:p>
+        </p:txBody>
+      </p:sp>
+      <p:sp>
+        <p:nvSpPr>
+          <p:cNvPr id="3" name="Content Placeholder 2">
+            <a:extLst>
+              <a:ext uri="{FF2B5EF4-FFF2-40B4-BE49-F238E27FC236}">
+                <a16:creationId xmlns:a16="http://schemas.microsoft.com/office/drawing/2014/main" id="{AAE5221C-CA81-96FF-E05B-71AB784C1C86}"/>
+              </a:ext>
+            </a:extLst>
+          </p:cNvPr>
+          <p:cNvSpPr>
+            <a:spLocks noGrp="1"/>
+          </p:cNvSpPr>
+          <p:nvPr>
+            <p:ph idx="1"/>
+          </p:nvPr>
+        </p:nvSpPr>
+        <p:spPr>
+          <a:xfrm>
+            <a:off x="1451579" y="3334600"/>
+            <a:ext cx="9603275" cy="2718881"/>
+          </a:xfrm>
+        </p:spPr>
+        <p:txBody>
+          <a:bodyPr/>
+          <a:lstStyle/>
+          <a:p>
+            <a:r>
+              <a:rPr lang="en-US" dirty="0"/>
+              <a:t>I saw a more succinct way to describe the logits thing:</a:t>
+            </a:r>
+          </a:p>
+          <a:p>
+            <a:pPr lvl="1"/>
+            <a:r>
+              <a:rPr lang="en-US" dirty="0"/>
+              <a:t>This doesn’t matter all that much theoretically. </a:t>
+            </a:r>
+          </a:p>
+          <a:p>
+            <a:pPr lvl="1"/>
+            <a:r>
+              <a:rPr lang="en-US" dirty="0"/>
+              <a:t>If </a:t>
+            </a:r>
+            <a:r>
+              <a:rPr lang="en-US" dirty="0" err="1"/>
+              <a:t>softmax</a:t>
+            </a:r>
+            <a:r>
+              <a:rPr lang="en-US" dirty="0"/>
+              <a:t> is there, it’ll normalize the probabilities out of 1. </a:t>
+            </a:r>
+          </a:p>
+          <a:p>
+            <a:pPr lvl="1"/>
+            <a:r>
+              <a:rPr lang="en-US" dirty="0"/>
+              <a:t>If </a:t>
+            </a:r>
+            <a:r>
+              <a:rPr lang="en-US" dirty="0" err="1"/>
+              <a:t>softmax</a:t>
+            </a:r>
+            <a:r>
+              <a:rPr lang="en-US" dirty="0"/>
+              <a:t> isn’t there, the logits are non-normalized. </a:t>
+            </a:r>
+          </a:p>
+          <a:p>
+            <a:r>
+              <a:rPr lang="en-US" dirty="0"/>
+              <a:t>The loss calculation is different – that’s the parameter’s effect. </a:t>
+            </a:r>
+          </a:p>
+          <a:p>
+            <a:pPr lvl="1"/>
+            <a:endParaRPr lang="en-US" dirty="0"/>
+          </a:p>
+        </p:txBody>
+      </p:sp>
+      <p:pic>
+        <p:nvPicPr>
+          <p:cNvPr id="4" name="Picture 3">
+            <a:extLst>
+              <a:ext uri="{FF2B5EF4-FFF2-40B4-BE49-F238E27FC236}">
+                <a16:creationId xmlns:a16="http://schemas.microsoft.com/office/drawing/2014/main" id="{922D5DC1-ACC7-7ACB-4936-037B000FD541}"/>
+              </a:ext>
+            </a:extLst>
+          </p:cNvPr>
+          <p:cNvPicPr>
+            <a:picLocks noChangeAspect="1"/>
+          </p:cNvPicPr>
+          <p:nvPr/>
+        </p:nvPicPr>
+        <p:blipFill>
+          <a:blip r:embed="rId2"/>
+          <a:stretch>
+            <a:fillRect/>
+          </a:stretch>
+        </p:blipFill>
+        <p:spPr>
+          <a:xfrm>
+            <a:off x="2367016" y="1853754"/>
+            <a:ext cx="7772400" cy="1480846"/>
+          </a:xfrm>
+          <a:prstGeom prst="rect">
+            <a:avLst/>
+          </a:prstGeom>
+        </p:spPr>
+      </p:pic>
+    </p:spTree>
+    <p:extLst>
+      <p:ext uri="{BB962C8B-B14F-4D97-AF65-F5344CB8AC3E}">
+        <p14:creationId xmlns:p14="http://schemas.microsoft.com/office/powerpoint/2010/main" val="2208751667"/>
+      </p:ext>
+    </p:extLst>
+  </p:cSld>
+  <p:clrMapOvr>
+    <a:masterClrMapping/>
+  </p:clrMapOvr>
+</p:sld>
+</file>
+
+<file path=ppt/slides/slide30.xml><?xml version="1.0" encoding="utf-8"?>
+<p:sld xmlns:a="http://schemas.openxmlformats.org/drawingml/2006/main" xmlns:r="http://schemas.openxmlformats.org/officeDocument/2006/relationships" xmlns:p="http://schemas.openxmlformats.org/presentationml/2006/main">
+  <p:cSld>
+    <p:spTree>
+      <p:nvGrpSpPr>
+        <p:cNvPr id="1" name=""/>
+        <p:cNvGrpSpPr/>
+        <p:nvPr/>
+      </p:nvGrpSpPr>
+      <p:grpSpPr>
+        <a:xfrm>
+          <a:off x="0" y="0"/>
+          <a:ext cx="0" cy="0"/>
+          <a:chOff x="0" y="0"/>
+          <a:chExt cx="0" cy="0"/>
+        </a:xfrm>
+      </p:grpSpPr>
+      <p:sp>
+        <p:nvSpPr>
+          <p:cNvPr id="2" name="Title 1">
+            <a:extLst>
+              <a:ext uri="{FF2B5EF4-FFF2-40B4-BE49-F238E27FC236}">
+                <a16:creationId xmlns:a16="http://schemas.microsoft.com/office/drawing/2014/main" id="{B795C8FA-7778-C02D-32F2-8A3F109CA26F}"/>
+              </a:ext>
+            </a:extLst>
+          </p:cNvPr>
+          <p:cNvSpPr>
+            <a:spLocks noGrp="1"/>
+          </p:cNvSpPr>
+          <p:nvPr>
+            <p:ph type="title"/>
+          </p:nvPr>
+        </p:nvSpPr>
+        <p:spPr/>
+        <p:txBody>
+          <a:bodyPr/>
+          <a:lstStyle/>
+          <a:p>
+            <a:r>
+              <a:rPr lang="en-US" dirty="0"/>
+              <a:t>Callback Mechanics</a:t>
+            </a:r>
+          </a:p>
+        </p:txBody>
+      </p:sp>
+      <p:sp>
+        <p:nvSpPr>
+          <p:cNvPr id="3" name="Content Placeholder 2">
+            <a:extLst>
+              <a:ext uri="{FF2B5EF4-FFF2-40B4-BE49-F238E27FC236}">
+                <a16:creationId xmlns:a16="http://schemas.microsoft.com/office/drawing/2014/main" id="{DAA31408-AE0C-7907-5AEF-495B9D402167}"/>
+              </a:ext>
+            </a:extLst>
+          </p:cNvPr>
+          <p:cNvSpPr>
+            <a:spLocks noGrp="1"/>
+          </p:cNvSpPr>
+          <p:nvPr>
+            <p:ph idx="1"/>
+          </p:nvPr>
+        </p:nvSpPr>
+        <p:spPr/>
+        <p:txBody>
+          <a:bodyPr/>
+          <a:lstStyle/>
+          <a:p>
+            <a:r>
+              <a:rPr lang="en-US" dirty="0"/>
+              <a:t>Most common things are doable with premade callbacks. </a:t>
+            </a:r>
+          </a:p>
+          <a:p>
+            <a:r>
+              <a:rPr lang="en-US" dirty="0"/>
+              <a:t>We can also create our own. </a:t>
+            </a:r>
+          </a:p>
+          <a:p>
+            <a:r>
+              <a:rPr lang="en-US" dirty="0"/>
+              <a:t>Generally triggered on some action like ‘on epoch end’. </a:t>
+            </a:r>
+          </a:p>
+          <a:p>
+            <a:r>
+              <a:rPr lang="en-US" dirty="0"/>
+              <a:t>We can put whatever we want or </a:t>
+            </a:r>
+            <a:r>
+              <a:rPr lang="en-US"/>
+              <a:t>need in here. </a:t>
+            </a:r>
+          </a:p>
+        </p:txBody>
+      </p:sp>
+    </p:spTree>
+    <p:extLst>
+      <p:ext uri="{BB962C8B-B14F-4D97-AF65-F5344CB8AC3E}">
+        <p14:creationId xmlns:p14="http://schemas.microsoft.com/office/powerpoint/2010/main" val="67227400"/>
+      </p:ext>
+    </p:extLst>
+  </p:cSld>
+  <p:clrMapOvr>
+    <a:masterClrMapping/>
+  </p:clrMapOvr>
+</p:sld>
+</file>
+
+<file path=ppt/slides/slide31.xml><?xml version="1.0" encoding="utf-8"?>
+<p:sld xmlns:a="http://schemas.openxmlformats.org/drawingml/2006/main" xmlns:r="http://schemas.openxmlformats.org/officeDocument/2006/relationships" xmlns:p="http://schemas.openxmlformats.org/presentationml/2006/main">
+  <p:cSld>
+    <p:spTree>
+      <p:nvGrpSpPr>
+        <p:cNvPr id="1" name=""/>
+        <p:cNvGrpSpPr/>
+        <p:nvPr/>
+      </p:nvGrpSpPr>
+      <p:grpSpPr>
+        <a:xfrm>
+          <a:off x="0" y="0"/>
+          <a:ext cx="0" cy="0"/>
+          <a:chOff x="0" y="0"/>
+          <a:chExt cx="0" cy="0"/>
+        </a:xfrm>
+      </p:grpSpPr>
+      <p:sp>
+        <p:nvSpPr>
+          <p:cNvPr id="2" name="Title 1">
+            <a:extLst>
+              <a:ext uri="{FF2B5EF4-FFF2-40B4-BE49-F238E27FC236}">
                 <a16:creationId xmlns:a16="http://schemas.microsoft.com/office/drawing/2014/main" id="{C32FCA61-57D1-5107-0BEB-E890429DC97F}"/>
               </a:ext>
             </a:extLst>
@@ -6741,7 +7586,7 @@
 </p:sld>
 </file>
 
-<file path=ppt/slides/slide27.xml><?xml version="1.0" encoding="utf-8"?>
+<file path=ppt/slides/slide32.xml><?xml version="1.0" encoding="utf-8"?>
 <p:sld xmlns:a="http://schemas.openxmlformats.org/drawingml/2006/main" xmlns:r="http://schemas.openxmlformats.org/officeDocument/2006/relationships" xmlns:p="http://schemas.openxmlformats.org/presentationml/2006/main">
   <p:cSld>
     <p:spTree>
@@ -6912,7 +7757,7 @@
 </p:sld>
 </file>
 
-<file path=ppt/slides/slide28.xml><?xml version="1.0" encoding="utf-8"?>
+<file path=ppt/slides/slide33.xml><?xml version="1.0" encoding="utf-8"?>
 <p:sld xmlns:a="http://schemas.openxmlformats.org/drawingml/2006/main" xmlns:r="http://schemas.openxmlformats.org/officeDocument/2006/relationships" xmlns:p="http://schemas.openxmlformats.org/presentationml/2006/main">
   <p:cSld>
     <p:spTree>
@@ -7116,7 +7961,7 @@
 </p:sld>
 </file>
 
-<file path=ppt/slides/slide29.xml><?xml version="1.0" encoding="utf-8"?>
+<file path=ppt/slides/slide34.xml><?xml version="1.0" encoding="utf-8"?>
 <p:sld xmlns:a="http://schemas.openxmlformats.org/drawingml/2006/main" xmlns:r="http://schemas.openxmlformats.org/officeDocument/2006/relationships" xmlns:p="http://schemas.openxmlformats.org/presentationml/2006/main">
   <p:cSld>
     <p:spTree>
@@ -7241,7 +8086,7 @@
 </p:sld>
 </file>
 
-<file path=ppt/slides/slide3.xml><?xml version="1.0" encoding="utf-8"?>
+<file path=ppt/slides/slide35.xml><?xml version="1.0" encoding="utf-8"?>
 <p:sld xmlns:a="http://schemas.openxmlformats.org/drawingml/2006/main" xmlns:r="http://schemas.openxmlformats.org/officeDocument/2006/relationships" xmlns:p="http://schemas.openxmlformats.org/presentationml/2006/main">
   <p:cSld>
     <p:spTree>
@@ -7263,143 +8108,6 @@
           <p:cNvPr id="2" name="Title 1">
             <a:extLst>
               <a:ext uri="{FF2B5EF4-FFF2-40B4-BE49-F238E27FC236}">
-                <a16:creationId xmlns:a16="http://schemas.microsoft.com/office/drawing/2014/main" id="{5C0A934E-691E-C88A-D9A7-3CEF7391D4C0}"/>
-              </a:ext>
-            </a:extLst>
-          </p:cNvPr>
-          <p:cNvSpPr>
-            <a:spLocks noGrp="1"/>
-          </p:cNvSpPr>
-          <p:nvPr>
-            <p:ph type="title"/>
-          </p:nvPr>
-        </p:nvSpPr>
-        <p:spPr/>
-        <p:txBody>
-          <a:bodyPr/>
-          <a:lstStyle/>
-          <a:p>
-            <a:r>
-              <a:rPr lang="en-US" dirty="0"/>
-              <a:t>Managing Training</a:t>
-            </a:r>
-          </a:p>
-        </p:txBody>
-      </p:sp>
-      <p:sp>
-        <p:nvSpPr>
-          <p:cNvPr id="3" name="Content Placeholder 2">
-            <a:extLst>
-              <a:ext uri="{FF2B5EF4-FFF2-40B4-BE49-F238E27FC236}">
-                <a16:creationId xmlns:a16="http://schemas.microsoft.com/office/drawing/2014/main" id="{0ABA4FA8-1C25-E5D8-BF75-18B5D5B8792E}"/>
-              </a:ext>
-            </a:extLst>
-          </p:cNvPr>
-          <p:cNvSpPr>
-            <a:spLocks noGrp="1"/>
-          </p:cNvSpPr>
-          <p:nvPr>
-            <p:ph idx="1"/>
-          </p:nvPr>
-        </p:nvSpPr>
-        <p:spPr>
-          <a:xfrm>
-            <a:off x="1451579" y="1943100"/>
-            <a:ext cx="9603275" cy="4110381"/>
-          </a:xfrm>
-        </p:spPr>
-        <p:txBody>
-          <a:bodyPr/>
-          <a:lstStyle/>
-          <a:p>
-            <a:r>
-              <a:rPr lang="en-US" dirty="0"/>
-              <a:t>Training neural network models can take a long time and involve lots of resources. </a:t>
-            </a:r>
-          </a:p>
-          <a:p>
-            <a:pPr lvl="1"/>
-            <a:r>
-              <a:rPr lang="en-US" dirty="0"/>
-              <a:t>Large models (GPT scale) can train for weeks on tens of thousands of GPUs. </a:t>
-            </a:r>
-          </a:p>
-          <a:p>
-            <a:r>
-              <a:rPr lang="en-US" dirty="0"/>
-              <a:t>One person probably doesn’t want to sit there and make sure it runs. </a:t>
-            </a:r>
-          </a:p>
-          <a:p>
-            <a:r>
-              <a:rPr lang="en-US" dirty="0"/>
-              <a:t>If someone pulls the plug, we don’t want to start over. </a:t>
-            </a:r>
-          </a:p>
-          <a:p>
-            <a:r>
-              <a:rPr lang="en-US" dirty="0"/>
-              <a:t>There are remote monitoring tools to help:</a:t>
-            </a:r>
-          </a:p>
-          <a:p>
-            <a:pPr lvl="1"/>
-            <a:r>
-              <a:rPr lang="en-US" dirty="0"/>
-              <a:t>”Real” model training will happen on servers/clusters elsewhere. </a:t>
-            </a:r>
-          </a:p>
-          <a:p>
-            <a:pPr lvl="1"/>
-            <a:r>
-              <a:rPr lang="en-US" dirty="0"/>
-              <a:t>We can interact through a web page instead of the computer itself. </a:t>
-            </a:r>
-          </a:p>
-          <a:p>
-            <a:pPr lvl="1"/>
-            <a:r>
-              <a:rPr lang="en-US" dirty="0"/>
-              <a:t>We can start training, leave it be, and monitor it via a webpage. </a:t>
-            </a:r>
-          </a:p>
-        </p:txBody>
-      </p:sp>
-    </p:spTree>
-    <p:extLst>
-      <p:ext uri="{BB962C8B-B14F-4D97-AF65-F5344CB8AC3E}">
-        <p14:creationId xmlns:p14="http://schemas.microsoft.com/office/powerpoint/2010/main" val="1856639837"/>
-      </p:ext>
-    </p:extLst>
-  </p:cSld>
-  <p:clrMapOvr>
-    <a:masterClrMapping/>
-  </p:clrMapOvr>
-</p:sld>
-</file>
-
-<file path=ppt/slides/slide30.xml><?xml version="1.0" encoding="utf-8"?>
-<p:sld xmlns:a="http://schemas.openxmlformats.org/drawingml/2006/main" xmlns:r="http://schemas.openxmlformats.org/officeDocument/2006/relationships" xmlns:p="http://schemas.openxmlformats.org/presentationml/2006/main">
-  <p:cSld>
-    <p:spTree>
-      <p:nvGrpSpPr>
-        <p:cNvPr id="1" name=""/>
-        <p:cNvGrpSpPr/>
-        <p:nvPr/>
-      </p:nvGrpSpPr>
-      <p:grpSpPr>
-        <a:xfrm>
-          <a:off x="0" y="0"/>
-          <a:ext cx="0" cy="0"/>
-          <a:chOff x="0" y="0"/>
-          <a:chExt cx="0" cy="0"/>
-        </a:xfrm>
-      </p:grpSpPr>
-      <p:sp>
-        <p:nvSpPr>
-          <p:cNvPr id="2" name="Title 1">
-            <a:extLst>
-              <a:ext uri="{FF2B5EF4-FFF2-40B4-BE49-F238E27FC236}">
                 <a16:creationId xmlns:a16="http://schemas.microsoft.com/office/drawing/2014/main" id="{F037E75C-4A5B-12F5-E196-A49CFB103CCE}"/>
               </a:ext>
             </a:extLst>
@@ -7519,7 +8227,7 @@
 </p:sld>
 </file>
 
-<file path=ppt/slides/slide31.xml><?xml version="1.0" encoding="utf-8"?>
+<file path=ppt/slides/slide36.xml><?xml version="1.0" encoding="utf-8"?>
 <p:sld xmlns:a="http://schemas.openxmlformats.org/drawingml/2006/main" xmlns:r="http://schemas.openxmlformats.org/officeDocument/2006/relationships" xmlns:p="http://schemas.openxmlformats.org/presentationml/2006/main">
   <p:cSld>
     <p:spTree>
@@ -7647,7 +8355,7 @@
 </p:sld>
 </file>
 
-<file path=ppt/slides/slide32.xml><?xml version="1.0" encoding="utf-8"?>
+<file path=ppt/slides/slide37.xml><?xml version="1.0" encoding="utf-8"?>
 <p:sld xmlns:a="http://schemas.openxmlformats.org/drawingml/2006/main" xmlns:r="http://schemas.openxmlformats.org/officeDocument/2006/relationships" xmlns:p="http://schemas.openxmlformats.org/presentationml/2006/main">
   <p:cSld>
     <p:spTree>
@@ -7784,7 +8492,7 @@
 </p:sld>
 </file>
 
-<file path=ppt/slides/slide33.xml><?xml version="1.0" encoding="utf-8"?>
+<file path=ppt/slides/slide38.xml><?xml version="1.0" encoding="utf-8"?>
 <p:sld xmlns:a="http://schemas.openxmlformats.org/drawingml/2006/main" xmlns:r="http://schemas.openxmlformats.org/officeDocument/2006/relationships" xmlns:p="http://schemas.openxmlformats.org/presentationml/2006/main">
   <p:cSld>
     <p:spTree>
@@ -7928,7 +8636,7 @@
 </p:sld>
 </file>
 
-<file path=ppt/slides/slide34.xml><?xml version="1.0" encoding="utf-8"?>
+<file path=ppt/slides/slide39.xml><?xml version="1.0" encoding="utf-8"?>
 <p:sld xmlns:a="http://schemas.openxmlformats.org/drawingml/2006/main" xmlns:r="http://schemas.openxmlformats.org/officeDocument/2006/relationships" xmlns:p="http://schemas.openxmlformats.org/presentationml/2006/main">
   <p:cSld>
     <p:spTree>
@@ -8087,7 +8795,144 @@
 </p:sld>
 </file>
 
-<file path=ppt/slides/slide35.xml><?xml version="1.0" encoding="utf-8"?>
+<file path=ppt/slides/slide4.xml><?xml version="1.0" encoding="utf-8"?>
+<p:sld xmlns:a="http://schemas.openxmlformats.org/drawingml/2006/main" xmlns:r="http://schemas.openxmlformats.org/officeDocument/2006/relationships" xmlns:p="http://schemas.openxmlformats.org/presentationml/2006/main">
+  <p:cSld>
+    <p:spTree>
+      <p:nvGrpSpPr>
+        <p:cNvPr id="1" name=""/>
+        <p:cNvGrpSpPr/>
+        <p:nvPr/>
+      </p:nvGrpSpPr>
+      <p:grpSpPr>
+        <a:xfrm>
+          <a:off x="0" y="0"/>
+          <a:ext cx="0" cy="0"/>
+          <a:chOff x="0" y="0"/>
+          <a:chExt cx="0" cy="0"/>
+        </a:xfrm>
+      </p:grpSpPr>
+      <p:sp>
+        <p:nvSpPr>
+          <p:cNvPr id="2" name="Title 1">
+            <a:extLst>
+              <a:ext uri="{FF2B5EF4-FFF2-40B4-BE49-F238E27FC236}">
+                <a16:creationId xmlns:a16="http://schemas.microsoft.com/office/drawing/2014/main" id="{5C0A934E-691E-C88A-D9A7-3CEF7391D4C0}"/>
+              </a:ext>
+            </a:extLst>
+          </p:cNvPr>
+          <p:cNvSpPr>
+            <a:spLocks noGrp="1"/>
+          </p:cNvSpPr>
+          <p:nvPr>
+            <p:ph type="title"/>
+          </p:nvPr>
+        </p:nvSpPr>
+        <p:spPr/>
+        <p:txBody>
+          <a:bodyPr/>
+          <a:lstStyle/>
+          <a:p>
+            <a:r>
+              <a:rPr lang="en-US" dirty="0"/>
+              <a:t>Managing Training</a:t>
+            </a:r>
+          </a:p>
+        </p:txBody>
+      </p:sp>
+      <p:sp>
+        <p:nvSpPr>
+          <p:cNvPr id="3" name="Content Placeholder 2">
+            <a:extLst>
+              <a:ext uri="{FF2B5EF4-FFF2-40B4-BE49-F238E27FC236}">
+                <a16:creationId xmlns:a16="http://schemas.microsoft.com/office/drawing/2014/main" id="{0ABA4FA8-1C25-E5D8-BF75-18B5D5B8792E}"/>
+              </a:ext>
+            </a:extLst>
+          </p:cNvPr>
+          <p:cNvSpPr>
+            <a:spLocks noGrp="1"/>
+          </p:cNvSpPr>
+          <p:nvPr>
+            <p:ph idx="1"/>
+          </p:nvPr>
+        </p:nvSpPr>
+        <p:spPr>
+          <a:xfrm>
+            <a:off x="1451579" y="1943100"/>
+            <a:ext cx="9603275" cy="4110381"/>
+          </a:xfrm>
+        </p:spPr>
+        <p:txBody>
+          <a:bodyPr/>
+          <a:lstStyle/>
+          <a:p>
+            <a:r>
+              <a:rPr lang="en-US" dirty="0"/>
+              <a:t>Training neural network models can take a long time and involve lots of resources. </a:t>
+            </a:r>
+          </a:p>
+          <a:p>
+            <a:pPr lvl="1"/>
+            <a:r>
+              <a:rPr lang="en-US" dirty="0"/>
+              <a:t>Large models (GPT scale) can train for weeks on tens of thousands of GPUs. </a:t>
+            </a:r>
+          </a:p>
+          <a:p>
+            <a:r>
+              <a:rPr lang="en-US" dirty="0"/>
+              <a:t>One person probably doesn’t want to sit there and make sure it runs. </a:t>
+            </a:r>
+          </a:p>
+          <a:p>
+            <a:r>
+              <a:rPr lang="en-US" dirty="0"/>
+              <a:t>If someone pulls the plug, we don’t want to start over. </a:t>
+            </a:r>
+          </a:p>
+          <a:p>
+            <a:r>
+              <a:rPr lang="en-US" dirty="0"/>
+              <a:t>There are remote monitoring tools to help:</a:t>
+            </a:r>
+          </a:p>
+          <a:p>
+            <a:pPr lvl="1"/>
+            <a:r>
+              <a:rPr lang="en-US" dirty="0"/>
+              <a:t>”Real” model training will happen on servers/clusters elsewhere. </a:t>
+            </a:r>
+          </a:p>
+          <a:p>
+            <a:pPr lvl="1"/>
+            <a:r>
+              <a:rPr lang="en-US" dirty="0"/>
+              <a:t>We can interact through a web page instead of the computer itself. </a:t>
+            </a:r>
+          </a:p>
+          <a:p>
+            <a:pPr lvl="1"/>
+            <a:r>
+              <a:rPr lang="en-US" dirty="0"/>
+              <a:t>We can start training, leave it be, and monitor it via a webpage. </a:t>
+            </a:r>
+          </a:p>
+        </p:txBody>
+      </p:sp>
+    </p:spTree>
+    <p:extLst>
+      <p:ext uri="{BB962C8B-B14F-4D97-AF65-F5344CB8AC3E}">
+        <p14:creationId xmlns:p14="http://schemas.microsoft.com/office/powerpoint/2010/main" val="1856639837"/>
+      </p:ext>
+    </p:extLst>
+  </p:cSld>
+  <p:clrMapOvr>
+    <a:masterClrMapping/>
+  </p:clrMapOvr>
+</p:sld>
+</file>
+
+<file path=ppt/slides/slide40.xml><?xml version="1.0" encoding="utf-8"?>
 <p:sld xmlns:a="http://schemas.openxmlformats.org/drawingml/2006/main" xmlns:r="http://schemas.openxmlformats.org/officeDocument/2006/relationships" xmlns:p="http://schemas.openxmlformats.org/presentationml/2006/main">
   <p:cSld>
     <p:spTree>
@@ -8214,7 +9059,7 @@
 </p:sld>
 </file>
 
-<file path=ppt/slides/slide36.xml><?xml version="1.0" encoding="utf-8"?>
+<file path=ppt/slides/slide41.xml><?xml version="1.0" encoding="utf-8"?>
 <p:sld xmlns:a="http://schemas.openxmlformats.org/drawingml/2006/main" xmlns:r="http://schemas.openxmlformats.org/officeDocument/2006/relationships" xmlns:p="http://schemas.openxmlformats.org/presentationml/2006/main">
   <p:cSld>
     <p:spTree>
@@ -8359,7 +9204,7 @@
 </p:sld>
 </file>
 
-<file path=ppt/slides/slide37.xml><?xml version="1.0" encoding="utf-8"?>
+<file path=ppt/slides/slide42.xml><?xml version="1.0" encoding="utf-8"?>
 <p:sld xmlns:a="http://schemas.openxmlformats.org/drawingml/2006/main" xmlns:r="http://schemas.openxmlformats.org/officeDocument/2006/relationships" xmlns:p="http://schemas.openxmlformats.org/presentationml/2006/main">
   <p:cSld>
     <p:spTree>
@@ -8470,7 +9315,7 @@
 </p:sld>
 </file>
 
-<file path=ppt/slides/slide38.xml><?xml version="1.0" encoding="utf-8"?>
+<file path=ppt/slides/slide43.xml><?xml version="1.0" encoding="utf-8"?>
 <p:sld xmlns:a="http://schemas.openxmlformats.org/drawingml/2006/main" xmlns:r="http://schemas.openxmlformats.org/officeDocument/2006/relationships" xmlns:p="http://schemas.openxmlformats.org/presentationml/2006/main">
   <p:cSld>
     <p:spTree>
@@ -8585,8 +9430,8 @@
 </p:sld>
 </file>
 
-<file path=ppt/slides/slide4.xml><?xml version="1.0" encoding="utf-8"?>
-<p:sld xmlns:a="http://schemas.openxmlformats.org/drawingml/2006/main" xmlns:r="http://schemas.openxmlformats.org/officeDocument/2006/relationships" xmlns:p="http://schemas.openxmlformats.org/presentationml/2006/main">
+<file path=ppt/slides/slide5.xml><?xml version="1.0" encoding="utf-8"?>
+<p:sld xmlns:a="http://schemas.openxmlformats.org/drawingml/2006/main" xmlns:r="http://schemas.openxmlformats.org/officeDocument/2006/relationships" xmlns:p="http://schemas.openxmlformats.org/presentationml/2006/main" show="0">
   <p:cSld>
     <p:spTree>
       <p:nvGrpSpPr>
@@ -8607,7 +9452,7 @@
           <p:cNvPr id="2" name="Title 1">
             <a:extLst>
               <a:ext uri="{FF2B5EF4-FFF2-40B4-BE49-F238E27FC236}">
-                <a16:creationId xmlns:a16="http://schemas.microsoft.com/office/drawing/2014/main" id="{0EF46C38-685E-DCE4-45FD-E0F8E907BA1B}"/>
+                <a16:creationId xmlns:a16="http://schemas.microsoft.com/office/drawing/2014/main" id="{23B64FB4-F3CD-02FF-01D5-4C75017BA276}"/>
               </a:ext>
             </a:extLst>
           </p:cNvPr>
@@ -8625,7 +9470,7 @@
           <a:p>
             <a:r>
               <a:rPr lang="en-US" dirty="0"/>
-              <a:t>Generators</a:t>
+              <a:t>Training Data and Disks</a:t>
             </a:r>
           </a:p>
         </p:txBody>
@@ -8635,7 +9480,7 @@
           <p:cNvPr id="3" name="Content Placeholder 2">
             <a:extLst>
               <a:ext uri="{FF2B5EF4-FFF2-40B4-BE49-F238E27FC236}">
-                <a16:creationId xmlns:a16="http://schemas.microsoft.com/office/drawing/2014/main" id="{2147A0C9-1A2E-7BAB-CF06-F4D9639B071C}"/>
+                <a16:creationId xmlns:a16="http://schemas.microsoft.com/office/drawing/2014/main" id="{E84D5EBF-AE45-1C23-C3CD-809E73BA59AA}"/>
               </a:ext>
             </a:extLst>
           </p:cNvPr>
@@ -8646,65 +9491,19 @@
             <p:ph idx="1"/>
           </p:nvPr>
         </p:nvSpPr>
-        <p:spPr>
-          <a:xfrm>
-            <a:off x="1451579" y="1853754"/>
-            <a:ext cx="9603275" cy="4199727"/>
-          </a:xfrm>
-        </p:spPr>
-        <p:txBody>
-          <a:bodyPr/>
-          <a:lstStyle/>
-          <a:p>
-            <a:r>
-              <a:rPr lang="en-US" dirty="0"/>
-              <a:t>What happens if the size of the data is larger than memory?</a:t>
-            </a:r>
-          </a:p>
-          <a:p>
-            <a:r>
-              <a:rPr lang="en-US" dirty="0"/>
-              <a:t>Generators are another variety of datasets that we can use. </a:t>
-            </a:r>
-          </a:p>
-          <a:p>
-            <a:r>
-              <a:rPr lang="en-US" dirty="0"/>
-              <a:t>Generators “generate” data when demanded, automatically. </a:t>
-            </a:r>
-          </a:p>
-          <a:p>
-            <a:r>
-              <a:rPr lang="en-US" dirty="0"/>
-              <a:t>The easiest way to understand them is reading from disk:</a:t>
-            </a:r>
-          </a:p>
-          <a:p>
-            <a:pPr lvl="1"/>
-            <a:r>
-              <a:rPr lang="en-US" dirty="0"/>
-              <a:t>We pass the generator instead of the data itself to a function. </a:t>
-            </a:r>
-          </a:p>
-          <a:p>
-            <a:pPr lvl="1"/>
-            <a:r>
-              <a:rPr lang="en-US" dirty="0"/>
-              <a:t>Every time data is needed, the generator reads some part off of the hard drive and provides it. </a:t>
-            </a:r>
-          </a:p>
-          <a:p>
-            <a:r>
-              <a:rPr lang="en-US" dirty="0"/>
-              <a:t>To the model/fit, the generator is just the data. To the system, it only demands the resources needed for that ‘bit’ of work to happen. </a:t>
-            </a:r>
+        <p:spPr/>
+        <p:txBody>
+          <a:bodyPr/>
+          <a:lstStyle/>
+          <a:p>
+            <a:endParaRPr lang="en-US"/>
           </a:p>
         </p:txBody>
       </p:sp>
     </p:spTree>
     <p:extLst>
       <p:ext uri="{BB962C8B-B14F-4D97-AF65-F5344CB8AC3E}">
-        <p14:creationId xmlns:p14="http://schemas.microsoft.com/office/powerpoint/2010/main" val="1677294612"/>
+        <p14:creationId xmlns:p14="http://schemas.microsoft.com/office/powerpoint/2010/main" val="3228236250"/>
       </p:ext>
     </p:extLst>
   </p:cSld>
@@ -8714,8 +9513,8 @@
 </p:sld>
 </file>
 
-<file path=ppt/slides/slide5.xml><?xml version="1.0" encoding="utf-8"?>
-<p:sld xmlns:a="http://schemas.openxmlformats.org/drawingml/2006/main" xmlns:r="http://schemas.openxmlformats.org/officeDocument/2006/relationships" xmlns:p="http://schemas.openxmlformats.org/presentationml/2006/main">
+<file path=ppt/slides/slide6.xml><?xml version="1.0" encoding="utf-8"?>
+<p:sld xmlns:a="http://schemas.openxmlformats.org/drawingml/2006/main" xmlns:r="http://schemas.openxmlformats.org/officeDocument/2006/relationships" xmlns:p="http://schemas.openxmlformats.org/presentationml/2006/main" show="0">
   <p:cSld>
     <p:spTree>
       <p:nvGrpSpPr>
@@ -8736,7 +9535,7 @@
           <p:cNvPr id="2" name="Title 1">
             <a:extLst>
               <a:ext uri="{FF2B5EF4-FFF2-40B4-BE49-F238E27FC236}">
-                <a16:creationId xmlns:a16="http://schemas.microsoft.com/office/drawing/2014/main" id="{CF5B344D-5CF9-E5E9-2912-770AEFD868D5}"/>
+                <a16:creationId xmlns:a16="http://schemas.microsoft.com/office/drawing/2014/main" id="{0EF46C38-685E-DCE4-45FD-E0F8E907BA1B}"/>
               </a:ext>
             </a:extLst>
           </p:cNvPr>
@@ -8754,7 +9553,7 @@
           <a:p>
             <a:r>
               <a:rPr lang="en-US" dirty="0"/>
-              <a:t>Generator Madness</a:t>
+              <a:t>Generators</a:t>
             </a:r>
           </a:p>
         </p:txBody>
@@ -8764,7 +9563,7 @@
           <p:cNvPr id="3" name="Content Placeholder 2">
             <a:extLst>
               <a:ext uri="{FF2B5EF4-FFF2-40B4-BE49-F238E27FC236}">
-                <a16:creationId xmlns:a16="http://schemas.microsoft.com/office/drawing/2014/main" id="{D2758200-C90C-D300-34C8-3D4304D7D150}"/>
+                <a16:creationId xmlns:a16="http://schemas.microsoft.com/office/drawing/2014/main" id="{2147A0C9-1A2E-7BAB-CF06-F4D9639B071C}"/>
               </a:ext>
             </a:extLst>
           </p:cNvPr>
@@ -8777,8 +9576,8 @@
         </p:nvSpPr>
         <p:spPr>
           <a:xfrm>
-            <a:off x="1451579" y="2015732"/>
-            <a:ext cx="9603275" cy="4037749"/>
+            <a:off x="1451579" y="1853754"/>
+            <a:ext cx="9603275" cy="4199727"/>
           </a:xfrm>
         </p:spPr>
         <p:txBody>
@@ -8787,45 +9586,53 @@
           <a:p>
             <a:r>
               <a:rPr lang="en-US" dirty="0"/>
-              <a:t>Since a generator provides data on-demand, we can add transformations, if needed. </a:t>
-            </a:r>
-          </a:p>
-          <a:p>
-            <a:pPr lvl="1"/>
-            <a:r>
-              <a:rPr lang="en-US" dirty="0"/>
-              <a:t>The generator can provide variations of data each time it is asked. </a:t>
-            </a:r>
-          </a:p>
-          <a:p>
-            <a:r>
-              <a:rPr lang="en-US" dirty="0"/>
-              <a:t>Generators can do whatever we define to produce the data. </a:t>
-            </a:r>
-          </a:p>
-          <a:p>
-            <a:pPr lvl="1"/>
-            <a:r>
-              <a:rPr lang="en-US" dirty="0"/>
-              <a:t>Usually read from disk. </a:t>
-            </a:r>
-          </a:p>
-          <a:p>
-            <a:pPr lvl="1"/>
-            <a:r>
-              <a:rPr lang="en-US" dirty="0"/>
-              <a:t>We can also add some fun stuff…</a:t>
-            </a:r>
-          </a:p>
-          <a:p>
-            <a:endParaRPr lang="en-US" dirty="0"/>
+              <a:t>What happens if the size of the data is larger than memory?</a:t>
+            </a:r>
+          </a:p>
+          <a:p>
+            <a:r>
+              <a:rPr lang="en-US" dirty="0"/>
+              <a:t>Generators are another variety of datasets that we can use. </a:t>
+            </a:r>
+          </a:p>
+          <a:p>
+            <a:r>
+              <a:rPr lang="en-US" dirty="0"/>
+              <a:t>Generators “generate” data when demanded, automatically. </a:t>
+            </a:r>
+          </a:p>
+          <a:p>
+            <a:r>
+              <a:rPr lang="en-US" dirty="0"/>
+              <a:t>The easiest way to understand them is reading from disk:</a:t>
+            </a:r>
+          </a:p>
+          <a:p>
+            <a:pPr lvl="1"/>
+            <a:r>
+              <a:rPr lang="en-US" dirty="0"/>
+              <a:t>We pass the generator instead of the data itself to a function. </a:t>
+            </a:r>
+          </a:p>
+          <a:p>
+            <a:pPr lvl="1"/>
+            <a:r>
+              <a:rPr lang="en-US" dirty="0"/>
+              <a:t>Every time data is needed, the generator reads some part off of the hard drive and provides it. </a:t>
+            </a:r>
+          </a:p>
+          <a:p>
+            <a:r>
+              <a:rPr lang="en-US" dirty="0"/>
+              <a:t>To the model/fit, the generator is just the data. To the system, it only demands the resources needed for that ‘bit’ of work to happen. </a:t>
+            </a:r>
           </a:p>
         </p:txBody>
       </p:sp>
     </p:spTree>
     <p:extLst>
       <p:ext uri="{BB962C8B-B14F-4D97-AF65-F5344CB8AC3E}">
-        <p14:creationId xmlns:p14="http://schemas.microsoft.com/office/powerpoint/2010/main" val="1825199715"/>
+        <p14:creationId xmlns:p14="http://schemas.microsoft.com/office/powerpoint/2010/main" val="1677294612"/>
       </p:ext>
     </p:extLst>
   </p:cSld>
@@ -8835,8 +9642,8 @@
 </p:sld>
 </file>
 
-<file path=ppt/slides/slide6.xml><?xml version="1.0" encoding="utf-8"?>
-<p:sld xmlns:a="http://schemas.openxmlformats.org/drawingml/2006/main" xmlns:r="http://schemas.openxmlformats.org/officeDocument/2006/relationships" xmlns:p="http://schemas.openxmlformats.org/presentationml/2006/main">
+<file path=ppt/slides/slide7.xml><?xml version="1.0" encoding="utf-8"?>
+<p:sld xmlns:a="http://schemas.openxmlformats.org/drawingml/2006/main" xmlns:r="http://schemas.openxmlformats.org/officeDocument/2006/relationships" xmlns:p="http://schemas.openxmlformats.org/presentationml/2006/main" show="0">
   <p:cSld>
     <p:spTree>
       <p:nvGrpSpPr>
@@ -8854,152 +9661,10 @@
       </p:grpSpPr>
       <p:sp>
         <p:nvSpPr>
-          <p:cNvPr id="258" name="Title 1"/>
-          <p:cNvSpPr txBox="1">
-            <a:spLocks noGrp="1"/>
-          </p:cNvSpPr>
-          <p:nvPr>
-            <p:ph type="title"/>
-          </p:nvPr>
-        </p:nvSpPr>
-        <p:spPr>
-          <a:xfrm>
-            <a:off x="1451578" y="804519"/>
-            <a:ext cx="9603277" cy="1049236"/>
-          </a:xfrm>
-          <a:prstGeom prst="rect">
-            <a:avLst/>
-          </a:prstGeom>
-        </p:spPr>
-        <p:txBody>
-          <a:bodyPr/>
-          <a:lstStyle/>
-          <a:p>
-            <a:r>
-              <a:t>Data Augmentation</a:t>
-            </a:r>
-          </a:p>
-        </p:txBody>
-      </p:sp>
-      <p:sp>
-        <p:nvSpPr>
-          <p:cNvPr id="259" name="Content Placeholder 2"/>
-          <p:cNvSpPr txBox="1">
-            <a:spLocks noGrp="1"/>
-          </p:cNvSpPr>
-          <p:nvPr>
-            <p:ph type="body" idx="1"/>
-          </p:nvPr>
-        </p:nvSpPr>
-        <p:spPr>
-          <a:xfrm>
-            <a:off x="1451578" y="1853753"/>
-            <a:ext cx="9603277" cy="3612592"/>
-          </a:xfrm>
-          <a:prstGeom prst="rect">
-            <a:avLst/>
-          </a:prstGeom>
-        </p:spPr>
-        <p:txBody>
-          <a:bodyPr/>
-          <a:lstStyle/>
-          <a:p>
-            <a:r>
-              <a:t>Recall the #1 rule of better predictions – get more data. </a:t>
-            </a:r>
-          </a:p>
-          <a:p>
-            <a:r>
-              <a:t>Images make it easy to generate more data for training. </a:t>
-            </a:r>
-          </a:p>
-          <a:p>
-            <a:pPr marL="685800" lvl="1" indent="-228600">
-              <a:spcBef>
-                <a:spcPts val="500"/>
-              </a:spcBef>
-              <a:defRPr sz="1800"/>
-            </a:pPr>
-            <a:r>
-              <a:t>Flip images. </a:t>
-            </a:r>
-          </a:p>
-          <a:p>
-            <a:pPr marL="685800" lvl="1" indent="-228600">
-              <a:spcBef>
-                <a:spcPts val="500"/>
-              </a:spcBef>
-              <a:defRPr sz="1800"/>
-            </a:pPr>
-            <a:r>
-              <a:t>Shift a window to parts of an image. </a:t>
-            </a:r>
-          </a:p>
-          <a:p>
-            <a:r>
-              <a:t>Easy to do when constructing a dataset. </a:t>
-            </a:r>
-          </a:p>
-        </p:txBody>
-      </p:sp>
-      <p:pic>
-        <p:nvPicPr>
-          <p:cNvPr id="260" name="Picture 4" descr="Picture 4"/>
-          <p:cNvPicPr>
-            <a:picLocks noChangeAspect="1"/>
-          </p:cNvPicPr>
-          <p:nvPr/>
-        </p:nvPicPr>
-        <p:blipFill>
-          <a:blip r:embed="rId2"/>
-          <a:stretch>
-            <a:fillRect/>
-          </a:stretch>
-        </p:blipFill>
-        <p:spPr>
-          <a:xfrm>
-            <a:off x="3757960" y="4043310"/>
-            <a:ext cx="5436806" cy="2756631"/>
-          </a:xfrm>
-          <a:prstGeom prst="rect">
-            <a:avLst/>
-          </a:prstGeom>
-          <a:ln w="12700">
-            <a:miter lim="400000"/>
-          </a:ln>
-        </p:spPr>
-      </p:pic>
-    </p:spTree>
-  </p:cSld>
-  <p:clrMapOvr>
-    <a:masterClrMapping/>
-  </p:clrMapOvr>
-</p:sld>
-</file>
-
-<file path=ppt/slides/slide7.xml><?xml version="1.0" encoding="utf-8"?>
-<p:sld xmlns:a="http://schemas.openxmlformats.org/drawingml/2006/main" xmlns:r="http://schemas.openxmlformats.org/officeDocument/2006/relationships" xmlns:p="http://schemas.openxmlformats.org/presentationml/2006/main">
-  <p:cSld>
-    <p:spTree>
-      <p:nvGrpSpPr>
-        <p:cNvPr id="1" name=""/>
-        <p:cNvGrpSpPr/>
-        <p:nvPr/>
-      </p:nvGrpSpPr>
-      <p:grpSpPr>
-        <a:xfrm>
-          <a:off x="0" y="0"/>
-          <a:ext cx="0" cy="0"/>
-          <a:chOff x="0" y="0"/>
-          <a:chExt cx="0" cy="0"/>
-        </a:xfrm>
-      </p:grpSpPr>
-      <p:sp>
-        <p:nvSpPr>
           <p:cNvPr id="2" name="Title 1">
             <a:extLst>
               <a:ext uri="{FF2B5EF4-FFF2-40B4-BE49-F238E27FC236}">
-                <a16:creationId xmlns:a16="http://schemas.microsoft.com/office/drawing/2014/main" id="{7266397F-5254-F547-A1EC-4EAA2913DAB1}"/>
+                <a16:creationId xmlns:a16="http://schemas.microsoft.com/office/drawing/2014/main" id="{CF5B344D-5CF9-E5E9-2912-770AEFD868D5}"/>
               </a:ext>
             </a:extLst>
           </p:cNvPr>
@@ -9017,7 +9682,7 @@
           <a:p>
             <a:r>
               <a:rPr lang="en-US" dirty="0"/>
-              <a:t>Data Augmentation</a:t>
+              <a:t>Generator Madness</a:t>
             </a:r>
           </a:p>
         </p:txBody>
@@ -9027,7 +9692,7 @@
           <p:cNvPr id="3" name="Content Placeholder 2">
             <a:extLst>
               <a:ext uri="{FF2B5EF4-FFF2-40B4-BE49-F238E27FC236}">
-                <a16:creationId xmlns:a16="http://schemas.microsoft.com/office/drawing/2014/main" id="{B2D8E7B3-32A5-384B-853B-3487B7A2AD7D}"/>
+                <a16:creationId xmlns:a16="http://schemas.microsoft.com/office/drawing/2014/main" id="{D2758200-C90C-D300-34C8-3D4304D7D150}"/>
               </a:ext>
             </a:extLst>
           </p:cNvPr>
@@ -9050,61 +9715,45 @@
           <a:p>
             <a:r>
               <a:rPr lang="en-US" dirty="0"/>
-              <a:t>Data augmentation is the creation of synthetic training data. </a:t>
-            </a:r>
-          </a:p>
-          <a:p>
-            <a:r>
-              <a:rPr lang="en-US" dirty="0"/>
-              <a:t>This sounds insane, but works more often that you’d think. </a:t>
-            </a:r>
-          </a:p>
-          <a:p>
-            <a:r>
-              <a:rPr lang="en-US" dirty="0"/>
-              <a:t>Data augmentation is actually simpler and easier with images, in most cases. </a:t>
-            </a:r>
-          </a:p>
-          <a:p>
-            <a:pPr lvl="1"/>
-            <a:r>
-              <a:rPr lang="en-US" dirty="0"/>
-              <a:t>We generally want to do some variety of image recognition. </a:t>
-            </a:r>
-          </a:p>
-          <a:p>
-            <a:pPr lvl="1"/>
-            <a:r>
-              <a:rPr lang="en-US" dirty="0"/>
-              <a:t>The things we want to recognize can ‘move around’ in an image, and the data is still good. </a:t>
-            </a:r>
-          </a:p>
-          <a:p>
-            <a:r>
-              <a:rPr lang="en-US" dirty="0"/>
-              <a:t>When using data augmentation for image data, it allows us to increase data size, without actually collecting and maintaining large datasets. </a:t>
-            </a:r>
-          </a:p>
-          <a:p>
-            <a:pPr lvl="1"/>
-            <a:r>
-              <a:rPr lang="en-US" dirty="0"/>
-              <a:t>We can instead create generators – things that make data for the model, on demand. </a:t>
-            </a:r>
-          </a:p>
-          <a:p>
-            <a:pPr lvl="1"/>
-            <a:r>
-              <a:rPr lang="en-US" dirty="0"/>
-              <a:t>These generators can apply data augmentation on the fly to make variations of images. </a:t>
-            </a:r>
+              <a:t>Since a generator provides data on-demand, we can add transformations, if needed. </a:t>
+            </a:r>
+          </a:p>
+          <a:p>
+            <a:pPr lvl="1"/>
+            <a:r>
+              <a:rPr lang="en-US" dirty="0"/>
+              <a:t>The generator can provide variations of data each time it is asked. </a:t>
+            </a:r>
+          </a:p>
+          <a:p>
+            <a:r>
+              <a:rPr lang="en-US" dirty="0"/>
+              <a:t>Generators can do whatever we define to produce the data. </a:t>
+            </a:r>
+          </a:p>
+          <a:p>
+            <a:pPr lvl="1"/>
+            <a:r>
+              <a:rPr lang="en-US" dirty="0"/>
+              <a:t>Usually read from disk. </a:t>
+            </a:r>
+          </a:p>
+          <a:p>
+            <a:pPr lvl="1"/>
+            <a:r>
+              <a:rPr lang="en-US" dirty="0"/>
+              <a:t>We can also add some fun stuff…</a:t>
+            </a:r>
+          </a:p>
+          <a:p>
+            <a:endParaRPr lang="en-US" dirty="0"/>
           </a:p>
         </p:txBody>
       </p:sp>
     </p:spTree>
     <p:extLst>
       <p:ext uri="{BB962C8B-B14F-4D97-AF65-F5344CB8AC3E}">
-        <p14:creationId xmlns:p14="http://schemas.microsoft.com/office/powerpoint/2010/main" val="129782984"/>
+        <p14:creationId xmlns:p14="http://schemas.microsoft.com/office/powerpoint/2010/main" val="1825199715"/>
       </p:ext>
     </p:extLst>
   </p:cSld>
@@ -9136,7 +9785,7 @@
           <p:cNvPr id="2" name="Title 1">
             <a:extLst>
               <a:ext uri="{FF2B5EF4-FFF2-40B4-BE49-F238E27FC236}">
-                <a16:creationId xmlns:a16="http://schemas.microsoft.com/office/drawing/2014/main" id="{ED2725CF-AC52-F71B-1385-BA0BA6FF3375}"/>
+                <a16:creationId xmlns:a16="http://schemas.microsoft.com/office/drawing/2014/main" id="{DFC5DF31-B583-78F0-FD49-B357B7BAF689}"/>
               </a:ext>
             </a:extLst>
           </p:cNvPr>
@@ -9152,7 +9801,10 @@
           <a:bodyPr/>
           <a:lstStyle/>
           <a:p>
-            <a:endParaRPr lang="en-US"/>
+            <a:r>
+              <a:rPr lang="en-US" dirty="0"/>
+              <a:t>Dataset Differences</a:t>
+            </a:r>
           </a:p>
         </p:txBody>
       </p:sp>
@@ -9161,7 +9813,7 @@
           <p:cNvPr id="3" name="Content Placeholder 2">
             <a:extLst>
               <a:ext uri="{FF2B5EF4-FFF2-40B4-BE49-F238E27FC236}">
-                <a16:creationId xmlns:a16="http://schemas.microsoft.com/office/drawing/2014/main" id="{AEC4363D-4BA8-3B63-469E-375DF4E2EED0}"/>
+                <a16:creationId xmlns:a16="http://schemas.microsoft.com/office/drawing/2014/main" id="{5542204F-E1BB-0AD8-1274-62771C00F97C}"/>
               </a:ext>
             </a:extLst>
           </p:cNvPr>
@@ -9172,66 +9824,89 @@
             <p:ph idx="1"/>
           </p:nvPr>
         </p:nvSpPr>
-        <p:spPr/>
-        <p:txBody>
-          <a:bodyPr/>
-          <a:lstStyle/>
-          <a:p>
-            <a:endParaRPr lang="en-US"/>
-          </a:p>
-        </p:txBody>
-      </p:sp>
-      <p:pic>
-        <p:nvPicPr>
-          <p:cNvPr id="4098" name="Picture 2" descr="Best data augmentation techniques [2024 update]">
-            <a:extLst>
-              <a:ext uri="{FF2B5EF4-FFF2-40B4-BE49-F238E27FC236}">
-                <a16:creationId xmlns:a16="http://schemas.microsoft.com/office/drawing/2014/main" id="{AF0B5C56-3E66-C440-D0EF-31A5E8A0E854}"/>
-              </a:ext>
-            </a:extLst>
-          </p:cNvPr>
-          <p:cNvPicPr>
-            <a:picLocks noChangeAspect="1" noChangeArrowheads="1"/>
-          </p:cNvPicPr>
-          <p:nvPr/>
-        </p:nvPicPr>
-        <p:blipFill>
-          <a:blip r:embed="rId2">
-            <a:extLst>
-              <a:ext uri="{28A0092B-C50C-407E-A947-70E740481C1C}">
-                <a14:useLocalDpi xmlns:a14="http://schemas.microsoft.com/office/drawing/2010/main" val="0"/>
-              </a:ext>
-            </a:extLst>
-          </a:blip>
-          <a:srcRect/>
-          <a:stretch>
-            <a:fillRect/>
-          </a:stretch>
-        </p:blipFill>
-        <p:spPr bwMode="auto">
+        <p:spPr>
           <a:xfrm>
-            <a:off x="0" y="0"/>
-            <a:ext cx="12192000" cy="6858000"/>
+            <a:off x="1451579" y="1853754"/>
+            <a:ext cx="9603275" cy="4199727"/>
           </a:xfrm>
-          <a:prstGeom prst="rect">
-            <a:avLst/>
-          </a:prstGeom>
-          <a:noFill/>
-          <a:extLst>
-            <a:ext uri="{909E8E84-426E-40DD-AFC4-6F175D3DCCD1}">
-              <a14:hiddenFill xmlns:a14="http://schemas.microsoft.com/office/drawing/2010/main">
-                <a:solidFill>
-                  <a:srgbClr val="FFFFFF"/>
-                </a:solidFill>
-              </a14:hiddenFill>
-            </a:ext>
-          </a:extLst>
         </p:spPr>
-      </p:pic>
+        <p:txBody>
+          <a:bodyPr/>
+          <a:lstStyle/>
+          <a:p>
+            <a:r>
+              <a:rPr lang="en-US" dirty="0"/>
+              <a:t>Most useful neural networks are trained on large amounts of data. </a:t>
+            </a:r>
+          </a:p>
+          <a:p>
+            <a:pPr lvl="1"/>
+            <a:r>
+              <a:rPr lang="en-US" dirty="0"/>
+              <a:t>The larger the data, the more the capabilities of neural networks become useful. </a:t>
+            </a:r>
+          </a:p>
+          <a:p>
+            <a:r>
+              <a:rPr lang="en-US" dirty="0"/>
+              <a:t>These datasets are not as easy to manage as a </a:t>
+            </a:r>
+            <a:r>
+              <a:rPr lang="en-US" dirty="0" err="1"/>
+              <a:t>dataframe</a:t>
+            </a:r>
+            <a:r>
+              <a:rPr lang="en-US" dirty="0"/>
+              <a:t> with small amounts. </a:t>
+            </a:r>
+          </a:p>
+          <a:p>
+            <a:pPr lvl="1"/>
+            <a:r>
+              <a:rPr lang="en-US" dirty="0"/>
+              <a:t>Data will often exceed the memory of the computer or GPU. </a:t>
+            </a:r>
+          </a:p>
+          <a:p>
+            <a:pPr lvl="1"/>
+            <a:r>
+              <a:rPr lang="en-US" dirty="0"/>
+              <a:t>“Swapping” (using a HD as ‘extra’ memory, like Windows does) is impractical here. </a:t>
+            </a:r>
+          </a:p>
+          <a:p>
+            <a:pPr lvl="1"/>
+            <a:r>
+              <a:rPr lang="en-US" dirty="0"/>
+              <a:t>If we exceed the memory of the system, we are done. </a:t>
+            </a:r>
+          </a:p>
+          <a:p>
+            <a:r>
+              <a:rPr lang="en-US" dirty="0"/>
+              <a:t>We can create special purpose datasets that are smarter for neural networks. </a:t>
+            </a:r>
+          </a:p>
+          <a:p>
+            <a:pPr lvl="1"/>
+            <a:r>
+              <a:rPr lang="en-US" dirty="0"/>
+              <a:t>Able to manage data that is larger than the available memory. </a:t>
+            </a:r>
+          </a:p>
+          <a:p>
+            <a:pPr lvl="1"/>
+            <a:r>
+              <a:rPr lang="en-US" dirty="0"/>
+              <a:t>Able to manage some of the preparation work on their own to help efficiency. </a:t>
+            </a:r>
+          </a:p>
+        </p:txBody>
+      </p:sp>
     </p:spTree>
     <p:extLst>
       <p:ext uri="{BB962C8B-B14F-4D97-AF65-F5344CB8AC3E}">
-        <p14:creationId xmlns:p14="http://schemas.microsoft.com/office/powerpoint/2010/main" val="3789128492"/>
+        <p14:creationId xmlns:p14="http://schemas.microsoft.com/office/powerpoint/2010/main" val="1893682776"/>
       </p:ext>
     </p:extLst>
   </p:cSld>
@@ -9260,86 +9935,151 @@
       </p:grpSpPr>
       <p:sp>
         <p:nvSpPr>
-          <p:cNvPr id="262" name="Title 1"/>
-          <p:cNvSpPr txBox="1">
+          <p:cNvPr id="2" name="Title 1">
+            <a:extLst>
+              <a:ext uri="{FF2B5EF4-FFF2-40B4-BE49-F238E27FC236}">
+                <a16:creationId xmlns:a16="http://schemas.microsoft.com/office/drawing/2014/main" id="{B26CD158-C026-5396-FA3B-710B19FFE473}"/>
+              </a:ext>
+            </a:extLst>
+          </p:cNvPr>
+          <p:cNvSpPr>
             <a:spLocks noGrp="1"/>
           </p:cNvSpPr>
           <p:nvPr>
             <p:ph type="title"/>
+          </p:nvPr>
+        </p:nvSpPr>
+        <p:spPr/>
+        <p:txBody>
+          <a:bodyPr/>
+          <a:lstStyle/>
+          <a:p>
+            <a:r>
+              <a:rPr lang="en-US" dirty="0" err="1"/>
+              <a:t>Tensorflow</a:t>
+            </a:r>
+            <a:r>
+              <a:rPr lang="en-US" dirty="0"/>
+              <a:t> Datasets</a:t>
+            </a:r>
+          </a:p>
+        </p:txBody>
+      </p:sp>
+      <p:sp>
+        <p:nvSpPr>
+          <p:cNvPr id="3" name="Content Placeholder 2">
+            <a:extLst>
+              <a:ext uri="{FF2B5EF4-FFF2-40B4-BE49-F238E27FC236}">
+                <a16:creationId xmlns:a16="http://schemas.microsoft.com/office/drawing/2014/main" id="{933995A6-8480-7422-75CE-04E9E31664EA}"/>
+              </a:ext>
+            </a:extLst>
+          </p:cNvPr>
+          <p:cNvSpPr>
+            <a:spLocks noGrp="1"/>
+          </p:cNvSpPr>
+          <p:nvPr>
+            <p:ph idx="1"/>
           </p:nvPr>
         </p:nvSpPr>
         <p:spPr>
           <a:xfrm>
-            <a:off x="1451578" y="804519"/>
-            <a:ext cx="9603277" cy="1049236"/>
+            <a:off x="1451579" y="1853754"/>
+            <a:ext cx="9603275" cy="4199727"/>
           </a:xfrm>
-          <a:prstGeom prst="rect">
-            <a:avLst/>
-          </a:prstGeom>
         </p:spPr>
         <p:txBody>
           <a:bodyPr/>
           <a:lstStyle/>
           <a:p>
-            <a:endParaRPr/>
-          </a:p>
-        </p:txBody>
-      </p:sp>
-      <p:sp>
-        <p:nvSpPr>
-          <p:cNvPr id="263" name="Content Placeholder 2"/>
-          <p:cNvSpPr txBox="1">
-            <a:spLocks noGrp="1"/>
-          </p:cNvSpPr>
-          <p:nvPr>
-            <p:ph type="body" sz="half" idx="1"/>
-          </p:nvPr>
-        </p:nvSpPr>
-        <p:spPr>
-          <a:xfrm>
-            <a:off x="1451578" y="2015731"/>
-            <a:ext cx="9603277" cy="3450615"/>
-          </a:xfrm>
-          <a:prstGeom prst="rect">
-            <a:avLst/>
-          </a:prstGeom>
-        </p:spPr>
-        <p:txBody>
-          <a:bodyPr/>
-          <a:lstStyle/>
-          <a:p>
-            <a:endParaRPr/>
-          </a:p>
-        </p:txBody>
-      </p:sp>
-      <p:pic>
-        <p:nvPicPr>
-          <p:cNvPr id="264" name="Picture 2" descr="Picture 2"/>
-          <p:cNvPicPr>
-            <a:picLocks noChangeAspect="1"/>
-          </p:cNvPicPr>
-          <p:nvPr/>
-        </p:nvPicPr>
-        <p:blipFill>
-          <a:blip r:embed="rId2"/>
-          <a:stretch>
-            <a:fillRect/>
-          </a:stretch>
-        </p:blipFill>
-        <p:spPr>
-          <a:xfrm>
-            <a:off x="1917700" y="323850"/>
-            <a:ext cx="8356600" cy="6210300"/>
-          </a:xfrm>
-          <a:prstGeom prst="rect">
-            <a:avLst/>
-          </a:prstGeom>
-          <a:ln w="12700">
-            <a:miter lim="400000"/>
-          </a:ln>
-        </p:spPr>
-      </p:pic>
+            <a:r>
+              <a:rPr lang="en-US" dirty="0" err="1"/>
+              <a:t>Tensorflow</a:t>
+            </a:r>
+            <a:r>
+              <a:rPr lang="en-US" dirty="0"/>
+              <a:t> datasets are a container that hold data for TF models. </a:t>
+            </a:r>
+          </a:p>
+          <a:p>
+            <a:pPr lvl="1"/>
+            <a:r>
+              <a:rPr lang="en-US" dirty="0"/>
+              <a:t>For our purposes, these will replace a </a:t>
+            </a:r>
+            <a:r>
+              <a:rPr lang="en-US" dirty="0" err="1"/>
+              <a:t>dataframe</a:t>
+            </a:r>
+            <a:r>
+              <a:rPr lang="en-US" dirty="0"/>
+              <a:t>. </a:t>
+            </a:r>
+          </a:p>
+          <a:p>
+            <a:r>
+              <a:rPr lang="en-US" dirty="0"/>
+              <a:t>The TF datasets are generally made by ‘aiming at’ data, not by ‘giving them’ data.</a:t>
+            </a:r>
+          </a:p>
+          <a:p>
+            <a:pPr lvl="1"/>
+            <a:r>
+              <a:rPr lang="en-US" dirty="0"/>
+              <a:t>For images, we will point it at the directory on disk. </a:t>
+            </a:r>
+          </a:p>
+          <a:p>
+            <a:pPr lvl="1"/>
+            <a:r>
+              <a:rPr lang="en-US" dirty="0"/>
+              <a:t>For other stuff, like text, video, databases, we’d use an equivalent. </a:t>
+            </a:r>
+          </a:p>
+          <a:p>
+            <a:r>
+              <a:rPr lang="en-US" dirty="0"/>
+              <a:t>The datasets are “smart” in some ways. </a:t>
+            </a:r>
+          </a:p>
+          <a:p>
+            <a:pPr lvl="1"/>
+            <a:r>
+              <a:rPr lang="en-US" dirty="0"/>
+              <a:t>They can manage some work to maximize resource utilization. </a:t>
+            </a:r>
+          </a:p>
+          <a:p>
+            <a:pPr lvl="1"/>
+            <a:r>
+              <a:rPr lang="en-US" dirty="0"/>
+              <a:t>Can build things like batch size into the data. </a:t>
+            </a:r>
+          </a:p>
+          <a:p>
+            <a:r>
+              <a:rPr lang="en-US" dirty="0"/>
+              <a:t>We generally need to get data ‘out’ of one to look at it – plot, calculate, </a:t>
+            </a:r>
+            <a:r>
+              <a:rPr lang="en-US" dirty="0" err="1"/>
+              <a:t>etc</a:t>
+            </a:r>
+            <a:r>
+              <a:rPr lang="en-US" dirty="0"/>
+              <a:t>…</a:t>
+            </a:r>
+          </a:p>
+          <a:p>
+            <a:endParaRPr lang="en-US" dirty="0"/>
+          </a:p>
+        </p:txBody>
+      </p:sp>
     </p:spTree>
+    <p:extLst>
+      <p:ext uri="{BB962C8B-B14F-4D97-AF65-F5344CB8AC3E}">
+        <p14:creationId xmlns:p14="http://schemas.microsoft.com/office/powerpoint/2010/main" val="4104440470"/>
+      </p:ext>
+    </p:extLst>
   </p:cSld>
   <p:clrMapOvr>
     <a:masterClrMapping/>

--- a/reference_content/Slides/tensorboard_cnn_2.pptx
+++ b/reference_content/Slides/tensorboard_cnn_2.pptx
@@ -5653,25 +5653,26 @@
             <p:ph idx="1"/>
           </p:nvPr>
         </p:nvSpPr>
-        <p:spPr/>
-        <p:txBody>
-          <a:bodyPr/>
-          <a:lstStyle/>
-          <a:p>
-            <a:r>
-              <a:rPr lang="en-US" dirty="0"/>
-              <a:t>Logistics and monitoring of training. </a:t>
-            </a:r>
-          </a:p>
-          <a:p>
-            <a:pPr lvl="1"/>
-            <a:r>
-              <a:rPr lang="en-US" dirty="0" err="1"/>
-              <a:t>Tensorflow</a:t>
-            </a:r>
-            <a:r>
-              <a:rPr lang="en-US" dirty="0"/>
-              <a:t> dataset basics (revisit next week in more detail). </a:t>
+        <p:spPr>
+          <a:xfrm>
+            <a:off x="1451579" y="2015732"/>
+            <a:ext cx="9603275" cy="4037749"/>
+          </a:xfrm>
+        </p:spPr>
+        <p:txBody>
+          <a:bodyPr/>
+          <a:lstStyle/>
+          <a:p>
+            <a:r>
+              <a:rPr lang="en-US" dirty="0"/>
+              <a:t>Logistics and monitoring of training (there’s a revised workbook #25 for this). </a:t>
+            </a:r>
+          </a:p>
+          <a:p>
+            <a:pPr lvl="1"/>
+            <a:r>
+              <a:rPr lang="en-US" dirty="0"/>
+              <a:t>More callback details. </a:t>
             </a:r>
           </a:p>
           <a:p>
@@ -5704,16 +5705,23 @@
             </a:r>
           </a:p>
           <a:p>
-            <a:pPr lvl="1"/>
-            <a:r>
-              <a:rPr lang="en-US" dirty="0"/>
-              <a:t>Basics of transfer learning. </a:t>
-            </a:r>
-          </a:p>
-          <a:p>
-            <a:r>
-              <a:rPr lang="en-US" dirty="0"/>
-              <a:t>Likely more transfer learning, depending on time/pace. </a:t>
+            <a:r>
+              <a:rPr lang="en-US" dirty="0"/>
+              <a:t>Likely more transfer learning, depending on time/pace (#26). </a:t>
+            </a:r>
+          </a:p>
+          <a:p>
+            <a:pPr lvl="1"/>
+            <a:r>
+              <a:rPr lang="en-US" dirty="0"/>
+              <a:t>Using models trained elsewhere. </a:t>
+            </a:r>
+          </a:p>
+          <a:p>
+            <a:pPr lvl="1"/>
+            <a:r>
+              <a:rPr lang="en-US" dirty="0"/>
+              <a:t>Fine tuning models. </a:t>
             </a:r>
           </a:p>
         </p:txBody>
@@ -7481,11 +7489,7 @@
           <a:p>
             <a:r>
               <a:rPr lang="en-US" dirty="0"/>
-              <a:t>We can put whatever we want or </a:t>
-            </a:r>
-            <a:r>
-              <a:rPr lang="en-US"/>
-              <a:t>need in here. </a:t>
+              <a:t>We can put whatever we want or need in here. </a:t>
             </a:r>
           </a:p>
         </p:txBody>

--- a/reference_content/Slides/tensorboard_cnn_2.pptx
+++ b/reference_content/Slides/tensorboard_cnn_2.pptx
@@ -5,52 +5,53 @@
     <p:sldMasterId id="2147483660" r:id="rId1"/>
   </p:sldMasterIdLst>
   <p:notesMasterIdLst>
-    <p:notesMasterId r:id="rId45"/>
+    <p:notesMasterId r:id="rId46"/>
   </p:notesMasterIdLst>
   <p:sldIdLst>
     <p:sldId id="256" r:id="rId2"/>
     <p:sldId id="299" r:id="rId3"/>
-    <p:sldId id="300" r:id="rId4"/>
-    <p:sldId id="268" r:id="rId5"/>
-    <p:sldId id="301" r:id="rId6"/>
-    <p:sldId id="287" r:id="rId7"/>
-    <p:sldId id="288" r:id="rId8"/>
-    <p:sldId id="285" r:id="rId9"/>
-    <p:sldId id="286" r:id="rId10"/>
-    <p:sldId id="292" r:id="rId11"/>
-    <p:sldId id="293" r:id="rId12"/>
-    <p:sldId id="290" r:id="rId13"/>
-    <p:sldId id="260" r:id="rId14"/>
-    <p:sldId id="269" r:id="rId15"/>
-    <p:sldId id="291" r:id="rId16"/>
-    <p:sldId id="294" r:id="rId17"/>
-    <p:sldId id="257" r:id="rId18"/>
-    <p:sldId id="277" r:id="rId19"/>
-    <p:sldId id="302" r:id="rId20"/>
-    <p:sldId id="295" r:id="rId21"/>
-    <p:sldId id="278" r:id="rId22"/>
-    <p:sldId id="279" r:id="rId23"/>
-    <p:sldId id="280" r:id="rId24"/>
-    <p:sldId id="281" r:id="rId25"/>
-    <p:sldId id="282" r:id="rId26"/>
-    <p:sldId id="303" r:id="rId27"/>
-    <p:sldId id="296" r:id="rId28"/>
-    <p:sldId id="283" r:id="rId29"/>
-    <p:sldId id="284" r:id="rId30"/>
-    <p:sldId id="304" r:id="rId31"/>
-    <p:sldId id="297" r:id="rId32"/>
-    <p:sldId id="264" r:id="rId33"/>
-    <p:sldId id="265" r:id="rId34"/>
-    <p:sldId id="266" r:id="rId35"/>
-    <p:sldId id="267" r:id="rId36"/>
-    <p:sldId id="273" r:id="rId37"/>
-    <p:sldId id="298" r:id="rId38"/>
-    <p:sldId id="274" r:id="rId39"/>
-    <p:sldId id="271" r:id="rId40"/>
-    <p:sldId id="275" r:id="rId41"/>
-    <p:sldId id="272" r:id="rId42"/>
-    <p:sldId id="276" r:id="rId43"/>
-    <p:sldId id="261" r:id="rId44"/>
+    <p:sldId id="305" r:id="rId4"/>
+    <p:sldId id="300" r:id="rId5"/>
+    <p:sldId id="294" r:id="rId6"/>
+    <p:sldId id="268" r:id="rId7"/>
+    <p:sldId id="257" r:id="rId8"/>
+    <p:sldId id="277" r:id="rId9"/>
+    <p:sldId id="302" r:id="rId10"/>
+    <p:sldId id="301" r:id="rId11"/>
+    <p:sldId id="287" r:id="rId12"/>
+    <p:sldId id="288" r:id="rId13"/>
+    <p:sldId id="285" r:id="rId14"/>
+    <p:sldId id="286" r:id="rId15"/>
+    <p:sldId id="292" r:id="rId16"/>
+    <p:sldId id="293" r:id="rId17"/>
+    <p:sldId id="290" r:id="rId18"/>
+    <p:sldId id="260" r:id="rId19"/>
+    <p:sldId id="269" r:id="rId20"/>
+    <p:sldId id="291" r:id="rId21"/>
+    <p:sldId id="295" r:id="rId22"/>
+    <p:sldId id="278" r:id="rId23"/>
+    <p:sldId id="279" r:id="rId24"/>
+    <p:sldId id="280" r:id="rId25"/>
+    <p:sldId id="281" r:id="rId26"/>
+    <p:sldId id="282" r:id="rId27"/>
+    <p:sldId id="303" r:id="rId28"/>
+    <p:sldId id="296" r:id="rId29"/>
+    <p:sldId id="283" r:id="rId30"/>
+    <p:sldId id="284" r:id="rId31"/>
+    <p:sldId id="304" r:id="rId32"/>
+    <p:sldId id="297" r:id="rId33"/>
+    <p:sldId id="264" r:id="rId34"/>
+    <p:sldId id="265" r:id="rId35"/>
+    <p:sldId id="266" r:id="rId36"/>
+    <p:sldId id="267" r:id="rId37"/>
+    <p:sldId id="273" r:id="rId38"/>
+    <p:sldId id="298" r:id="rId39"/>
+    <p:sldId id="274" r:id="rId40"/>
+    <p:sldId id="271" r:id="rId41"/>
+    <p:sldId id="275" r:id="rId42"/>
+    <p:sldId id="272" r:id="rId43"/>
+    <p:sldId id="276" r:id="rId44"/>
+    <p:sldId id="261" r:id="rId45"/>
   </p:sldIdLst>
   <p:sldSz cx="12192000" cy="6858000"/>
   <p:notesSz cx="6858000" cy="9144000"/>
@@ -571,7 +572,7 @@
           <a:p>
             <a:fld id="{7E22B3AC-0945-984B-BE04-49521141C527}" type="slidenum">
               <a:rPr lang="en-US" smtClean="0"/>
-              <a:t>32</a:t>
+              <a:t>33</a:t>
             </a:fld>
             <a:endParaRPr lang="en-US"/>
           </a:p>
@@ -4174,6 +4175,663 @@
 </file>
 
 <file path=ppt/slides/slide10.xml><?xml version="1.0" encoding="utf-8"?>
+<p:sld xmlns:a="http://schemas.openxmlformats.org/drawingml/2006/main" xmlns:r="http://schemas.openxmlformats.org/officeDocument/2006/relationships" xmlns:p="http://schemas.openxmlformats.org/presentationml/2006/main" show="0">
+  <p:cSld>
+    <p:spTree>
+      <p:nvGrpSpPr>
+        <p:cNvPr id="1" name=""/>
+        <p:cNvGrpSpPr/>
+        <p:nvPr/>
+      </p:nvGrpSpPr>
+      <p:grpSpPr>
+        <a:xfrm>
+          <a:off x="0" y="0"/>
+          <a:ext cx="0" cy="0"/>
+          <a:chOff x="0" y="0"/>
+          <a:chExt cx="0" cy="0"/>
+        </a:xfrm>
+      </p:grpSpPr>
+      <p:sp>
+        <p:nvSpPr>
+          <p:cNvPr id="2" name="Title 1">
+            <a:extLst>
+              <a:ext uri="{FF2B5EF4-FFF2-40B4-BE49-F238E27FC236}">
+                <a16:creationId xmlns:a16="http://schemas.microsoft.com/office/drawing/2014/main" id="{23B64FB4-F3CD-02FF-01D5-4C75017BA276}"/>
+              </a:ext>
+            </a:extLst>
+          </p:cNvPr>
+          <p:cNvSpPr>
+            <a:spLocks noGrp="1"/>
+          </p:cNvSpPr>
+          <p:nvPr>
+            <p:ph type="title"/>
+          </p:nvPr>
+        </p:nvSpPr>
+        <p:spPr/>
+        <p:txBody>
+          <a:bodyPr/>
+          <a:lstStyle/>
+          <a:p>
+            <a:r>
+              <a:rPr lang="en-US" dirty="0"/>
+              <a:t>Training Data and Disks</a:t>
+            </a:r>
+          </a:p>
+        </p:txBody>
+      </p:sp>
+      <p:sp>
+        <p:nvSpPr>
+          <p:cNvPr id="3" name="Content Placeholder 2">
+            <a:extLst>
+              <a:ext uri="{FF2B5EF4-FFF2-40B4-BE49-F238E27FC236}">
+                <a16:creationId xmlns:a16="http://schemas.microsoft.com/office/drawing/2014/main" id="{E84D5EBF-AE45-1C23-C3CD-809E73BA59AA}"/>
+              </a:ext>
+            </a:extLst>
+          </p:cNvPr>
+          <p:cNvSpPr>
+            <a:spLocks noGrp="1"/>
+          </p:cNvSpPr>
+          <p:nvPr>
+            <p:ph idx="1"/>
+          </p:nvPr>
+        </p:nvSpPr>
+        <p:spPr/>
+        <p:txBody>
+          <a:bodyPr/>
+          <a:lstStyle/>
+          <a:p>
+            <a:endParaRPr lang="en-US"/>
+          </a:p>
+        </p:txBody>
+      </p:sp>
+    </p:spTree>
+    <p:extLst>
+      <p:ext uri="{BB962C8B-B14F-4D97-AF65-F5344CB8AC3E}">
+        <p14:creationId xmlns:p14="http://schemas.microsoft.com/office/powerpoint/2010/main" val="3228236250"/>
+      </p:ext>
+    </p:extLst>
+  </p:cSld>
+  <p:clrMapOvr>
+    <a:masterClrMapping/>
+  </p:clrMapOvr>
+</p:sld>
+</file>
+
+<file path=ppt/slides/slide11.xml><?xml version="1.0" encoding="utf-8"?>
+<p:sld xmlns:a="http://schemas.openxmlformats.org/drawingml/2006/main" xmlns:r="http://schemas.openxmlformats.org/officeDocument/2006/relationships" xmlns:p="http://schemas.openxmlformats.org/presentationml/2006/main" show="0">
+  <p:cSld>
+    <p:spTree>
+      <p:nvGrpSpPr>
+        <p:cNvPr id="1" name=""/>
+        <p:cNvGrpSpPr/>
+        <p:nvPr/>
+      </p:nvGrpSpPr>
+      <p:grpSpPr>
+        <a:xfrm>
+          <a:off x="0" y="0"/>
+          <a:ext cx="0" cy="0"/>
+          <a:chOff x="0" y="0"/>
+          <a:chExt cx="0" cy="0"/>
+        </a:xfrm>
+      </p:grpSpPr>
+      <p:sp>
+        <p:nvSpPr>
+          <p:cNvPr id="2" name="Title 1">
+            <a:extLst>
+              <a:ext uri="{FF2B5EF4-FFF2-40B4-BE49-F238E27FC236}">
+                <a16:creationId xmlns:a16="http://schemas.microsoft.com/office/drawing/2014/main" id="{0EF46C38-685E-DCE4-45FD-E0F8E907BA1B}"/>
+              </a:ext>
+            </a:extLst>
+          </p:cNvPr>
+          <p:cNvSpPr>
+            <a:spLocks noGrp="1"/>
+          </p:cNvSpPr>
+          <p:nvPr>
+            <p:ph type="title"/>
+          </p:nvPr>
+        </p:nvSpPr>
+        <p:spPr/>
+        <p:txBody>
+          <a:bodyPr/>
+          <a:lstStyle/>
+          <a:p>
+            <a:r>
+              <a:rPr lang="en-US" dirty="0"/>
+              <a:t>Generators</a:t>
+            </a:r>
+          </a:p>
+        </p:txBody>
+      </p:sp>
+      <p:sp>
+        <p:nvSpPr>
+          <p:cNvPr id="3" name="Content Placeholder 2">
+            <a:extLst>
+              <a:ext uri="{FF2B5EF4-FFF2-40B4-BE49-F238E27FC236}">
+                <a16:creationId xmlns:a16="http://schemas.microsoft.com/office/drawing/2014/main" id="{2147A0C9-1A2E-7BAB-CF06-F4D9639B071C}"/>
+              </a:ext>
+            </a:extLst>
+          </p:cNvPr>
+          <p:cNvSpPr>
+            <a:spLocks noGrp="1"/>
+          </p:cNvSpPr>
+          <p:nvPr>
+            <p:ph idx="1"/>
+          </p:nvPr>
+        </p:nvSpPr>
+        <p:spPr>
+          <a:xfrm>
+            <a:off x="1451579" y="1853754"/>
+            <a:ext cx="9603275" cy="4199727"/>
+          </a:xfrm>
+        </p:spPr>
+        <p:txBody>
+          <a:bodyPr/>
+          <a:lstStyle/>
+          <a:p>
+            <a:r>
+              <a:rPr lang="en-US" dirty="0"/>
+              <a:t>What happens if the size of the data is larger than memory?</a:t>
+            </a:r>
+          </a:p>
+          <a:p>
+            <a:r>
+              <a:rPr lang="en-US" dirty="0"/>
+              <a:t>Generators are another variety of datasets that we can use. </a:t>
+            </a:r>
+          </a:p>
+          <a:p>
+            <a:r>
+              <a:rPr lang="en-US" dirty="0"/>
+              <a:t>Generators “generate” data when demanded, automatically. </a:t>
+            </a:r>
+          </a:p>
+          <a:p>
+            <a:r>
+              <a:rPr lang="en-US" dirty="0"/>
+              <a:t>The easiest way to understand them is reading from disk:</a:t>
+            </a:r>
+          </a:p>
+          <a:p>
+            <a:pPr lvl="1"/>
+            <a:r>
+              <a:rPr lang="en-US" dirty="0"/>
+              <a:t>We pass the generator instead of the data itself to a function. </a:t>
+            </a:r>
+          </a:p>
+          <a:p>
+            <a:pPr lvl="1"/>
+            <a:r>
+              <a:rPr lang="en-US" dirty="0"/>
+              <a:t>Every time data is needed, the generator reads some part off of the hard drive and provides it. </a:t>
+            </a:r>
+          </a:p>
+          <a:p>
+            <a:r>
+              <a:rPr lang="en-US" dirty="0"/>
+              <a:t>To the model/fit, the generator is just the data. To the system, it only demands the resources needed for that ‘bit’ of work to happen. </a:t>
+            </a:r>
+          </a:p>
+        </p:txBody>
+      </p:sp>
+    </p:spTree>
+    <p:extLst>
+      <p:ext uri="{BB962C8B-B14F-4D97-AF65-F5344CB8AC3E}">
+        <p14:creationId xmlns:p14="http://schemas.microsoft.com/office/powerpoint/2010/main" val="1677294612"/>
+      </p:ext>
+    </p:extLst>
+  </p:cSld>
+  <p:clrMapOvr>
+    <a:masterClrMapping/>
+  </p:clrMapOvr>
+</p:sld>
+</file>
+
+<file path=ppt/slides/slide12.xml><?xml version="1.0" encoding="utf-8"?>
+<p:sld xmlns:a="http://schemas.openxmlformats.org/drawingml/2006/main" xmlns:r="http://schemas.openxmlformats.org/officeDocument/2006/relationships" xmlns:p="http://schemas.openxmlformats.org/presentationml/2006/main" show="0">
+  <p:cSld>
+    <p:spTree>
+      <p:nvGrpSpPr>
+        <p:cNvPr id="1" name=""/>
+        <p:cNvGrpSpPr/>
+        <p:nvPr/>
+      </p:nvGrpSpPr>
+      <p:grpSpPr>
+        <a:xfrm>
+          <a:off x="0" y="0"/>
+          <a:ext cx="0" cy="0"/>
+          <a:chOff x="0" y="0"/>
+          <a:chExt cx="0" cy="0"/>
+        </a:xfrm>
+      </p:grpSpPr>
+      <p:sp>
+        <p:nvSpPr>
+          <p:cNvPr id="2" name="Title 1">
+            <a:extLst>
+              <a:ext uri="{FF2B5EF4-FFF2-40B4-BE49-F238E27FC236}">
+                <a16:creationId xmlns:a16="http://schemas.microsoft.com/office/drawing/2014/main" id="{CF5B344D-5CF9-E5E9-2912-770AEFD868D5}"/>
+              </a:ext>
+            </a:extLst>
+          </p:cNvPr>
+          <p:cNvSpPr>
+            <a:spLocks noGrp="1"/>
+          </p:cNvSpPr>
+          <p:nvPr>
+            <p:ph type="title"/>
+          </p:nvPr>
+        </p:nvSpPr>
+        <p:spPr/>
+        <p:txBody>
+          <a:bodyPr/>
+          <a:lstStyle/>
+          <a:p>
+            <a:r>
+              <a:rPr lang="en-US" dirty="0"/>
+              <a:t>Generator Madness</a:t>
+            </a:r>
+          </a:p>
+        </p:txBody>
+      </p:sp>
+      <p:sp>
+        <p:nvSpPr>
+          <p:cNvPr id="3" name="Content Placeholder 2">
+            <a:extLst>
+              <a:ext uri="{FF2B5EF4-FFF2-40B4-BE49-F238E27FC236}">
+                <a16:creationId xmlns:a16="http://schemas.microsoft.com/office/drawing/2014/main" id="{D2758200-C90C-D300-34C8-3D4304D7D150}"/>
+              </a:ext>
+            </a:extLst>
+          </p:cNvPr>
+          <p:cNvSpPr>
+            <a:spLocks noGrp="1"/>
+          </p:cNvSpPr>
+          <p:nvPr>
+            <p:ph idx="1"/>
+          </p:nvPr>
+        </p:nvSpPr>
+        <p:spPr>
+          <a:xfrm>
+            <a:off x="1451579" y="2015732"/>
+            <a:ext cx="9603275" cy="4037749"/>
+          </a:xfrm>
+        </p:spPr>
+        <p:txBody>
+          <a:bodyPr/>
+          <a:lstStyle/>
+          <a:p>
+            <a:r>
+              <a:rPr lang="en-US" dirty="0"/>
+              <a:t>Since a generator provides data on-demand, we can add transformations, if needed. </a:t>
+            </a:r>
+          </a:p>
+          <a:p>
+            <a:pPr lvl="1"/>
+            <a:r>
+              <a:rPr lang="en-US" dirty="0"/>
+              <a:t>The generator can provide variations of data each time it is asked. </a:t>
+            </a:r>
+          </a:p>
+          <a:p>
+            <a:r>
+              <a:rPr lang="en-US" dirty="0"/>
+              <a:t>Generators can do whatever we define to produce the data. </a:t>
+            </a:r>
+          </a:p>
+          <a:p>
+            <a:pPr lvl="1"/>
+            <a:r>
+              <a:rPr lang="en-US" dirty="0"/>
+              <a:t>Usually read from disk. </a:t>
+            </a:r>
+          </a:p>
+          <a:p>
+            <a:pPr lvl="1"/>
+            <a:r>
+              <a:rPr lang="en-US" dirty="0"/>
+              <a:t>We can also add some fun stuff…</a:t>
+            </a:r>
+          </a:p>
+          <a:p>
+            <a:endParaRPr lang="en-US" dirty="0"/>
+          </a:p>
+        </p:txBody>
+      </p:sp>
+    </p:spTree>
+    <p:extLst>
+      <p:ext uri="{BB962C8B-B14F-4D97-AF65-F5344CB8AC3E}">
+        <p14:creationId xmlns:p14="http://schemas.microsoft.com/office/powerpoint/2010/main" val="1825199715"/>
+      </p:ext>
+    </p:extLst>
+  </p:cSld>
+  <p:clrMapOvr>
+    <a:masterClrMapping/>
+  </p:clrMapOvr>
+</p:sld>
+</file>
+
+<file path=ppt/slides/slide13.xml><?xml version="1.0" encoding="utf-8"?>
+<p:sld xmlns:a="http://schemas.openxmlformats.org/drawingml/2006/main" xmlns:r="http://schemas.openxmlformats.org/officeDocument/2006/relationships" xmlns:p="http://schemas.openxmlformats.org/presentationml/2006/main">
+  <p:cSld>
+    <p:spTree>
+      <p:nvGrpSpPr>
+        <p:cNvPr id="1" name=""/>
+        <p:cNvGrpSpPr/>
+        <p:nvPr/>
+      </p:nvGrpSpPr>
+      <p:grpSpPr>
+        <a:xfrm>
+          <a:off x="0" y="0"/>
+          <a:ext cx="0" cy="0"/>
+          <a:chOff x="0" y="0"/>
+          <a:chExt cx="0" cy="0"/>
+        </a:xfrm>
+      </p:grpSpPr>
+      <p:sp>
+        <p:nvSpPr>
+          <p:cNvPr id="2" name="Title 1">
+            <a:extLst>
+              <a:ext uri="{FF2B5EF4-FFF2-40B4-BE49-F238E27FC236}">
+                <a16:creationId xmlns:a16="http://schemas.microsoft.com/office/drawing/2014/main" id="{DFC5DF31-B583-78F0-FD49-B357B7BAF689}"/>
+              </a:ext>
+            </a:extLst>
+          </p:cNvPr>
+          <p:cNvSpPr>
+            <a:spLocks noGrp="1"/>
+          </p:cNvSpPr>
+          <p:nvPr>
+            <p:ph type="title"/>
+          </p:nvPr>
+        </p:nvSpPr>
+        <p:spPr/>
+        <p:txBody>
+          <a:bodyPr/>
+          <a:lstStyle/>
+          <a:p>
+            <a:r>
+              <a:rPr lang="en-US" dirty="0"/>
+              <a:t>Dataset Differences</a:t>
+            </a:r>
+          </a:p>
+        </p:txBody>
+      </p:sp>
+      <p:sp>
+        <p:nvSpPr>
+          <p:cNvPr id="3" name="Content Placeholder 2">
+            <a:extLst>
+              <a:ext uri="{FF2B5EF4-FFF2-40B4-BE49-F238E27FC236}">
+                <a16:creationId xmlns:a16="http://schemas.microsoft.com/office/drawing/2014/main" id="{5542204F-E1BB-0AD8-1274-62771C00F97C}"/>
+              </a:ext>
+            </a:extLst>
+          </p:cNvPr>
+          <p:cNvSpPr>
+            <a:spLocks noGrp="1"/>
+          </p:cNvSpPr>
+          <p:nvPr>
+            <p:ph idx="1"/>
+          </p:nvPr>
+        </p:nvSpPr>
+        <p:spPr>
+          <a:xfrm>
+            <a:off x="1451579" y="1853754"/>
+            <a:ext cx="9603275" cy="4199727"/>
+          </a:xfrm>
+        </p:spPr>
+        <p:txBody>
+          <a:bodyPr/>
+          <a:lstStyle/>
+          <a:p>
+            <a:r>
+              <a:rPr lang="en-US" dirty="0"/>
+              <a:t>Most useful neural networks are trained on large amounts of data. </a:t>
+            </a:r>
+          </a:p>
+          <a:p>
+            <a:pPr lvl="1"/>
+            <a:r>
+              <a:rPr lang="en-US" dirty="0"/>
+              <a:t>The larger the data, the more the capabilities of neural networks become useful. </a:t>
+            </a:r>
+          </a:p>
+          <a:p>
+            <a:r>
+              <a:rPr lang="en-US" dirty="0"/>
+              <a:t>These datasets are not as easy to manage as a </a:t>
+            </a:r>
+            <a:r>
+              <a:rPr lang="en-US" dirty="0" err="1"/>
+              <a:t>dataframe</a:t>
+            </a:r>
+            <a:r>
+              <a:rPr lang="en-US" dirty="0"/>
+              <a:t> with small amounts. </a:t>
+            </a:r>
+          </a:p>
+          <a:p>
+            <a:pPr lvl="1"/>
+            <a:r>
+              <a:rPr lang="en-US" dirty="0"/>
+              <a:t>Data will often exceed the memory of the computer or GPU. </a:t>
+            </a:r>
+          </a:p>
+          <a:p>
+            <a:pPr lvl="1"/>
+            <a:r>
+              <a:rPr lang="en-US" dirty="0"/>
+              <a:t>“Swapping” (using a HD as ‘extra’ memory, like Windows does) is impractical here. </a:t>
+            </a:r>
+          </a:p>
+          <a:p>
+            <a:pPr lvl="1"/>
+            <a:r>
+              <a:rPr lang="en-US" dirty="0"/>
+              <a:t>If we exceed the memory of the system, we are done. </a:t>
+            </a:r>
+          </a:p>
+          <a:p>
+            <a:r>
+              <a:rPr lang="en-US" dirty="0"/>
+              <a:t>We can create special purpose datasets that are smarter for neural networks. </a:t>
+            </a:r>
+          </a:p>
+          <a:p>
+            <a:pPr lvl="1"/>
+            <a:r>
+              <a:rPr lang="en-US" dirty="0"/>
+              <a:t>Able to manage data that is larger than the available memory. </a:t>
+            </a:r>
+          </a:p>
+          <a:p>
+            <a:pPr lvl="1"/>
+            <a:r>
+              <a:rPr lang="en-US" dirty="0"/>
+              <a:t>Able to manage some of the preparation work on their own to help efficiency. </a:t>
+            </a:r>
+          </a:p>
+        </p:txBody>
+      </p:sp>
+    </p:spTree>
+    <p:extLst>
+      <p:ext uri="{BB962C8B-B14F-4D97-AF65-F5344CB8AC3E}">
+        <p14:creationId xmlns:p14="http://schemas.microsoft.com/office/powerpoint/2010/main" val="1893682776"/>
+      </p:ext>
+    </p:extLst>
+  </p:cSld>
+  <p:clrMapOvr>
+    <a:masterClrMapping/>
+  </p:clrMapOvr>
+</p:sld>
+</file>
+
+<file path=ppt/slides/slide14.xml><?xml version="1.0" encoding="utf-8"?>
+<p:sld xmlns:a="http://schemas.openxmlformats.org/drawingml/2006/main" xmlns:r="http://schemas.openxmlformats.org/officeDocument/2006/relationships" xmlns:p="http://schemas.openxmlformats.org/presentationml/2006/main">
+  <p:cSld>
+    <p:spTree>
+      <p:nvGrpSpPr>
+        <p:cNvPr id="1" name=""/>
+        <p:cNvGrpSpPr/>
+        <p:nvPr/>
+      </p:nvGrpSpPr>
+      <p:grpSpPr>
+        <a:xfrm>
+          <a:off x="0" y="0"/>
+          <a:ext cx="0" cy="0"/>
+          <a:chOff x="0" y="0"/>
+          <a:chExt cx="0" cy="0"/>
+        </a:xfrm>
+      </p:grpSpPr>
+      <p:sp>
+        <p:nvSpPr>
+          <p:cNvPr id="2" name="Title 1">
+            <a:extLst>
+              <a:ext uri="{FF2B5EF4-FFF2-40B4-BE49-F238E27FC236}">
+                <a16:creationId xmlns:a16="http://schemas.microsoft.com/office/drawing/2014/main" id="{B26CD158-C026-5396-FA3B-710B19FFE473}"/>
+              </a:ext>
+            </a:extLst>
+          </p:cNvPr>
+          <p:cNvSpPr>
+            <a:spLocks noGrp="1"/>
+          </p:cNvSpPr>
+          <p:nvPr>
+            <p:ph type="title"/>
+          </p:nvPr>
+        </p:nvSpPr>
+        <p:spPr/>
+        <p:txBody>
+          <a:bodyPr/>
+          <a:lstStyle/>
+          <a:p>
+            <a:r>
+              <a:rPr lang="en-US" dirty="0" err="1"/>
+              <a:t>Tensorflow</a:t>
+            </a:r>
+            <a:r>
+              <a:rPr lang="en-US" dirty="0"/>
+              <a:t> Datasets</a:t>
+            </a:r>
+          </a:p>
+        </p:txBody>
+      </p:sp>
+      <p:sp>
+        <p:nvSpPr>
+          <p:cNvPr id="3" name="Content Placeholder 2">
+            <a:extLst>
+              <a:ext uri="{FF2B5EF4-FFF2-40B4-BE49-F238E27FC236}">
+                <a16:creationId xmlns:a16="http://schemas.microsoft.com/office/drawing/2014/main" id="{933995A6-8480-7422-75CE-04E9E31664EA}"/>
+              </a:ext>
+            </a:extLst>
+          </p:cNvPr>
+          <p:cNvSpPr>
+            <a:spLocks noGrp="1"/>
+          </p:cNvSpPr>
+          <p:nvPr>
+            <p:ph idx="1"/>
+          </p:nvPr>
+        </p:nvSpPr>
+        <p:spPr>
+          <a:xfrm>
+            <a:off x="1451579" y="1853754"/>
+            <a:ext cx="9603275" cy="4199727"/>
+          </a:xfrm>
+        </p:spPr>
+        <p:txBody>
+          <a:bodyPr/>
+          <a:lstStyle/>
+          <a:p>
+            <a:r>
+              <a:rPr lang="en-US" dirty="0" err="1"/>
+              <a:t>Tensorflow</a:t>
+            </a:r>
+            <a:r>
+              <a:rPr lang="en-US" dirty="0"/>
+              <a:t> datasets are a container that hold data for TF models. </a:t>
+            </a:r>
+          </a:p>
+          <a:p>
+            <a:pPr lvl="1"/>
+            <a:r>
+              <a:rPr lang="en-US" dirty="0"/>
+              <a:t>For our purposes, these will replace a </a:t>
+            </a:r>
+            <a:r>
+              <a:rPr lang="en-US" dirty="0" err="1"/>
+              <a:t>dataframe</a:t>
+            </a:r>
+            <a:r>
+              <a:rPr lang="en-US" dirty="0"/>
+              <a:t>. </a:t>
+            </a:r>
+          </a:p>
+          <a:p>
+            <a:r>
+              <a:rPr lang="en-US" dirty="0"/>
+              <a:t>The TF datasets are generally made by ‘aiming at’ data, not by ‘giving them’ data.</a:t>
+            </a:r>
+          </a:p>
+          <a:p>
+            <a:pPr lvl="1"/>
+            <a:r>
+              <a:rPr lang="en-US" dirty="0"/>
+              <a:t>For images, we will point it at the directory on disk. </a:t>
+            </a:r>
+          </a:p>
+          <a:p>
+            <a:pPr lvl="1"/>
+            <a:r>
+              <a:rPr lang="en-US" dirty="0"/>
+              <a:t>For other stuff, like text, video, databases, we’d use an equivalent. </a:t>
+            </a:r>
+          </a:p>
+          <a:p>
+            <a:r>
+              <a:rPr lang="en-US" dirty="0"/>
+              <a:t>The datasets are “smart” in some ways. </a:t>
+            </a:r>
+          </a:p>
+          <a:p>
+            <a:pPr lvl="1"/>
+            <a:r>
+              <a:rPr lang="en-US" dirty="0"/>
+              <a:t>They can manage some work to maximize resource utilization. </a:t>
+            </a:r>
+          </a:p>
+          <a:p>
+            <a:pPr lvl="1"/>
+            <a:r>
+              <a:rPr lang="en-US" dirty="0"/>
+              <a:t>Can build things like batch size into the data. </a:t>
+            </a:r>
+          </a:p>
+          <a:p>
+            <a:r>
+              <a:rPr lang="en-US" dirty="0"/>
+              <a:t>We generally need to get data ‘out’ of one to look at it – plot, calculate, </a:t>
+            </a:r>
+            <a:r>
+              <a:rPr lang="en-US" dirty="0" err="1"/>
+              <a:t>etc</a:t>
+            </a:r>
+            <a:r>
+              <a:rPr lang="en-US" dirty="0"/>
+              <a:t>…</a:t>
+            </a:r>
+          </a:p>
+          <a:p>
+            <a:endParaRPr lang="en-US" dirty="0"/>
+          </a:p>
+        </p:txBody>
+      </p:sp>
+    </p:spTree>
+    <p:extLst>
+      <p:ext uri="{BB962C8B-B14F-4D97-AF65-F5344CB8AC3E}">
+        <p14:creationId xmlns:p14="http://schemas.microsoft.com/office/powerpoint/2010/main" val="4104440470"/>
+      </p:ext>
+    </p:extLst>
+  </p:cSld>
+  <p:clrMapOvr>
+    <a:masterClrMapping/>
+  </p:clrMapOvr>
+</p:sld>
+</file>
+
+<file path=ppt/slides/slide15.xml><?xml version="1.0" encoding="utf-8"?>
 <p:sld xmlns:a="http://schemas.openxmlformats.org/drawingml/2006/main" xmlns:r="http://schemas.openxmlformats.org/officeDocument/2006/relationships" xmlns:p="http://schemas.openxmlformats.org/presentationml/2006/main">
   <p:cSld>
     <p:spTree>
@@ -4303,7 +4961,7 @@
 </p:sld>
 </file>
 
-<file path=ppt/slides/slide11.xml><?xml version="1.0" encoding="utf-8"?>
+<file path=ppt/slides/slide16.xml><?xml version="1.0" encoding="utf-8"?>
 <p:sld xmlns:a="http://schemas.openxmlformats.org/drawingml/2006/main" xmlns:r="http://schemas.openxmlformats.org/officeDocument/2006/relationships" xmlns:p="http://schemas.openxmlformats.org/presentationml/2006/main">
   <p:cSld>
     <p:spTree>
@@ -4484,7 +5142,7 @@
 </p:sld>
 </file>
 
-<file path=ppt/slides/slide12.xml><?xml version="1.0" encoding="utf-8"?>
+<file path=ppt/slides/slide17.xml><?xml version="1.0" encoding="utf-8"?>
 <p:sld xmlns:a="http://schemas.openxmlformats.org/drawingml/2006/main" xmlns:r="http://schemas.openxmlformats.org/officeDocument/2006/relationships" xmlns:p="http://schemas.openxmlformats.org/presentationml/2006/main">
   <p:cSld>
     <p:spTree>
@@ -4626,7 +5284,7 @@
 </p:sld>
 </file>
 
-<file path=ppt/slides/slide13.xml><?xml version="1.0" encoding="utf-8"?>
+<file path=ppt/slides/slide18.xml><?xml version="1.0" encoding="utf-8"?>
 <p:sld xmlns:a="http://schemas.openxmlformats.org/drawingml/2006/main" xmlns:r="http://schemas.openxmlformats.org/officeDocument/2006/relationships" xmlns:p="http://schemas.openxmlformats.org/presentationml/2006/main">
   <p:cSld>
     <p:spTree>
@@ -4763,7 +5421,7 @@
 </p:sld>
 </file>
 
-<file path=ppt/slides/slide14.xml><?xml version="1.0" encoding="utf-8"?>
+<file path=ppt/slides/slide19.xml><?xml version="1.0" encoding="utf-8"?>
 <p:sld xmlns:a="http://schemas.openxmlformats.org/drawingml/2006/main" xmlns:r="http://schemas.openxmlformats.org/officeDocument/2006/relationships" xmlns:p="http://schemas.openxmlformats.org/presentationml/2006/main">
   <p:cSld>
     <p:spTree>
@@ -4890,7 +5548,154 @@
 </p:sld>
 </file>
 
-<file path=ppt/slides/slide15.xml><?xml version="1.0" encoding="utf-8"?>
+<file path=ppt/slides/slide2.xml><?xml version="1.0" encoding="utf-8"?>
+<p:sld xmlns:a="http://schemas.openxmlformats.org/drawingml/2006/main" xmlns:r="http://schemas.openxmlformats.org/officeDocument/2006/relationships" xmlns:p="http://schemas.openxmlformats.org/presentationml/2006/main">
+  <p:cSld>
+    <p:spTree>
+      <p:nvGrpSpPr>
+        <p:cNvPr id="1" name=""/>
+        <p:cNvGrpSpPr/>
+        <p:nvPr/>
+      </p:nvGrpSpPr>
+      <p:grpSpPr>
+        <a:xfrm>
+          <a:off x="0" y="0"/>
+          <a:ext cx="0" cy="0"/>
+          <a:chOff x="0" y="0"/>
+          <a:chExt cx="0" cy="0"/>
+        </a:xfrm>
+      </p:grpSpPr>
+      <p:sp>
+        <p:nvSpPr>
+          <p:cNvPr id="2" name="Title 1">
+            <a:extLst>
+              <a:ext uri="{FF2B5EF4-FFF2-40B4-BE49-F238E27FC236}">
+                <a16:creationId xmlns:a16="http://schemas.microsoft.com/office/drawing/2014/main" id="{3310771C-753E-1A84-2F13-23D4F39EC381}"/>
+              </a:ext>
+            </a:extLst>
+          </p:cNvPr>
+          <p:cNvSpPr>
+            <a:spLocks noGrp="1"/>
+          </p:cNvSpPr>
+          <p:nvPr>
+            <p:ph type="title"/>
+          </p:nvPr>
+        </p:nvSpPr>
+        <p:spPr/>
+        <p:txBody>
+          <a:bodyPr/>
+          <a:lstStyle/>
+          <a:p>
+            <a:r>
+              <a:rPr lang="en-US" dirty="0"/>
+              <a:t>Housekeeping</a:t>
+            </a:r>
+          </a:p>
+        </p:txBody>
+      </p:sp>
+      <p:sp>
+        <p:nvSpPr>
+          <p:cNvPr id="3" name="Content Placeholder 2">
+            <a:extLst>
+              <a:ext uri="{FF2B5EF4-FFF2-40B4-BE49-F238E27FC236}">
+                <a16:creationId xmlns:a16="http://schemas.microsoft.com/office/drawing/2014/main" id="{A7897C9B-B765-5C9B-7711-4A4D98288FAB}"/>
+              </a:ext>
+            </a:extLst>
+          </p:cNvPr>
+          <p:cNvSpPr>
+            <a:spLocks noGrp="1"/>
+          </p:cNvSpPr>
+          <p:nvPr>
+            <p:ph idx="1"/>
+          </p:nvPr>
+        </p:nvSpPr>
+        <p:spPr>
+          <a:xfrm>
+            <a:off x="1451579" y="2015732"/>
+            <a:ext cx="9603275" cy="4037749"/>
+          </a:xfrm>
+        </p:spPr>
+        <p:txBody>
+          <a:bodyPr/>
+          <a:lstStyle/>
+          <a:p>
+            <a:r>
+              <a:rPr lang="en-US" dirty="0"/>
+              <a:t>Logistics and monitoring of training (there’s a revised workbook #25 for this). </a:t>
+            </a:r>
+          </a:p>
+          <a:p>
+            <a:pPr lvl="1"/>
+            <a:r>
+              <a:rPr lang="en-US" dirty="0"/>
+              <a:t>More callback details. </a:t>
+            </a:r>
+          </a:p>
+          <a:p>
+            <a:pPr lvl="1"/>
+            <a:r>
+              <a:rPr lang="en-US" dirty="0" err="1"/>
+              <a:t>Keras</a:t>
+            </a:r>
+            <a:r>
+              <a:rPr lang="en-US" dirty="0"/>
+              <a:t> tuner. </a:t>
+            </a:r>
+          </a:p>
+          <a:p>
+            <a:pPr lvl="1"/>
+            <a:r>
+              <a:rPr lang="en-US" dirty="0" err="1"/>
+              <a:t>Tensorboard</a:t>
+            </a:r>
+            <a:r>
+              <a:rPr lang="en-US" dirty="0"/>
+              <a:t>. </a:t>
+            </a:r>
+          </a:p>
+          <a:p>
+            <a:pPr lvl="1"/>
+            <a:r>
+              <a:rPr lang="en-US" dirty="0"/>
+              <a:t>Saving model progress. </a:t>
+            </a:r>
+          </a:p>
+          <a:p>
+            <a:r>
+              <a:rPr lang="en-US" dirty="0"/>
+              <a:t>Likely more transfer learning, depending on time/pace (#26). </a:t>
+            </a:r>
+          </a:p>
+          <a:p>
+            <a:pPr lvl="1"/>
+            <a:r>
+              <a:rPr lang="en-US" dirty="0"/>
+              <a:t>Using models trained elsewhere. </a:t>
+            </a:r>
+          </a:p>
+          <a:p>
+            <a:pPr lvl="1"/>
+            <a:r>
+              <a:rPr lang="en-US" dirty="0"/>
+              <a:t>Fine tuning models. </a:t>
+            </a:r>
+          </a:p>
+        </p:txBody>
+      </p:sp>
+    </p:spTree>
+    <p:extLst>
+      <p:ext uri="{BB962C8B-B14F-4D97-AF65-F5344CB8AC3E}">
+        <p14:creationId xmlns:p14="http://schemas.microsoft.com/office/powerpoint/2010/main" val="4208846590"/>
+      </p:ext>
+    </p:extLst>
+  </p:cSld>
+  <p:clrMapOvr>
+    <a:masterClrMapping/>
+  </p:clrMapOvr>
+</p:sld>
+</file>
+
+<file path=ppt/slides/slide20.xml><?xml version="1.0" encoding="utf-8"?>
 <p:sld xmlns:a="http://schemas.openxmlformats.org/drawingml/2006/main" xmlns:r="http://schemas.openxmlformats.org/officeDocument/2006/relationships" xmlns:p="http://schemas.openxmlformats.org/presentationml/2006/main">
   <p:cSld>
     <p:spTree>
@@ -4996,832 +5801,6 @@
 </p:sld>
 </file>
 
-<file path=ppt/slides/slide16.xml><?xml version="1.0" encoding="utf-8"?>
-<p:sld xmlns:a="http://schemas.openxmlformats.org/drawingml/2006/main" xmlns:r="http://schemas.openxmlformats.org/officeDocument/2006/relationships" xmlns:p="http://schemas.openxmlformats.org/presentationml/2006/main">
-  <p:cSld>
-    <p:spTree>
-      <p:nvGrpSpPr>
-        <p:cNvPr id="1" name=""/>
-        <p:cNvGrpSpPr/>
-        <p:nvPr/>
-      </p:nvGrpSpPr>
-      <p:grpSpPr>
-        <a:xfrm>
-          <a:off x="0" y="0"/>
-          <a:ext cx="0" cy="0"/>
-          <a:chOff x="0" y="0"/>
-          <a:chExt cx="0" cy="0"/>
-        </a:xfrm>
-      </p:grpSpPr>
-      <p:sp>
-        <p:nvSpPr>
-          <p:cNvPr id="2" name="Title 1">
-            <a:extLst>
-              <a:ext uri="{FF2B5EF4-FFF2-40B4-BE49-F238E27FC236}">
-                <a16:creationId xmlns:a16="http://schemas.microsoft.com/office/drawing/2014/main" id="{CD8B57C3-57BC-CD0A-094F-4C5725029777}"/>
-              </a:ext>
-            </a:extLst>
-          </p:cNvPr>
-          <p:cNvSpPr>
-            <a:spLocks noGrp="1"/>
-          </p:cNvSpPr>
-          <p:nvPr>
-            <p:ph type="title"/>
-          </p:nvPr>
-        </p:nvSpPr>
-        <p:spPr/>
-        <p:txBody>
-          <a:bodyPr/>
-          <a:lstStyle/>
-          <a:p>
-            <a:r>
-              <a:rPr lang="en-US" dirty="0"/>
-              <a:t>Monitoring and Managing Training</a:t>
-            </a:r>
-          </a:p>
-        </p:txBody>
-      </p:sp>
-      <p:sp>
-        <p:nvSpPr>
-          <p:cNvPr id="3" name="Content Placeholder 2">
-            <a:extLst>
-              <a:ext uri="{FF2B5EF4-FFF2-40B4-BE49-F238E27FC236}">
-                <a16:creationId xmlns:a16="http://schemas.microsoft.com/office/drawing/2014/main" id="{BA5490EF-FE6B-EAF3-6306-D8635DC49B61}"/>
-              </a:ext>
-            </a:extLst>
-          </p:cNvPr>
-          <p:cNvSpPr>
-            <a:spLocks noGrp="1"/>
-          </p:cNvSpPr>
-          <p:nvPr>
-            <p:ph idx="1"/>
-          </p:nvPr>
-        </p:nvSpPr>
-        <p:spPr/>
-        <p:txBody>
-          <a:bodyPr/>
-          <a:lstStyle/>
-          <a:p>
-            <a:endParaRPr lang="en-US"/>
-          </a:p>
-        </p:txBody>
-      </p:sp>
-    </p:spTree>
-    <p:extLst>
-      <p:ext uri="{BB962C8B-B14F-4D97-AF65-F5344CB8AC3E}">
-        <p14:creationId xmlns:p14="http://schemas.microsoft.com/office/powerpoint/2010/main" val="2993265742"/>
-      </p:ext>
-    </p:extLst>
-  </p:cSld>
-  <p:clrMapOvr>
-    <a:masterClrMapping/>
-  </p:clrMapOvr>
-</p:sld>
-</file>
-
-<file path=ppt/slides/slide17.xml><?xml version="1.0" encoding="utf-8"?>
-<p:sld xmlns:a="http://schemas.openxmlformats.org/drawingml/2006/main" xmlns:r="http://schemas.openxmlformats.org/officeDocument/2006/relationships" xmlns:p="http://schemas.openxmlformats.org/presentationml/2006/main">
-  <p:cSld>
-    <p:spTree>
-      <p:nvGrpSpPr>
-        <p:cNvPr id="1" name=""/>
-        <p:cNvGrpSpPr/>
-        <p:nvPr/>
-      </p:nvGrpSpPr>
-      <p:grpSpPr>
-        <a:xfrm>
-          <a:off x="0" y="0"/>
-          <a:ext cx="0" cy="0"/>
-          <a:chOff x="0" y="0"/>
-          <a:chExt cx="0" cy="0"/>
-        </a:xfrm>
-      </p:grpSpPr>
-      <p:sp>
-        <p:nvSpPr>
-          <p:cNvPr id="2" name="Title 1">
-            <a:extLst>
-              <a:ext uri="{FF2B5EF4-FFF2-40B4-BE49-F238E27FC236}">
-                <a16:creationId xmlns:a16="http://schemas.microsoft.com/office/drawing/2014/main" id="{3FBCD252-8C73-3B4A-9A76-CDDC6DF80B03}"/>
-              </a:ext>
-            </a:extLst>
-          </p:cNvPr>
-          <p:cNvSpPr>
-            <a:spLocks noGrp="1"/>
-          </p:cNvSpPr>
-          <p:nvPr>
-            <p:ph type="title"/>
-          </p:nvPr>
-        </p:nvSpPr>
-        <p:spPr>
-          <a:xfrm>
-            <a:off x="1451579" y="804519"/>
-            <a:ext cx="9603275" cy="1049235"/>
-          </a:xfrm>
-        </p:spPr>
-        <p:txBody>
-          <a:bodyPr>
-            <a:normAutofit/>
-          </a:bodyPr>
-          <a:lstStyle/>
-          <a:p>
-            <a:r>
-              <a:rPr lang="en-US" dirty="0" err="1"/>
-              <a:t>Tensorboard</a:t>
-            </a:r>
-            <a:r>
-              <a:rPr lang="en-US" dirty="0"/>
-              <a:t> Monitoring</a:t>
-            </a:r>
-          </a:p>
-        </p:txBody>
-      </p:sp>
-      <p:sp>
-        <p:nvSpPr>
-          <p:cNvPr id="3" name="Content Placeholder 2">
-            <a:extLst>
-              <a:ext uri="{FF2B5EF4-FFF2-40B4-BE49-F238E27FC236}">
-                <a16:creationId xmlns:a16="http://schemas.microsoft.com/office/drawing/2014/main" id="{8E2043A0-5013-9747-9156-5B2BFAA7A796}"/>
-              </a:ext>
-            </a:extLst>
-          </p:cNvPr>
-          <p:cNvSpPr>
-            <a:spLocks noGrp="1"/>
-          </p:cNvSpPr>
-          <p:nvPr>
-            <p:ph idx="1"/>
-          </p:nvPr>
-        </p:nvSpPr>
-        <p:spPr>
-          <a:xfrm>
-            <a:off x="0" y="2015734"/>
-            <a:ext cx="6943725" cy="4037747"/>
-          </a:xfrm>
-        </p:spPr>
-        <p:txBody>
-          <a:bodyPr>
-            <a:normAutofit/>
-          </a:bodyPr>
-          <a:lstStyle/>
-          <a:p>
-            <a:r>
-              <a:rPr lang="en-US" dirty="0"/>
-              <a:t>We are used to using several tools to monitor network results. </a:t>
-            </a:r>
-          </a:p>
-          <a:p>
-            <a:pPr lvl="1"/>
-            <a:r>
-              <a:rPr lang="en-US" dirty="0"/>
-              <a:t>Epoch by epoch text printouts. </a:t>
-            </a:r>
-          </a:p>
-          <a:p>
-            <a:pPr lvl="1"/>
-            <a:r>
-              <a:rPr lang="en-US" dirty="0"/>
-              <a:t>Plotting of loss from history. </a:t>
-            </a:r>
-          </a:p>
-          <a:p>
-            <a:r>
-              <a:rPr lang="en-US" dirty="0" err="1"/>
-              <a:t>Tensorboard</a:t>
-            </a:r>
-            <a:r>
-              <a:rPr lang="en-US" dirty="0"/>
-              <a:t> is a tool from </a:t>
-            </a:r>
-            <a:r>
-              <a:rPr lang="en-US" dirty="0" err="1"/>
-              <a:t>Keras</a:t>
-            </a:r>
-            <a:r>
-              <a:rPr lang="en-US" dirty="0"/>
-              <a:t> that makes this process nicer. </a:t>
-            </a:r>
-          </a:p>
-          <a:p>
-            <a:r>
-              <a:rPr lang="en-US" dirty="0"/>
-              <a:t>We can use </a:t>
-            </a:r>
-            <a:r>
-              <a:rPr lang="en-US" dirty="0" err="1"/>
-              <a:t>Tensorboard</a:t>
-            </a:r>
-            <a:r>
-              <a:rPr lang="en-US" dirty="0"/>
-              <a:t> to get a “modern” dashboard to monitor training results. </a:t>
-            </a:r>
-          </a:p>
-          <a:p>
-            <a:r>
-              <a:rPr lang="en-US" dirty="0"/>
-              <a:t>In ‘real’ applications, we’d run </a:t>
-            </a:r>
-            <a:r>
-              <a:rPr lang="en-US" dirty="0" err="1"/>
-              <a:t>tensorboard</a:t>
-            </a:r>
-            <a:r>
-              <a:rPr lang="en-US" dirty="0"/>
-              <a:t> on the server, and connect to it via the web from anywhere. </a:t>
-            </a:r>
-          </a:p>
-          <a:p>
-            <a:pPr lvl="1"/>
-            <a:r>
-              <a:rPr lang="en-US" dirty="0"/>
-              <a:t>You can try locally, it will tell you port when starting. </a:t>
-            </a:r>
-          </a:p>
-        </p:txBody>
-      </p:sp>
-      <p:pic>
-        <p:nvPicPr>
-          <p:cNvPr id="1026" name="Picture 2" descr="Tensorboard with PyTorch | NaadiSpeaks">
-            <a:extLst>
-              <a:ext uri="{FF2B5EF4-FFF2-40B4-BE49-F238E27FC236}">
-                <a16:creationId xmlns:a16="http://schemas.microsoft.com/office/drawing/2014/main" id="{AE6341D0-139B-FC43-913F-EBF14DDABFD6}"/>
-              </a:ext>
-            </a:extLst>
-          </p:cNvPr>
-          <p:cNvPicPr>
-            <a:picLocks noChangeAspect="1" noChangeArrowheads="1"/>
-          </p:cNvPicPr>
-          <p:nvPr/>
-        </p:nvPicPr>
-        <p:blipFill rotWithShape="1">
-          <a:blip r:embed="rId2">
-            <a:extLst>
-              <a:ext uri="{28A0092B-C50C-407E-A947-70E740481C1C}">
-                <a14:useLocalDpi xmlns:a14="http://schemas.microsoft.com/office/drawing/2010/main" val="0"/>
-              </a:ext>
-            </a:extLst>
-          </a:blip>
-          <a:srcRect r="18996" b="5603"/>
-          <a:stretch/>
-        </p:blipFill>
-        <p:spPr bwMode="auto">
-          <a:xfrm>
-            <a:off x="6943725" y="1414833"/>
-            <a:ext cx="5248275" cy="5443167"/>
-          </a:xfrm>
-          <a:prstGeom prst="rect">
-            <a:avLst/>
-          </a:prstGeom>
-          <a:noFill/>
-          <a:extLst>
-            <a:ext uri="{909E8E84-426E-40DD-AFC4-6F175D3DCCD1}">
-              <a14:hiddenFill xmlns:a14="http://schemas.microsoft.com/office/drawing/2010/main">
-                <a:solidFill>
-                  <a:srgbClr val="FFFFFF"/>
-                </a:solidFill>
-              </a14:hiddenFill>
-            </a:ext>
-          </a:extLst>
-        </p:spPr>
-      </p:pic>
-    </p:spTree>
-    <p:extLst>
-      <p:ext uri="{BB962C8B-B14F-4D97-AF65-F5344CB8AC3E}">
-        <p14:creationId xmlns:p14="http://schemas.microsoft.com/office/powerpoint/2010/main" val="1951310974"/>
-      </p:ext>
-    </p:extLst>
-  </p:cSld>
-  <p:clrMapOvr>
-    <a:masterClrMapping/>
-  </p:clrMapOvr>
-</p:sld>
-</file>
-
-<file path=ppt/slides/slide18.xml><?xml version="1.0" encoding="utf-8"?>
-<p:sld xmlns:a="http://schemas.openxmlformats.org/drawingml/2006/main" xmlns:r="http://schemas.openxmlformats.org/officeDocument/2006/relationships" xmlns:p="http://schemas.openxmlformats.org/presentationml/2006/main">
-  <p:cSld>
-    <p:spTree>
-      <p:nvGrpSpPr>
-        <p:cNvPr id="1" name=""/>
-        <p:cNvGrpSpPr/>
-        <p:nvPr/>
-      </p:nvGrpSpPr>
-      <p:grpSpPr>
-        <a:xfrm>
-          <a:off x="0" y="0"/>
-          <a:ext cx="0" cy="0"/>
-          <a:chOff x="0" y="0"/>
-          <a:chExt cx="0" cy="0"/>
-        </a:xfrm>
-      </p:grpSpPr>
-      <p:sp>
-        <p:nvSpPr>
-          <p:cNvPr id="2" name="Title 1">
-            <a:extLst>
-              <a:ext uri="{FF2B5EF4-FFF2-40B4-BE49-F238E27FC236}">
-                <a16:creationId xmlns:a16="http://schemas.microsoft.com/office/drawing/2014/main" id="{773997A9-EBE8-16CD-615F-6474212A3217}"/>
-              </a:ext>
-            </a:extLst>
-          </p:cNvPr>
-          <p:cNvSpPr>
-            <a:spLocks noGrp="1"/>
-          </p:cNvSpPr>
-          <p:nvPr>
-            <p:ph type="title"/>
-          </p:nvPr>
-        </p:nvSpPr>
-        <p:spPr/>
-        <p:txBody>
-          <a:bodyPr/>
-          <a:lstStyle/>
-          <a:p>
-            <a:r>
-              <a:rPr lang="en-US" dirty="0" err="1"/>
-              <a:t>Tensorboard</a:t>
-            </a:r>
-            <a:endParaRPr lang="en-US" dirty="0"/>
-          </a:p>
-        </p:txBody>
-      </p:sp>
-      <p:sp>
-        <p:nvSpPr>
-          <p:cNvPr id="3" name="Content Placeholder 2">
-            <a:extLst>
-              <a:ext uri="{FF2B5EF4-FFF2-40B4-BE49-F238E27FC236}">
-                <a16:creationId xmlns:a16="http://schemas.microsoft.com/office/drawing/2014/main" id="{46618571-5092-5208-F239-781041E284A1}"/>
-              </a:ext>
-            </a:extLst>
-          </p:cNvPr>
-          <p:cNvSpPr>
-            <a:spLocks noGrp="1"/>
-          </p:cNvSpPr>
-          <p:nvPr>
-            <p:ph idx="1"/>
-          </p:nvPr>
-        </p:nvSpPr>
-        <p:spPr>
-          <a:xfrm>
-            <a:off x="1451579" y="1853754"/>
-            <a:ext cx="9603275" cy="4199727"/>
-          </a:xfrm>
-        </p:spPr>
-        <p:txBody>
-          <a:bodyPr/>
-          <a:lstStyle/>
-          <a:p>
-            <a:r>
-              <a:rPr lang="en-US" dirty="0" err="1"/>
-              <a:t>Tensorboard</a:t>
-            </a:r>
-            <a:r>
-              <a:rPr lang="en-US" dirty="0"/>
-              <a:t> can show lots of stuff and is largely customizable. </a:t>
-            </a:r>
-          </a:p>
-          <a:p>
-            <a:pPr lvl="1"/>
-            <a:r>
-              <a:rPr lang="en-US" dirty="0"/>
-              <a:t>There are lots of examples of how to put things into it online. </a:t>
-            </a:r>
-          </a:p>
-          <a:p>
-            <a:r>
-              <a:rPr lang="en-US" dirty="0"/>
-              <a:t>We’ll use it for the basic monitoring mostly. </a:t>
-            </a:r>
-          </a:p>
-          <a:p>
-            <a:r>
-              <a:rPr lang="en-US" dirty="0"/>
-              <a:t>Key usage:</a:t>
-            </a:r>
-          </a:p>
-          <a:p>
-            <a:pPr lvl="1"/>
-            <a:r>
-              <a:rPr lang="en-US" dirty="0"/>
-              <a:t>Start training on the server you’re using. </a:t>
-            </a:r>
-          </a:p>
-          <a:p>
-            <a:pPr lvl="1"/>
-            <a:r>
-              <a:rPr lang="en-US" dirty="0"/>
-              <a:t>Launch </a:t>
-            </a:r>
-            <a:r>
-              <a:rPr lang="en-US" dirty="0" err="1"/>
-              <a:t>tensorboard</a:t>
-            </a:r>
-            <a:r>
-              <a:rPr lang="en-US" dirty="0"/>
-              <a:t> to monitor it. </a:t>
-            </a:r>
-          </a:p>
-          <a:p>
-            <a:pPr lvl="1"/>
-            <a:r>
-              <a:rPr lang="en-US" dirty="0"/>
-              <a:t>Connect to the web page remotely while the server works. </a:t>
-            </a:r>
-          </a:p>
-          <a:p>
-            <a:r>
-              <a:rPr lang="en-US" dirty="0"/>
-              <a:t>Works mainly by monitoring log files. </a:t>
-            </a:r>
-          </a:p>
-          <a:p>
-            <a:pPr lvl="1"/>
-            <a:r>
-              <a:rPr lang="en-US" dirty="0"/>
-              <a:t>We set a log file directory to monitor, and write logs there via callbacks. </a:t>
-            </a:r>
-          </a:p>
-        </p:txBody>
-      </p:sp>
-    </p:spTree>
-    <p:extLst>
-      <p:ext uri="{BB962C8B-B14F-4D97-AF65-F5344CB8AC3E}">
-        <p14:creationId xmlns:p14="http://schemas.microsoft.com/office/powerpoint/2010/main" val="1969605170"/>
-      </p:ext>
-    </p:extLst>
-  </p:cSld>
-  <p:clrMapOvr>
-    <a:masterClrMapping/>
-  </p:clrMapOvr>
-</p:sld>
-</file>
-
-<file path=ppt/slides/slide19.xml><?xml version="1.0" encoding="utf-8"?>
-<p:sld xmlns:a="http://schemas.openxmlformats.org/drawingml/2006/main" xmlns:r="http://schemas.openxmlformats.org/officeDocument/2006/relationships" xmlns:p="http://schemas.openxmlformats.org/presentationml/2006/main">
-  <p:cSld>
-    <p:spTree>
-      <p:nvGrpSpPr>
-        <p:cNvPr id="1" name=""/>
-        <p:cNvGrpSpPr/>
-        <p:nvPr/>
-      </p:nvGrpSpPr>
-      <p:grpSpPr>
-        <a:xfrm>
-          <a:off x="0" y="0"/>
-          <a:ext cx="0" cy="0"/>
-          <a:chOff x="0" y="0"/>
-          <a:chExt cx="0" cy="0"/>
-        </a:xfrm>
-      </p:grpSpPr>
-      <p:sp>
-        <p:nvSpPr>
-          <p:cNvPr id="2" name="Title 1">
-            <a:extLst>
-              <a:ext uri="{FF2B5EF4-FFF2-40B4-BE49-F238E27FC236}">
-                <a16:creationId xmlns:a16="http://schemas.microsoft.com/office/drawing/2014/main" id="{C2B3041B-70F8-3020-38D5-6EACDB24C7F6}"/>
-              </a:ext>
-            </a:extLst>
-          </p:cNvPr>
-          <p:cNvSpPr>
-            <a:spLocks noGrp="1"/>
-          </p:cNvSpPr>
-          <p:nvPr>
-            <p:ph type="title"/>
-          </p:nvPr>
-        </p:nvSpPr>
-        <p:spPr/>
-        <p:txBody>
-          <a:bodyPr/>
-          <a:lstStyle/>
-          <a:p>
-            <a:r>
-              <a:rPr lang="en-US" dirty="0"/>
-              <a:t>Using </a:t>
-            </a:r>
-            <a:r>
-              <a:rPr lang="en-US" dirty="0" err="1"/>
-              <a:t>Tensorboard</a:t>
-            </a:r>
-            <a:endParaRPr lang="en-US" dirty="0"/>
-          </a:p>
-        </p:txBody>
-      </p:sp>
-      <p:sp>
-        <p:nvSpPr>
-          <p:cNvPr id="3" name="Content Placeholder 2">
-            <a:extLst>
-              <a:ext uri="{FF2B5EF4-FFF2-40B4-BE49-F238E27FC236}">
-                <a16:creationId xmlns:a16="http://schemas.microsoft.com/office/drawing/2014/main" id="{D09E8C52-771D-8638-0D73-8253C050A362}"/>
-              </a:ext>
-            </a:extLst>
-          </p:cNvPr>
-          <p:cNvSpPr>
-            <a:spLocks noGrp="1"/>
-          </p:cNvSpPr>
-          <p:nvPr>
-            <p:ph idx="1"/>
-          </p:nvPr>
-        </p:nvSpPr>
-        <p:spPr/>
-        <p:txBody>
-          <a:bodyPr/>
-          <a:lstStyle/>
-          <a:p>
-            <a:r>
-              <a:rPr lang="en-US" dirty="0" err="1"/>
-              <a:t>Tensorboard</a:t>
-            </a:r>
-            <a:r>
-              <a:rPr lang="en-US" dirty="0"/>
-              <a:t> can do a lot of things and is very flexible. </a:t>
-            </a:r>
-          </a:p>
-          <a:p>
-            <a:r>
-              <a:rPr lang="en-US" dirty="0"/>
-              <a:t>Almost anything that you can write to a log can be sent to TB. </a:t>
-            </a:r>
-          </a:p>
-          <a:p>
-            <a:r>
-              <a:rPr lang="en-US" dirty="0"/>
-              <a:t>We can create custom callbacks that log whatever we care about. </a:t>
-            </a:r>
-          </a:p>
-          <a:p>
-            <a:r>
-              <a:rPr lang="en-US" dirty="0"/>
-              <a:t>Note: the </a:t>
-            </a:r>
-            <a:r>
-              <a:rPr lang="en-US" dirty="0" err="1"/>
-              <a:t>tensorboard</a:t>
-            </a:r>
-            <a:r>
-              <a:rPr lang="en-US" dirty="0"/>
-              <a:t> stuff is a little simpler/cleaner when we have one model only. </a:t>
-            </a:r>
-          </a:p>
-          <a:p>
-            <a:pPr lvl="1"/>
-            <a:r>
-              <a:rPr lang="en-US" dirty="0"/>
-              <a:t>There’s a Boolean switch HPARAMS that controls which gets </a:t>
-            </a:r>
-            <a:r>
-              <a:rPr lang="en-US" dirty="0" err="1"/>
-              <a:t>tensorboarded</a:t>
-            </a:r>
-            <a:r>
-              <a:rPr lang="en-US" dirty="0"/>
-              <a:t> in the workbook </a:t>
-            </a:r>
-          </a:p>
-          <a:p>
-            <a:pPr lvl="1"/>
-            <a:endParaRPr lang="en-US" dirty="0"/>
-          </a:p>
-        </p:txBody>
-      </p:sp>
-    </p:spTree>
-    <p:extLst>
-      <p:ext uri="{BB962C8B-B14F-4D97-AF65-F5344CB8AC3E}">
-        <p14:creationId xmlns:p14="http://schemas.microsoft.com/office/powerpoint/2010/main" val="1507163619"/>
-      </p:ext>
-    </p:extLst>
-  </p:cSld>
-  <p:clrMapOvr>
-    <a:masterClrMapping/>
-  </p:clrMapOvr>
-</p:sld>
-</file>
-
-<file path=ppt/slides/slide2.xml><?xml version="1.0" encoding="utf-8"?>
-<p:sld xmlns:a="http://schemas.openxmlformats.org/drawingml/2006/main" xmlns:r="http://schemas.openxmlformats.org/officeDocument/2006/relationships" xmlns:p="http://schemas.openxmlformats.org/presentationml/2006/main">
-  <p:cSld>
-    <p:spTree>
-      <p:nvGrpSpPr>
-        <p:cNvPr id="1" name=""/>
-        <p:cNvGrpSpPr/>
-        <p:nvPr/>
-      </p:nvGrpSpPr>
-      <p:grpSpPr>
-        <a:xfrm>
-          <a:off x="0" y="0"/>
-          <a:ext cx="0" cy="0"/>
-          <a:chOff x="0" y="0"/>
-          <a:chExt cx="0" cy="0"/>
-        </a:xfrm>
-      </p:grpSpPr>
-      <p:sp>
-        <p:nvSpPr>
-          <p:cNvPr id="2" name="Title 1">
-            <a:extLst>
-              <a:ext uri="{FF2B5EF4-FFF2-40B4-BE49-F238E27FC236}">
-                <a16:creationId xmlns:a16="http://schemas.microsoft.com/office/drawing/2014/main" id="{3310771C-753E-1A84-2F13-23D4F39EC381}"/>
-              </a:ext>
-            </a:extLst>
-          </p:cNvPr>
-          <p:cNvSpPr>
-            <a:spLocks noGrp="1"/>
-          </p:cNvSpPr>
-          <p:nvPr>
-            <p:ph type="title"/>
-          </p:nvPr>
-        </p:nvSpPr>
-        <p:spPr/>
-        <p:txBody>
-          <a:bodyPr/>
-          <a:lstStyle/>
-          <a:p>
-            <a:r>
-              <a:rPr lang="en-US" dirty="0"/>
-              <a:t>Housekeeping</a:t>
-            </a:r>
-          </a:p>
-        </p:txBody>
-      </p:sp>
-      <p:sp>
-        <p:nvSpPr>
-          <p:cNvPr id="3" name="Content Placeholder 2">
-            <a:extLst>
-              <a:ext uri="{FF2B5EF4-FFF2-40B4-BE49-F238E27FC236}">
-                <a16:creationId xmlns:a16="http://schemas.microsoft.com/office/drawing/2014/main" id="{A7897C9B-B765-5C9B-7711-4A4D98288FAB}"/>
-              </a:ext>
-            </a:extLst>
-          </p:cNvPr>
-          <p:cNvSpPr>
-            <a:spLocks noGrp="1"/>
-          </p:cNvSpPr>
-          <p:nvPr>
-            <p:ph idx="1"/>
-          </p:nvPr>
-        </p:nvSpPr>
-        <p:spPr>
-          <a:xfrm>
-            <a:off x="1451579" y="2015732"/>
-            <a:ext cx="9603275" cy="4037749"/>
-          </a:xfrm>
-        </p:spPr>
-        <p:txBody>
-          <a:bodyPr/>
-          <a:lstStyle/>
-          <a:p>
-            <a:r>
-              <a:rPr lang="en-US" dirty="0"/>
-              <a:t>Logistics and monitoring of training (there’s a revised workbook #25 for this). </a:t>
-            </a:r>
-          </a:p>
-          <a:p>
-            <a:pPr lvl="1"/>
-            <a:r>
-              <a:rPr lang="en-US" dirty="0"/>
-              <a:t>More callback details. </a:t>
-            </a:r>
-          </a:p>
-          <a:p>
-            <a:pPr lvl="1"/>
-            <a:r>
-              <a:rPr lang="en-US" dirty="0" err="1"/>
-              <a:t>Keras</a:t>
-            </a:r>
-            <a:r>
-              <a:rPr lang="en-US" dirty="0"/>
-              <a:t> tuner. </a:t>
-            </a:r>
-          </a:p>
-          <a:p>
-            <a:pPr lvl="1"/>
-            <a:r>
-              <a:rPr lang="en-US" dirty="0" err="1"/>
-              <a:t>Tensorboard</a:t>
-            </a:r>
-            <a:r>
-              <a:rPr lang="en-US" dirty="0"/>
-              <a:t>. </a:t>
-            </a:r>
-          </a:p>
-          <a:p>
-            <a:pPr lvl="1"/>
-            <a:r>
-              <a:rPr lang="en-US" dirty="0"/>
-              <a:t>Saving model progress. </a:t>
-            </a:r>
-          </a:p>
-          <a:p>
-            <a:r>
-              <a:rPr lang="en-US" dirty="0"/>
-              <a:t>Likely more transfer learning, depending on time/pace (#26). </a:t>
-            </a:r>
-          </a:p>
-          <a:p>
-            <a:pPr lvl="1"/>
-            <a:r>
-              <a:rPr lang="en-US" dirty="0"/>
-              <a:t>Using models trained elsewhere. </a:t>
-            </a:r>
-          </a:p>
-          <a:p>
-            <a:pPr lvl="1"/>
-            <a:r>
-              <a:rPr lang="en-US" dirty="0"/>
-              <a:t>Fine tuning models. </a:t>
-            </a:r>
-          </a:p>
-        </p:txBody>
-      </p:sp>
-    </p:spTree>
-    <p:extLst>
-      <p:ext uri="{BB962C8B-B14F-4D97-AF65-F5344CB8AC3E}">
-        <p14:creationId xmlns:p14="http://schemas.microsoft.com/office/powerpoint/2010/main" val="4208846590"/>
-      </p:ext>
-    </p:extLst>
-  </p:cSld>
-  <p:clrMapOvr>
-    <a:masterClrMapping/>
-  </p:clrMapOvr>
-</p:sld>
-</file>
-
-<file path=ppt/slides/slide20.xml><?xml version="1.0" encoding="utf-8"?>
-<p:sld xmlns:a="http://schemas.openxmlformats.org/drawingml/2006/main" xmlns:r="http://schemas.openxmlformats.org/officeDocument/2006/relationships" xmlns:p="http://schemas.openxmlformats.org/presentationml/2006/main">
-  <p:cSld>
-    <p:spTree>
-      <p:nvGrpSpPr>
-        <p:cNvPr id="1" name=""/>
-        <p:cNvGrpSpPr/>
-        <p:nvPr/>
-      </p:nvGrpSpPr>
-      <p:grpSpPr>
-        <a:xfrm>
-          <a:off x="0" y="0"/>
-          <a:ext cx="0" cy="0"/>
-          <a:chOff x="0" y="0"/>
-          <a:chExt cx="0" cy="0"/>
-        </a:xfrm>
-      </p:grpSpPr>
-      <p:sp>
-        <p:nvSpPr>
-          <p:cNvPr id="2" name="Title 1">
-            <a:extLst>
-              <a:ext uri="{FF2B5EF4-FFF2-40B4-BE49-F238E27FC236}">
-                <a16:creationId xmlns:a16="http://schemas.microsoft.com/office/drawing/2014/main" id="{298F984B-AC12-181A-2124-AF489F9706BE}"/>
-              </a:ext>
-            </a:extLst>
-          </p:cNvPr>
-          <p:cNvSpPr>
-            <a:spLocks noGrp="1"/>
-          </p:cNvSpPr>
-          <p:nvPr>
-            <p:ph type="title"/>
-          </p:nvPr>
-        </p:nvSpPr>
-        <p:spPr/>
-        <p:txBody>
-          <a:bodyPr/>
-          <a:lstStyle/>
-          <a:p>
-            <a:r>
-              <a:rPr lang="en-US" dirty="0"/>
-              <a:t>Tuning</a:t>
-            </a:r>
-          </a:p>
-        </p:txBody>
-      </p:sp>
-      <p:sp>
-        <p:nvSpPr>
-          <p:cNvPr id="3" name="Content Placeholder 2">
-            <a:extLst>
-              <a:ext uri="{FF2B5EF4-FFF2-40B4-BE49-F238E27FC236}">
-                <a16:creationId xmlns:a16="http://schemas.microsoft.com/office/drawing/2014/main" id="{959433D1-0970-AF29-3A53-2E381E52A4B0}"/>
-              </a:ext>
-            </a:extLst>
-          </p:cNvPr>
-          <p:cNvSpPr>
-            <a:spLocks noGrp="1"/>
-          </p:cNvSpPr>
-          <p:nvPr>
-            <p:ph idx="1"/>
-          </p:nvPr>
-        </p:nvSpPr>
-        <p:spPr/>
-        <p:txBody>
-          <a:bodyPr/>
-          <a:lstStyle/>
-          <a:p>
-            <a:endParaRPr lang="en-US"/>
-          </a:p>
-        </p:txBody>
-      </p:sp>
-    </p:spTree>
-    <p:extLst>
-      <p:ext uri="{BB962C8B-B14F-4D97-AF65-F5344CB8AC3E}">
-        <p14:creationId xmlns:p14="http://schemas.microsoft.com/office/powerpoint/2010/main" val="1705716502"/>
-      </p:ext>
-    </p:extLst>
-  </p:cSld>
-  <p:clrMapOvr>
-    <a:masterClrMapping/>
-  </p:clrMapOvr>
-</p:sld>
-</file>
-
 <file path=ppt/slides/slide21.xml><?xml version="1.0" encoding="utf-8"?>
 <p:sld xmlns:a="http://schemas.openxmlformats.org/drawingml/2006/main" xmlns:r="http://schemas.openxmlformats.org/officeDocument/2006/relationships" xmlns:p="http://schemas.openxmlformats.org/presentationml/2006/main">
   <p:cSld>
@@ -5844,7 +5823,7 @@
           <p:cNvPr id="2" name="Title 1">
             <a:extLst>
               <a:ext uri="{FF2B5EF4-FFF2-40B4-BE49-F238E27FC236}">
-                <a16:creationId xmlns:a16="http://schemas.microsoft.com/office/drawing/2014/main" id="{DE7AF62F-13D4-5F70-6A6B-7EA82945DD0E}"/>
+                <a16:creationId xmlns:a16="http://schemas.microsoft.com/office/drawing/2014/main" id="{298F984B-AC12-181A-2124-AF489F9706BE}"/>
               </a:ext>
             </a:extLst>
           </p:cNvPr>
@@ -5861,12 +5840,8 @@
           <a:lstStyle/>
           <a:p>
             <a:r>
-              <a:rPr lang="en-US" dirty="0" err="1"/>
-              <a:t>Keras</a:t>
-            </a:r>
-            <a:r>
-              <a:rPr lang="en-US" dirty="0"/>
-              <a:t> Tuner</a:t>
+              <a:rPr lang="en-US" dirty="0"/>
+              <a:t>Tuning</a:t>
             </a:r>
           </a:p>
         </p:txBody>
@@ -5876,7 +5851,7 @@
           <p:cNvPr id="3" name="Content Placeholder 2">
             <a:extLst>
               <a:ext uri="{FF2B5EF4-FFF2-40B4-BE49-F238E27FC236}">
-                <a16:creationId xmlns:a16="http://schemas.microsoft.com/office/drawing/2014/main" id="{DB863BFD-AC18-50A8-538C-8A2D68189B87}"/>
+                <a16:creationId xmlns:a16="http://schemas.microsoft.com/office/drawing/2014/main" id="{959433D1-0970-AF29-3A53-2E381E52A4B0}"/>
               </a:ext>
             </a:extLst>
           </p:cNvPr>
@@ -5887,78 +5862,19 @@
             <p:ph idx="1"/>
           </p:nvPr>
         </p:nvSpPr>
-        <p:spPr>
-          <a:xfrm>
-            <a:off x="1451579" y="2015732"/>
-            <a:ext cx="9603275" cy="4037749"/>
-          </a:xfrm>
-        </p:spPr>
-        <p:txBody>
-          <a:bodyPr/>
-          <a:lstStyle/>
-          <a:p>
-            <a:r>
-              <a:rPr lang="en-US" dirty="0" err="1"/>
-              <a:t>Keras</a:t>
-            </a:r>
-            <a:r>
-              <a:rPr lang="en-US" dirty="0"/>
-              <a:t> Tuner is a framework for tuning optimal neural networks. </a:t>
-            </a:r>
-          </a:p>
-          <a:p>
-            <a:r>
-              <a:rPr lang="en-US" dirty="0" err="1"/>
-              <a:t>Analagous-ish</a:t>
-            </a:r>
-            <a:r>
-              <a:rPr lang="en-US" dirty="0"/>
-              <a:t> to a grid search in </a:t>
-            </a:r>
-            <a:r>
-              <a:rPr lang="en-US" dirty="0" err="1"/>
-              <a:t>sklearn</a:t>
-            </a:r>
-            <a:r>
-              <a:rPr lang="en-US" dirty="0"/>
-              <a:t>. </a:t>
-            </a:r>
-          </a:p>
-          <a:p>
-            <a:r>
-              <a:rPr lang="en-US" dirty="0"/>
-              <a:t>We can setup a search for the optimal hyperparameters and structure of a model:</a:t>
-            </a:r>
-          </a:p>
-          <a:p>
-            <a:pPr lvl="1"/>
-            <a:r>
-              <a:rPr lang="en-US" dirty="0"/>
-              <a:t>Hyperparameters like the activation function or optimizer. </a:t>
-            </a:r>
-          </a:p>
-          <a:p>
-            <a:pPr lvl="1"/>
-            <a:r>
-              <a:rPr lang="en-US" dirty="0"/>
-              <a:t>Structure like number of neurons, number of layers, or optional layers (e.g. dropout). </a:t>
-            </a:r>
-          </a:p>
-          <a:p>
-            <a:r>
-              <a:rPr lang="en-US" dirty="0"/>
-              <a:t>The idea is the same as a grid search optimization. </a:t>
-            </a:r>
-          </a:p>
-          <a:p>
-            <a:endParaRPr lang="en-US" dirty="0"/>
+        <p:spPr/>
+        <p:txBody>
+          <a:bodyPr/>
+          <a:lstStyle/>
+          <a:p>
+            <a:endParaRPr lang="en-US"/>
           </a:p>
         </p:txBody>
       </p:sp>
     </p:spTree>
     <p:extLst>
       <p:ext uri="{BB962C8B-B14F-4D97-AF65-F5344CB8AC3E}">
-        <p14:creationId xmlns:p14="http://schemas.microsoft.com/office/powerpoint/2010/main" val="3365969336"/>
+        <p14:creationId xmlns:p14="http://schemas.microsoft.com/office/powerpoint/2010/main" val="1705716502"/>
       </p:ext>
     </p:extLst>
   </p:cSld>
@@ -5990,6 +5906,152 @@
           <p:cNvPr id="2" name="Title 1">
             <a:extLst>
               <a:ext uri="{FF2B5EF4-FFF2-40B4-BE49-F238E27FC236}">
+                <a16:creationId xmlns:a16="http://schemas.microsoft.com/office/drawing/2014/main" id="{DE7AF62F-13D4-5F70-6A6B-7EA82945DD0E}"/>
+              </a:ext>
+            </a:extLst>
+          </p:cNvPr>
+          <p:cNvSpPr>
+            <a:spLocks noGrp="1"/>
+          </p:cNvSpPr>
+          <p:nvPr>
+            <p:ph type="title"/>
+          </p:nvPr>
+        </p:nvSpPr>
+        <p:spPr/>
+        <p:txBody>
+          <a:bodyPr/>
+          <a:lstStyle/>
+          <a:p>
+            <a:r>
+              <a:rPr lang="en-US" dirty="0" err="1"/>
+              <a:t>Keras</a:t>
+            </a:r>
+            <a:r>
+              <a:rPr lang="en-US" dirty="0"/>
+              <a:t> Tuner</a:t>
+            </a:r>
+          </a:p>
+        </p:txBody>
+      </p:sp>
+      <p:sp>
+        <p:nvSpPr>
+          <p:cNvPr id="3" name="Content Placeholder 2">
+            <a:extLst>
+              <a:ext uri="{FF2B5EF4-FFF2-40B4-BE49-F238E27FC236}">
+                <a16:creationId xmlns:a16="http://schemas.microsoft.com/office/drawing/2014/main" id="{DB863BFD-AC18-50A8-538C-8A2D68189B87}"/>
+              </a:ext>
+            </a:extLst>
+          </p:cNvPr>
+          <p:cNvSpPr>
+            <a:spLocks noGrp="1"/>
+          </p:cNvSpPr>
+          <p:nvPr>
+            <p:ph idx="1"/>
+          </p:nvPr>
+        </p:nvSpPr>
+        <p:spPr>
+          <a:xfrm>
+            <a:off x="1451579" y="2015732"/>
+            <a:ext cx="9603275" cy="4037749"/>
+          </a:xfrm>
+        </p:spPr>
+        <p:txBody>
+          <a:bodyPr/>
+          <a:lstStyle/>
+          <a:p>
+            <a:r>
+              <a:rPr lang="en-US" dirty="0" err="1"/>
+              <a:t>Keras</a:t>
+            </a:r>
+            <a:r>
+              <a:rPr lang="en-US" dirty="0"/>
+              <a:t> Tuner is a framework for tuning optimal neural networks. </a:t>
+            </a:r>
+          </a:p>
+          <a:p>
+            <a:r>
+              <a:rPr lang="en-US" dirty="0" err="1"/>
+              <a:t>Analagous-ish</a:t>
+            </a:r>
+            <a:r>
+              <a:rPr lang="en-US" dirty="0"/>
+              <a:t> to a grid search in </a:t>
+            </a:r>
+            <a:r>
+              <a:rPr lang="en-US" dirty="0" err="1"/>
+              <a:t>sklearn</a:t>
+            </a:r>
+            <a:r>
+              <a:rPr lang="en-US" dirty="0"/>
+              <a:t>. </a:t>
+            </a:r>
+          </a:p>
+          <a:p>
+            <a:r>
+              <a:rPr lang="en-US" dirty="0"/>
+              <a:t>We can setup a search for the optimal hyperparameters and structure of a model:</a:t>
+            </a:r>
+          </a:p>
+          <a:p>
+            <a:pPr lvl="1"/>
+            <a:r>
+              <a:rPr lang="en-US" dirty="0"/>
+              <a:t>Hyperparameters like the activation function or optimizer. </a:t>
+            </a:r>
+          </a:p>
+          <a:p>
+            <a:pPr lvl="1"/>
+            <a:r>
+              <a:rPr lang="en-US" dirty="0"/>
+              <a:t>Structure like number of neurons, number of layers, or optional layers (e.g. dropout). </a:t>
+            </a:r>
+          </a:p>
+          <a:p>
+            <a:r>
+              <a:rPr lang="en-US" dirty="0"/>
+              <a:t>The idea is the same as a grid search optimization. </a:t>
+            </a:r>
+          </a:p>
+          <a:p>
+            <a:endParaRPr lang="en-US" dirty="0"/>
+          </a:p>
+        </p:txBody>
+      </p:sp>
+    </p:spTree>
+    <p:extLst>
+      <p:ext uri="{BB962C8B-B14F-4D97-AF65-F5344CB8AC3E}">
+        <p14:creationId xmlns:p14="http://schemas.microsoft.com/office/powerpoint/2010/main" val="3365969336"/>
+      </p:ext>
+    </p:extLst>
+  </p:cSld>
+  <p:clrMapOvr>
+    <a:masterClrMapping/>
+  </p:clrMapOvr>
+</p:sld>
+</file>
+
+<file path=ppt/slides/slide23.xml><?xml version="1.0" encoding="utf-8"?>
+<p:sld xmlns:a="http://schemas.openxmlformats.org/drawingml/2006/main" xmlns:r="http://schemas.openxmlformats.org/officeDocument/2006/relationships" xmlns:p="http://schemas.openxmlformats.org/presentationml/2006/main">
+  <p:cSld>
+    <p:spTree>
+      <p:nvGrpSpPr>
+        <p:cNvPr id="1" name=""/>
+        <p:cNvGrpSpPr/>
+        <p:nvPr/>
+      </p:nvGrpSpPr>
+      <p:grpSpPr>
+        <a:xfrm>
+          <a:off x="0" y="0"/>
+          <a:ext cx="0" cy="0"/>
+          <a:chOff x="0" y="0"/>
+          <a:chExt cx="0" cy="0"/>
+        </a:xfrm>
+      </p:grpSpPr>
+      <p:sp>
+        <p:nvSpPr>
+          <p:cNvPr id="2" name="Title 1">
+            <a:extLst>
+              <a:ext uri="{FF2B5EF4-FFF2-40B4-BE49-F238E27FC236}">
                 <a16:creationId xmlns:a16="http://schemas.microsoft.com/office/drawing/2014/main" id="{B04C622F-29A3-0C1A-7841-632D1EFA7F86}"/>
               </a:ext>
             </a:extLst>
@@ -6126,7 +6188,7 @@
 </p:sld>
 </file>
 
-<file path=ppt/slides/slide23.xml><?xml version="1.0" encoding="utf-8"?>
+<file path=ppt/slides/slide24.xml><?xml version="1.0" encoding="utf-8"?>
 <p:sld xmlns:a="http://schemas.openxmlformats.org/drawingml/2006/main" xmlns:r="http://schemas.openxmlformats.org/officeDocument/2006/relationships" xmlns:p="http://schemas.openxmlformats.org/presentationml/2006/main">
   <p:cSld>
     <p:spTree>
@@ -6311,7 +6373,7 @@
 </p:sld>
 </file>
 
-<file path=ppt/slides/slide24.xml><?xml version="1.0" encoding="utf-8"?>
+<file path=ppt/slides/slide25.xml><?xml version="1.0" encoding="utf-8"?>
 <p:sld xmlns:a="http://schemas.openxmlformats.org/drawingml/2006/main" xmlns:r="http://schemas.openxmlformats.org/officeDocument/2006/relationships" xmlns:p="http://schemas.openxmlformats.org/presentationml/2006/main">
   <p:cSld>
     <p:spTree>
@@ -6531,7 +6593,7 @@
 </p:sld>
 </file>
 
-<file path=ppt/slides/slide25.xml><?xml version="1.0" encoding="utf-8"?>
+<file path=ppt/slides/slide26.xml><?xml version="1.0" encoding="utf-8"?>
 <p:sld xmlns:a="http://schemas.openxmlformats.org/drawingml/2006/main" xmlns:r="http://schemas.openxmlformats.org/officeDocument/2006/relationships" xmlns:p="http://schemas.openxmlformats.org/presentationml/2006/main">
   <p:cSld>
     <p:spTree>
@@ -6663,7 +6725,7 @@
 </p:sld>
 </file>
 
-<file path=ppt/slides/slide26.xml><?xml version="1.0" encoding="utf-8"?>
+<file path=ppt/slides/slide27.xml><?xml version="1.0" encoding="utf-8"?>
 <p:sld xmlns:a="http://schemas.openxmlformats.org/drawingml/2006/main" xmlns:r="http://schemas.openxmlformats.org/officeDocument/2006/relationships" xmlns:p="http://schemas.openxmlformats.org/presentationml/2006/main">
   <p:cSld>
     <p:spTree>
@@ -6849,89 +6911,6 @@
 </p:sld>
 </file>
 
-<file path=ppt/slides/slide27.xml><?xml version="1.0" encoding="utf-8"?>
-<p:sld xmlns:a="http://schemas.openxmlformats.org/drawingml/2006/main" xmlns:r="http://schemas.openxmlformats.org/officeDocument/2006/relationships" xmlns:p="http://schemas.openxmlformats.org/presentationml/2006/main">
-  <p:cSld>
-    <p:spTree>
-      <p:nvGrpSpPr>
-        <p:cNvPr id="1" name=""/>
-        <p:cNvGrpSpPr/>
-        <p:nvPr/>
-      </p:nvGrpSpPr>
-      <p:grpSpPr>
-        <a:xfrm>
-          <a:off x="0" y="0"/>
-          <a:ext cx="0" cy="0"/>
-          <a:chOff x="0" y="0"/>
-          <a:chExt cx="0" cy="0"/>
-        </a:xfrm>
-      </p:grpSpPr>
-      <p:sp>
-        <p:nvSpPr>
-          <p:cNvPr id="2" name="Title 1">
-            <a:extLst>
-              <a:ext uri="{FF2B5EF4-FFF2-40B4-BE49-F238E27FC236}">
-                <a16:creationId xmlns:a16="http://schemas.microsoft.com/office/drawing/2014/main" id="{8C80659E-035E-BC24-DDB8-2B8FC0D0A3F8}"/>
-              </a:ext>
-            </a:extLst>
-          </p:cNvPr>
-          <p:cNvSpPr>
-            <a:spLocks noGrp="1"/>
-          </p:cNvSpPr>
-          <p:nvPr>
-            <p:ph type="title"/>
-          </p:nvPr>
-        </p:nvSpPr>
-        <p:spPr/>
-        <p:txBody>
-          <a:bodyPr/>
-          <a:lstStyle/>
-          <a:p>
-            <a:r>
-              <a:rPr lang="en-US" dirty="0"/>
-              <a:t>Logging</a:t>
-            </a:r>
-          </a:p>
-        </p:txBody>
-      </p:sp>
-      <p:sp>
-        <p:nvSpPr>
-          <p:cNvPr id="3" name="Content Placeholder 2">
-            <a:extLst>
-              <a:ext uri="{FF2B5EF4-FFF2-40B4-BE49-F238E27FC236}">
-                <a16:creationId xmlns:a16="http://schemas.microsoft.com/office/drawing/2014/main" id="{9BB3E0F0-266F-2D5A-B5F6-21546F3B18E3}"/>
-              </a:ext>
-            </a:extLst>
-          </p:cNvPr>
-          <p:cNvSpPr>
-            <a:spLocks noGrp="1"/>
-          </p:cNvSpPr>
-          <p:nvPr>
-            <p:ph idx="1"/>
-          </p:nvPr>
-        </p:nvSpPr>
-        <p:spPr/>
-        <p:txBody>
-          <a:bodyPr/>
-          <a:lstStyle/>
-          <a:p>
-            <a:endParaRPr lang="en-US"/>
-          </a:p>
-        </p:txBody>
-      </p:sp>
-    </p:spTree>
-    <p:extLst>
-      <p:ext uri="{BB962C8B-B14F-4D97-AF65-F5344CB8AC3E}">
-        <p14:creationId xmlns:p14="http://schemas.microsoft.com/office/powerpoint/2010/main" val="3279721977"/>
-      </p:ext>
-    </p:extLst>
-  </p:cSld>
-  <p:clrMapOvr>
-    <a:masterClrMapping/>
-  </p:clrMapOvr>
-</p:sld>
-</file>
-
 <file path=ppt/slides/slide28.xml><?xml version="1.0" encoding="utf-8"?>
 <p:sld xmlns:a="http://schemas.openxmlformats.org/drawingml/2006/main" xmlns:r="http://schemas.openxmlformats.org/officeDocument/2006/relationships" xmlns:p="http://schemas.openxmlformats.org/presentationml/2006/main">
   <p:cSld>
@@ -6954,7 +6933,7 @@
           <p:cNvPr id="2" name="Title 1">
             <a:extLst>
               <a:ext uri="{FF2B5EF4-FFF2-40B4-BE49-F238E27FC236}">
-                <a16:creationId xmlns:a16="http://schemas.microsoft.com/office/drawing/2014/main" id="{CA0E3C8D-19BE-7F5D-2D50-71CE671B5F60}"/>
+                <a16:creationId xmlns:a16="http://schemas.microsoft.com/office/drawing/2014/main" id="{8C80659E-035E-BC24-DDB8-2B8FC0D0A3F8}"/>
               </a:ext>
             </a:extLst>
           </p:cNvPr>
@@ -6972,7 +6951,7 @@
           <a:p>
             <a:r>
               <a:rPr lang="en-US" dirty="0"/>
-              <a:t>Checkpoints</a:t>
+              <a:t>Logging</a:t>
             </a:r>
           </a:p>
         </p:txBody>
@@ -6982,7 +6961,7 @@
           <p:cNvPr id="3" name="Content Placeholder 2">
             <a:extLst>
               <a:ext uri="{FF2B5EF4-FFF2-40B4-BE49-F238E27FC236}">
-                <a16:creationId xmlns:a16="http://schemas.microsoft.com/office/drawing/2014/main" id="{3E9F943D-AF6B-A272-F9D7-C16162A7BCFC}"/>
+                <a16:creationId xmlns:a16="http://schemas.microsoft.com/office/drawing/2014/main" id="{9BB3E0F0-266F-2D5A-B5F6-21546F3B18E3}"/>
               </a:ext>
             </a:extLst>
           </p:cNvPr>
@@ -6993,95 +6972,19 @@
             <p:ph idx="1"/>
           </p:nvPr>
         </p:nvSpPr>
-        <p:spPr>
-          <a:xfrm>
-            <a:off x="1451579" y="1853754"/>
-            <a:ext cx="9603275" cy="4273996"/>
-          </a:xfrm>
-        </p:spPr>
-        <p:txBody>
-          <a:bodyPr/>
-          <a:lstStyle/>
-          <a:p>
-            <a:r>
-              <a:rPr lang="en-US" dirty="0"/>
-              <a:t>Another thing we can do with long training processes is to set checkpoints. </a:t>
-            </a:r>
-          </a:p>
-          <a:p>
-            <a:r>
-              <a:rPr lang="en-US" dirty="0"/>
-              <a:t>Checkpoints record the weights at specified points. </a:t>
-            </a:r>
-          </a:p>
-          <a:p>
-            <a:pPr lvl="1"/>
-            <a:r>
-              <a:rPr lang="en-US" dirty="0"/>
-              <a:t>Usually as a callback each epoch. </a:t>
-            </a:r>
-          </a:p>
-          <a:p>
-            <a:pPr lvl="1"/>
-            <a:r>
-              <a:rPr lang="en-US" dirty="0"/>
-              <a:t>Write the weights only if the current performance is the best we’ve seen. </a:t>
-            </a:r>
-          </a:p>
-          <a:p>
-            <a:r>
-              <a:rPr lang="en-US" dirty="0"/>
-              <a:t>We can load the saved weights and pickup training there. </a:t>
-            </a:r>
-          </a:p>
-          <a:p>
-            <a:r>
-              <a:rPr lang="en-US" dirty="0"/>
-              <a:t>If the process is interrupted, we don’t loose everything. </a:t>
-            </a:r>
-          </a:p>
-          <a:p>
-            <a:pPr lvl="1"/>
-            <a:r>
-              <a:rPr lang="en-US" dirty="0"/>
-              <a:t>Note – on </a:t>
-            </a:r>
-            <a:r>
-              <a:rPr lang="en-US" dirty="0" err="1"/>
-              <a:t>colab</a:t>
-            </a:r>
-            <a:r>
-              <a:rPr lang="en-US" dirty="0"/>
-              <a:t> the environment is temporary, lasting data would be written elsewhere. </a:t>
-            </a:r>
-          </a:p>
-          <a:p>
-            <a:pPr lvl="1"/>
-            <a:r>
-              <a:rPr lang="en-US" dirty="0"/>
-              <a:t>It will be fine for trying it now, but what you write won’t be permanent for eternity. </a:t>
-            </a:r>
-          </a:p>
-          <a:p>
-            <a:pPr lvl="1"/>
-            <a:r>
-              <a:rPr lang="en-US" dirty="0"/>
-              <a:t>Google drive is an option, accessing it can be slightly annoying, we won’t do this. </a:t>
-            </a:r>
-          </a:p>
-          <a:p>
-            <a:pPr lvl="1"/>
-            <a:r>
-              <a:rPr lang="en-US" dirty="0"/>
-              <a:t>On your machine, they’d be as permanent as anything. </a:t>
-            </a:r>
+        <p:spPr/>
+        <p:txBody>
+          <a:bodyPr/>
+          <a:lstStyle/>
+          <a:p>
+            <a:endParaRPr lang="en-US"/>
           </a:p>
         </p:txBody>
       </p:sp>
     </p:spTree>
     <p:extLst>
       <p:ext uri="{BB962C8B-B14F-4D97-AF65-F5344CB8AC3E}">
-        <p14:creationId xmlns:p14="http://schemas.microsoft.com/office/powerpoint/2010/main" val="1737241105"/>
+        <p14:creationId xmlns:p14="http://schemas.microsoft.com/office/powerpoint/2010/main" val="3279721977"/>
       </p:ext>
     </p:extLst>
   </p:cSld>
@@ -7113,7 +7016,7 @@
           <p:cNvPr id="2" name="Title 1">
             <a:extLst>
               <a:ext uri="{FF2B5EF4-FFF2-40B4-BE49-F238E27FC236}">
-                <a16:creationId xmlns:a16="http://schemas.microsoft.com/office/drawing/2014/main" id="{0F37EF35-D6BE-B159-4D8B-3DB5DD185AC9}"/>
+                <a16:creationId xmlns:a16="http://schemas.microsoft.com/office/drawing/2014/main" id="{CA0E3C8D-19BE-7F5D-2D50-71CE671B5F60}"/>
               </a:ext>
             </a:extLst>
           </p:cNvPr>
@@ -7131,7 +7034,7 @@
           <a:p>
             <a:r>
               <a:rPr lang="en-US" dirty="0"/>
-              <a:t>Writing and Reading Checkpoints</a:t>
+              <a:t>Checkpoints</a:t>
             </a:r>
           </a:p>
         </p:txBody>
@@ -7141,7 +7044,7 @@
           <p:cNvPr id="3" name="Content Placeholder 2">
             <a:extLst>
               <a:ext uri="{FF2B5EF4-FFF2-40B4-BE49-F238E27FC236}">
-                <a16:creationId xmlns:a16="http://schemas.microsoft.com/office/drawing/2014/main" id="{71176F5B-5AD1-6756-3A79-B9A4D32C1AD2}"/>
+                <a16:creationId xmlns:a16="http://schemas.microsoft.com/office/drawing/2014/main" id="{3E9F943D-AF6B-A272-F9D7-C16162A7BCFC}"/>
               </a:ext>
             </a:extLst>
           </p:cNvPr>
@@ -7155,7 +7058,7 @@
         <p:spPr>
           <a:xfrm>
             <a:off x="1451579" y="1853754"/>
-            <a:ext cx="9603275" cy="4199727"/>
+            <a:ext cx="9603275" cy="4273996"/>
           </a:xfrm>
         </p:spPr>
         <p:txBody>
@@ -7164,60 +7067,75 @@
           <a:p>
             <a:r>
               <a:rPr lang="en-US" dirty="0"/>
-              <a:t>We looked at saving models previously. </a:t>
-            </a:r>
-          </a:p>
-          <a:p>
-            <a:pPr lvl="1"/>
-            <a:r>
-              <a:rPr lang="en-US" dirty="0"/>
-              <a:t>Saving weights can be far (orders of magnitude) smaller than saving a model. </a:t>
-            </a:r>
-          </a:p>
-          <a:p>
-            <a:r>
-              <a:rPr lang="en-US" dirty="0"/>
-              <a:t>To restore a model from weights we have to:</a:t>
-            </a:r>
-          </a:p>
-          <a:p>
-            <a:pPr lvl="1"/>
-            <a:r>
-              <a:rPr lang="en-US" dirty="0"/>
-              <a:t>Create a model with the same structure – layers and # of neurons. </a:t>
-            </a:r>
-          </a:p>
-          <a:p>
-            <a:pPr lvl="1"/>
-            <a:r>
-              <a:rPr lang="en-US" dirty="0"/>
-              <a:t>Load the weights into that model. </a:t>
-            </a:r>
-          </a:p>
-          <a:p>
-            <a:r>
-              <a:rPr lang="en-US" dirty="0"/>
-              <a:t>Things like the optimizer settings are not kept. </a:t>
-            </a:r>
-          </a:p>
-          <a:p>
-            <a:r>
-              <a:rPr lang="en-US" dirty="0"/>
-              <a:t>We can use this to predict, or we can train more starting with current weights. </a:t>
-            </a:r>
-          </a:p>
-          <a:p>
-            <a:pPr lvl="1"/>
-            <a:r>
-              <a:rPr lang="en-US" dirty="0"/>
-              <a:t>The new training process already has better-than-starting weights. </a:t>
-            </a:r>
-          </a:p>
-          <a:p>
-            <a:pPr lvl="1"/>
-            <a:r>
-              <a:rPr lang="en-US" dirty="0"/>
-              <a:t>We should progress from roughly the last epoch (with some variation). </a:t>
+              <a:t>Another thing we can do with long training processes is to set checkpoints. </a:t>
+            </a:r>
+          </a:p>
+          <a:p>
+            <a:r>
+              <a:rPr lang="en-US" dirty="0"/>
+              <a:t>Checkpoints record the weights at specified points. </a:t>
+            </a:r>
+          </a:p>
+          <a:p>
+            <a:pPr lvl="1"/>
+            <a:r>
+              <a:rPr lang="en-US" dirty="0"/>
+              <a:t>Usually as a callback each epoch. </a:t>
+            </a:r>
+          </a:p>
+          <a:p>
+            <a:pPr lvl="1"/>
+            <a:r>
+              <a:rPr lang="en-US" dirty="0"/>
+              <a:t>Write the weights only if the current performance is the best we’ve seen. </a:t>
+            </a:r>
+          </a:p>
+          <a:p>
+            <a:r>
+              <a:rPr lang="en-US" dirty="0"/>
+              <a:t>We can load the saved weights and pickup training there. </a:t>
+            </a:r>
+          </a:p>
+          <a:p>
+            <a:r>
+              <a:rPr lang="en-US" dirty="0"/>
+              <a:t>If the process is interrupted, we don’t loose everything. </a:t>
+            </a:r>
+          </a:p>
+          <a:p>
+            <a:pPr lvl="1"/>
+            <a:r>
+              <a:rPr lang="en-US" dirty="0"/>
+              <a:t>Note – on </a:t>
+            </a:r>
+            <a:r>
+              <a:rPr lang="en-US" dirty="0" err="1"/>
+              <a:t>colab</a:t>
+            </a:r>
+            <a:r>
+              <a:rPr lang="en-US" dirty="0"/>
+              <a:t> the environment is temporary, lasting data would be written elsewhere. </a:t>
+            </a:r>
+          </a:p>
+          <a:p>
+            <a:pPr lvl="1"/>
+            <a:r>
+              <a:rPr lang="en-US" dirty="0"/>
+              <a:t>It will be fine for trying it now, but what you write won’t be permanent for eternity. </a:t>
+            </a:r>
+          </a:p>
+          <a:p>
+            <a:pPr lvl="1"/>
+            <a:r>
+              <a:rPr lang="en-US" dirty="0"/>
+              <a:t>Google drive is an option, accessing it can be slightly annoying, we won’t do this. </a:t>
+            </a:r>
+          </a:p>
+          <a:p>
+            <a:pPr lvl="1"/>
+            <a:r>
+              <a:rPr lang="en-US" dirty="0"/>
+              <a:t>On your machine, they’d be as permanent as anything. </a:t>
             </a:r>
           </a:p>
         </p:txBody>
@@ -7225,7 +7143,7 @@
     </p:spTree>
     <p:extLst>
       <p:ext uri="{BB962C8B-B14F-4D97-AF65-F5344CB8AC3E}">
-        <p14:creationId xmlns:p14="http://schemas.microsoft.com/office/powerpoint/2010/main" val="3887581585"/>
+        <p14:creationId xmlns:p14="http://schemas.microsoft.com/office/powerpoint/2010/main" val="1737241105"/>
       </p:ext>
     </p:extLst>
   </p:cSld>
@@ -7257,7 +7175,7 @@
           <p:cNvPr id="2" name="Title 1">
             <a:extLst>
               <a:ext uri="{FF2B5EF4-FFF2-40B4-BE49-F238E27FC236}">
-                <a16:creationId xmlns:a16="http://schemas.microsoft.com/office/drawing/2014/main" id="{627AC176-9029-7408-497A-74608852E951}"/>
+                <a16:creationId xmlns:a16="http://schemas.microsoft.com/office/drawing/2014/main" id="{0D72859E-874D-6F34-59D0-D24DBF4624FA}"/>
               </a:ext>
             </a:extLst>
           </p:cNvPr>
@@ -7273,10 +7191,7 @@
           <a:bodyPr/>
           <a:lstStyle/>
           <a:p>
-            <a:r>
-              <a:rPr lang="en-US" dirty="0"/>
-              <a:t>From Logits…</a:t>
-            </a:r>
+            <a:endParaRPr lang="en-US" dirty="0"/>
           </a:p>
         </p:txBody>
       </p:sp>
@@ -7285,7 +7200,7 @@
           <p:cNvPr id="3" name="Content Placeholder 2">
             <a:extLst>
               <a:ext uri="{FF2B5EF4-FFF2-40B4-BE49-F238E27FC236}">
-                <a16:creationId xmlns:a16="http://schemas.microsoft.com/office/drawing/2014/main" id="{AAE5221C-CA81-96FF-E05B-71AB784C1C86}"/>
+                <a16:creationId xmlns:a16="http://schemas.microsoft.com/office/drawing/2014/main" id="{790C219E-D589-7586-268F-E94312E6F015}"/>
               </a:ext>
             </a:extLst>
           </p:cNvPr>
@@ -7298,8 +7213,8 @@
         </p:nvSpPr>
         <p:spPr>
           <a:xfrm>
-            <a:off x="1451579" y="3334600"/>
-            <a:ext cx="9603275" cy="2718881"/>
+            <a:off x="8355299" y="2015732"/>
+            <a:ext cx="2699555" cy="3450613"/>
           </a:xfrm>
         </p:spPr>
         <p:txBody>
@@ -7308,55 +7223,8 @@
           <a:p>
             <a:r>
               <a:rPr lang="en-US" dirty="0"/>
-              <a:t>I saw a more succinct way to describe the logits thing:</a:t>
-            </a:r>
-          </a:p>
-          <a:p>
-            <a:pPr lvl="1"/>
-            <a:r>
-              <a:rPr lang="en-US" dirty="0"/>
-              <a:t>This doesn’t matter all that much theoretically. </a:t>
-            </a:r>
-          </a:p>
-          <a:p>
-            <a:pPr lvl="1"/>
-            <a:r>
-              <a:rPr lang="en-US" dirty="0"/>
-              <a:t>If </a:t>
-            </a:r>
-            <a:r>
-              <a:rPr lang="en-US" dirty="0" err="1"/>
-              <a:t>softmax</a:t>
-            </a:r>
-            <a:r>
-              <a:rPr lang="en-US" dirty="0"/>
-              <a:t> is there, it’ll normalize the probabilities out of 1. </a:t>
-            </a:r>
-          </a:p>
-          <a:p>
-            <a:pPr lvl="1"/>
-            <a:r>
-              <a:rPr lang="en-US" dirty="0"/>
-              <a:t>If </a:t>
-            </a:r>
-            <a:r>
-              <a:rPr lang="en-US" dirty="0" err="1"/>
-              <a:t>softmax</a:t>
-            </a:r>
-            <a:r>
-              <a:rPr lang="en-US" dirty="0"/>
-              <a:t> isn’t there, the logits are non-normalized. </a:t>
-            </a:r>
-          </a:p>
-          <a:p>
-            <a:r>
-              <a:rPr lang="en-US" dirty="0"/>
-              <a:t>The loss calculation is different – that’s the parameter’s effect. </a:t>
-            </a:r>
-          </a:p>
-          <a:p>
-            <a:pPr lvl="1"/>
-            <a:endParaRPr lang="en-US" dirty="0"/>
+              <a:t>New workbook just dropped. </a:t>
+            </a:r>
           </a:p>
         </p:txBody>
       </p:sp>
@@ -7365,7 +7233,7 @@
           <p:cNvPr id="4" name="Picture 3">
             <a:extLst>
               <a:ext uri="{FF2B5EF4-FFF2-40B4-BE49-F238E27FC236}">
-                <a16:creationId xmlns:a16="http://schemas.microsoft.com/office/drawing/2014/main" id="{922D5DC1-ACC7-7ACB-4936-037B000FD541}"/>
+                <a16:creationId xmlns:a16="http://schemas.microsoft.com/office/drawing/2014/main" id="{D623210B-5F35-6BB9-D8D9-14F1E37DD68A}"/>
               </a:ext>
             </a:extLst>
           </p:cNvPr>
@@ -7382,8 +7250,8 @@
         </p:blipFill>
         <p:spPr>
           <a:xfrm>
-            <a:off x="2367016" y="1853754"/>
-            <a:ext cx="7772400" cy="1480846"/>
+            <a:off x="1451579" y="0"/>
+            <a:ext cx="6903720" cy="6858000"/>
           </a:xfrm>
           <a:prstGeom prst="rect">
             <a:avLst/>
@@ -7393,7 +7261,7 @@
     </p:spTree>
     <p:extLst>
       <p:ext uri="{BB962C8B-B14F-4D97-AF65-F5344CB8AC3E}">
-        <p14:creationId xmlns:p14="http://schemas.microsoft.com/office/powerpoint/2010/main" val="2208751667"/>
+        <p14:creationId xmlns:p14="http://schemas.microsoft.com/office/powerpoint/2010/main" val="870241652"/>
       </p:ext>
     </p:extLst>
   </p:cSld>
@@ -7425,7 +7293,7 @@
           <p:cNvPr id="2" name="Title 1">
             <a:extLst>
               <a:ext uri="{FF2B5EF4-FFF2-40B4-BE49-F238E27FC236}">
-                <a16:creationId xmlns:a16="http://schemas.microsoft.com/office/drawing/2014/main" id="{B795C8FA-7778-C02D-32F2-8A3F109CA26F}"/>
+                <a16:creationId xmlns:a16="http://schemas.microsoft.com/office/drawing/2014/main" id="{0F37EF35-D6BE-B159-4D8B-3DB5DD185AC9}"/>
               </a:ext>
             </a:extLst>
           </p:cNvPr>
@@ -7443,7 +7311,7 @@
           <a:p>
             <a:r>
               <a:rPr lang="en-US" dirty="0"/>
-              <a:t>Callback Mechanics</a:t>
+              <a:t>Writing and Reading Checkpoints</a:t>
             </a:r>
           </a:p>
         </p:txBody>
@@ -7453,7 +7321,7 @@
           <p:cNvPr id="3" name="Content Placeholder 2">
             <a:extLst>
               <a:ext uri="{FF2B5EF4-FFF2-40B4-BE49-F238E27FC236}">
-                <a16:creationId xmlns:a16="http://schemas.microsoft.com/office/drawing/2014/main" id="{DAA31408-AE0C-7907-5AEF-495B9D402167}"/>
+                <a16:creationId xmlns:a16="http://schemas.microsoft.com/office/drawing/2014/main" id="{71176F5B-5AD1-6756-3A79-B9A4D32C1AD2}"/>
               </a:ext>
             </a:extLst>
           </p:cNvPr>
@@ -7464,32 +7332,72 @@
             <p:ph idx="1"/>
           </p:nvPr>
         </p:nvSpPr>
-        <p:spPr/>
-        <p:txBody>
-          <a:bodyPr/>
-          <a:lstStyle/>
-          <a:p>
-            <a:r>
-              <a:rPr lang="en-US" dirty="0"/>
-              <a:t>Most common things are doable with premade callbacks. </a:t>
-            </a:r>
-          </a:p>
-          <a:p>
-            <a:r>
-              <a:rPr lang="en-US" dirty="0"/>
-              <a:t>We can also create our own. </a:t>
-            </a:r>
-          </a:p>
-          <a:p>
-            <a:r>
-              <a:rPr lang="en-US" dirty="0"/>
-              <a:t>Generally triggered on some action like ‘on epoch end’. </a:t>
-            </a:r>
-          </a:p>
-          <a:p>
-            <a:r>
-              <a:rPr lang="en-US" dirty="0"/>
-              <a:t>We can put whatever we want or need in here. </a:t>
+        <p:spPr>
+          <a:xfrm>
+            <a:off x="1451579" y="1853754"/>
+            <a:ext cx="9603275" cy="4199727"/>
+          </a:xfrm>
+        </p:spPr>
+        <p:txBody>
+          <a:bodyPr/>
+          <a:lstStyle/>
+          <a:p>
+            <a:r>
+              <a:rPr lang="en-US" dirty="0"/>
+              <a:t>We looked at saving models previously. </a:t>
+            </a:r>
+          </a:p>
+          <a:p>
+            <a:pPr lvl="1"/>
+            <a:r>
+              <a:rPr lang="en-US" dirty="0"/>
+              <a:t>Saving weights can be far (orders of magnitude) smaller than saving a model. </a:t>
+            </a:r>
+          </a:p>
+          <a:p>
+            <a:r>
+              <a:rPr lang="en-US" dirty="0"/>
+              <a:t>To restore a model from weights we have to:</a:t>
+            </a:r>
+          </a:p>
+          <a:p>
+            <a:pPr lvl="1"/>
+            <a:r>
+              <a:rPr lang="en-US" dirty="0"/>
+              <a:t>Create a model with the same structure – layers and # of neurons. </a:t>
+            </a:r>
+          </a:p>
+          <a:p>
+            <a:pPr lvl="1"/>
+            <a:r>
+              <a:rPr lang="en-US" dirty="0"/>
+              <a:t>Load the weights into that model. </a:t>
+            </a:r>
+          </a:p>
+          <a:p>
+            <a:r>
+              <a:rPr lang="en-US" dirty="0"/>
+              <a:t>Things like the optimizer settings are not kept. </a:t>
+            </a:r>
+          </a:p>
+          <a:p>
+            <a:r>
+              <a:rPr lang="en-US" dirty="0"/>
+              <a:t>We can use this to predict, or we can train more starting with current weights. </a:t>
+            </a:r>
+          </a:p>
+          <a:p>
+            <a:pPr lvl="1"/>
+            <a:r>
+              <a:rPr lang="en-US" dirty="0"/>
+              <a:t>The new training process already has better-than-starting weights. </a:t>
+            </a:r>
+          </a:p>
+          <a:p>
+            <a:pPr lvl="1"/>
+            <a:r>
+              <a:rPr lang="en-US" dirty="0"/>
+              <a:t>We should progress from roughly the last epoch (with some variation). </a:t>
             </a:r>
           </a:p>
         </p:txBody>
@@ -7497,7 +7405,7 @@
     </p:spTree>
     <p:extLst>
       <p:ext uri="{BB962C8B-B14F-4D97-AF65-F5344CB8AC3E}">
-        <p14:creationId xmlns:p14="http://schemas.microsoft.com/office/powerpoint/2010/main" val="67227400"/>
+        <p14:creationId xmlns:p14="http://schemas.microsoft.com/office/powerpoint/2010/main" val="3887581585"/>
       </p:ext>
     </p:extLst>
   </p:cSld>
@@ -7529,6 +7437,110 @@
           <p:cNvPr id="2" name="Title 1">
             <a:extLst>
               <a:ext uri="{FF2B5EF4-FFF2-40B4-BE49-F238E27FC236}">
+                <a16:creationId xmlns:a16="http://schemas.microsoft.com/office/drawing/2014/main" id="{B795C8FA-7778-C02D-32F2-8A3F109CA26F}"/>
+              </a:ext>
+            </a:extLst>
+          </p:cNvPr>
+          <p:cNvSpPr>
+            <a:spLocks noGrp="1"/>
+          </p:cNvSpPr>
+          <p:nvPr>
+            <p:ph type="title"/>
+          </p:nvPr>
+        </p:nvSpPr>
+        <p:spPr/>
+        <p:txBody>
+          <a:bodyPr/>
+          <a:lstStyle/>
+          <a:p>
+            <a:r>
+              <a:rPr lang="en-US" dirty="0"/>
+              <a:t>Callback Mechanics</a:t>
+            </a:r>
+          </a:p>
+        </p:txBody>
+      </p:sp>
+      <p:sp>
+        <p:nvSpPr>
+          <p:cNvPr id="3" name="Content Placeholder 2">
+            <a:extLst>
+              <a:ext uri="{FF2B5EF4-FFF2-40B4-BE49-F238E27FC236}">
+                <a16:creationId xmlns:a16="http://schemas.microsoft.com/office/drawing/2014/main" id="{DAA31408-AE0C-7907-5AEF-495B9D402167}"/>
+              </a:ext>
+            </a:extLst>
+          </p:cNvPr>
+          <p:cNvSpPr>
+            <a:spLocks noGrp="1"/>
+          </p:cNvSpPr>
+          <p:nvPr>
+            <p:ph idx="1"/>
+          </p:nvPr>
+        </p:nvSpPr>
+        <p:spPr/>
+        <p:txBody>
+          <a:bodyPr/>
+          <a:lstStyle/>
+          <a:p>
+            <a:r>
+              <a:rPr lang="en-US" dirty="0"/>
+              <a:t>Most common things are doable with premade callbacks. </a:t>
+            </a:r>
+          </a:p>
+          <a:p>
+            <a:r>
+              <a:rPr lang="en-US" dirty="0"/>
+              <a:t>We can also create our own. </a:t>
+            </a:r>
+          </a:p>
+          <a:p>
+            <a:r>
+              <a:rPr lang="en-US" dirty="0"/>
+              <a:t>Generally triggered on some action like ‘on epoch end’. </a:t>
+            </a:r>
+          </a:p>
+          <a:p>
+            <a:r>
+              <a:rPr lang="en-US" dirty="0"/>
+              <a:t>We can put whatever we want or need in here. </a:t>
+            </a:r>
+          </a:p>
+        </p:txBody>
+      </p:sp>
+    </p:spTree>
+    <p:extLst>
+      <p:ext uri="{BB962C8B-B14F-4D97-AF65-F5344CB8AC3E}">
+        <p14:creationId xmlns:p14="http://schemas.microsoft.com/office/powerpoint/2010/main" val="67227400"/>
+      </p:ext>
+    </p:extLst>
+  </p:cSld>
+  <p:clrMapOvr>
+    <a:masterClrMapping/>
+  </p:clrMapOvr>
+</p:sld>
+</file>
+
+<file path=ppt/slides/slide32.xml><?xml version="1.0" encoding="utf-8"?>
+<p:sld xmlns:a="http://schemas.openxmlformats.org/drawingml/2006/main" xmlns:r="http://schemas.openxmlformats.org/officeDocument/2006/relationships" xmlns:p="http://schemas.openxmlformats.org/presentationml/2006/main">
+  <p:cSld>
+    <p:spTree>
+      <p:nvGrpSpPr>
+        <p:cNvPr id="1" name=""/>
+        <p:cNvGrpSpPr/>
+        <p:nvPr/>
+      </p:nvGrpSpPr>
+      <p:grpSpPr>
+        <a:xfrm>
+          <a:off x="0" y="0"/>
+          <a:ext cx="0" cy="0"/>
+          <a:chOff x="0" y="0"/>
+          <a:chExt cx="0" cy="0"/>
+        </a:xfrm>
+      </p:grpSpPr>
+      <p:sp>
+        <p:nvSpPr>
+          <p:cNvPr id="2" name="Title 1">
+            <a:extLst>
+              <a:ext uri="{FF2B5EF4-FFF2-40B4-BE49-F238E27FC236}">
                 <a16:creationId xmlns:a16="http://schemas.microsoft.com/office/drawing/2014/main" id="{C32FCA61-57D1-5107-0BEB-E890429DC97F}"/>
               </a:ext>
             </a:extLst>
@@ -7590,7 +7602,7 @@
 </p:sld>
 </file>
 
-<file path=ppt/slides/slide32.xml><?xml version="1.0" encoding="utf-8"?>
+<file path=ppt/slides/slide33.xml><?xml version="1.0" encoding="utf-8"?>
 <p:sld xmlns:a="http://schemas.openxmlformats.org/drawingml/2006/main" xmlns:r="http://schemas.openxmlformats.org/officeDocument/2006/relationships" xmlns:p="http://schemas.openxmlformats.org/presentationml/2006/main">
   <p:cSld>
     <p:spTree>
@@ -7761,7 +7773,7 @@
 </p:sld>
 </file>
 
-<file path=ppt/slides/slide33.xml><?xml version="1.0" encoding="utf-8"?>
+<file path=ppt/slides/slide34.xml><?xml version="1.0" encoding="utf-8"?>
 <p:sld xmlns:a="http://schemas.openxmlformats.org/drawingml/2006/main" xmlns:r="http://schemas.openxmlformats.org/officeDocument/2006/relationships" xmlns:p="http://schemas.openxmlformats.org/presentationml/2006/main">
   <p:cSld>
     <p:spTree>
@@ -7965,7 +7977,7 @@
 </p:sld>
 </file>
 
-<file path=ppt/slides/slide34.xml><?xml version="1.0" encoding="utf-8"?>
+<file path=ppt/slides/slide35.xml><?xml version="1.0" encoding="utf-8"?>
 <p:sld xmlns:a="http://schemas.openxmlformats.org/drawingml/2006/main" xmlns:r="http://schemas.openxmlformats.org/officeDocument/2006/relationships" xmlns:p="http://schemas.openxmlformats.org/presentationml/2006/main">
   <p:cSld>
     <p:spTree>
@@ -8090,7 +8102,7 @@
 </p:sld>
 </file>
 
-<file path=ppt/slides/slide35.xml><?xml version="1.0" encoding="utf-8"?>
+<file path=ppt/slides/slide36.xml><?xml version="1.0" encoding="utf-8"?>
 <p:sld xmlns:a="http://schemas.openxmlformats.org/drawingml/2006/main" xmlns:r="http://schemas.openxmlformats.org/officeDocument/2006/relationships" xmlns:p="http://schemas.openxmlformats.org/presentationml/2006/main">
   <p:cSld>
     <p:spTree>
@@ -8231,7 +8243,7 @@
 </p:sld>
 </file>
 
-<file path=ppt/slides/slide36.xml><?xml version="1.0" encoding="utf-8"?>
+<file path=ppt/slides/slide37.xml><?xml version="1.0" encoding="utf-8"?>
 <p:sld xmlns:a="http://schemas.openxmlformats.org/drawingml/2006/main" xmlns:r="http://schemas.openxmlformats.org/officeDocument/2006/relationships" xmlns:p="http://schemas.openxmlformats.org/presentationml/2006/main">
   <p:cSld>
     <p:spTree>
@@ -8359,143 +8371,6 @@
 </p:sld>
 </file>
 
-<file path=ppt/slides/slide37.xml><?xml version="1.0" encoding="utf-8"?>
-<p:sld xmlns:a="http://schemas.openxmlformats.org/drawingml/2006/main" xmlns:r="http://schemas.openxmlformats.org/officeDocument/2006/relationships" xmlns:p="http://schemas.openxmlformats.org/presentationml/2006/main">
-  <p:cSld>
-    <p:spTree>
-      <p:nvGrpSpPr>
-        <p:cNvPr id="1" name=""/>
-        <p:cNvGrpSpPr/>
-        <p:nvPr/>
-      </p:nvGrpSpPr>
-      <p:grpSpPr>
-        <a:xfrm>
-          <a:off x="0" y="0"/>
-          <a:ext cx="0" cy="0"/>
-          <a:chOff x="0" y="0"/>
-          <a:chExt cx="0" cy="0"/>
-        </a:xfrm>
-      </p:grpSpPr>
-      <p:sp>
-        <p:nvSpPr>
-          <p:cNvPr id="2" name="Title 1">
-            <a:extLst>
-              <a:ext uri="{FF2B5EF4-FFF2-40B4-BE49-F238E27FC236}">
-                <a16:creationId xmlns:a16="http://schemas.microsoft.com/office/drawing/2014/main" id="{544FCF85-16AD-A055-694B-371DFCE0AE11}"/>
-              </a:ext>
-            </a:extLst>
-          </p:cNvPr>
-          <p:cNvSpPr>
-            <a:spLocks noGrp="1"/>
-          </p:cNvSpPr>
-          <p:nvPr>
-            <p:ph type="title"/>
-          </p:nvPr>
-        </p:nvSpPr>
-        <p:spPr/>
-        <p:txBody>
-          <a:bodyPr/>
-          <a:lstStyle/>
-          <a:p>
-            <a:r>
-              <a:rPr lang="en-US" dirty="0"/>
-              <a:t>Changing a Model</a:t>
-            </a:r>
-          </a:p>
-        </p:txBody>
-      </p:sp>
-      <p:sp>
-        <p:nvSpPr>
-          <p:cNvPr id="3" name="Content Placeholder 2">
-            <a:extLst>
-              <a:ext uri="{FF2B5EF4-FFF2-40B4-BE49-F238E27FC236}">
-                <a16:creationId xmlns:a16="http://schemas.microsoft.com/office/drawing/2014/main" id="{8B286E80-5DC4-A4CF-DBBE-9485A6DB3C87}"/>
-              </a:ext>
-            </a:extLst>
-          </p:cNvPr>
-          <p:cNvSpPr>
-            <a:spLocks noGrp="1"/>
-          </p:cNvSpPr>
-          <p:nvPr>
-            <p:ph idx="1"/>
-          </p:nvPr>
-        </p:nvSpPr>
-        <p:spPr>
-          <a:xfrm>
-            <a:off x="1451579" y="2015732"/>
-            <a:ext cx="9603275" cy="4037749"/>
-          </a:xfrm>
-        </p:spPr>
-        <p:txBody>
-          <a:bodyPr/>
-          <a:lstStyle/>
-          <a:p>
-            <a:r>
-              <a:rPr lang="en-US" dirty="0"/>
-              <a:t>We’ll look at this more later, but we can change/repurpose a model. </a:t>
-            </a:r>
-          </a:p>
-          <a:p>
-            <a:r>
-              <a:rPr lang="en-US" dirty="0"/>
-              <a:t>The CNN parts do feature extraction. </a:t>
-            </a:r>
-          </a:p>
-          <a:p>
-            <a:pPr lvl="1"/>
-            <a:r>
-              <a:rPr lang="en-US" dirty="0"/>
-              <a:t>I.e. the output of the CNN layers is a set of features that ‘describes’ the image. </a:t>
-            </a:r>
-          </a:p>
-          <a:p>
-            <a:r>
-              <a:rPr lang="en-US" dirty="0"/>
-              <a:t>The dense part does the classification. </a:t>
-            </a:r>
-          </a:p>
-          <a:p>
-            <a:pPr lvl="1"/>
-            <a:r>
-              <a:rPr lang="en-US" dirty="0"/>
-              <a:t>I.e. the dense layers take in those features and make a prediction. </a:t>
-            </a:r>
-          </a:p>
-          <a:p>
-            <a:r>
-              <a:rPr lang="en-US" dirty="0"/>
-              <a:t>What if we…. Kept the smart, trained, vision stuff, and fed it into our own classifier?</a:t>
-            </a:r>
-          </a:p>
-          <a:p>
-            <a:pPr lvl="1"/>
-            <a:r>
-              <a:rPr lang="en-US" dirty="0"/>
-              <a:t>This is called transfer learning, and it is common, especially now with large models. </a:t>
-            </a:r>
-          </a:p>
-          <a:p>
-            <a:pPr lvl="1"/>
-            <a:r>
-              <a:rPr lang="en-US" dirty="0"/>
-              <a:t>We can use the CNN part trained on massive data, and use what it “sees” in our model. </a:t>
-            </a:r>
-          </a:p>
-        </p:txBody>
-      </p:sp>
-    </p:spTree>
-    <p:extLst>
-      <p:ext uri="{BB962C8B-B14F-4D97-AF65-F5344CB8AC3E}">
-        <p14:creationId xmlns:p14="http://schemas.microsoft.com/office/powerpoint/2010/main" val="552277840"/>
-      </p:ext>
-    </p:extLst>
-  </p:cSld>
-  <p:clrMapOvr>
-    <a:masterClrMapping/>
-  </p:clrMapOvr>
-</p:sld>
-</file>
-
 <file path=ppt/slides/slide38.xml><?xml version="1.0" encoding="utf-8"?>
 <p:sld xmlns:a="http://schemas.openxmlformats.org/drawingml/2006/main" xmlns:r="http://schemas.openxmlformats.org/officeDocument/2006/relationships" xmlns:p="http://schemas.openxmlformats.org/presentationml/2006/main">
   <p:cSld>
@@ -8518,7 +8393,7 @@
           <p:cNvPr id="2" name="Title 1">
             <a:extLst>
               <a:ext uri="{FF2B5EF4-FFF2-40B4-BE49-F238E27FC236}">
-                <a16:creationId xmlns:a16="http://schemas.microsoft.com/office/drawing/2014/main" id="{E680E24F-5F9C-4DD5-EB08-9BD9BE86AC34}"/>
+                <a16:creationId xmlns:a16="http://schemas.microsoft.com/office/drawing/2014/main" id="{544FCF85-16AD-A055-694B-371DFCE0AE11}"/>
               </a:ext>
             </a:extLst>
           </p:cNvPr>
@@ -8536,7 +8411,7 @@
           <a:p>
             <a:r>
               <a:rPr lang="en-US" dirty="0"/>
-              <a:t>Intro to Transfers</a:t>
+              <a:t>Changing a Model</a:t>
             </a:r>
           </a:p>
         </p:txBody>
@@ -8546,7 +8421,7 @@
           <p:cNvPr id="3" name="Content Placeholder 2">
             <a:extLst>
               <a:ext uri="{FF2B5EF4-FFF2-40B4-BE49-F238E27FC236}">
-                <a16:creationId xmlns:a16="http://schemas.microsoft.com/office/drawing/2014/main" id="{717A2FB0-021D-5E0E-2D4D-AA3A9A80B023}"/>
+                <a16:creationId xmlns:a16="http://schemas.microsoft.com/office/drawing/2014/main" id="{8B286E80-5DC4-A4CF-DBBE-9485A6DB3C87}"/>
               </a:ext>
             </a:extLst>
           </p:cNvPr>
@@ -8559,8 +8434,8 @@
         </p:nvSpPr>
         <p:spPr>
           <a:xfrm>
-            <a:off x="1451579" y="1853754"/>
-            <a:ext cx="9603275" cy="4199727"/>
+            <a:off x="1451579" y="2015732"/>
+            <a:ext cx="9603275" cy="4037749"/>
           </a:xfrm>
         </p:spPr>
         <p:txBody>
@@ -8569,60 +8444,53 @@
           <a:p>
             <a:r>
               <a:rPr lang="en-US" dirty="0"/>
-              <a:t>Neural networks have some pronounced strengths and weaknesses. </a:t>
-            </a:r>
-          </a:p>
-          <a:p>
-            <a:pPr lvl="1"/>
-            <a:r>
-              <a:rPr lang="en-US" dirty="0"/>
-              <a:t>Long time to train, big data needs, slow trial time…</a:t>
-            </a:r>
-          </a:p>
-          <a:p>
-            <a:pPr lvl="1"/>
-            <a:r>
-              <a:rPr lang="en-US" dirty="0"/>
-              <a:t>Very accurate, good with unstructured data, adaptable…</a:t>
-            </a:r>
-          </a:p>
-          <a:p>
-            <a:r>
-              <a:rPr lang="en-US" dirty="0"/>
-              <a:t>Many neural network applications (image recognition, NLP stuff) have similar parts.</a:t>
-            </a:r>
-          </a:p>
-          <a:p>
-            <a:pPr lvl="1"/>
-            <a:r>
-              <a:rPr lang="en-US" dirty="0"/>
-              <a:t>Seeing edges in an image is the same no matter what that image is. </a:t>
-            </a:r>
-          </a:p>
-          <a:p>
-            <a:r>
-              <a:rPr lang="en-US" dirty="0"/>
-              <a:t>We can split the model to use the convolutional part and add our own end:</a:t>
-            </a:r>
-          </a:p>
-          <a:p>
-            <a:pPr lvl="1"/>
-            <a:r>
-              <a:rPr lang="en-US" dirty="0"/>
-              <a:t>The convolutional layers are trained on massive data, they extract image features from images. </a:t>
-            </a:r>
-          </a:p>
-          <a:p>
-            <a:pPr lvl="1"/>
-            <a:r>
-              <a:rPr lang="en-US" dirty="0"/>
-              <a:t>The classifier makes classifications from those features, we add our own. </a:t>
-            </a:r>
-          </a:p>
-          <a:p>
-            <a:r>
-              <a:rPr lang="en-US" dirty="0"/>
-              <a:t>Transfer learning allows us to repurpose the power of pretrained models. </a:t>
+              <a:t>We’ll look at this more later, but we can change/repurpose a model. </a:t>
+            </a:r>
+          </a:p>
+          <a:p>
+            <a:r>
+              <a:rPr lang="en-US" dirty="0"/>
+              <a:t>The CNN parts do feature extraction. </a:t>
+            </a:r>
+          </a:p>
+          <a:p>
+            <a:pPr lvl="1"/>
+            <a:r>
+              <a:rPr lang="en-US" dirty="0"/>
+              <a:t>I.e. the output of the CNN layers is a set of features that ‘describes’ the image. </a:t>
+            </a:r>
+          </a:p>
+          <a:p>
+            <a:r>
+              <a:rPr lang="en-US" dirty="0"/>
+              <a:t>The dense part does the classification. </a:t>
+            </a:r>
+          </a:p>
+          <a:p>
+            <a:pPr lvl="1"/>
+            <a:r>
+              <a:rPr lang="en-US" dirty="0"/>
+              <a:t>I.e. the dense layers take in those features and make a prediction. </a:t>
+            </a:r>
+          </a:p>
+          <a:p>
+            <a:r>
+              <a:rPr lang="en-US" dirty="0"/>
+              <a:t>What if we…. Kept the smart, trained, vision stuff, and fed it into our own classifier?</a:t>
+            </a:r>
+          </a:p>
+          <a:p>
+            <a:pPr lvl="1"/>
+            <a:r>
+              <a:rPr lang="en-US" dirty="0"/>
+              <a:t>This is called transfer learning, and it is common, especially now with large models. </a:t>
+            </a:r>
+          </a:p>
+          <a:p>
+            <a:pPr lvl="1"/>
+            <a:r>
+              <a:rPr lang="en-US" dirty="0"/>
+              <a:t>We can use the CNN part trained on massive data, and use what it “sees” in our model. </a:t>
             </a:r>
           </a:p>
         </p:txBody>
@@ -8630,7 +8498,7 @@
     </p:spTree>
     <p:extLst>
       <p:ext uri="{BB962C8B-B14F-4D97-AF65-F5344CB8AC3E}">
-        <p14:creationId xmlns:p14="http://schemas.microsoft.com/office/powerpoint/2010/main" val="2694875942"/>
+        <p14:creationId xmlns:p14="http://schemas.microsoft.com/office/powerpoint/2010/main" val="552277840"/>
       </p:ext>
     </p:extLst>
   </p:cSld>
@@ -8662,7 +8530,7 @@
           <p:cNvPr id="2" name="Title 1">
             <a:extLst>
               <a:ext uri="{FF2B5EF4-FFF2-40B4-BE49-F238E27FC236}">
-                <a16:creationId xmlns:a16="http://schemas.microsoft.com/office/drawing/2014/main" id="{0D35F710-A97B-B996-CEED-9E222F1D61E6}"/>
+                <a16:creationId xmlns:a16="http://schemas.microsoft.com/office/drawing/2014/main" id="{E680E24F-5F9C-4DD5-EB08-9BD9BE86AC34}"/>
               </a:ext>
             </a:extLst>
           </p:cNvPr>
@@ -8680,7 +8548,7 @@
           <a:p>
             <a:r>
               <a:rPr lang="en-US" dirty="0"/>
-              <a:t>Loading External Models</a:t>
+              <a:t>Intro to Transfers</a:t>
             </a:r>
           </a:p>
         </p:txBody>
@@ -8690,7 +8558,7 @@
           <p:cNvPr id="3" name="Content Placeholder 2">
             <a:extLst>
               <a:ext uri="{FF2B5EF4-FFF2-40B4-BE49-F238E27FC236}">
-                <a16:creationId xmlns:a16="http://schemas.microsoft.com/office/drawing/2014/main" id="{6A0A19C3-544C-34E9-2777-9C4B4B9ED547}"/>
+                <a16:creationId xmlns:a16="http://schemas.microsoft.com/office/drawing/2014/main" id="{717A2FB0-021D-5E0E-2D4D-AA3A9A80B023}"/>
               </a:ext>
             </a:extLst>
           </p:cNvPr>
@@ -8708,80 +8576,65 @@
           </a:xfrm>
         </p:spPr>
         <p:txBody>
-          <a:bodyPr>
-            <a:normAutofit lnSpcReduction="10000"/>
-          </a:bodyPr>
-          <a:lstStyle/>
-          <a:p>
-            <a:r>
-              <a:rPr lang="en-US" dirty="0"/>
-              <a:t>Similar to how we can load weights from previous sessions, we can load entire models. </a:t>
-            </a:r>
-          </a:p>
-          <a:p>
-            <a:r>
-              <a:rPr lang="en-US" dirty="0"/>
-              <a:t>Many models that were trained on huge datasets are available to us. </a:t>
-            </a:r>
-          </a:p>
-          <a:p>
-            <a:pPr lvl="1"/>
-            <a:r>
-              <a:rPr lang="en-US" dirty="0"/>
-              <a:t>Image models are most prevalent for this. </a:t>
-            </a:r>
-          </a:p>
-          <a:p>
-            <a:r>
-              <a:rPr lang="en-US" dirty="0"/>
-              <a:t>Ultimately, we can take pretrained models and tailor them to our use. </a:t>
-            </a:r>
-          </a:p>
-          <a:p>
-            <a:pPr lvl="1"/>
-            <a:r>
-              <a:rPr lang="en-US" dirty="0"/>
-              <a:t>A process called transfer learning. </a:t>
-            </a:r>
-          </a:p>
-          <a:p>
-            <a:r>
-              <a:rPr lang="en-US" dirty="0"/>
-              <a:t>The initial bits of a CNN (the convolutional part) are fairly generic. </a:t>
-            </a:r>
-          </a:p>
-          <a:p>
-            <a:pPr lvl="1"/>
-            <a:r>
-              <a:rPr lang="en-US" dirty="0"/>
-              <a:t>Extracting useful parts of an image – edges, contrast, shapes, </a:t>
-            </a:r>
-            <a:r>
-              <a:rPr lang="en-US" dirty="0" err="1"/>
-              <a:t>etc</a:t>
-            </a:r>
-            <a:r>
-              <a:rPr lang="en-US" dirty="0"/>
-              <a:t>… </a:t>
-            </a:r>
-          </a:p>
-          <a:p>
-            <a:r>
-              <a:rPr lang="en-US" dirty="0"/>
-              <a:t>The final bits of a CNN (the dense classifying part) is unique. </a:t>
-            </a:r>
-          </a:p>
-          <a:p>
-            <a:pPr lvl="1"/>
-            <a:r>
-              <a:rPr lang="en-US" dirty="0"/>
-              <a:t>Given these features the conv. model found, assign a label prediction for class.  </a:t>
-            </a:r>
-          </a:p>
-          <a:p>
-            <a:r>
-              <a:rPr lang="en-US" dirty="0"/>
-              <a:t>Transfer learning combines the two parts! </a:t>
+          <a:bodyPr/>
+          <a:lstStyle/>
+          <a:p>
+            <a:r>
+              <a:rPr lang="en-US" dirty="0"/>
+              <a:t>Neural networks have some pronounced strengths and weaknesses. </a:t>
+            </a:r>
+          </a:p>
+          <a:p>
+            <a:pPr lvl="1"/>
+            <a:r>
+              <a:rPr lang="en-US" dirty="0"/>
+              <a:t>Long time to train, big data needs, slow trial time…</a:t>
+            </a:r>
+          </a:p>
+          <a:p>
+            <a:pPr lvl="1"/>
+            <a:r>
+              <a:rPr lang="en-US" dirty="0"/>
+              <a:t>Very accurate, good with unstructured data, adaptable…</a:t>
+            </a:r>
+          </a:p>
+          <a:p>
+            <a:r>
+              <a:rPr lang="en-US" dirty="0"/>
+              <a:t>Many neural network applications (image recognition, NLP stuff) have similar parts.</a:t>
+            </a:r>
+          </a:p>
+          <a:p>
+            <a:pPr lvl="1"/>
+            <a:r>
+              <a:rPr lang="en-US" dirty="0"/>
+              <a:t>Seeing edges in an image is the same no matter what that image is. </a:t>
+            </a:r>
+          </a:p>
+          <a:p>
+            <a:r>
+              <a:rPr lang="en-US" dirty="0"/>
+              <a:t>We can split the model to use the convolutional part and add our own end:</a:t>
+            </a:r>
+          </a:p>
+          <a:p>
+            <a:pPr lvl="1"/>
+            <a:r>
+              <a:rPr lang="en-US" dirty="0"/>
+              <a:t>The convolutional layers are trained on massive data, they extract image features from images. </a:t>
+            </a:r>
+          </a:p>
+          <a:p>
+            <a:pPr lvl="1"/>
+            <a:r>
+              <a:rPr lang="en-US" dirty="0"/>
+              <a:t>The classifier makes classifications from those features, we add our own. </a:t>
+            </a:r>
+          </a:p>
+          <a:p>
+            <a:r>
+              <a:rPr lang="en-US" dirty="0"/>
+              <a:t>Transfer learning allows us to repurpose the power of pretrained models. </a:t>
             </a:r>
           </a:p>
         </p:txBody>
@@ -8789,7 +8642,7 @@
     </p:spTree>
     <p:extLst>
       <p:ext uri="{BB962C8B-B14F-4D97-AF65-F5344CB8AC3E}">
-        <p14:creationId xmlns:p14="http://schemas.microsoft.com/office/powerpoint/2010/main" val="3675838039"/>
+        <p14:creationId xmlns:p14="http://schemas.microsoft.com/office/powerpoint/2010/main" val="2694875942"/>
       </p:ext>
     </p:extLst>
   </p:cSld>
@@ -8821,7 +8674,7 @@
           <p:cNvPr id="2" name="Title 1">
             <a:extLst>
               <a:ext uri="{FF2B5EF4-FFF2-40B4-BE49-F238E27FC236}">
-                <a16:creationId xmlns:a16="http://schemas.microsoft.com/office/drawing/2014/main" id="{5C0A934E-691E-C88A-D9A7-3CEF7391D4C0}"/>
+                <a16:creationId xmlns:a16="http://schemas.microsoft.com/office/drawing/2014/main" id="{627AC176-9029-7408-497A-74608852E951}"/>
               </a:ext>
             </a:extLst>
           </p:cNvPr>
@@ -8839,7 +8692,7 @@
           <a:p>
             <a:r>
               <a:rPr lang="en-US" dirty="0"/>
-              <a:t>Managing Training</a:t>
+              <a:t>From Logits…</a:t>
             </a:r>
           </a:p>
         </p:txBody>
@@ -8849,7 +8702,7 @@
           <p:cNvPr id="3" name="Content Placeholder 2">
             <a:extLst>
               <a:ext uri="{FF2B5EF4-FFF2-40B4-BE49-F238E27FC236}">
-                <a16:creationId xmlns:a16="http://schemas.microsoft.com/office/drawing/2014/main" id="{0ABA4FA8-1C25-E5D8-BF75-18B5D5B8792E}"/>
+                <a16:creationId xmlns:a16="http://schemas.microsoft.com/office/drawing/2014/main" id="{AAE5221C-CA81-96FF-E05B-71AB784C1C86}"/>
               </a:ext>
             </a:extLst>
           </p:cNvPr>
@@ -8862,8 +8715,8 @@
         </p:nvSpPr>
         <p:spPr>
           <a:xfrm>
-            <a:off x="1451579" y="1943100"/>
-            <a:ext cx="9603275" cy="4110381"/>
+            <a:off x="1451579" y="3334600"/>
+            <a:ext cx="9603275" cy="2718881"/>
           </a:xfrm>
         </p:spPr>
         <p:txBody>
@@ -8872,61 +8725,92 @@
           <a:p>
             <a:r>
               <a:rPr lang="en-US" dirty="0"/>
-              <a:t>Training neural network models can take a long time and involve lots of resources. </a:t>
-            </a:r>
-          </a:p>
-          <a:p>
-            <a:pPr lvl="1"/>
-            <a:r>
-              <a:rPr lang="en-US" dirty="0"/>
-              <a:t>Large models (GPT scale) can train for weeks on tens of thousands of GPUs. </a:t>
-            </a:r>
-          </a:p>
-          <a:p>
-            <a:r>
-              <a:rPr lang="en-US" dirty="0"/>
-              <a:t>One person probably doesn’t want to sit there and make sure it runs. </a:t>
-            </a:r>
-          </a:p>
-          <a:p>
-            <a:r>
-              <a:rPr lang="en-US" dirty="0"/>
-              <a:t>If someone pulls the plug, we don’t want to start over. </a:t>
-            </a:r>
-          </a:p>
-          <a:p>
-            <a:r>
-              <a:rPr lang="en-US" dirty="0"/>
-              <a:t>There are remote monitoring tools to help:</a:t>
-            </a:r>
-          </a:p>
-          <a:p>
-            <a:pPr lvl="1"/>
-            <a:r>
-              <a:rPr lang="en-US" dirty="0"/>
-              <a:t>”Real” model training will happen on servers/clusters elsewhere. </a:t>
-            </a:r>
-          </a:p>
-          <a:p>
-            <a:pPr lvl="1"/>
-            <a:r>
-              <a:rPr lang="en-US" dirty="0"/>
-              <a:t>We can interact through a web page instead of the computer itself. </a:t>
-            </a:r>
-          </a:p>
-          <a:p>
-            <a:pPr lvl="1"/>
-            <a:r>
-              <a:rPr lang="en-US" dirty="0"/>
-              <a:t>We can start training, leave it be, and monitor it via a webpage. </a:t>
-            </a:r>
-          </a:p>
-        </p:txBody>
-      </p:sp>
+              <a:t>I saw a more succinct way to describe the logits thing:</a:t>
+            </a:r>
+          </a:p>
+          <a:p>
+            <a:pPr lvl="1"/>
+            <a:r>
+              <a:rPr lang="en-US" dirty="0"/>
+              <a:t>This doesn’t matter all that much theoretically. </a:t>
+            </a:r>
+          </a:p>
+          <a:p>
+            <a:pPr lvl="1"/>
+            <a:r>
+              <a:rPr lang="en-US" dirty="0"/>
+              <a:t>If </a:t>
+            </a:r>
+            <a:r>
+              <a:rPr lang="en-US" dirty="0" err="1"/>
+              <a:t>softmax</a:t>
+            </a:r>
+            <a:r>
+              <a:rPr lang="en-US" dirty="0"/>
+              <a:t> is there, it’ll normalize the probabilities out of 1. </a:t>
+            </a:r>
+          </a:p>
+          <a:p>
+            <a:pPr lvl="1"/>
+            <a:r>
+              <a:rPr lang="en-US" dirty="0"/>
+              <a:t>If </a:t>
+            </a:r>
+            <a:r>
+              <a:rPr lang="en-US" dirty="0" err="1"/>
+              <a:t>softmax</a:t>
+            </a:r>
+            <a:r>
+              <a:rPr lang="en-US" dirty="0"/>
+              <a:t> isn’t there, the logits are non-normalized. </a:t>
+            </a:r>
+          </a:p>
+          <a:p>
+            <a:r>
+              <a:rPr lang="en-US" dirty="0"/>
+              <a:t>The loss calculation is different – that’s the parameter’s effect. </a:t>
+            </a:r>
+          </a:p>
+          <a:p>
+            <a:pPr lvl="1"/>
+            <a:endParaRPr lang="en-US" dirty="0"/>
+          </a:p>
+        </p:txBody>
+      </p:sp>
+      <p:pic>
+        <p:nvPicPr>
+          <p:cNvPr id="4" name="Picture 3">
+            <a:extLst>
+              <a:ext uri="{FF2B5EF4-FFF2-40B4-BE49-F238E27FC236}">
+                <a16:creationId xmlns:a16="http://schemas.microsoft.com/office/drawing/2014/main" id="{922D5DC1-ACC7-7ACB-4936-037B000FD541}"/>
+              </a:ext>
+            </a:extLst>
+          </p:cNvPr>
+          <p:cNvPicPr>
+            <a:picLocks noChangeAspect="1"/>
+          </p:cNvPicPr>
+          <p:nvPr/>
+        </p:nvPicPr>
+        <p:blipFill>
+          <a:blip r:embed="rId2"/>
+          <a:stretch>
+            <a:fillRect/>
+          </a:stretch>
+        </p:blipFill>
+        <p:spPr>
+          <a:xfrm>
+            <a:off x="2367016" y="1853754"/>
+            <a:ext cx="7772400" cy="1480846"/>
+          </a:xfrm>
+          <a:prstGeom prst="rect">
+            <a:avLst/>
+          </a:prstGeom>
+        </p:spPr>
+      </p:pic>
     </p:spTree>
     <p:extLst>
       <p:ext uri="{BB962C8B-B14F-4D97-AF65-F5344CB8AC3E}">
-        <p14:creationId xmlns:p14="http://schemas.microsoft.com/office/powerpoint/2010/main" val="1856639837"/>
+        <p14:creationId xmlns:p14="http://schemas.microsoft.com/office/powerpoint/2010/main" val="2208751667"/>
       </p:ext>
     </p:extLst>
   </p:cSld>
@@ -8937,6 +8821,165 @@
 </file>
 
 <file path=ppt/slides/slide40.xml><?xml version="1.0" encoding="utf-8"?>
+<p:sld xmlns:a="http://schemas.openxmlformats.org/drawingml/2006/main" xmlns:r="http://schemas.openxmlformats.org/officeDocument/2006/relationships" xmlns:p="http://schemas.openxmlformats.org/presentationml/2006/main">
+  <p:cSld>
+    <p:spTree>
+      <p:nvGrpSpPr>
+        <p:cNvPr id="1" name=""/>
+        <p:cNvGrpSpPr/>
+        <p:nvPr/>
+      </p:nvGrpSpPr>
+      <p:grpSpPr>
+        <a:xfrm>
+          <a:off x="0" y="0"/>
+          <a:ext cx="0" cy="0"/>
+          <a:chOff x="0" y="0"/>
+          <a:chExt cx="0" cy="0"/>
+        </a:xfrm>
+      </p:grpSpPr>
+      <p:sp>
+        <p:nvSpPr>
+          <p:cNvPr id="2" name="Title 1">
+            <a:extLst>
+              <a:ext uri="{FF2B5EF4-FFF2-40B4-BE49-F238E27FC236}">
+                <a16:creationId xmlns:a16="http://schemas.microsoft.com/office/drawing/2014/main" id="{0D35F710-A97B-B996-CEED-9E222F1D61E6}"/>
+              </a:ext>
+            </a:extLst>
+          </p:cNvPr>
+          <p:cNvSpPr>
+            <a:spLocks noGrp="1"/>
+          </p:cNvSpPr>
+          <p:nvPr>
+            <p:ph type="title"/>
+          </p:nvPr>
+        </p:nvSpPr>
+        <p:spPr/>
+        <p:txBody>
+          <a:bodyPr/>
+          <a:lstStyle/>
+          <a:p>
+            <a:r>
+              <a:rPr lang="en-US" dirty="0"/>
+              <a:t>Loading External Models</a:t>
+            </a:r>
+          </a:p>
+        </p:txBody>
+      </p:sp>
+      <p:sp>
+        <p:nvSpPr>
+          <p:cNvPr id="3" name="Content Placeholder 2">
+            <a:extLst>
+              <a:ext uri="{FF2B5EF4-FFF2-40B4-BE49-F238E27FC236}">
+                <a16:creationId xmlns:a16="http://schemas.microsoft.com/office/drawing/2014/main" id="{6A0A19C3-544C-34E9-2777-9C4B4B9ED547}"/>
+              </a:ext>
+            </a:extLst>
+          </p:cNvPr>
+          <p:cNvSpPr>
+            <a:spLocks noGrp="1"/>
+          </p:cNvSpPr>
+          <p:nvPr>
+            <p:ph idx="1"/>
+          </p:nvPr>
+        </p:nvSpPr>
+        <p:spPr>
+          <a:xfrm>
+            <a:off x="1451579" y="1853754"/>
+            <a:ext cx="9603275" cy="4199727"/>
+          </a:xfrm>
+        </p:spPr>
+        <p:txBody>
+          <a:bodyPr>
+            <a:normAutofit lnSpcReduction="10000"/>
+          </a:bodyPr>
+          <a:lstStyle/>
+          <a:p>
+            <a:r>
+              <a:rPr lang="en-US" dirty="0"/>
+              <a:t>Similar to how we can load weights from previous sessions, we can load entire models. </a:t>
+            </a:r>
+          </a:p>
+          <a:p>
+            <a:r>
+              <a:rPr lang="en-US" dirty="0"/>
+              <a:t>Many models that were trained on huge datasets are available to us. </a:t>
+            </a:r>
+          </a:p>
+          <a:p>
+            <a:pPr lvl="1"/>
+            <a:r>
+              <a:rPr lang="en-US" dirty="0"/>
+              <a:t>Image models are most prevalent for this. </a:t>
+            </a:r>
+          </a:p>
+          <a:p>
+            <a:r>
+              <a:rPr lang="en-US" dirty="0"/>
+              <a:t>Ultimately, we can take pretrained models and tailor them to our use. </a:t>
+            </a:r>
+          </a:p>
+          <a:p>
+            <a:pPr lvl="1"/>
+            <a:r>
+              <a:rPr lang="en-US" dirty="0"/>
+              <a:t>A process called transfer learning. </a:t>
+            </a:r>
+          </a:p>
+          <a:p>
+            <a:r>
+              <a:rPr lang="en-US" dirty="0"/>
+              <a:t>The initial bits of a CNN (the convolutional part) are fairly generic. </a:t>
+            </a:r>
+          </a:p>
+          <a:p>
+            <a:pPr lvl="1"/>
+            <a:r>
+              <a:rPr lang="en-US" dirty="0"/>
+              <a:t>Extracting useful parts of an image – edges, contrast, shapes, </a:t>
+            </a:r>
+            <a:r>
+              <a:rPr lang="en-US" dirty="0" err="1"/>
+              <a:t>etc</a:t>
+            </a:r>
+            <a:r>
+              <a:rPr lang="en-US" dirty="0"/>
+              <a:t>… </a:t>
+            </a:r>
+          </a:p>
+          <a:p>
+            <a:r>
+              <a:rPr lang="en-US" dirty="0"/>
+              <a:t>The final bits of a CNN (the dense classifying part) is unique. </a:t>
+            </a:r>
+          </a:p>
+          <a:p>
+            <a:pPr lvl="1"/>
+            <a:r>
+              <a:rPr lang="en-US" dirty="0"/>
+              <a:t>Given these features the conv. model found, assign a label prediction for class.  </a:t>
+            </a:r>
+          </a:p>
+          <a:p>
+            <a:r>
+              <a:rPr lang="en-US" dirty="0"/>
+              <a:t>Transfer learning combines the two parts! </a:t>
+            </a:r>
+          </a:p>
+        </p:txBody>
+      </p:sp>
+    </p:spTree>
+    <p:extLst>
+      <p:ext uri="{BB962C8B-B14F-4D97-AF65-F5344CB8AC3E}">
+        <p14:creationId xmlns:p14="http://schemas.microsoft.com/office/powerpoint/2010/main" val="3675838039"/>
+      </p:ext>
+    </p:extLst>
+  </p:cSld>
+  <p:clrMapOvr>
+    <a:masterClrMapping/>
+  </p:clrMapOvr>
+</p:sld>
+</file>
+
+<file path=ppt/slides/slide41.xml><?xml version="1.0" encoding="utf-8"?>
 <p:sld xmlns:a="http://schemas.openxmlformats.org/drawingml/2006/main" xmlns:r="http://schemas.openxmlformats.org/officeDocument/2006/relationships" xmlns:p="http://schemas.openxmlformats.org/presentationml/2006/main">
   <p:cSld>
     <p:spTree>
@@ -9063,151 +9106,6 @@
 </p:sld>
 </file>
 
-<file path=ppt/slides/slide41.xml><?xml version="1.0" encoding="utf-8"?>
-<p:sld xmlns:a="http://schemas.openxmlformats.org/drawingml/2006/main" xmlns:r="http://schemas.openxmlformats.org/officeDocument/2006/relationships" xmlns:p="http://schemas.openxmlformats.org/presentationml/2006/main">
-  <p:cSld>
-    <p:spTree>
-      <p:nvGrpSpPr>
-        <p:cNvPr id="1" name=""/>
-        <p:cNvGrpSpPr/>
-        <p:nvPr/>
-      </p:nvGrpSpPr>
-      <p:grpSpPr>
-        <a:xfrm>
-          <a:off x="0" y="0"/>
-          <a:ext cx="0" cy="0"/>
-          <a:chOff x="0" y="0"/>
-          <a:chExt cx="0" cy="0"/>
-        </a:xfrm>
-      </p:grpSpPr>
-      <p:sp>
-        <p:nvSpPr>
-          <p:cNvPr id="2" name="Title 1">
-            <a:extLst>
-              <a:ext uri="{FF2B5EF4-FFF2-40B4-BE49-F238E27FC236}">
-                <a16:creationId xmlns:a16="http://schemas.microsoft.com/office/drawing/2014/main" id="{B7D96493-4396-45E2-A17D-9DDEB44F5BFE}"/>
-              </a:ext>
-            </a:extLst>
-          </p:cNvPr>
-          <p:cNvSpPr>
-            <a:spLocks noGrp="1"/>
-          </p:cNvSpPr>
-          <p:nvPr>
-            <p:ph type="title"/>
-          </p:nvPr>
-        </p:nvSpPr>
-        <p:spPr/>
-        <p:txBody>
-          <a:bodyPr/>
-          <a:lstStyle/>
-          <a:p>
-            <a:r>
-              <a:rPr lang="en-US" dirty="0"/>
-              <a:t>Using outside Models</a:t>
-            </a:r>
-          </a:p>
-        </p:txBody>
-      </p:sp>
-      <p:sp>
-        <p:nvSpPr>
-          <p:cNvPr id="3" name="Content Placeholder 2">
-            <a:extLst>
-              <a:ext uri="{FF2B5EF4-FFF2-40B4-BE49-F238E27FC236}">
-                <a16:creationId xmlns:a16="http://schemas.microsoft.com/office/drawing/2014/main" id="{035A5739-7917-C0AE-BCFB-19808406EFF7}"/>
-              </a:ext>
-            </a:extLst>
-          </p:cNvPr>
-          <p:cNvSpPr>
-            <a:spLocks noGrp="1"/>
-          </p:cNvSpPr>
-          <p:nvPr>
-            <p:ph idx="1"/>
-          </p:nvPr>
-        </p:nvSpPr>
-        <p:spPr>
-          <a:xfrm>
-            <a:off x="777834" y="1853754"/>
-            <a:ext cx="10468097" cy="4248596"/>
-          </a:xfrm>
-        </p:spPr>
-        <p:txBody>
-          <a:bodyPr>
-            <a:normAutofit lnSpcReduction="10000"/>
-          </a:bodyPr>
-          <a:lstStyle/>
-          <a:p>
-            <a:r>
-              <a:rPr lang="en-US" dirty="0"/>
-              <a:t>“Which products will sell” is a prediction that is highly dependent on the specifics. </a:t>
-            </a:r>
-          </a:p>
-          <a:p>
-            <a:r>
-              <a:rPr lang="en-US" dirty="0"/>
-              <a:t>“What is that object in the picture” has many parts that are shared. </a:t>
-            </a:r>
-          </a:p>
-          <a:p>
-            <a:pPr lvl="1"/>
-            <a:r>
-              <a:rPr lang="en-US" dirty="0"/>
-              <a:t>“Seeing” is a very transferable skill that the convolutional layers learn. </a:t>
-            </a:r>
-          </a:p>
-          <a:p>
-            <a:r>
-              <a:rPr lang="en-US" dirty="0"/>
-              <a:t>Breaking images into features that are useful for predicting benefits from data. </a:t>
-            </a:r>
-          </a:p>
-          <a:p>
-            <a:pPr lvl="1"/>
-            <a:r>
-              <a:rPr lang="en-US" dirty="0"/>
-              <a:t>A model that was trained on lots of random images is probably better than a custom model trained on a little bit of targeted data (i.e. what we’d have). </a:t>
-            </a:r>
-          </a:p>
-          <a:p>
-            <a:r>
-              <a:rPr lang="en-US" dirty="0"/>
-              <a:t>We can take the “seeing” part and combine it with our specific “classifying” part. </a:t>
-            </a:r>
-          </a:p>
-          <a:p>
-            <a:pPr lvl="1"/>
-            <a:r>
-              <a:rPr lang="en-US" dirty="0"/>
-              <a:t>The model learns to see “stuff” on massive datasets, then uses that to predict our data. </a:t>
-            </a:r>
-          </a:p>
-          <a:p>
-            <a:r>
-              <a:rPr lang="en-US" dirty="0"/>
-              <a:t>In most cases, this will probably be better than anything we can do. </a:t>
-            </a:r>
-          </a:p>
-          <a:p>
-            <a:pPr lvl="1"/>
-            <a:r>
-              <a:rPr lang="en-US" dirty="0"/>
-              <a:t>Unless you have a huge cloud budget, or lots of GPUs and someone else paying the electric bill. </a:t>
-            </a:r>
-          </a:p>
-        </p:txBody>
-      </p:sp>
-    </p:spTree>
-    <p:extLst>
-      <p:ext uri="{BB962C8B-B14F-4D97-AF65-F5344CB8AC3E}">
-        <p14:creationId xmlns:p14="http://schemas.microsoft.com/office/powerpoint/2010/main" val="3100590327"/>
-      </p:ext>
-    </p:extLst>
-  </p:cSld>
-  <p:clrMapOvr>
-    <a:masterClrMapping/>
-  </p:clrMapOvr>
-</p:sld>
-</file>
-
 <file path=ppt/slides/slide42.xml><?xml version="1.0" encoding="utf-8"?>
 <p:sld xmlns:a="http://schemas.openxmlformats.org/drawingml/2006/main" xmlns:r="http://schemas.openxmlformats.org/officeDocument/2006/relationships" xmlns:p="http://schemas.openxmlformats.org/presentationml/2006/main">
   <p:cSld>
@@ -9230,7 +9128,7 @@
           <p:cNvPr id="2" name="Title 1">
             <a:extLst>
               <a:ext uri="{FF2B5EF4-FFF2-40B4-BE49-F238E27FC236}">
-                <a16:creationId xmlns:a16="http://schemas.microsoft.com/office/drawing/2014/main" id="{193DF241-7FE5-E8CE-718B-C40AC366CB68}"/>
+                <a16:creationId xmlns:a16="http://schemas.microsoft.com/office/drawing/2014/main" id="{B7D96493-4396-45E2-A17D-9DDEB44F5BFE}"/>
               </a:ext>
             </a:extLst>
           </p:cNvPr>
@@ -9248,7 +9146,7 @@
           <a:p>
             <a:r>
               <a:rPr lang="en-US" dirty="0"/>
-              <a:t>Using Transfer Learning</a:t>
+              <a:t>Using outside Models</a:t>
             </a:r>
           </a:p>
         </p:txBody>
@@ -9258,7 +9156,7 @@
           <p:cNvPr id="3" name="Content Placeholder 2">
             <a:extLst>
               <a:ext uri="{FF2B5EF4-FFF2-40B4-BE49-F238E27FC236}">
-                <a16:creationId xmlns:a16="http://schemas.microsoft.com/office/drawing/2014/main" id="{0D9B0448-88AF-3E75-D4AC-11249DE91F0E}"/>
+                <a16:creationId xmlns:a16="http://schemas.microsoft.com/office/drawing/2014/main" id="{035A5739-7917-C0AE-BCFB-19808406EFF7}"/>
               </a:ext>
             </a:extLst>
           </p:cNvPr>
@@ -9271,37 +9169,71 @@
         </p:nvSpPr>
         <p:spPr>
           <a:xfrm>
-            <a:off x="1451579" y="2015732"/>
-            <a:ext cx="9603275" cy="4037749"/>
+            <a:off x="777834" y="1853754"/>
+            <a:ext cx="10468097" cy="4248596"/>
           </a:xfrm>
         </p:spPr>
         <p:txBody>
-          <a:bodyPr/>
-          <a:lstStyle/>
-          <a:p>
-            <a:r>
-              <a:rPr lang="en-US" dirty="0"/>
-              <a:t>We can partially train the Frankenstein model to our new data. </a:t>
-            </a:r>
-          </a:p>
-          <a:p>
-            <a:pPr lvl="1"/>
-            <a:r>
-              <a:rPr lang="en-US" dirty="0"/>
-              <a:t>The original convolutional layers are (for now) frozen, their weights are static. </a:t>
-            </a:r>
-          </a:p>
-          <a:p>
-            <a:pPr lvl="1"/>
-            <a:r>
-              <a:rPr lang="en-US" dirty="0"/>
-              <a:t>The weights in our new layers get trained to predict our classes from the original model’s features. </a:t>
-            </a:r>
-          </a:p>
-          <a:p>
-            <a:r>
-              <a:rPr lang="en-US" dirty="0"/>
-              <a:t>The end result is ready to predict for us!</a:t>
+          <a:bodyPr>
+            <a:normAutofit lnSpcReduction="10000"/>
+          </a:bodyPr>
+          <a:lstStyle/>
+          <a:p>
+            <a:r>
+              <a:rPr lang="en-US" dirty="0"/>
+              <a:t>“Which products will sell” is a prediction that is highly dependent on the specifics. </a:t>
+            </a:r>
+          </a:p>
+          <a:p>
+            <a:r>
+              <a:rPr lang="en-US" dirty="0"/>
+              <a:t>“What is that object in the picture” has many parts that are shared. </a:t>
+            </a:r>
+          </a:p>
+          <a:p>
+            <a:pPr lvl="1"/>
+            <a:r>
+              <a:rPr lang="en-US" dirty="0"/>
+              <a:t>“Seeing” is a very transferable skill that the convolutional layers learn. </a:t>
+            </a:r>
+          </a:p>
+          <a:p>
+            <a:r>
+              <a:rPr lang="en-US" dirty="0"/>
+              <a:t>Breaking images into features that are useful for predicting benefits from data. </a:t>
+            </a:r>
+          </a:p>
+          <a:p>
+            <a:pPr lvl="1"/>
+            <a:r>
+              <a:rPr lang="en-US" dirty="0"/>
+              <a:t>A model that was trained on lots of random images is probably better than a custom model trained on a little bit of targeted data (i.e. what we’d have). </a:t>
+            </a:r>
+          </a:p>
+          <a:p>
+            <a:r>
+              <a:rPr lang="en-US" dirty="0"/>
+              <a:t>We can take the “seeing” part and combine it with our specific “classifying” part. </a:t>
+            </a:r>
+          </a:p>
+          <a:p>
+            <a:pPr lvl="1"/>
+            <a:r>
+              <a:rPr lang="en-US" dirty="0"/>
+              <a:t>The model learns to see “stuff” on massive datasets, then uses that to predict our data. </a:t>
+            </a:r>
+          </a:p>
+          <a:p>
+            <a:r>
+              <a:rPr lang="en-US" dirty="0"/>
+              <a:t>In most cases, this will probably be better than anything we can do. </a:t>
+            </a:r>
+          </a:p>
+          <a:p>
+            <a:pPr lvl="1"/>
+            <a:r>
+              <a:rPr lang="en-US" dirty="0"/>
+              <a:t>Unless you have a huge cloud budget, or lots of GPUs and someone else paying the electric bill. </a:t>
             </a:r>
           </a:p>
         </p:txBody>
@@ -9309,7 +9241,7 @@
     </p:spTree>
     <p:extLst>
       <p:ext uri="{BB962C8B-B14F-4D97-AF65-F5344CB8AC3E}">
-        <p14:creationId xmlns:p14="http://schemas.microsoft.com/office/powerpoint/2010/main" val="917502613"/>
+        <p14:creationId xmlns:p14="http://schemas.microsoft.com/office/powerpoint/2010/main" val="3100590327"/>
       </p:ext>
     </p:extLst>
   </p:cSld>
@@ -9341,7 +9273,7 @@
           <p:cNvPr id="2" name="Title 1">
             <a:extLst>
               <a:ext uri="{FF2B5EF4-FFF2-40B4-BE49-F238E27FC236}">
-                <a16:creationId xmlns:a16="http://schemas.microsoft.com/office/drawing/2014/main" id="{C73D94A0-B474-514D-A7EC-77CA309BC6D0}"/>
+                <a16:creationId xmlns:a16="http://schemas.microsoft.com/office/drawing/2014/main" id="{193DF241-7FE5-E8CE-718B-C40AC366CB68}"/>
               </a:ext>
             </a:extLst>
           </p:cNvPr>
@@ -9359,7 +9291,7 @@
           <a:p>
             <a:r>
               <a:rPr lang="en-US" dirty="0"/>
-              <a:t>Conclusion</a:t>
+              <a:t>Using Transfer Learning</a:t>
             </a:r>
           </a:p>
         </p:txBody>
@@ -9369,7 +9301,7 @@
           <p:cNvPr id="3" name="Content Placeholder 2">
             <a:extLst>
               <a:ext uri="{FF2B5EF4-FFF2-40B4-BE49-F238E27FC236}">
-                <a16:creationId xmlns:a16="http://schemas.microsoft.com/office/drawing/2014/main" id="{F74B6B8C-E7BE-F041-B35F-6950350558FC}"/>
+                <a16:creationId xmlns:a16="http://schemas.microsoft.com/office/drawing/2014/main" id="{0D9B0448-88AF-3E75-D4AC-11249DE91F0E}"/>
               </a:ext>
             </a:extLst>
           </p:cNvPr>
@@ -9383,7 +9315,7 @@
         <p:spPr>
           <a:xfrm>
             <a:off x="1451579" y="2015732"/>
-            <a:ext cx="9603275" cy="3823959"/>
+            <a:ext cx="9603275" cy="4037749"/>
           </a:xfrm>
         </p:spPr>
         <p:txBody>
@@ -9392,39 +9324,35 @@
           <a:p>
             <a:r>
               <a:rPr lang="en-US" dirty="0"/>
-              <a:t>Using neural networks often involves larger scale tools, as the problems are larger. </a:t>
-            </a:r>
-          </a:p>
-          <a:p>
-            <a:r>
-              <a:rPr lang="en-US" dirty="0"/>
-              <a:t>Managing resources becomes a more primary concern:</a:t>
-            </a:r>
-          </a:p>
-          <a:p>
-            <a:pPr lvl="1"/>
-            <a:r>
-              <a:rPr lang="en-US" dirty="0"/>
-              <a:t>A model can get very accurate, but likely needs time to do so. </a:t>
-            </a:r>
-          </a:p>
-          <a:p>
-            <a:pPr lvl="1"/>
-            <a:r>
-              <a:rPr lang="en-US" dirty="0"/>
-              <a:t>Allowing for trials to be automated lets us do way more productive work. </a:t>
-            </a:r>
-          </a:p>
-          <a:p>
-            <a:pPr lvl="1"/>
-            <a:endParaRPr lang="en-US" dirty="0"/>
+              <a:t>We can partially train the Frankenstein model to our new data. </a:t>
+            </a:r>
+          </a:p>
+          <a:p>
+            <a:pPr lvl="1"/>
+            <a:r>
+              <a:rPr lang="en-US" dirty="0"/>
+              <a:t>The original convolutional layers are (for now) frozen, their weights are static. </a:t>
+            </a:r>
+          </a:p>
+          <a:p>
+            <a:pPr lvl="1"/>
+            <a:r>
+              <a:rPr lang="en-US" dirty="0"/>
+              <a:t>The weights in our new layers get trained to predict our classes from the original model’s features. </a:t>
+            </a:r>
+          </a:p>
+          <a:p>
+            <a:r>
+              <a:rPr lang="en-US" dirty="0"/>
+              <a:t>The end result is ready to predict for us!</a:t>
+            </a:r>
           </a:p>
         </p:txBody>
       </p:sp>
     </p:spTree>
     <p:extLst>
       <p:ext uri="{BB962C8B-B14F-4D97-AF65-F5344CB8AC3E}">
-        <p14:creationId xmlns:p14="http://schemas.microsoft.com/office/powerpoint/2010/main" val="1495619777"/>
+        <p14:creationId xmlns:p14="http://schemas.microsoft.com/office/powerpoint/2010/main" val="917502613"/>
       </p:ext>
     </p:extLst>
   </p:cSld>
@@ -9434,8 +9362,8 @@
 </p:sld>
 </file>
 
-<file path=ppt/slides/slide5.xml><?xml version="1.0" encoding="utf-8"?>
-<p:sld xmlns:a="http://schemas.openxmlformats.org/drawingml/2006/main" xmlns:r="http://schemas.openxmlformats.org/officeDocument/2006/relationships" xmlns:p="http://schemas.openxmlformats.org/presentationml/2006/main" show="0">
+<file path=ppt/slides/slide44.xml><?xml version="1.0" encoding="utf-8"?>
+<p:sld xmlns:a="http://schemas.openxmlformats.org/drawingml/2006/main" xmlns:r="http://schemas.openxmlformats.org/officeDocument/2006/relationships" xmlns:p="http://schemas.openxmlformats.org/presentationml/2006/main">
   <p:cSld>
     <p:spTree>
       <p:nvGrpSpPr>
@@ -9456,7 +9384,7 @@
           <p:cNvPr id="2" name="Title 1">
             <a:extLst>
               <a:ext uri="{FF2B5EF4-FFF2-40B4-BE49-F238E27FC236}">
-                <a16:creationId xmlns:a16="http://schemas.microsoft.com/office/drawing/2014/main" id="{23B64FB4-F3CD-02FF-01D5-4C75017BA276}"/>
+                <a16:creationId xmlns:a16="http://schemas.microsoft.com/office/drawing/2014/main" id="{C73D94A0-B474-514D-A7EC-77CA309BC6D0}"/>
               </a:ext>
             </a:extLst>
           </p:cNvPr>
@@ -9474,7 +9402,7 @@
           <a:p>
             <a:r>
               <a:rPr lang="en-US" dirty="0"/>
-              <a:t>Training Data and Disks</a:t>
+              <a:t>Conclusion</a:t>
             </a:r>
           </a:p>
         </p:txBody>
@@ -9484,7 +9412,7 @@
           <p:cNvPr id="3" name="Content Placeholder 2">
             <a:extLst>
               <a:ext uri="{FF2B5EF4-FFF2-40B4-BE49-F238E27FC236}">
-                <a16:creationId xmlns:a16="http://schemas.microsoft.com/office/drawing/2014/main" id="{E84D5EBF-AE45-1C23-C3CD-809E73BA59AA}"/>
+                <a16:creationId xmlns:a16="http://schemas.microsoft.com/office/drawing/2014/main" id="{F74B6B8C-E7BE-F041-B35F-6950350558FC}"/>
               </a:ext>
             </a:extLst>
           </p:cNvPr>
@@ -9495,19 +9423,51 @@
             <p:ph idx="1"/>
           </p:nvPr>
         </p:nvSpPr>
-        <p:spPr/>
-        <p:txBody>
-          <a:bodyPr/>
-          <a:lstStyle/>
-          <a:p>
-            <a:endParaRPr lang="en-US"/>
+        <p:spPr>
+          <a:xfrm>
+            <a:off x="1451579" y="2015732"/>
+            <a:ext cx="9603275" cy="3823959"/>
+          </a:xfrm>
+        </p:spPr>
+        <p:txBody>
+          <a:bodyPr/>
+          <a:lstStyle/>
+          <a:p>
+            <a:r>
+              <a:rPr lang="en-US" dirty="0"/>
+              <a:t>Using neural networks often involves larger scale tools, as the problems are larger. </a:t>
+            </a:r>
+          </a:p>
+          <a:p>
+            <a:r>
+              <a:rPr lang="en-US" dirty="0"/>
+              <a:t>Managing resources becomes a more primary concern:</a:t>
+            </a:r>
+          </a:p>
+          <a:p>
+            <a:pPr lvl="1"/>
+            <a:r>
+              <a:rPr lang="en-US" dirty="0"/>
+              <a:t>A model can get very accurate, but likely needs time to do so. </a:t>
+            </a:r>
+          </a:p>
+          <a:p>
+            <a:pPr lvl="1"/>
+            <a:r>
+              <a:rPr lang="en-US" dirty="0"/>
+              <a:t>Allowing for trials to be automated lets us do way more productive work. </a:t>
+            </a:r>
+          </a:p>
+          <a:p>
+            <a:pPr lvl="1"/>
+            <a:endParaRPr lang="en-US" dirty="0"/>
           </a:p>
         </p:txBody>
       </p:sp>
     </p:spTree>
     <p:extLst>
       <p:ext uri="{BB962C8B-B14F-4D97-AF65-F5344CB8AC3E}">
-        <p14:creationId xmlns:p14="http://schemas.microsoft.com/office/powerpoint/2010/main" val="3228236250"/>
+        <p14:creationId xmlns:p14="http://schemas.microsoft.com/office/powerpoint/2010/main" val="1495619777"/>
       </p:ext>
     </p:extLst>
   </p:cSld>
@@ -9517,8 +9477,8 @@
 </p:sld>
 </file>
 
-<file path=ppt/slides/slide6.xml><?xml version="1.0" encoding="utf-8"?>
-<p:sld xmlns:a="http://schemas.openxmlformats.org/drawingml/2006/main" xmlns:r="http://schemas.openxmlformats.org/officeDocument/2006/relationships" xmlns:p="http://schemas.openxmlformats.org/presentationml/2006/main" show="0">
+<file path=ppt/slides/slide5.xml><?xml version="1.0" encoding="utf-8"?>
+<p:sld xmlns:a="http://schemas.openxmlformats.org/drawingml/2006/main" xmlns:r="http://schemas.openxmlformats.org/officeDocument/2006/relationships" xmlns:p="http://schemas.openxmlformats.org/presentationml/2006/main">
   <p:cSld>
     <p:spTree>
       <p:nvGrpSpPr>
@@ -9539,7 +9499,7 @@
           <p:cNvPr id="2" name="Title 1">
             <a:extLst>
               <a:ext uri="{FF2B5EF4-FFF2-40B4-BE49-F238E27FC236}">
-                <a16:creationId xmlns:a16="http://schemas.microsoft.com/office/drawing/2014/main" id="{0EF46C38-685E-DCE4-45FD-E0F8E907BA1B}"/>
+                <a16:creationId xmlns:a16="http://schemas.microsoft.com/office/drawing/2014/main" id="{CD8B57C3-57BC-CD0A-094F-4C5725029777}"/>
               </a:ext>
             </a:extLst>
           </p:cNvPr>
@@ -9557,7 +9517,7 @@
           <a:p>
             <a:r>
               <a:rPr lang="en-US" dirty="0"/>
-              <a:t>Generators</a:t>
+              <a:t>Monitoring and Managing Training</a:t>
             </a:r>
           </a:p>
         </p:txBody>
@@ -9567,7 +9527,7 @@
           <p:cNvPr id="3" name="Content Placeholder 2">
             <a:extLst>
               <a:ext uri="{FF2B5EF4-FFF2-40B4-BE49-F238E27FC236}">
-                <a16:creationId xmlns:a16="http://schemas.microsoft.com/office/drawing/2014/main" id="{2147A0C9-1A2E-7BAB-CF06-F4D9639B071C}"/>
+                <a16:creationId xmlns:a16="http://schemas.microsoft.com/office/drawing/2014/main" id="{BA5490EF-FE6B-EAF3-6306-D8635DC49B61}"/>
               </a:ext>
             </a:extLst>
           </p:cNvPr>
@@ -9578,65 +9538,19 @@
             <p:ph idx="1"/>
           </p:nvPr>
         </p:nvSpPr>
-        <p:spPr>
-          <a:xfrm>
-            <a:off x="1451579" y="1853754"/>
-            <a:ext cx="9603275" cy="4199727"/>
-          </a:xfrm>
-        </p:spPr>
-        <p:txBody>
-          <a:bodyPr/>
-          <a:lstStyle/>
-          <a:p>
-            <a:r>
-              <a:rPr lang="en-US" dirty="0"/>
-              <a:t>What happens if the size of the data is larger than memory?</a:t>
-            </a:r>
-          </a:p>
-          <a:p>
-            <a:r>
-              <a:rPr lang="en-US" dirty="0"/>
-              <a:t>Generators are another variety of datasets that we can use. </a:t>
-            </a:r>
-          </a:p>
-          <a:p>
-            <a:r>
-              <a:rPr lang="en-US" dirty="0"/>
-              <a:t>Generators “generate” data when demanded, automatically. </a:t>
-            </a:r>
-          </a:p>
-          <a:p>
-            <a:r>
-              <a:rPr lang="en-US" dirty="0"/>
-              <a:t>The easiest way to understand them is reading from disk:</a:t>
-            </a:r>
-          </a:p>
-          <a:p>
-            <a:pPr lvl="1"/>
-            <a:r>
-              <a:rPr lang="en-US" dirty="0"/>
-              <a:t>We pass the generator instead of the data itself to a function. </a:t>
-            </a:r>
-          </a:p>
-          <a:p>
-            <a:pPr lvl="1"/>
-            <a:r>
-              <a:rPr lang="en-US" dirty="0"/>
-              <a:t>Every time data is needed, the generator reads some part off of the hard drive and provides it. </a:t>
-            </a:r>
-          </a:p>
-          <a:p>
-            <a:r>
-              <a:rPr lang="en-US" dirty="0"/>
-              <a:t>To the model/fit, the generator is just the data. To the system, it only demands the resources needed for that ‘bit’ of work to happen. </a:t>
-            </a:r>
+        <p:spPr/>
+        <p:txBody>
+          <a:bodyPr/>
+          <a:lstStyle/>
+          <a:p>
+            <a:endParaRPr lang="en-US"/>
           </a:p>
         </p:txBody>
       </p:sp>
     </p:spTree>
     <p:extLst>
       <p:ext uri="{BB962C8B-B14F-4D97-AF65-F5344CB8AC3E}">
-        <p14:creationId xmlns:p14="http://schemas.microsoft.com/office/powerpoint/2010/main" val="1677294612"/>
+        <p14:creationId xmlns:p14="http://schemas.microsoft.com/office/powerpoint/2010/main" val="2993265742"/>
       </p:ext>
     </p:extLst>
   </p:cSld>
@@ -9646,8 +9560,8 @@
 </p:sld>
 </file>
 
-<file path=ppt/slides/slide7.xml><?xml version="1.0" encoding="utf-8"?>
-<p:sld xmlns:a="http://schemas.openxmlformats.org/drawingml/2006/main" xmlns:r="http://schemas.openxmlformats.org/officeDocument/2006/relationships" xmlns:p="http://schemas.openxmlformats.org/presentationml/2006/main" show="0">
+<file path=ppt/slides/slide6.xml><?xml version="1.0" encoding="utf-8"?>
+<p:sld xmlns:a="http://schemas.openxmlformats.org/drawingml/2006/main" xmlns:r="http://schemas.openxmlformats.org/officeDocument/2006/relationships" xmlns:p="http://schemas.openxmlformats.org/presentationml/2006/main">
   <p:cSld>
     <p:spTree>
       <p:nvGrpSpPr>
@@ -9668,7 +9582,7 @@
           <p:cNvPr id="2" name="Title 1">
             <a:extLst>
               <a:ext uri="{FF2B5EF4-FFF2-40B4-BE49-F238E27FC236}">
-                <a16:creationId xmlns:a16="http://schemas.microsoft.com/office/drawing/2014/main" id="{CF5B344D-5CF9-E5E9-2912-770AEFD868D5}"/>
+                <a16:creationId xmlns:a16="http://schemas.microsoft.com/office/drawing/2014/main" id="{5C0A934E-691E-C88A-D9A7-3CEF7391D4C0}"/>
               </a:ext>
             </a:extLst>
           </p:cNvPr>
@@ -9686,7 +9600,7 @@
           <a:p>
             <a:r>
               <a:rPr lang="en-US" dirty="0"/>
-              <a:t>Generator Madness</a:t>
+              <a:t>Managing Training</a:t>
             </a:r>
           </a:p>
         </p:txBody>
@@ -9696,7 +9610,7 @@
           <p:cNvPr id="3" name="Content Placeholder 2">
             <a:extLst>
               <a:ext uri="{FF2B5EF4-FFF2-40B4-BE49-F238E27FC236}">
-                <a16:creationId xmlns:a16="http://schemas.microsoft.com/office/drawing/2014/main" id="{D2758200-C90C-D300-34C8-3D4304D7D150}"/>
+                <a16:creationId xmlns:a16="http://schemas.microsoft.com/office/drawing/2014/main" id="{0ABA4FA8-1C25-E5D8-BF75-18B5D5B8792E}"/>
               </a:ext>
             </a:extLst>
           </p:cNvPr>
@@ -9709,8 +9623,8 @@
         </p:nvSpPr>
         <p:spPr>
           <a:xfrm>
-            <a:off x="1451579" y="2015732"/>
-            <a:ext cx="9603275" cy="4037749"/>
+            <a:off x="1451579" y="1943100"/>
+            <a:ext cx="9603275" cy="4110381"/>
           </a:xfrm>
         </p:spPr>
         <p:txBody>
@@ -9719,45 +9633,277 @@
           <a:p>
             <a:r>
               <a:rPr lang="en-US" dirty="0"/>
-              <a:t>Since a generator provides data on-demand, we can add transformations, if needed. </a:t>
-            </a:r>
-          </a:p>
-          <a:p>
-            <a:pPr lvl="1"/>
-            <a:r>
-              <a:rPr lang="en-US" dirty="0"/>
-              <a:t>The generator can provide variations of data each time it is asked. </a:t>
-            </a:r>
-          </a:p>
-          <a:p>
-            <a:r>
-              <a:rPr lang="en-US" dirty="0"/>
-              <a:t>Generators can do whatever we define to produce the data. </a:t>
-            </a:r>
-          </a:p>
-          <a:p>
-            <a:pPr lvl="1"/>
-            <a:r>
-              <a:rPr lang="en-US" dirty="0"/>
-              <a:t>Usually read from disk. </a:t>
-            </a:r>
-          </a:p>
-          <a:p>
-            <a:pPr lvl="1"/>
-            <a:r>
-              <a:rPr lang="en-US" dirty="0"/>
-              <a:t>We can also add some fun stuff…</a:t>
-            </a:r>
-          </a:p>
-          <a:p>
-            <a:endParaRPr lang="en-US" dirty="0"/>
+              <a:t>Training neural network models can take a long time and involve lots of resources. </a:t>
+            </a:r>
+          </a:p>
+          <a:p>
+            <a:pPr lvl="1"/>
+            <a:r>
+              <a:rPr lang="en-US" dirty="0"/>
+              <a:t>Large models (GPT scale) can train for weeks on tens of thousands of GPUs. </a:t>
+            </a:r>
+          </a:p>
+          <a:p>
+            <a:r>
+              <a:rPr lang="en-US" dirty="0"/>
+              <a:t>One person probably doesn’t want to sit there and make sure it runs. </a:t>
+            </a:r>
+          </a:p>
+          <a:p>
+            <a:r>
+              <a:rPr lang="en-US" dirty="0"/>
+              <a:t>If someone pulls the plug, we don’t want to start over. </a:t>
+            </a:r>
+          </a:p>
+          <a:p>
+            <a:r>
+              <a:rPr lang="en-US" dirty="0"/>
+              <a:t>There are remote monitoring tools to help:</a:t>
+            </a:r>
+          </a:p>
+          <a:p>
+            <a:pPr lvl="1"/>
+            <a:r>
+              <a:rPr lang="en-US" dirty="0"/>
+              <a:t>”Real” model training will happen on servers/clusters elsewhere. </a:t>
+            </a:r>
+          </a:p>
+          <a:p>
+            <a:pPr lvl="1"/>
+            <a:r>
+              <a:rPr lang="en-US" dirty="0"/>
+              <a:t>We can interact through a web page instead of the computer itself. </a:t>
+            </a:r>
+          </a:p>
+          <a:p>
+            <a:pPr lvl="1"/>
+            <a:r>
+              <a:rPr lang="en-US" dirty="0"/>
+              <a:t>We can start training, leave it be, and monitor it via a webpage. </a:t>
+            </a:r>
           </a:p>
         </p:txBody>
       </p:sp>
     </p:spTree>
     <p:extLst>
       <p:ext uri="{BB962C8B-B14F-4D97-AF65-F5344CB8AC3E}">
-        <p14:creationId xmlns:p14="http://schemas.microsoft.com/office/powerpoint/2010/main" val="1825199715"/>
+        <p14:creationId xmlns:p14="http://schemas.microsoft.com/office/powerpoint/2010/main" val="1856639837"/>
+      </p:ext>
+    </p:extLst>
+  </p:cSld>
+  <p:clrMapOvr>
+    <a:masterClrMapping/>
+  </p:clrMapOvr>
+</p:sld>
+</file>
+
+<file path=ppt/slides/slide7.xml><?xml version="1.0" encoding="utf-8"?>
+<p:sld xmlns:a="http://schemas.openxmlformats.org/drawingml/2006/main" xmlns:r="http://schemas.openxmlformats.org/officeDocument/2006/relationships" xmlns:p="http://schemas.openxmlformats.org/presentationml/2006/main">
+  <p:cSld>
+    <p:spTree>
+      <p:nvGrpSpPr>
+        <p:cNvPr id="1" name=""/>
+        <p:cNvGrpSpPr/>
+        <p:nvPr/>
+      </p:nvGrpSpPr>
+      <p:grpSpPr>
+        <a:xfrm>
+          <a:off x="0" y="0"/>
+          <a:ext cx="0" cy="0"/>
+          <a:chOff x="0" y="0"/>
+          <a:chExt cx="0" cy="0"/>
+        </a:xfrm>
+      </p:grpSpPr>
+      <p:sp>
+        <p:nvSpPr>
+          <p:cNvPr id="2" name="Title 1">
+            <a:extLst>
+              <a:ext uri="{FF2B5EF4-FFF2-40B4-BE49-F238E27FC236}">
+                <a16:creationId xmlns:a16="http://schemas.microsoft.com/office/drawing/2014/main" id="{3FBCD252-8C73-3B4A-9A76-CDDC6DF80B03}"/>
+              </a:ext>
+            </a:extLst>
+          </p:cNvPr>
+          <p:cNvSpPr>
+            <a:spLocks noGrp="1"/>
+          </p:cNvSpPr>
+          <p:nvPr>
+            <p:ph type="title"/>
+          </p:nvPr>
+        </p:nvSpPr>
+        <p:spPr>
+          <a:xfrm>
+            <a:off x="1451579" y="804519"/>
+            <a:ext cx="9603275" cy="1049235"/>
+          </a:xfrm>
+        </p:spPr>
+        <p:txBody>
+          <a:bodyPr>
+            <a:normAutofit/>
+          </a:bodyPr>
+          <a:lstStyle/>
+          <a:p>
+            <a:r>
+              <a:rPr lang="en-US" dirty="0" err="1"/>
+              <a:t>Tensorboard</a:t>
+            </a:r>
+            <a:r>
+              <a:rPr lang="en-US" dirty="0"/>
+              <a:t> Monitoring</a:t>
+            </a:r>
+          </a:p>
+        </p:txBody>
+      </p:sp>
+      <p:sp>
+        <p:nvSpPr>
+          <p:cNvPr id="3" name="Content Placeholder 2">
+            <a:extLst>
+              <a:ext uri="{FF2B5EF4-FFF2-40B4-BE49-F238E27FC236}">
+                <a16:creationId xmlns:a16="http://schemas.microsoft.com/office/drawing/2014/main" id="{8E2043A0-5013-9747-9156-5B2BFAA7A796}"/>
+              </a:ext>
+            </a:extLst>
+          </p:cNvPr>
+          <p:cNvSpPr>
+            <a:spLocks noGrp="1"/>
+          </p:cNvSpPr>
+          <p:nvPr>
+            <p:ph idx="1"/>
+          </p:nvPr>
+        </p:nvSpPr>
+        <p:spPr>
+          <a:xfrm>
+            <a:off x="0" y="2015734"/>
+            <a:ext cx="6943725" cy="4037747"/>
+          </a:xfrm>
+        </p:spPr>
+        <p:txBody>
+          <a:bodyPr>
+            <a:normAutofit/>
+          </a:bodyPr>
+          <a:lstStyle/>
+          <a:p>
+            <a:r>
+              <a:rPr lang="en-US" dirty="0"/>
+              <a:t>We are used to using several tools to monitor network results. </a:t>
+            </a:r>
+          </a:p>
+          <a:p>
+            <a:pPr lvl="1"/>
+            <a:r>
+              <a:rPr lang="en-US" dirty="0"/>
+              <a:t>Epoch by epoch text printouts. </a:t>
+            </a:r>
+          </a:p>
+          <a:p>
+            <a:pPr lvl="1"/>
+            <a:r>
+              <a:rPr lang="en-US" dirty="0"/>
+              <a:t>Plotting of loss from history. </a:t>
+            </a:r>
+          </a:p>
+          <a:p>
+            <a:r>
+              <a:rPr lang="en-US" dirty="0" err="1"/>
+              <a:t>Tensorboard</a:t>
+            </a:r>
+            <a:r>
+              <a:rPr lang="en-US" dirty="0"/>
+              <a:t> is a tool from </a:t>
+            </a:r>
+            <a:r>
+              <a:rPr lang="en-US" dirty="0" err="1"/>
+              <a:t>Keras</a:t>
+            </a:r>
+            <a:r>
+              <a:rPr lang="en-US" dirty="0"/>
+              <a:t> that makes this process nicer. </a:t>
+            </a:r>
+          </a:p>
+          <a:p>
+            <a:r>
+              <a:rPr lang="en-US" dirty="0"/>
+              <a:t>We can use </a:t>
+            </a:r>
+            <a:r>
+              <a:rPr lang="en-US" dirty="0" err="1"/>
+              <a:t>Tensorboard</a:t>
+            </a:r>
+            <a:r>
+              <a:rPr lang="en-US" dirty="0"/>
+              <a:t> to get a “modern” dashboard to monitor training results. </a:t>
+            </a:r>
+          </a:p>
+          <a:p>
+            <a:r>
+              <a:rPr lang="en-US" dirty="0"/>
+              <a:t>In ‘real’ applications, we’d run </a:t>
+            </a:r>
+            <a:r>
+              <a:rPr lang="en-US" dirty="0" err="1"/>
+              <a:t>tensorboard</a:t>
+            </a:r>
+            <a:r>
+              <a:rPr lang="en-US" dirty="0"/>
+              <a:t> on the server, and connect to it via the web from anywhere. </a:t>
+            </a:r>
+          </a:p>
+          <a:p>
+            <a:pPr lvl="1"/>
+            <a:r>
+              <a:rPr lang="en-US" dirty="0"/>
+              <a:t>You can try locally, it will tell you port when starting. </a:t>
+            </a:r>
+          </a:p>
+        </p:txBody>
+      </p:sp>
+      <p:pic>
+        <p:nvPicPr>
+          <p:cNvPr id="1026" name="Picture 2" descr="Tensorboard with PyTorch | NaadiSpeaks">
+            <a:extLst>
+              <a:ext uri="{FF2B5EF4-FFF2-40B4-BE49-F238E27FC236}">
+                <a16:creationId xmlns:a16="http://schemas.microsoft.com/office/drawing/2014/main" id="{AE6341D0-139B-FC43-913F-EBF14DDABFD6}"/>
+              </a:ext>
+            </a:extLst>
+          </p:cNvPr>
+          <p:cNvPicPr>
+            <a:picLocks noChangeAspect="1" noChangeArrowheads="1"/>
+          </p:cNvPicPr>
+          <p:nvPr/>
+        </p:nvPicPr>
+        <p:blipFill rotWithShape="1">
+          <a:blip r:embed="rId2">
+            <a:extLst>
+              <a:ext uri="{28A0092B-C50C-407E-A947-70E740481C1C}">
+                <a14:useLocalDpi xmlns:a14="http://schemas.microsoft.com/office/drawing/2010/main" val="0"/>
+              </a:ext>
+            </a:extLst>
+          </a:blip>
+          <a:srcRect r="18996" b="5603"/>
+          <a:stretch/>
+        </p:blipFill>
+        <p:spPr bwMode="auto">
+          <a:xfrm>
+            <a:off x="6943725" y="1414833"/>
+            <a:ext cx="5248275" cy="5443167"/>
+          </a:xfrm>
+          <a:prstGeom prst="rect">
+            <a:avLst/>
+          </a:prstGeom>
+          <a:noFill/>
+          <a:extLst>
+            <a:ext uri="{909E8E84-426E-40DD-AFC4-6F175D3DCCD1}">
+              <a14:hiddenFill xmlns:a14="http://schemas.microsoft.com/office/drawing/2010/main">
+                <a:solidFill>
+                  <a:srgbClr val="FFFFFF"/>
+                </a:solidFill>
+              </a14:hiddenFill>
+            </a:ext>
+          </a:extLst>
+        </p:spPr>
+      </p:pic>
+    </p:spTree>
+    <p:extLst>
+      <p:ext uri="{BB962C8B-B14F-4D97-AF65-F5344CB8AC3E}">
+        <p14:creationId xmlns:p14="http://schemas.microsoft.com/office/powerpoint/2010/main" val="1951310974"/>
       </p:ext>
     </p:extLst>
   </p:cSld>
@@ -9789,7 +9935,7 @@
           <p:cNvPr id="2" name="Title 1">
             <a:extLst>
               <a:ext uri="{FF2B5EF4-FFF2-40B4-BE49-F238E27FC236}">
-                <a16:creationId xmlns:a16="http://schemas.microsoft.com/office/drawing/2014/main" id="{DFC5DF31-B583-78F0-FD49-B357B7BAF689}"/>
+                <a16:creationId xmlns:a16="http://schemas.microsoft.com/office/drawing/2014/main" id="{773997A9-EBE8-16CD-615F-6474212A3217}"/>
               </a:ext>
             </a:extLst>
           </p:cNvPr>
@@ -9806,9 +9952,10 @@
           <a:lstStyle/>
           <a:p>
             <a:r>
-              <a:rPr lang="en-US" dirty="0"/>
-              <a:t>Dataset Differences</a:t>
-            </a:r>
+              <a:rPr lang="en-US" dirty="0" err="1"/>
+              <a:t>Tensorboard</a:t>
+            </a:r>
+            <a:endParaRPr lang="en-US" dirty="0"/>
           </a:p>
         </p:txBody>
       </p:sp>
@@ -9817,7 +9964,7 @@
           <p:cNvPr id="3" name="Content Placeholder 2">
             <a:extLst>
               <a:ext uri="{FF2B5EF4-FFF2-40B4-BE49-F238E27FC236}">
-                <a16:creationId xmlns:a16="http://schemas.microsoft.com/office/drawing/2014/main" id="{5542204F-E1BB-0AD8-1274-62771C00F97C}"/>
+                <a16:creationId xmlns:a16="http://schemas.microsoft.com/office/drawing/2014/main" id="{46618571-5092-5208-F239-781041E284A1}"/>
               </a:ext>
             </a:extLst>
           </p:cNvPr>
@@ -9839,70 +9986,73 @@
           <a:lstStyle/>
           <a:p>
             <a:r>
-              <a:rPr lang="en-US" dirty="0"/>
-              <a:t>Most useful neural networks are trained on large amounts of data. </a:t>
-            </a:r>
-          </a:p>
-          <a:p>
-            <a:pPr lvl="1"/>
-            <a:r>
-              <a:rPr lang="en-US" dirty="0"/>
-              <a:t>The larger the data, the more the capabilities of neural networks become useful. </a:t>
-            </a:r>
-          </a:p>
-          <a:p>
-            <a:r>
-              <a:rPr lang="en-US" dirty="0"/>
-              <a:t>These datasets are not as easy to manage as a </a:t>
-            </a:r>
-            <a:r>
               <a:rPr lang="en-US" dirty="0" err="1"/>
-              <a:t>dataframe</a:t>
-            </a:r>
-            <a:r>
-              <a:rPr lang="en-US" dirty="0"/>
-              <a:t> with small amounts. </a:t>
-            </a:r>
-          </a:p>
-          <a:p>
-            <a:pPr lvl="1"/>
-            <a:r>
-              <a:rPr lang="en-US" dirty="0"/>
-              <a:t>Data will often exceed the memory of the computer or GPU. </a:t>
-            </a:r>
-          </a:p>
-          <a:p>
-            <a:pPr lvl="1"/>
-            <a:r>
-              <a:rPr lang="en-US" dirty="0"/>
-              <a:t>“Swapping” (using a HD as ‘extra’ memory, like Windows does) is impractical here. </a:t>
-            </a:r>
-          </a:p>
-          <a:p>
-            <a:pPr lvl="1"/>
-            <a:r>
-              <a:rPr lang="en-US" dirty="0"/>
-              <a:t>If we exceed the memory of the system, we are done. </a:t>
-            </a:r>
-          </a:p>
-          <a:p>
-            <a:r>
-              <a:rPr lang="en-US" dirty="0"/>
-              <a:t>We can create special purpose datasets that are smarter for neural networks. </a:t>
-            </a:r>
-          </a:p>
-          <a:p>
-            <a:pPr lvl="1"/>
-            <a:r>
-              <a:rPr lang="en-US" dirty="0"/>
-              <a:t>Able to manage data that is larger than the available memory. </a:t>
-            </a:r>
-          </a:p>
-          <a:p>
-            <a:pPr lvl="1"/>
-            <a:r>
-              <a:rPr lang="en-US" dirty="0"/>
-              <a:t>Able to manage some of the preparation work on their own to help efficiency. </a:t>
+              <a:t>Tensorboard</a:t>
+            </a:r>
+            <a:r>
+              <a:rPr lang="en-US" dirty="0"/>
+              <a:t> can show lots of stuff and is largely customizable. </a:t>
+            </a:r>
+          </a:p>
+          <a:p>
+            <a:pPr lvl="1"/>
+            <a:r>
+              <a:rPr lang="en-US" dirty="0"/>
+              <a:t>There are lots of examples of how to put things into it online. </a:t>
+            </a:r>
+          </a:p>
+          <a:p>
+            <a:r>
+              <a:rPr lang="en-US" dirty="0"/>
+              <a:t>We’ll use it for the basic monitoring mostly. </a:t>
+            </a:r>
+          </a:p>
+          <a:p>
+            <a:r>
+              <a:rPr lang="en-US" dirty="0"/>
+              <a:t>Key usage:</a:t>
+            </a:r>
+          </a:p>
+          <a:p>
+            <a:pPr lvl="1"/>
+            <a:r>
+              <a:rPr lang="en-US" dirty="0"/>
+              <a:t>Start training on the server you’re using. </a:t>
+            </a:r>
+          </a:p>
+          <a:p>
+            <a:pPr lvl="1"/>
+            <a:r>
+              <a:rPr lang="en-US" dirty="0"/>
+              <a:t>Launch </a:t>
+            </a:r>
+            <a:r>
+              <a:rPr lang="en-US" dirty="0" err="1"/>
+              <a:t>tensorboard</a:t>
+            </a:r>
+            <a:r>
+              <a:rPr lang="en-US" dirty="0"/>
+              <a:t> to monitor it. </a:t>
+            </a:r>
+          </a:p>
+          <a:p>
+            <a:pPr lvl="1"/>
+            <a:r>
+              <a:rPr lang="en-US" dirty="0"/>
+              <a:t>Connect to the web page remotely while the server works. </a:t>
+            </a:r>
+          </a:p>
+          <a:p>
+            <a:r>
+              <a:rPr lang="en-US" dirty="0"/>
+              <a:t>Works mainly by monitoring log files. </a:t>
+            </a:r>
+          </a:p>
+          <a:p>
+            <a:pPr lvl="1"/>
+            <a:r>
+              <a:rPr lang="en-US" dirty="0"/>
+              <a:t>We set a log file directory to monitor, and write logs there via callbacks. </a:t>
             </a:r>
           </a:p>
         </p:txBody>
@@ -9910,7 +10060,7 @@
     </p:spTree>
     <p:extLst>
       <p:ext uri="{BB962C8B-B14F-4D97-AF65-F5344CB8AC3E}">
-        <p14:creationId xmlns:p14="http://schemas.microsoft.com/office/powerpoint/2010/main" val="1893682776"/>
+        <p14:creationId xmlns:p14="http://schemas.microsoft.com/office/powerpoint/2010/main" val="1969605170"/>
       </p:ext>
     </p:extLst>
   </p:cSld>
@@ -9942,7 +10092,7 @@
           <p:cNvPr id="2" name="Title 1">
             <a:extLst>
               <a:ext uri="{FF2B5EF4-FFF2-40B4-BE49-F238E27FC236}">
-                <a16:creationId xmlns:a16="http://schemas.microsoft.com/office/drawing/2014/main" id="{B26CD158-C026-5396-FA3B-710B19FFE473}"/>
+                <a16:creationId xmlns:a16="http://schemas.microsoft.com/office/drawing/2014/main" id="{C2B3041B-70F8-3020-38D5-6EACDB24C7F6}"/>
               </a:ext>
             </a:extLst>
           </p:cNvPr>
@@ -9959,13 +10109,14 @@
           <a:lstStyle/>
           <a:p>
             <a:r>
+              <a:rPr lang="en-US" dirty="0"/>
+              <a:t>Using </a:t>
+            </a:r>
+            <a:r>
               <a:rPr lang="en-US" dirty="0" err="1"/>
-              <a:t>Tensorflow</a:t>
-            </a:r>
-            <a:r>
-              <a:rPr lang="en-US" dirty="0"/>
-              <a:t> Datasets</a:t>
-            </a:r>
+              <a:t>Tensorboard</a:t>
+            </a:r>
+            <a:endParaRPr lang="en-US" dirty="0"/>
           </a:p>
         </p:txBody>
       </p:sp>
@@ -9974,7 +10125,7 @@
           <p:cNvPr id="3" name="Content Placeholder 2">
             <a:extLst>
               <a:ext uri="{FF2B5EF4-FFF2-40B4-BE49-F238E27FC236}">
-                <a16:creationId xmlns:a16="http://schemas.microsoft.com/office/drawing/2014/main" id="{933995A6-8480-7422-75CE-04E9E31664EA}"/>
+                <a16:creationId xmlns:a16="http://schemas.microsoft.com/office/drawing/2014/main" id="{D09E8C52-771D-8638-0D73-8253C050A362}"/>
               </a:ext>
             </a:extLst>
           </p:cNvPr>
@@ -9985,95 +10136,63 @@
             <p:ph idx="1"/>
           </p:nvPr>
         </p:nvSpPr>
-        <p:spPr>
-          <a:xfrm>
-            <a:off x="1451579" y="1853754"/>
-            <a:ext cx="9603275" cy="4199727"/>
-          </a:xfrm>
-        </p:spPr>
+        <p:spPr/>
         <p:txBody>
           <a:bodyPr/>
           <a:lstStyle/>
           <a:p>
             <a:r>
               <a:rPr lang="en-US" dirty="0" err="1"/>
-              <a:t>Tensorflow</a:t>
-            </a:r>
-            <a:r>
-              <a:rPr lang="en-US" dirty="0"/>
-              <a:t> datasets are a container that hold data for TF models. </a:t>
-            </a:r>
-          </a:p>
-          <a:p>
-            <a:pPr lvl="1"/>
-            <a:r>
-              <a:rPr lang="en-US" dirty="0"/>
-              <a:t>For our purposes, these will replace a </a:t>
+              <a:t>Tensorboard</a:t>
+            </a:r>
+            <a:r>
+              <a:rPr lang="en-US" dirty="0"/>
+              <a:t> can do a lot of things and is very flexible. </a:t>
+            </a:r>
+          </a:p>
+          <a:p>
+            <a:r>
+              <a:rPr lang="en-US" dirty="0"/>
+              <a:t>Almost anything that you can write to a log can be sent to TB. </a:t>
+            </a:r>
+          </a:p>
+          <a:p>
+            <a:r>
+              <a:rPr lang="en-US" dirty="0"/>
+              <a:t>We can create custom callbacks that log whatever we care about. </a:t>
+            </a:r>
+          </a:p>
+          <a:p>
+            <a:r>
+              <a:rPr lang="en-US" dirty="0"/>
+              <a:t>Note: the </a:t>
             </a:r>
             <a:r>
               <a:rPr lang="en-US" dirty="0" err="1"/>
-              <a:t>dataframe</a:t>
-            </a:r>
-            <a:r>
-              <a:rPr lang="en-US" dirty="0"/>
-              <a:t>. </a:t>
-            </a:r>
-          </a:p>
-          <a:p>
-            <a:r>
-              <a:rPr lang="en-US" dirty="0"/>
-              <a:t>The TF datasets are generally made by ‘aiming at’ data, not by ‘giving them’ data.</a:t>
-            </a:r>
-          </a:p>
-          <a:p>
-            <a:pPr lvl="1"/>
-            <a:r>
-              <a:rPr lang="en-US" dirty="0"/>
-              <a:t>For images, we will point it at the directory on disk. </a:t>
-            </a:r>
-          </a:p>
-          <a:p>
-            <a:pPr lvl="1"/>
-            <a:r>
-              <a:rPr lang="en-US" dirty="0"/>
-              <a:t>For other stuff, like text, video, databases, we’d use an equivalent. </a:t>
-            </a:r>
-          </a:p>
-          <a:p>
-            <a:r>
-              <a:rPr lang="en-US" dirty="0"/>
-              <a:t>The datasets are “smart” in some ways. </a:t>
-            </a:r>
-          </a:p>
-          <a:p>
-            <a:pPr lvl="1"/>
-            <a:r>
-              <a:rPr lang="en-US" dirty="0"/>
-              <a:t>They can manage some work to maximize resource utilization. </a:t>
-            </a:r>
-          </a:p>
-          <a:p>
-            <a:pPr lvl="1"/>
-            <a:r>
-              <a:rPr lang="en-US" dirty="0"/>
-              <a:t>Can build things like batch size into the data. </a:t>
-            </a:r>
-          </a:p>
-          <a:p>
-            <a:r>
-              <a:rPr lang="en-US" dirty="0"/>
-              <a:t>We generally need to get data ‘out’ of one to look at it – plot, calculate, </a:t>
+              <a:t>tensorboard</a:t>
+            </a:r>
+            <a:r>
+              <a:rPr lang="en-US" dirty="0"/>
+              <a:t> stuff is a little simpler/cleaner when we have one model only. </a:t>
+            </a:r>
+          </a:p>
+          <a:p>
+            <a:pPr lvl="1"/>
+            <a:r>
+              <a:rPr lang="en-US" dirty="0"/>
+              <a:t>There’s a Boolean switch HPARAMS that controls which gets </a:t>
             </a:r>
             <a:r>
               <a:rPr lang="en-US" dirty="0" err="1"/>
-              <a:t>etc</a:t>
-            </a:r>
-            <a:r>
-              <a:rPr lang="en-US" dirty="0"/>
-              <a:t>…</a:t>
-            </a:r>
-          </a:p>
-          <a:p>
+              <a:t>tensorboarded</a:t>
+            </a:r>
+            <a:r>
+              <a:rPr lang="en-US" dirty="0"/>
+              <a:t> in the workbook </a:t>
+            </a:r>
+          </a:p>
+          <a:p>
+            <a:pPr lvl="1"/>
             <a:endParaRPr lang="en-US" dirty="0"/>
           </a:p>
         </p:txBody>
@@ -10081,7 +10200,7 @@
     </p:spTree>
     <p:extLst>
       <p:ext uri="{BB962C8B-B14F-4D97-AF65-F5344CB8AC3E}">
-        <p14:creationId xmlns:p14="http://schemas.microsoft.com/office/powerpoint/2010/main" val="4104440470"/>
+        <p14:creationId xmlns:p14="http://schemas.microsoft.com/office/powerpoint/2010/main" val="1507163619"/>
       </p:ext>
     </p:extLst>
   </p:cSld>
